--- a/documentacion/Microservices.pptx
+++ b/documentacion/Microservices.pptx
@@ -104,6 +104,11 @@
       </a:defRPr>
     </a:lvl9pPr>
   </p:defaultTextStyle>
+  <p:extLst>
+    <p:ext uri="{EFAFB233-063F-42B5-8137-9DF3F51BA10A}">
+      <p15:sldGuideLst xmlns:p15="http://schemas.microsoft.com/office/powerpoint/2012/main"/>
+    </p:ext>
+  </p:extLst>
 </p:presentation>
 </file>
 
@@ -256,9 +261,9 @@
           <a:p>
             <a:fld id="{E1A8A860-3B45-4499-A28E-2E0FC2646236}" type="datetimeFigureOut">
               <a:rPr lang="es-ES" smtClean="0"/>
-              <a:t>25/04/2022</a:t>
+              <a:t>26/04/2022</a:t>
             </a:fld>
-            <a:endParaRPr lang="es-ES"/>
+            <a:endParaRPr lang="es-ES" dirty="0"/>
           </a:p>
         </p:txBody>
       </p:sp>
@@ -283,7 +288,7 @@
           <a:bodyPr/>
           <a:lstStyle/>
           <a:p>
-            <a:endParaRPr lang="es-ES"/>
+            <a:endParaRPr lang="es-ES" dirty="0"/>
           </a:p>
         </p:txBody>
       </p:sp>
@@ -312,7 +317,7 @@
               <a:rPr lang="es-ES" smtClean="0"/>
               <a:t>‹#›</a:t>
             </a:fld>
-            <a:endParaRPr lang="es-ES"/>
+            <a:endParaRPr lang="es-ES" dirty="0"/>
           </a:p>
         </p:txBody>
       </p:sp>
@@ -456,9 +461,9 @@
           <a:p>
             <a:fld id="{E1A8A860-3B45-4499-A28E-2E0FC2646236}" type="datetimeFigureOut">
               <a:rPr lang="es-ES" smtClean="0"/>
-              <a:t>25/04/2022</a:t>
+              <a:t>26/04/2022</a:t>
             </a:fld>
-            <a:endParaRPr lang="es-ES"/>
+            <a:endParaRPr lang="es-ES" dirty="0"/>
           </a:p>
         </p:txBody>
       </p:sp>
@@ -483,7 +488,7 @@
           <a:bodyPr/>
           <a:lstStyle/>
           <a:p>
-            <a:endParaRPr lang="es-ES"/>
+            <a:endParaRPr lang="es-ES" dirty="0"/>
           </a:p>
         </p:txBody>
       </p:sp>
@@ -512,7 +517,7 @@
               <a:rPr lang="es-ES" smtClean="0"/>
               <a:t>‹#›</a:t>
             </a:fld>
-            <a:endParaRPr lang="es-ES"/>
+            <a:endParaRPr lang="es-ES" dirty="0"/>
           </a:p>
         </p:txBody>
       </p:sp>
@@ -666,9 +671,9 @@
           <a:p>
             <a:fld id="{E1A8A860-3B45-4499-A28E-2E0FC2646236}" type="datetimeFigureOut">
               <a:rPr lang="es-ES" smtClean="0"/>
-              <a:t>25/04/2022</a:t>
+              <a:t>26/04/2022</a:t>
             </a:fld>
-            <a:endParaRPr lang="es-ES"/>
+            <a:endParaRPr lang="es-ES" dirty="0"/>
           </a:p>
         </p:txBody>
       </p:sp>
@@ -693,7 +698,7 @@
           <a:bodyPr/>
           <a:lstStyle/>
           <a:p>
-            <a:endParaRPr lang="es-ES"/>
+            <a:endParaRPr lang="es-ES" dirty="0"/>
           </a:p>
         </p:txBody>
       </p:sp>
@@ -722,7 +727,7 @@
               <a:rPr lang="es-ES" smtClean="0"/>
               <a:t>‹#›</a:t>
             </a:fld>
-            <a:endParaRPr lang="es-ES"/>
+            <a:endParaRPr lang="es-ES" dirty="0"/>
           </a:p>
         </p:txBody>
       </p:sp>
@@ -866,9 +871,9 @@
           <a:p>
             <a:fld id="{E1A8A860-3B45-4499-A28E-2E0FC2646236}" type="datetimeFigureOut">
               <a:rPr lang="es-ES" smtClean="0"/>
-              <a:t>25/04/2022</a:t>
+              <a:t>26/04/2022</a:t>
             </a:fld>
-            <a:endParaRPr lang="es-ES"/>
+            <a:endParaRPr lang="es-ES" dirty="0"/>
           </a:p>
         </p:txBody>
       </p:sp>
@@ -893,7 +898,7 @@
           <a:bodyPr/>
           <a:lstStyle/>
           <a:p>
-            <a:endParaRPr lang="es-ES"/>
+            <a:endParaRPr lang="es-ES" dirty="0"/>
           </a:p>
         </p:txBody>
       </p:sp>
@@ -922,7 +927,7 @@
               <a:rPr lang="es-ES" smtClean="0"/>
               <a:t>‹#›</a:t>
             </a:fld>
-            <a:endParaRPr lang="es-ES"/>
+            <a:endParaRPr lang="es-ES" dirty="0"/>
           </a:p>
         </p:txBody>
       </p:sp>
@@ -1142,9 +1147,9 @@
           <a:p>
             <a:fld id="{E1A8A860-3B45-4499-A28E-2E0FC2646236}" type="datetimeFigureOut">
               <a:rPr lang="es-ES" smtClean="0"/>
-              <a:t>25/04/2022</a:t>
+              <a:t>26/04/2022</a:t>
             </a:fld>
-            <a:endParaRPr lang="es-ES"/>
+            <a:endParaRPr lang="es-ES" dirty="0"/>
           </a:p>
         </p:txBody>
       </p:sp>
@@ -1169,7 +1174,7 @@
           <a:bodyPr/>
           <a:lstStyle/>
           <a:p>
-            <a:endParaRPr lang="es-ES"/>
+            <a:endParaRPr lang="es-ES" dirty="0"/>
           </a:p>
         </p:txBody>
       </p:sp>
@@ -1198,7 +1203,7 @@
               <a:rPr lang="es-ES" smtClean="0"/>
               <a:t>‹#›</a:t>
             </a:fld>
-            <a:endParaRPr lang="es-ES"/>
+            <a:endParaRPr lang="es-ES" dirty="0"/>
           </a:p>
         </p:txBody>
       </p:sp>
@@ -1410,9 +1415,9 @@
           <a:p>
             <a:fld id="{E1A8A860-3B45-4499-A28E-2E0FC2646236}" type="datetimeFigureOut">
               <a:rPr lang="es-ES" smtClean="0"/>
-              <a:t>25/04/2022</a:t>
+              <a:t>26/04/2022</a:t>
             </a:fld>
-            <a:endParaRPr lang="es-ES"/>
+            <a:endParaRPr lang="es-ES" dirty="0"/>
           </a:p>
         </p:txBody>
       </p:sp>
@@ -1437,7 +1442,7 @@
           <a:bodyPr/>
           <a:lstStyle/>
           <a:p>
-            <a:endParaRPr lang="es-ES"/>
+            <a:endParaRPr lang="es-ES" dirty="0"/>
           </a:p>
         </p:txBody>
       </p:sp>
@@ -1466,7 +1471,7 @@
               <a:rPr lang="es-ES" smtClean="0"/>
               <a:t>‹#›</a:t>
             </a:fld>
-            <a:endParaRPr lang="es-ES"/>
+            <a:endParaRPr lang="es-ES" dirty="0"/>
           </a:p>
         </p:txBody>
       </p:sp>
@@ -1825,9 +1830,9 @@
           <a:p>
             <a:fld id="{E1A8A860-3B45-4499-A28E-2E0FC2646236}" type="datetimeFigureOut">
               <a:rPr lang="es-ES" smtClean="0"/>
-              <a:t>25/04/2022</a:t>
+              <a:t>26/04/2022</a:t>
             </a:fld>
-            <a:endParaRPr lang="es-ES"/>
+            <a:endParaRPr lang="es-ES" dirty="0"/>
           </a:p>
         </p:txBody>
       </p:sp>
@@ -1852,7 +1857,7 @@
           <a:bodyPr/>
           <a:lstStyle/>
           <a:p>
-            <a:endParaRPr lang="es-ES"/>
+            <a:endParaRPr lang="es-ES" dirty="0"/>
           </a:p>
         </p:txBody>
       </p:sp>
@@ -1881,7 +1886,7 @@
               <a:rPr lang="es-ES" smtClean="0"/>
               <a:t>‹#›</a:t>
             </a:fld>
-            <a:endParaRPr lang="es-ES"/>
+            <a:endParaRPr lang="es-ES" dirty="0"/>
           </a:p>
         </p:txBody>
       </p:sp>
@@ -1967,9 +1972,9 @@
           <a:p>
             <a:fld id="{E1A8A860-3B45-4499-A28E-2E0FC2646236}" type="datetimeFigureOut">
               <a:rPr lang="es-ES" smtClean="0"/>
-              <a:t>25/04/2022</a:t>
+              <a:t>26/04/2022</a:t>
             </a:fld>
-            <a:endParaRPr lang="es-ES"/>
+            <a:endParaRPr lang="es-ES" dirty="0"/>
           </a:p>
         </p:txBody>
       </p:sp>
@@ -1994,7 +1999,7 @@
           <a:bodyPr/>
           <a:lstStyle/>
           <a:p>
-            <a:endParaRPr lang="es-ES"/>
+            <a:endParaRPr lang="es-ES" dirty="0"/>
           </a:p>
         </p:txBody>
       </p:sp>
@@ -2023,7 +2028,7 @@
               <a:rPr lang="es-ES" smtClean="0"/>
               <a:t>‹#›</a:t>
             </a:fld>
-            <a:endParaRPr lang="es-ES"/>
+            <a:endParaRPr lang="es-ES" dirty="0"/>
           </a:p>
         </p:txBody>
       </p:sp>
@@ -2080,9 +2085,9 @@
           <a:p>
             <a:fld id="{E1A8A860-3B45-4499-A28E-2E0FC2646236}" type="datetimeFigureOut">
               <a:rPr lang="es-ES" smtClean="0"/>
-              <a:t>25/04/2022</a:t>
+              <a:t>26/04/2022</a:t>
             </a:fld>
-            <a:endParaRPr lang="es-ES"/>
+            <a:endParaRPr lang="es-ES" dirty="0"/>
           </a:p>
         </p:txBody>
       </p:sp>
@@ -2107,7 +2112,7 @@
           <a:bodyPr/>
           <a:lstStyle/>
           <a:p>
-            <a:endParaRPr lang="es-ES"/>
+            <a:endParaRPr lang="es-ES" dirty="0"/>
           </a:p>
         </p:txBody>
       </p:sp>
@@ -2136,7 +2141,7 @@
               <a:rPr lang="es-ES" smtClean="0"/>
               <a:t>‹#›</a:t>
             </a:fld>
-            <a:endParaRPr lang="es-ES"/>
+            <a:endParaRPr lang="es-ES" dirty="0"/>
           </a:p>
         </p:txBody>
       </p:sp>
@@ -2393,9 +2398,9 @@
           <a:p>
             <a:fld id="{E1A8A860-3B45-4499-A28E-2E0FC2646236}" type="datetimeFigureOut">
               <a:rPr lang="es-ES" smtClean="0"/>
-              <a:t>25/04/2022</a:t>
+              <a:t>26/04/2022</a:t>
             </a:fld>
-            <a:endParaRPr lang="es-ES"/>
+            <a:endParaRPr lang="es-ES" dirty="0"/>
           </a:p>
         </p:txBody>
       </p:sp>
@@ -2420,7 +2425,7 @@
           <a:bodyPr/>
           <a:lstStyle/>
           <a:p>
-            <a:endParaRPr lang="es-ES"/>
+            <a:endParaRPr lang="es-ES" dirty="0"/>
           </a:p>
         </p:txBody>
       </p:sp>
@@ -2449,7 +2454,7 @@
               <a:rPr lang="es-ES" smtClean="0"/>
               <a:t>‹#›</a:t>
             </a:fld>
-            <a:endParaRPr lang="es-ES"/>
+            <a:endParaRPr lang="es-ES" dirty="0"/>
           </a:p>
         </p:txBody>
       </p:sp>
@@ -2584,7 +2589,7 @@
             </a:lvl9pPr>
           </a:lstStyle>
           <a:p>
-            <a:endParaRPr lang="es-ES"/>
+            <a:endParaRPr lang="es-ES" dirty="0"/>
           </a:p>
         </p:txBody>
       </p:sp>
@@ -2682,9 +2687,9 @@
           <a:p>
             <a:fld id="{E1A8A860-3B45-4499-A28E-2E0FC2646236}" type="datetimeFigureOut">
               <a:rPr lang="es-ES" smtClean="0"/>
-              <a:t>25/04/2022</a:t>
+              <a:t>26/04/2022</a:t>
             </a:fld>
-            <a:endParaRPr lang="es-ES"/>
+            <a:endParaRPr lang="es-ES" dirty="0"/>
           </a:p>
         </p:txBody>
       </p:sp>
@@ -2709,7 +2714,7 @@
           <a:bodyPr/>
           <a:lstStyle/>
           <a:p>
-            <a:endParaRPr lang="es-ES"/>
+            <a:endParaRPr lang="es-ES" dirty="0"/>
           </a:p>
         </p:txBody>
       </p:sp>
@@ -2738,7 +2743,7 @@
               <a:rPr lang="es-ES" smtClean="0"/>
               <a:t>‹#›</a:t>
             </a:fld>
-            <a:endParaRPr lang="es-ES"/>
+            <a:endParaRPr lang="es-ES" dirty="0"/>
           </a:p>
         </p:txBody>
       </p:sp>
@@ -2934,9 +2939,9 @@
           <a:p>
             <a:fld id="{E1A8A860-3B45-4499-A28E-2E0FC2646236}" type="datetimeFigureOut">
               <a:rPr lang="es-ES" smtClean="0"/>
-              <a:t>25/04/2022</a:t>
+              <a:t>26/04/2022</a:t>
             </a:fld>
-            <a:endParaRPr lang="es-ES"/>
+            <a:endParaRPr lang="es-ES" dirty="0"/>
           </a:p>
         </p:txBody>
       </p:sp>
@@ -2979,7 +2984,7 @@
             </a:lvl1pPr>
           </a:lstStyle>
           <a:p>
-            <a:endParaRPr lang="es-ES"/>
+            <a:endParaRPr lang="es-ES" dirty="0"/>
           </a:p>
         </p:txBody>
       </p:sp>
@@ -3026,7 +3031,7 @@
               <a:rPr lang="es-ES" smtClean="0"/>
               <a:t>‹#›</a:t>
             </a:fld>
-            <a:endParaRPr lang="es-ES"/>
+            <a:endParaRPr lang="es-ES" dirty="0"/>
           </a:p>
         </p:txBody>
       </p:sp>
@@ -3393,8 +3398,8 @@
         </p:blipFill>
         <p:spPr>
           <a:xfrm>
-            <a:off x="436756" y="1967470"/>
-            <a:ext cx="968180" cy="890262"/>
+            <a:off x="94881" y="2260201"/>
+            <a:ext cx="861272" cy="755152"/>
           </a:xfrm>
           <a:prstGeom prst="rect">
             <a:avLst/>
@@ -3429,7 +3434,7 @@
         </p:blipFill>
         <p:spPr>
           <a:xfrm>
-            <a:off x="525517" y="5808508"/>
+            <a:off x="199628" y="5800824"/>
             <a:ext cx="772511" cy="662927"/>
           </a:xfrm>
           <a:prstGeom prst="rect">
@@ -3450,9 +3455,9 @@
           <p:nvPr/>
         </p:nvSpPr>
         <p:spPr>
-          <a:xfrm rot="1073524">
-            <a:off x="1313585" y="2961077"/>
-            <a:ext cx="2884716" cy="388297"/>
+          <a:xfrm rot="5400000">
+            <a:off x="61694" y="3463480"/>
+            <a:ext cx="1086918" cy="253368"/>
           </a:xfrm>
           <a:prstGeom prst="rightArrow">
             <a:avLst/>
@@ -3484,7 +3489,7 @@
           <a:lstStyle/>
           <a:p>
             <a:pPr algn="ctr"/>
-            <a:endParaRPr lang="es-ES"/>
+            <a:endParaRPr lang="es-ES" dirty="0"/>
           </a:p>
         </p:txBody>
       </p:sp>
@@ -3502,7 +3507,7 @@
         </p:nvSpPr>
         <p:spPr>
           <a:xfrm>
-            <a:off x="1536151" y="5899862"/>
+            <a:off x="1015607" y="5933163"/>
             <a:ext cx="2520842" cy="346795"/>
           </a:xfrm>
           <a:prstGeom prst="rightArrow">
@@ -3535,7 +3540,7 @@
           <a:lstStyle/>
           <a:p>
             <a:pPr algn="ctr"/>
-            <a:endParaRPr lang="es-ES"/>
+            <a:endParaRPr lang="es-ES" dirty="0"/>
           </a:p>
         </p:txBody>
       </p:sp>
@@ -3552,9 +3557,9 @@
           <p:nvPr/>
         </p:nvSpPr>
         <p:spPr>
-          <a:xfrm rot="21022701">
-            <a:off x="1480528" y="1901037"/>
-            <a:ext cx="2769438" cy="380612"/>
+          <a:xfrm>
+            <a:off x="935101" y="2183742"/>
+            <a:ext cx="2004460" cy="240488"/>
           </a:xfrm>
           <a:prstGeom prst="rightArrow">
             <a:avLst/>
@@ -3586,7 +3591,7 @@
           <a:lstStyle/>
           <a:p>
             <a:pPr algn="ctr"/>
-            <a:endParaRPr lang="es-ES"/>
+            <a:endParaRPr lang="es-ES" dirty="0"/>
           </a:p>
         </p:txBody>
       </p:sp>
@@ -3604,13 +3609,17 @@
         </p:nvSpPr>
         <p:spPr>
           <a:xfrm>
-            <a:off x="3829050" y="19434"/>
-            <a:ext cx="4829175" cy="523220"/>
+            <a:off x="3536450" y="19434"/>
+            <a:ext cx="5121776" cy="523220"/>
           </a:xfrm>
           <a:prstGeom prst="rect">
             <a:avLst/>
           </a:prstGeom>
-          <a:noFill/>
+          <a:solidFill>
+            <a:schemeClr val="accent1">
+              <a:lumMod val="50000"/>
+            </a:schemeClr>
+          </a:solidFill>
         </p:spPr>
         <p:txBody>
           <a:bodyPr wrap="square" rtlCol="0">
@@ -3618,12 +3627,13 @@
           </a:bodyPr>
           <a:lstStyle/>
           <a:p>
+            <a:pPr algn="ctr"/>
             <a:r>
               <a:rPr lang="es-AR" sz="2800" u="sng" dirty="0">
                 <a:solidFill>
-                  <a:schemeClr val="accent1">
-                    <a:lumMod val="60000"/>
-                    <a:lumOff val="40000"/>
+                  <a:schemeClr val="accent5">
+                    <a:lumMod val="20000"/>
+                    <a:lumOff val="80000"/>
                   </a:schemeClr>
                 </a:solidFill>
                 <a:latin typeface="Microsoft YaHei UI" panose="020B0503020204020204" pitchFamily="34" charset="-122"/>
@@ -3633,9 +3643,9 @@
             </a:r>
             <a:endParaRPr lang="es-ES" sz="2800" u="sng" dirty="0">
               <a:solidFill>
-                <a:schemeClr val="accent1">
-                  <a:lumMod val="60000"/>
-                  <a:lumOff val="40000"/>
+                <a:schemeClr val="accent5">
+                  <a:lumMod val="20000"/>
+                  <a:lumOff val="80000"/>
                 </a:schemeClr>
               </a:solidFill>
               <a:latin typeface="Microsoft YaHei UI" panose="020B0503020204020204" pitchFamily="34" charset="-122"/>
@@ -3658,7 +3668,7 @@
         </p:nvSpPr>
         <p:spPr>
           <a:xfrm>
-            <a:off x="51693" y="1061024"/>
+            <a:off x="-21285" y="1626130"/>
             <a:ext cx="2596914" cy="523220"/>
           </a:xfrm>
           <a:prstGeom prst="rect">
@@ -3682,19 +3692,7 @@
                 </a:solidFill>
                 <a:latin typeface="Consolas" panose="020B0609020204030204" pitchFamily="49" charset="0"/>
               </a:rPr>
-              <a:t>localhost:5432/</a:t>
-            </a:r>
-            <a:r>
-              <a:rPr lang="es-MX" sz="1400" dirty="0" err="1">
-                <a:solidFill>
-                  <a:schemeClr val="accent6">
-                    <a:lumMod val="60000"/>
-                    <a:lumOff val="40000"/>
-                  </a:schemeClr>
-                </a:solidFill>
-                <a:latin typeface="Consolas" panose="020B0609020204030204" pitchFamily="49" charset="0"/>
-              </a:rPr>
-              <a:t>db_inmobiliaria_microservicios</a:t>
+              <a:t>localhost:5432/db_inmobiliaria_microservicios</a:t>
             </a:r>
             <a:endParaRPr lang="es-ES" sz="1400" dirty="0">
               <a:solidFill>
@@ -3721,7 +3719,7 @@
         </p:nvSpPr>
         <p:spPr>
           <a:xfrm>
-            <a:off x="96332" y="4895259"/>
+            <a:off x="1643" y="5052842"/>
             <a:ext cx="2596915" cy="738664"/>
           </a:xfrm>
           <a:prstGeom prst="rect">
@@ -3770,7 +3768,7 @@
         </p:nvSpPr>
         <p:spPr>
           <a:xfrm>
-            <a:off x="3208733" y="4945993"/>
+            <a:off x="2763271" y="5339115"/>
             <a:ext cx="2874770" cy="523220"/>
           </a:xfrm>
           <a:prstGeom prst="rect">
@@ -3793,18 +3791,7 @@
                 </a:solidFill>
                 <a:latin typeface="Consolas" panose="020B0609020204030204" pitchFamily="49" charset="0"/>
               </a:rPr>
-              <a:t>localhost:8095/</a:t>
-            </a:r>
-            <a:r>
-              <a:rPr lang="es-MX" sz="1400" dirty="0" err="1">
-                <a:solidFill>
-                  <a:schemeClr val="accent4">
-                    <a:lumMod val="75000"/>
-                  </a:schemeClr>
-                </a:solidFill>
-                <a:latin typeface="Consolas" panose="020B0609020204030204" pitchFamily="49" charset="0"/>
-              </a:rPr>
-              <a:t>inspecciones_inmuebles</a:t>
+              <a:t>localhost:8095/inspecciones_inmuebles</a:t>
             </a:r>
             <a:endParaRPr lang="es-ES" sz="1400" dirty="0">
               <a:solidFill>
@@ -3830,7 +3817,7 @@
         </p:nvSpPr>
         <p:spPr>
           <a:xfrm>
-            <a:off x="3232071" y="2591275"/>
+            <a:off x="1376557" y="3046705"/>
             <a:ext cx="2214467" cy="523220"/>
           </a:xfrm>
           <a:prstGeom prst="rect">
@@ -3854,19 +3841,7 @@
                 </a:solidFill>
                 <a:latin typeface="Consolas" panose="020B0609020204030204" pitchFamily="49" charset="0"/>
               </a:rPr>
-              <a:t>localhost:8093/</a:t>
-            </a:r>
-            <a:r>
-              <a:rPr lang="es-MX" sz="1400" dirty="0" err="1">
-                <a:solidFill>
-                  <a:schemeClr val="accent1">
-                    <a:lumMod val="60000"/>
-                    <a:lumOff val="40000"/>
-                  </a:schemeClr>
-                </a:solidFill>
-                <a:latin typeface="Consolas" panose="020B0609020204030204" pitchFamily="49" charset="0"/>
-              </a:rPr>
-              <a:t>propietarios_inmuebles</a:t>
+              <a:t>localhost:8093/propietarios_inmuebles</a:t>
             </a:r>
             <a:endParaRPr lang="es-ES" sz="1400" dirty="0">
               <a:solidFill>
@@ -3893,8 +3868,8 @@
         </p:nvSpPr>
         <p:spPr>
           <a:xfrm>
-            <a:off x="3610111" y="1063212"/>
-            <a:ext cx="2874771" cy="307777"/>
+            <a:off x="2498584" y="1365763"/>
+            <a:ext cx="2596915" cy="307777"/>
           </a:xfrm>
           <a:prstGeom prst="rect">
             <a:avLst/>
@@ -3944,13 +3919,17 @@
         </p:nvSpPr>
         <p:spPr>
           <a:xfrm>
-            <a:off x="1498114" y="6157356"/>
-            <a:ext cx="2596915" cy="276999"/>
+            <a:off x="6827209" y="6274444"/>
+            <a:ext cx="2533474" cy="276999"/>
           </a:xfrm>
           <a:prstGeom prst="rect">
             <a:avLst/>
           </a:prstGeom>
-          <a:noFill/>
+          <a:solidFill>
+            <a:schemeClr val="accent4">
+              <a:lumMod val="75000"/>
+            </a:schemeClr>
+          </a:solidFill>
         </p:spPr>
         <p:txBody>
           <a:bodyPr wrap="square">
@@ -3961,8 +3940,9 @@
             <a:r>
               <a:rPr lang="es-MX" sz="1200" dirty="0">
                 <a:solidFill>
-                  <a:schemeClr val="accent4">
-                    <a:lumMod val="75000"/>
+                  <a:schemeClr val="tx1">
+                    <a:lumMod val="95000"/>
+                    <a:lumOff val="5000"/>
                   </a:schemeClr>
                 </a:solidFill>
                 <a:latin typeface="Consolas" panose="020B0609020204030204" pitchFamily="49" charset="0"/>
@@ -3971,8 +3951,9 @@
             </a:r>
             <a:endParaRPr lang="es-ES" sz="1200" dirty="0">
               <a:solidFill>
-                <a:schemeClr val="accent4">
-                  <a:lumMod val="75000"/>
+                <a:schemeClr val="tx1">
+                  <a:lumMod val="95000"/>
+                  <a:lumOff val="5000"/>
                 </a:schemeClr>
               </a:solidFill>
             </a:endParaRPr>
@@ -3992,14 +3973,18 @@
           <p:nvPr/>
         </p:nvSpPr>
         <p:spPr>
-          <a:xfrm rot="1117229">
-            <a:off x="1176374" y="3284750"/>
+          <a:xfrm>
+            <a:off x="2653313" y="4325715"/>
             <a:ext cx="2596915" cy="276999"/>
           </a:xfrm>
           <a:prstGeom prst="rect">
             <a:avLst/>
           </a:prstGeom>
-          <a:noFill/>
+          <a:solidFill>
+            <a:schemeClr val="accent5">
+              <a:lumMod val="50000"/>
+            </a:schemeClr>
+          </a:solidFill>
         </p:spPr>
         <p:txBody>
           <a:bodyPr wrap="square">
@@ -4043,14 +4028,18 @@
           <p:nvPr/>
         </p:nvSpPr>
         <p:spPr>
-          <a:xfrm rot="21089580">
-            <a:off x="1848237" y="1712105"/>
+          <a:xfrm>
+            <a:off x="4094422" y="1857705"/>
             <a:ext cx="1554778" cy="276999"/>
           </a:xfrm>
           <a:prstGeom prst="rect">
             <a:avLst/>
           </a:prstGeom>
-          <a:noFill/>
+          <a:solidFill>
+            <a:schemeClr val="accent6">
+              <a:lumMod val="75000"/>
+            </a:schemeClr>
+          </a:solidFill>
         </p:spPr>
         <p:txBody>
           <a:bodyPr wrap="square">
@@ -4061,9 +4050,9 @@
             <a:r>
               <a:rPr lang="es-MX" sz="1200" dirty="0">
                 <a:solidFill>
-                  <a:schemeClr val="accent6">
-                    <a:lumMod val="60000"/>
-                    <a:lumOff val="40000"/>
+                  <a:schemeClr val="tx1">
+                    <a:lumMod val="95000"/>
+                    <a:lumOff val="5000"/>
                   </a:schemeClr>
                 </a:solidFill>
                 <a:latin typeface="Consolas" panose="020B0609020204030204" pitchFamily="49" charset="0"/>
@@ -4072,9 +4061,9 @@
             </a:r>
             <a:endParaRPr lang="es-ES" sz="1200" dirty="0">
               <a:solidFill>
-                <a:schemeClr val="accent6">
-                  <a:lumMod val="60000"/>
-                  <a:lumOff val="40000"/>
+                <a:schemeClr val="tx1">
+                  <a:lumMod val="95000"/>
+                  <a:lumOff val="5000"/>
                 </a:schemeClr>
               </a:solidFill>
             </a:endParaRPr>
@@ -4109,7 +4098,7 @@
         </p:blipFill>
         <p:spPr>
           <a:xfrm>
-            <a:off x="4272084" y="1336785"/>
+            <a:off x="3023223" y="1771180"/>
             <a:ext cx="971206" cy="895885"/>
           </a:xfrm>
           <a:prstGeom prst="rect">
@@ -4145,7 +4134,7 @@
         </p:blipFill>
         <p:spPr>
           <a:xfrm>
-            <a:off x="4331762" y="3160565"/>
+            <a:off x="1865324" y="3602530"/>
             <a:ext cx="971206" cy="895885"/>
           </a:xfrm>
           <a:prstGeom prst="rect">
@@ -4181,7 +4170,7 @@
         </p:blipFill>
         <p:spPr>
           <a:xfrm>
-            <a:off x="4272084" y="5605497"/>
+            <a:off x="3480299" y="5684344"/>
             <a:ext cx="971206" cy="895885"/>
           </a:xfrm>
           <a:prstGeom prst="rect">
@@ -4203,8 +4192,8 @@
         </p:nvSpPr>
         <p:spPr>
           <a:xfrm>
-            <a:off x="5302967" y="3471249"/>
-            <a:ext cx="1055792" cy="212537"/>
+            <a:off x="2883723" y="3808682"/>
+            <a:ext cx="2765479" cy="210035"/>
           </a:xfrm>
           <a:prstGeom prst="rightArrow">
             <a:avLst/>
@@ -4236,7 +4225,7 @@
           <a:lstStyle/>
           <a:p>
             <a:pPr algn="ctr"/>
-            <a:endParaRPr lang="es-ES"/>
+            <a:endParaRPr lang="es-ES" dirty="0"/>
           </a:p>
         </p:txBody>
       </p:sp>
@@ -4254,8 +4243,8 @@
         </p:nvSpPr>
         <p:spPr>
           <a:xfrm>
-            <a:off x="5420345" y="6021739"/>
-            <a:ext cx="4188852" cy="259084"/>
+            <a:off x="4460799" y="6016766"/>
+            <a:ext cx="7147022" cy="245569"/>
           </a:xfrm>
           <a:prstGeom prst="rightArrow">
             <a:avLst/>
@@ -4287,7 +4276,7 @@
           <a:lstStyle/>
           <a:p>
             <a:pPr algn="ctr"/>
-            <a:endParaRPr lang="es-ES"/>
+            <a:endParaRPr lang="es-ES" dirty="0"/>
           </a:p>
         </p:txBody>
       </p:sp>
@@ -4305,8 +4294,8 @@
         </p:nvSpPr>
         <p:spPr>
           <a:xfrm rot="16200000">
-            <a:off x="9135205" y="5399597"/>
-            <a:ext cx="982801" cy="234153"/>
+            <a:off x="11097607" y="5625266"/>
+            <a:ext cx="939683" cy="253921"/>
           </a:xfrm>
           <a:prstGeom prst="rightArrow">
             <a:avLst/>
@@ -4338,7 +4327,7 @@
           <a:lstStyle/>
           <a:p>
             <a:pPr algn="ctr"/>
-            <a:endParaRPr lang="es-ES"/>
+            <a:endParaRPr lang="es-ES" dirty="0"/>
           </a:p>
         </p:txBody>
       </p:sp>
@@ -4356,8 +4345,8 @@
         </p:nvSpPr>
         <p:spPr>
           <a:xfrm>
-            <a:off x="5243289" y="1658922"/>
-            <a:ext cx="4678477" cy="257795"/>
+            <a:off x="3935969" y="2119753"/>
+            <a:ext cx="7671851" cy="210619"/>
           </a:xfrm>
           <a:prstGeom prst="rightArrow">
             <a:avLst/>
@@ -4389,7 +4378,7 @@
           <a:lstStyle/>
           <a:p>
             <a:pPr algn="ctr"/>
-            <a:endParaRPr lang="es-ES"/>
+            <a:endParaRPr lang="es-ES" dirty="0"/>
           </a:p>
         </p:txBody>
       </p:sp>
@@ -4407,8 +4396,8 @@
         </p:nvSpPr>
         <p:spPr>
           <a:xfrm rot="5400000">
-            <a:off x="6396571" y="2017454"/>
-            <a:ext cx="685794" cy="254598"/>
+            <a:off x="5497935" y="2342847"/>
+            <a:ext cx="557199" cy="254668"/>
           </a:xfrm>
           <a:prstGeom prst="rightArrow">
             <a:avLst/>
@@ -4440,7 +4429,7 @@
           <a:lstStyle/>
           <a:p>
             <a:pPr algn="ctr"/>
-            <a:endParaRPr lang="es-ES"/>
+            <a:endParaRPr lang="es-ES" dirty="0"/>
           </a:p>
         </p:txBody>
       </p:sp>
@@ -4472,8 +4461,8 @@
         </p:blipFill>
         <p:spPr>
           <a:xfrm>
-            <a:off x="8952935" y="4099442"/>
-            <a:ext cx="1237922" cy="846430"/>
+            <a:off x="10701331" y="3988133"/>
+            <a:ext cx="1422405" cy="846430"/>
           </a:xfrm>
           <a:prstGeom prst="rect">
             <a:avLst/>
@@ -4494,13 +4483,15 @@
         </p:nvSpPr>
         <p:spPr>
           <a:xfrm>
-            <a:off x="8321877" y="3741988"/>
-            <a:ext cx="2353816" cy="307777"/>
+            <a:off x="9832207" y="3654793"/>
+            <a:ext cx="2321743" cy="307777"/>
           </a:xfrm>
           <a:prstGeom prst="rect">
             <a:avLst/>
           </a:prstGeom>
-          <a:noFill/>
+          <a:solidFill>
+            <a:srgbClr val="00B050"/>
+          </a:solidFill>
         </p:spPr>
         <p:txBody>
           <a:bodyPr wrap="square">
@@ -4511,9 +4502,8 @@
             <a:r>
               <a:rPr lang="es-MX" sz="1400" dirty="0">
                 <a:solidFill>
-                  <a:schemeClr val="accent1">
-                    <a:lumMod val="20000"/>
-                    <a:lumOff val="80000"/>
+                  <a:schemeClr val="bg2">
+                    <a:lumMod val="10000"/>
                   </a:schemeClr>
                 </a:solidFill>
                 <a:latin typeface="Consolas" panose="020B0609020204030204" pitchFamily="49" charset="0"/>
@@ -4522,9 +4512,8 @@
             </a:r>
             <a:endParaRPr lang="es-ES" sz="1400" dirty="0">
               <a:solidFill>
-                <a:schemeClr val="accent1">
-                  <a:lumMod val="20000"/>
-                  <a:lumOff val="80000"/>
+                <a:schemeClr val="bg2">
+                  <a:lumMod val="10000"/>
                 </a:schemeClr>
               </a:solidFill>
             </a:endParaRPr>
@@ -4545,8 +4534,8 @@
         </p:nvSpPr>
         <p:spPr>
           <a:xfrm rot="16200000">
-            <a:off x="6011960" y="5169809"/>
-            <a:ext cx="1639353" cy="234150"/>
+            <a:off x="5454449" y="5451291"/>
+            <a:ext cx="1267867" cy="251095"/>
           </a:xfrm>
           <a:prstGeom prst="rightArrow">
             <a:avLst/>
@@ -4578,7 +4567,7 @@
           <a:lstStyle/>
           <a:p>
             <a:pPr algn="ctr"/>
-            <a:endParaRPr lang="es-ES"/>
+            <a:endParaRPr lang="es-ES" dirty="0"/>
           </a:p>
         </p:txBody>
       </p:sp>
@@ -4610,8 +4599,8 @@
         </p:blipFill>
         <p:spPr>
           <a:xfrm>
-            <a:off x="6435121" y="3447844"/>
-            <a:ext cx="793032" cy="1019363"/>
+            <a:off x="5653808" y="3654793"/>
+            <a:ext cx="793032" cy="926734"/>
           </a:xfrm>
           <a:prstGeom prst="rect">
             <a:avLst/>
@@ -4632,13 +4621,15 @@
         </p:nvSpPr>
         <p:spPr>
           <a:xfrm>
-            <a:off x="5699484" y="2598415"/>
-            <a:ext cx="3909713" cy="738664"/>
+            <a:off x="4061729" y="2800086"/>
+            <a:ext cx="2765480" cy="738664"/>
           </a:xfrm>
           <a:prstGeom prst="rect">
             <a:avLst/>
           </a:prstGeom>
-          <a:noFill/>
+          <a:solidFill>
+            <a:srgbClr val="7030A0"/>
+          </a:solidFill>
         </p:spPr>
         <p:txBody>
           <a:bodyPr wrap="square">
@@ -4670,61 +4661,22 @@
                 </a:solidFill>
                 <a:latin typeface="Consolas" panose="020B0609020204030204" pitchFamily="49" charset="0"/>
               </a:rPr>
-              <a:t>localhost:9191/</a:t>
-            </a:r>
-            <a:r>
-              <a:rPr lang="es-MX" sz="1400" dirty="0" err="1">
+              <a:t>localhost:9191/propieta..</a:t>
+            </a:r>
+          </a:p>
+          <a:p>
+            <a:r>
+              <a:rPr lang="es-MX" sz="1400" dirty="0">
                 <a:solidFill>
-                  <a:schemeClr val="accent1">
+                  <a:schemeClr val="accent4">
                     <a:lumMod val="60000"/>
                     <a:lumOff val="40000"/>
                   </a:schemeClr>
                 </a:solidFill>
                 <a:latin typeface="Consolas" panose="020B0609020204030204" pitchFamily="49" charset="0"/>
               </a:rPr>
-              <a:t>propietarios_inmuebles</a:t>
-            </a:r>
-            <a:endParaRPr lang="es-MX" sz="1400" dirty="0">
-              <a:solidFill>
-                <a:schemeClr val="accent1">
-                  <a:lumMod val="60000"/>
-                  <a:lumOff val="40000"/>
-                </a:schemeClr>
-              </a:solidFill>
-              <a:latin typeface="Consolas" panose="020B0609020204030204" pitchFamily="49" charset="0"/>
-            </a:endParaRPr>
-          </a:p>
-          <a:p>
-            <a:r>
-              <a:rPr lang="es-MX" sz="1400" dirty="0">
-                <a:solidFill>
-                  <a:schemeClr val="accent4">
-                    <a:lumMod val="75000"/>
-                  </a:schemeClr>
-                </a:solidFill>
-                <a:latin typeface="Consolas" panose="020B0609020204030204" pitchFamily="49" charset="0"/>
-              </a:rPr>
-              <a:t>localhost:9191/</a:t>
-            </a:r>
-            <a:r>
-              <a:rPr lang="es-MX" sz="1400" dirty="0" err="1">
-                <a:solidFill>
-                  <a:schemeClr val="accent4">
-                    <a:lumMod val="75000"/>
-                  </a:schemeClr>
-                </a:solidFill>
-                <a:latin typeface="Consolas" panose="020B0609020204030204" pitchFamily="49" charset="0"/>
-              </a:rPr>
-              <a:t>inspecciones_inmuebles</a:t>
-            </a:r>
-            <a:endParaRPr lang="es-MX" sz="1400" dirty="0">
-              <a:solidFill>
-                <a:schemeClr val="accent4">
-                  <a:lumMod val="75000"/>
-                </a:schemeClr>
-              </a:solidFill>
-              <a:latin typeface="Consolas" panose="020B0609020204030204" pitchFamily="49" charset="0"/>
-            </a:endParaRPr>
+              <a:t>localhost:9191/inspecc..</a:t>
+            </a:r>
           </a:p>
         </p:txBody>
       </p:sp>
@@ -4742,8 +4694,8 @@
         </p:nvSpPr>
         <p:spPr>
           <a:xfrm>
-            <a:off x="5575546" y="4759653"/>
-            <a:ext cx="3274163" cy="322593"/>
+            <a:off x="5250228" y="5729869"/>
+            <a:ext cx="5760672" cy="235589"/>
           </a:xfrm>
           <a:prstGeom prst="rightArrow">
             <a:avLst/>
@@ -4775,7 +4727,7 @@
           <a:lstStyle/>
           <a:p>
             <a:pPr algn="ctr"/>
-            <a:endParaRPr lang="es-ES"/>
+            <a:endParaRPr lang="es-ES" dirty="0"/>
           </a:p>
         </p:txBody>
       </p:sp>
@@ -4793,8 +4745,8 @@
         </p:nvSpPr>
         <p:spPr>
           <a:xfrm rot="5400000">
-            <a:off x="5008467" y="4095866"/>
-            <a:ext cx="1193114" cy="234150"/>
+            <a:off x="4291816" y="4763872"/>
+            <a:ext cx="2085586" cy="252995"/>
           </a:xfrm>
           <a:prstGeom prst="rightArrow">
             <a:avLst/>
@@ -4826,7 +4778,7 @@
           <a:lstStyle/>
           <a:p>
             <a:pPr algn="ctr"/>
-            <a:endParaRPr lang="es-ES"/>
+            <a:endParaRPr lang="es-ES" dirty="0"/>
           </a:p>
         </p:txBody>
       </p:sp>
@@ -4844,8 +4796,8 @@
         </p:nvSpPr>
         <p:spPr>
           <a:xfrm rot="5400000">
-            <a:off x="9012289" y="2669164"/>
-            <a:ext cx="1698457" cy="288389"/>
+            <a:off x="10838583" y="2720525"/>
+            <a:ext cx="1415252" cy="309633"/>
           </a:xfrm>
           <a:prstGeom prst="rightArrow">
             <a:avLst/>
@@ -4877,7 +4829,7 @@
           <a:lstStyle/>
           <a:p>
             <a:pPr algn="ctr"/>
-            <a:endParaRPr lang="es-ES"/>
+            <a:endParaRPr lang="es-ES" dirty="0"/>
           </a:p>
         </p:txBody>
       </p:sp>
@@ -4909,7 +4861,7 @@
         </p:blipFill>
         <p:spPr>
           <a:xfrm>
-            <a:off x="10703216" y="1448748"/>
+            <a:off x="9693416" y="803182"/>
             <a:ext cx="819291" cy="895886"/>
           </a:xfrm>
           <a:prstGeom prst="rect">
@@ -4945,7 +4897,7 @@
         </p:blipFill>
         <p:spPr>
           <a:xfrm>
-            <a:off x="10703216" y="2601706"/>
+            <a:off x="8150152" y="839715"/>
             <a:ext cx="819291" cy="827294"/>
           </a:xfrm>
           <a:prstGeom prst="rect">
@@ -4981,7 +4933,7 @@
         </p:blipFill>
         <p:spPr>
           <a:xfrm>
-            <a:off x="10781565" y="3692587"/>
+            <a:off x="8287754" y="3639721"/>
             <a:ext cx="740942" cy="846430"/>
           </a:xfrm>
           <a:prstGeom prst="rect">
@@ -4989,6 +4941,1020 @@
           </a:prstGeom>
         </p:spPr>
       </p:pic>
+      <p:sp>
+        <p:nvSpPr>
+          <p:cNvPr id="36" name="Arrow: Right 35">
+            <a:extLst>
+              <a:ext uri="{FF2B5EF4-FFF2-40B4-BE49-F238E27FC236}">
+                <a16:creationId xmlns:a16="http://schemas.microsoft.com/office/drawing/2014/main" id="{DED42986-03B6-4DE2-9B4A-0DF174A1F711}"/>
+              </a:ext>
+            </a:extLst>
+          </p:cNvPr>
+          <p:cNvSpPr/>
+          <p:nvPr/>
+        </p:nvSpPr>
+        <p:spPr>
+          <a:xfrm>
+            <a:off x="6523321" y="3962570"/>
+            <a:ext cx="1654143" cy="309633"/>
+          </a:xfrm>
+          <a:prstGeom prst="rightArrow">
+            <a:avLst/>
+          </a:prstGeom>
+          <a:solidFill>
+            <a:srgbClr val="7030A0"/>
+          </a:solidFill>
+        </p:spPr>
+        <p:style>
+          <a:lnRef idx="2">
+            <a:schemeClr val="accent1">
+              <a:shade val="50000"/>
+            </a:schemeClr>
+          </a:lnRef>
+          <a:fillRef idx="1">
+            <a:schemeClr val="accent1"/>
+          </a:fillRef>
+          <a:effectRef idx="0">
+            <a:schemeClr val="accent1"/>
+          </a:effectRef>
+          <a:fontRef idx="minor">
+            <a:schemeClr val="lt1"/>
+          </a:fontRef>
+        </p:style>
+        <p:txBody>
+          <a:bodyPr rtlCol="0" anchor="ctr"/>
+          <a:lstStyle/>
+          <a:p>
+            <a:pPr algn="ctr"/>
+            <a:endParaRPr lang="es-ES" dirty="0"/>
+          </a:p>
+        </p:txBody>
+      </p:sp>
+      <p:sp>
+        <p:nvSpPr>
+          <p:cNvPr id="37" name="Arrow: Right 36">
+            <a:extLst>
+              <a:ext uri="{FF2B5EF4-FFF2-40B4-BE49-F238E27FC236}">
+                <a16:creationId xmlns:a16="http://schemas.microsoft.com/office/drawing/2014/main" id="{6C247B2B-7D0A-4E26-857C-5469D6D88467}"/>
+              </a:ext>
+            </a:extLst>
+          </p:cNvPr>
+          <p:cNvSpPr/>
+          <p:nvPr/>
+        </p:nvSpPr>
+        <p:spPr>
+          <a:xfrm>
+            <a:off x="784622" y="3934043"/>
+            <a:ext cx="1131485" cy="208898"/>
+          </a:xfrm>
+          <a:prstGeom prst="rightArrow">
+            <a:avLst/>
+          </a:prstGeom>
+          <a:solidFill>
+            <a:schemeClr val="accent1">
+              <a:lumMod val="75000"/>
+            </a:schemeClr>
+          </a:solidFill>
+        </p:spPr>
+        <p:style>
+          <a:lnRef idx="2">
+            <a:schemeClr val="accent1">
+              <a:shade val="50000"/>
+            </a:schemeClr>
+          </a:lnRef>
+          <a:fillRef idx="1">
+            <a:schemeClr val="accent1"/>
+          </a:fillRef>
+          <a:effectRef idx="0">
+            <a:schemeClr val="accent1"/>
+          </a:effectRef>
+          <a:fontRef idx="minor">
+            <a:schemeClr val="lt1"/>
+          </a:fontRef>
+        </p:style>
+        <p:txBody>
+          <a:bodyPr rtlCol="0" anchor="ctr"/>
+          <a:lstStyle/>
+          <a:p>
+            <a:pPr algn="ctr"/>
+            <a:endParaRPr lang="es-ES" dirty="0"/>
+          </a:p>
+        </p:txBody>
+      </p:sp>
+      <p:sp>
+        <p:nvSpPr>
+          <p:cNvPr id="45" name="TextBox 44">
+            <a:extLst>
+              <a:ext uri="{FF2B5EF4-FFF2-40B4-BE49-F238E27FC236}">
+                <a16:creationId xmlns:a16="http://schemas.microsoft.com/office/drawing/2014/main" id="{A3B736B1-E729-451F-A694-699C4F63DEA8}"/>
+              </a:ext>
+            </a:extLst>
+          </p:cNvPr>
+          <p:cNvSpPr txBox="1"/>
+          <p:nvPr/>
+        </p:nvSpPr>
+        <p:spPr>
+          <a:xfrm>
+            <a:off x="5499950" y="4614599"/>
+            <a:ext cx="1121859" cy="276999"/>
+          </a:xfrm>
+          <a:prstGeom prst="rect">
+            <a:avLst/>
+          </a:prstGeom>
+          <a:solidFill>
+            <a:srgbClr val="7030A0"/>
+          </a:solidFill>
+        </p:spPr>
+        <p:txBody>
+          <a:bodyPr wrap="square">
+            <a:spAutoFit/>
+          </a:bodyPr>
+          <a:lstStyle/>
+          <a:p>
+            <a:r>
+              <a:rPr lang="es-MX" sz="1200" dirty="0">
+                <a:solidFill>
+                  <a:schemeClr val="bg1"/>
+                </a:solidFill>
+                <a:latin typeface="Consolas" panose="020B0609020204030204" pitchFamily="49" charset="0"/>
+              </a:rPr>
+              <a:t>API GATEWAY</a:t>
+            </a:r>
+            <a:endParaRPr lang="es-ES" sz="1200" dirty="0">
+              <a:solidFill>
+                <a:schemeClr val="bg1"/>
+              </a:solidFill>
+            </a:endParaRPr>
+          </a:p>
+        </p:txBody>
+      </p:sp>
+      <p:sp>
+        <p:nvSpPr>
+          <p:cNvPr id="49" name="TextBox 48">
+            <a:extLst>
+              <a:ext uri="{FF2B5EF4-FFF2-40B4-BE49-F238E27FC236}">
+                <a16:creationId xmlns:a16="http://schemas.microsoft.com/office/drawing/2014/main" id="{650140CA-2375-4E7A-B1E7-625277946B0F}"/>
+              </a:ext>
+            </a:extLst>
+          </p:cNvPr>
+          <p:cNvSpPr txBox="1"/>
+          <p:nvPr/>
+        </p:nvSpPr>
+        <p:spPr>
+          <a:xfrm>
+            <a:off x="10641891" y="4906391"/>
+            <a:ext cx="1422406" cy="276999"/>
+          </a:xfrm>
+          <a:prstGeom prst="rect">
+            <a:avLst/>
+          </a:prstGeom>
+          <a:solidFill>
+            <a:srgbClr val="00B050"/>
+          </a:solidFill>
+        </p:spPr>
+        <p:txBody>
+          <a:bodyPr wrap="square">
+            <a:spAutoFit/>
+          </a:bodyPr>
+          <a:lstStyle/>
+          <a:p>
+            <a:r>
+              <a:rPr lang="es-MX" sz="1200" dirty="0">
+                <a:solidFill>
+                  <a:schemeClr val="tx1">
+                    <a:lumMod val="95000"/>
+                    <a:lumOff val="5000"/>
+                  </a:schemeClr>
+                </a:solidFill>
+                <a:latin typeface="Consolas" panose="020B0609020204030204" pitchFamily="49" charset="0"/>
+              </a:rPr>
+              <a:t>EUREKA SERVICE</a:t>
+            </a:r>
+            <a:endParaRPr lang="es-ES" sz="1200" dirty="0">
+              <a:solidFill>
+                <a:schemeClr val="tx1">
+                  <a:lumMod val="95000"/>
+                  <a:lumOff val="5000"/>
+                </a:schemeClr>
+              </a:solidFill>
+            </a:endParaRPr>
+          </a:p>
+        </p:txBody>
+      </p:sp>
+      <p:sp>
+        <p:nvSpPr>
+          <p:cNvPr id="50" name="Arrow: Right 49">
+            <a:extLst>
+              <a:ext uri="{FF2B5EF4-FFF2-40B4-BE49-F238E27FC236}">
+                <a16:creationId xmlns:a16="http://schemas.microsoft.com/office/drawing/2014/main" id="{BFF6B0A4-0117-4376-BFB4-F67997AD1BE8}"/>
+              </a:ext>
+            </a:extLst>
+          </p:cNvPr>
+          <p:cNvSpPr/>
+          <p:nvPr/>
+        </p:nvSpPr>
+        <p:spPr>
+          <a:xfrm>
+            <a:off x="6771631" y="5052842"/>
+            <a:ext cx="3789691" cy="293659"/>
+          </a:xfrm>
+          <a:prstGeom prst="rightArrow">
+            <a:avLst/>
+          </a:prstGeom>
+          <a:solidFill>
+            <a:srgbClr val="7030A0"/>
+          </a:solidFill>
+        </p:spPr>
+        <p:style>
+          <a:lnRef idx="2">
+            <a:schemeClr val="accent1">
+              <a:shade val="50000"/>
+            </a:schemeClr>
+          </a:lnRef>
+          <a:fillRef idx="1">
+            <a:schemeClr val="accent1"/>
+          </a:fillRef>
+          <a:effectRef idx="0">
+            <a:schemeClr val="accent1"/>
+          </a:effectRef>
+          <a:fontRef idx="minor">
+            <a:schemeClr val="lt1"/>
+          </a:fontRef>
+        </p:style>
+        <p:txBody>
+          <a:bodyPr rtlCol="0" anchor="ctr"/>
+          <a:lstStyle/>
+          <a:p>
+            <a:pPr algn="ctr"/>
+            <a:endParaRPr lang="es-ES" dirty="0"/>
+          </a:p>
+        </p:txBody>
+      </p:sp>
+      <p:sp>
+        <p:nvSpPr>
+          <p:cNvPr id="51" name="Arrow: Right 50">
+            <a:extLst>
+              <a:ext uri="{FF2B5EF4-FFF2-40B4-BE49-F238E27FC236}">
+                <a16:creationId xmlns:a16="http://schemas.microsoft.com/office/drawing/2014/main" id="{853AFBB0-098D-48FF-ABE8-7D6F8736D170}"/>
+              </a:ext>
+            </a:extLst>
+          </p:cNvPr>
+          <p:cNvSpPr/>
+          <p:nvPr/>
+        </p:nvSpPr>
+        <p:spPr>
+          <a:xfrm rot="5400000">
+            <a:off x="6319654" y="4534382"/>
+            <a:ext cx="1158843" cy="254886"/>
+          </a:xfrm>
+          <a:prstGeom prst="rightArrow">
+            <a:avLst/>
+          </a:prstGeom>
+          <a:solidFill>
+            <a:srgbClr val="7030A0"/>
+          </a:solidFill>
+        </p:spPr>
+        <p:style>
+          <a:lnRef idx="2">
+            <a:schemeClr val="accent1">
+              <a:shade val="50000"/>
+            </a:schemeClr>
+          </a:lnRef>
+          <a:fillRef idx="1">
+            <a:schemeClr val="accent1"/>
+          </a:fillRef>
+          <a:effectRef idx="0">
+            <a:schemeClr val="accent1"/>
+          </a:effectRef>
+          <a:fontRef idx="minor">
+            <a:schemeClr val="lt1"/>
+          </a:fontRef>
+        </p:style>
+        <p:txBody>
+          <a:bodyPr rtlCol="0" anchor="ctr"/>
+          <a:lstStyle/>
+          <a:p>
+            <a:pPr algn="ctr"/>
+            <a:endParaRPr lang="es-ES" dirty="0"/>
+          </a:p>
+        </p:txBody>
+      </p:sp>
+      <p:sp>
+        <p:nvSpPr>
+          <p:cNvPr id="53" name="Arrow: Right 52">
+            <a:extLst>
+              <a:ext uri="{FF2B5EF4-FFF2-40B4-BE49-F238E27FC236}">
+                <a16:creationId xmlns:a16="http://schemas.microsoft.com/office/drawing/2014/main" id="{CC96D02B-3EEF-4EFC-B6AA-07DC5E6F11B5}"/>
+              </a:ext>
+            </a:extLst>
+          </p:cNvPr>
+          <p:cNvSpPr/>
+          <p:nvPr/>
+        </p:nvSpPr>
+        <p:spPr>
+          <a:xfrm rot="16200000">
+            <a:off x="10591013" y="5445731"/>
+            <a:ext cx="662555" cy="335859"/>
+          </a:xfrm>
+          <a:prstGeom prst="rightArrow">
+            <a:avLst/>
+          </a:prstGeom>
+          <a:solidFill>
+            <a:schemeClr val="accent1">
+              <a:lumMod val="75000"/>
+            </a:schemeClr>
+          </a:solidFill>
+        </p:spPr>
+        <p:style>
+          <a:lnRef idx="2">
+            <a:schemeClr val="accent1">
+              <a:shade val="50000"/>
+            </a:schemeClr>
+          </a:lnRef>
+          <a:fillRef idx="1">
+            <a:schemeClr val="accent1"/>
+          </a:fillRef>
+          <a:effectRef idx="0">
+            <a:schemeClr val="accent1"/>
+          </a:effectRef>
+          <a:fontRef idx="minor">
+            <a:schemeClr val="lt1"/>
+          </a:fontRef>
+        </p:style>
+        <p:txBody>
+          <a:bodyPr rtlCol="0" anchor="ctr"/>
+          <a:lstStyle/>
+          <a:p>
+            <a:pPr algn="ctr"/>
+            <a:endParaRPr lang="es-ES" dirty="0"/>
+          </a:p>
+        </p:txBody>
+      </p:sp>
+      <p:sp>
+        <p:nvSpPr>
+          <p:cNvPr id="54" name="Arrow: Right 53">
+            <a:extLst>
+              <a:ext uri="{FF2B5EF4-FFF2-40B4-BE49-F238E27FC236}">
+                <a16:creationId xmlns:a16="http://schemas.microsoft.com/office/drawing/2014/main" id="{23AD7B89-F143-4F4F-A44E-9D3D73192E16}"/>
+              </a:ext>
+            </a:extLst>
+          </p:cNvPr>
+          <p:cNvSpPr/>
+          <p:nvPr/>
+        </p:nvSpPr>
+        <p:spPr>
+          <a:xfrm>
+            <a:off x="9100415" y="4065172"/>
+            <a:ext cx="1460907" cy="309633"/>
+          </a:xfrm>
+          <a:prstGeom prst="rightArrow">
+            <a:avLst/>
+          </a:prstGeom>
+          <a:solidFill>
+            <a:schemeClr val="accent2">
+              <a:lumMod val="60000"/>
+              <a:lumOff val="40000"/>
+            </a:schemeClr>
+          </a:solidFill>
+        </p:spPr>
+        <p:style>
+          <a:lnRef idx="2">
+            <a:schemeClr val="accent1">
+              <a:shade val="50000"/>
+            </a:schemeClr>
+          </a:lnRef>
+          <a:fillRef idx="1">
+            <a:schemeClr val="accent1"/>
+          </a:fillRef>
+          <a:effectRef idx="0">
+            <a:schemeClr val="accent1"/>
+          </a:effectRef>
+          <a:fontRef idx="minor">
+            <a:schemeClr val="lt1"/>
+          </a:fontRef>
+        </p:style>
+        <p:txBody>
+          <a:bodyPr rtlCol="0" anchor="ctr"/>
+          <a:lstStyle/>
+          <a:p>
+            <a:pPr algn="ctr"/>
+            <a:endParaRPr lang="es-ES" dirty="0"/>
+          </a:p>
+        </p:txBody>
+      </p:sp>
+      <p:sp>
+        <p:nvSpPr>
+          <p:cNvPr id="55" name="TextBox 54">
+            <a:extLst>
+              <a:ext uri="{FF2B5EF4-FFF2-40B4-BE49-F238E27FC236}">
+                <a16:creationId xmlns:a16="http://schemas.microsoft.com/office/drawing/2014/main" id="{2D845994-D362-4F44-A63D-33B0F7617AA0}"/>
+              </a:ext>
+            </a:extLst>
+          </p:cNvPr>
+          <p:cNvSpPr txBox="1"/>
+          <p:nvPr/>
+        </p:nvSpPr>
+        <p:spPr>
+          <a:xfrm>
+            <a:off x="8019063" y="4539744"/>
+            <a:ext cx="1282664" cy="276999"/>
+          </a:xfrm>
+          <a:prstGeom prst="rect">
+            <a:avLst/>
+          </a:prstGeom>
+          <a:solidFill>
+            <a:schemeClr val="accent2">
+              <a:lumMod val="60000"/>
+              <a:lumOff val="40000"/>
+            </a:schemeClr>
+          </a:solidFill>
+        </p:spPr>
+        <p:txBody>
+          <a:bodyPr wrap="square">
+            <a:spAutoFit/>
+          </a:bodyPr>
+          <a:lstStyle/>
+          <a:p>
+            <a:r>
+              <a:rPr lang="es-MX" sz="1200" dirty="0">
+                <a:solidFill>
+                  <a:schemeClr val="tx1">
+                    <a:lumMod val="95000"/>
+                    <a:lumOff val="5000"/>
+                  </a:schemeClr>
+                </a:solidFill>
+                <a:latin typeface="Consolas" panose="020B0609020204030204" pitchFamily="49" charset="0"/>
+              </a:rPr>
+              <a:t>RESILIENCE4J</a:t>
+            </a:r>
+            <a:endParaRPr lang="es-ES" sz="1200" dirty="0">
+              <a:solidFill>
+                <a:schemeClr val="tx1">
+                  <a:lumMod val="95000"/>
+                  <a:lumOff val="5000"/>
+                </a:schemeClr>
+              </a:solidFill>
+            </a:endParaRPr>
+          </a:p>
+        </p:txBody>
+      </p:sp>
+      <p:sp>
+        <p:nvSpPr>
+          <p:cNvPr id="56" name="TextBox 55">
+            <a:extLst>
+              <a:ext uri="{FF2B5EF4-FFF2-40B4-BE49-F238E27FC236}">
+                <a16:creationId xmlns:a16="http://schemas.microsoft.com/office/drawing/2014/main" id="{C61E1C16-D673-4462-80B3-BD93BFA4122F}"/>
+              </a:ext>
+            </a:extLst>
+          </p:cNvPr>
+          <p:cNvSpPr txBox="1"/>
+          <p:nvPr/>
+        </p:nvSpPr>
+        <p:spPr>
+          <a:xfrm>
+            <a:off x="7244814" y="2782228"/>
+            <a:ext cx="2765480" cy="738664"/>
+          </a:xfrm>
+          <a:prstGeom prst="rect">
+            <a:avLst/>
+          </a:prstGeom>
+          <a:solidFill>
+            <a:schemeClr val="accent2">
+              <a:lumMod val="60000"/>
+              <a:lumOff val="40000"/>
+            </a:schemeClr>
+          </a:solidFill>
+        </p:spPr>
+        <p:txBody>
+          <a:bodyPr wrap="square">
+            <a:spAutoFit/>
+          </a:bodyPr>
+          <a:lstStyle/>
+          <a:p>
+            <a:r>
+              <a:rPr lang="es-MX" sz="1400" dirty="0">
+                <a:solidFill>
+                  <a:schemeClr val="accent6">
+                    <a:lumMod val="75000"/>
+                  </a:schemeClr>
+                </a:solidFill>
+                <a:latin typeface="Consolas" panose="020B0609020204030204" pitchFamily="49" charset="0"/>
+              </a:rPr>
+              <a:t>localhost:9295/inmuebles</a:t>
+            </a:r>
+          </a:p>
+          <a:p>
+            <a:r>
+              <a:rPr lang="es-MX" sz="1400" dirty="0">
+                <a:solidFill>
+                  <a:schemeClr val="accent5">
+                    <a:lumMod val="50000"/>
+                  </a:schemeClr>
+                </a:solidFill>
+                <a:latin typeface="Consolas" panose="020B0609020204030204" pitchFamily="49" charset="0"/>
+              </a:rPr>
+              <a:t>localhost:9295/propieta..</a:t>
+            </a:r>
+          </a:p>
+          <a:p>
+            <a:r>
+              <a:rPr lang="es-MX" sz="1400" dirty="0">
+                <a:solidFill>
+                  <a:schemeClr val="accent4">
+                    <a:lumMod val="50000"/>
+                  </a:schemeClr>
+                </a:solidFill>
+                <a:latin typeface="Consolas" panose="020B0609020204030204" pitchFamily="49" charset="0"/>
+              </a:rPr>
+              <a:t>localhost:9295/inspecc..</a:t>
+            </a:r>
+          </a:p>
+        </p:txBody>
+      </p:sp>
+      <p:sp>
+        <p:nvSpPr>
+          <p:cNvPr id="62" name="Arrow: Right 61">
+            <a:extLst>
+              <a:ext uri="{FF2B5EF4-FFF2-40B4-BE49-F238E27FC236}">
+                <a16:creationId xmlns:a16="http://schemas.microsoft.com/office/drawing/2014/main" id="{8855E9AE-D354-41C2-B326-6F08C741AEFD}"/>
+              </a:ext>
+            </a:extLst>
+          </p:cNvPr>
+          <p:cNvSpPr/>
+          <p:nvPr/>
+        </p:nvSpPr>
+        <p:spPr>
+          <a:xfrm rot="16200000">
+            <a:off x="8163327" y="2218602"/>
+            <a:ext cx="738665" cy="309633"/>
+          </a:xfrm>
+          <a:prstGeom prst="rightArrow">
+            <a:avLst/>
+          </a:prstGeom>
+          <a:solidFill>
+            <a:schemeClr val="accent2">
+              <a:lumMod val="60000"/>
+              <a:lumOff val="40000"/>
+            </a:schemeClr>
+          </a:solidFill>
+        </p:spPr>
+        <p:style>
+          <a:lnRef idx="2">
+            <a:schemeClr val="accent1">
+              <a:shade val="50000"/>
+            </a:schemeClr>
+          </a:lnRef>
+          <a:fillRef idx="1">
+            <a:schemeClr val="accent1"/>
+          </a:fillRef>
+          <a:effectRef idx="0">
+            <a:schemeClr val="accent1"/>
+          </a:effectRef>
+          <a:fontRef idx="minor">
+            <a:schemeClr val="lt1"/>
+          </a:fontRef>
+        </p:style>
+        <p:txBody>
+          <a:bodyPr rtlCol="0" anchor="ctr"/>
+          <a:lstStyle/>
+          <a:p>
+            <a:pPr algn="ctr"/>
+            <a:endParaRPr lang="es-ES" dirty="0"/>
+          </a:p>
+        </p:txBody>
+      </p:sp>
+      <p:sp>
+        <p:nvSpPr>
+          <p:cNvPr id="65" name="TextBox 64">
+            <a:extLst>
+              <a:ext uri="{FF2B5EF4-FFF2-40B4-BE49-F238E27FC236}">
+                <a16:creationId xmlns:a16="http://schemas.microsoft.com/office/drawing/2014/main" id="{FE869590-7275-4863-AD61-3C982C19028E}"/>
+              </a:ext>
+            </a:extLst>
+          </p:cNvPr>
+          <p:cNvSpPr txBox="1"/>
+          <p:nvPr/>
+        </p:nvSpPr>
+        <p:spPr>
+          <a:xfrm>
+            <a:off x="8034310" y="1693345"/>
+            <a:ext cx="1050977" cy="276999"/>
+          </a:xfrm>
+          <a:prstGeom prst="rect">
+            <a:avLst/>
+          </a:prstGeom>
+          <a:solidFill>
+            <a:schemeClr val="accent2"/>
+          </a:solidFill>
+        </p:spPr>
+        <p:txBody>
+          <a:bodyPr wrap="square">
+            <a:spAutoFit/>
+          </a:bodyPr>
+          <a:lstStyle/>
+          <a:p>
+            <a:r>
+              <a:rPr lang="es-MX" sz="1200" dirty="0">
+                <a:solidFill>
+                  <a:schemeClr val="tx1">
+                    <a:lumMod val="95000"/>
+                    <a:lumOff val="5000"/>
+                  </a:schemeClr>
+                </a:solidFill>
+                <a:latin typeface="Consolas" panose="020B0609020204030204" pitchFamily="49" charset="0"/>
+              </a:rPr>
+              <a:t>PROMETHEUS</a:t>
+            </a:r>
+            <a:endParaRPr lang="es-ES" sz="1200" dirty="0">
+              <a:solidFill>
+                <a:schemeClr val="tx1">
+                  <a:lumMod val="95000"/>
+                  <a:lumOff val="5000"/>
+                </a:schemeClr>
+              </a:solidFill>
+            </a:endParaRPr>
+          </a:p>
+        </p:txBody>
+      </p:sp>
+      <p:sp>
+        <p:nvSpPr>
+          <p:cNvPr id="67" name="TextBox 66">
+            <a:extLst>
+              <a:ext uri="{FF2B5EF4-FFF2-40B4-BE49-F238E27FC236}">
+                <a16:creationId xmlns:a16="http://schemas.microsoft.com/office/drawing/2014/main" id="{6AA6460F-83CF-43D7-B4CE-71FBD2A259BF}"/>
+              </a:ext>
+            </a:extLst>
+          </p:cNvPr>
+          <p:cNvSpPr txBox="1"/>
+          <p:nvPr/>
+        </p:nvSpPr>
+        <p:spPr>
+          <a:xfrm>
+            <a:off x="9708999" y="1759969"/>
+            <a:ext cx="819291" cy="276999"/>
+          </a:xfrm>
+          <a:prstGeom prst="rect">
+            <a:avLst/>
+          </a:prstGeom>
+          <a:solidFill>
+            <a:srgbClr val="FFFF00"/>
+          </a:solidFill>
+        </p:spPr>
+        <p:txBody>
+          <a:bodyPr wrap="square">
+            <a:spAutoFit/>
+          </a:bodyPr>
+          <a:lstStyle/>
+          <a:p>
+            <a:r>
+              <a:rPr lang="es-MX" sz="1200" dirty="0">
+                <a:solidFill>
+                  <a:schemeClr val="tx1">
+                    <a:lumMod val="95000"/>
+                    <a:lumOff val="5000"/>
+                  </a:schemeClr>
+                </a:solidFill>
+                <a:latin typeface="Consolas" panose="020B0609020204030204" pitchFamily="49" charset="0"/>
+              </a:rPr>
+              <a:t>GRAFANA</a:t>
+            </a:r>
+            <a:endParaRPr lang="es-ES" sz="1200" dirty="0">
+              <a:solidFill>
+                <a:schemeClr val="tx1">
+                  <a:lumMod val="95000"/>
+                  <a:lumOff val="5000"/>
+                </a:schemeClr>
+              </a:solidFill>
+            </a:endParaRPr>
+          </a:p>
+        </p:txBody>
+      </p:sp>
+      <p:sp>
+        <p:nvSpPr>
+          <p:cNvPr id="70" name="Arrow: Right 69">
+            <a:extLst>
+              <a:ext uri="{FF2B5EF4-FFF2-40B4-BE49-F238E27FC236}">
+                <a16:creationId xmlns:a16="http://schemas.microsoft.com/office/drawing/2014/main" id="{E1EC6B2C-37F4-41B0-9105-186DCBFA41DD}"/>
+              </a:ext>
+            </a:extLst>
+          </p:cNvPr>
+          <p:cNvSpPr/>
+          <p:nvPr/>
+        </p:nvSpPr>
+        <p:spPr>
+          <a:xfrm>
+            <a:off x="9011609" y="1158737"/>
+            <a:ext cx="589591" cy="309633"/>
+          </a:xfrm>
+          <a:prstGeom prst="rightArrow">
+            <a:avLst/>
+          </a:prstGeom>
+          <a:solidFill>
+            <a:schemeClr val="accent2"/>
+          </a:solidFill>
+        </p:spPr>
+        <p:style>
+          <a:lnRef idx="2">
+            <a:schemeClr val="accent1">
+              <a:shade val="50000"/>
+            </a:schemeClr>
+          </a:lnRef>
+          <a:fillRef idx="1">
+            <a:schemeClr val="accent1"/>
+          </a:fillRef>
+          <a:effectRef idx="0">
+            <a:schemeClr val="accent1"/>
+          </a:effectRef>
+          <a:fontRef idx="minor">
+            <a:schemeClr val="lt1"/>
+          </a:fontRef>
+        </p:style>
+        <p:txBody>
+          <a:bodyPr rtlCol="0" anchor="ctr"/>
+          <a:lstStyle/>
+          <a:p>
+            <a:pPr algn="ctr"/>
+            <a:endParaRPr lang="es-ES" dirty="0"/>
+          </a:p>
+        </p:txBody>
+      </p:sp>
+      <p:sp>
+        <p:nvSpPr>
+          <p:cNvPr id="74" name="Arrow: Right 73">
+            <a:extLst>
+              <a:ext uri="{FF2B5EF4-FFF2-40B4-BE49-F238E27FC236}">
+                <a16:creationId xmlns:a16="http://schemas.microsoft.com/office/drawing/2014/main" id="{8C6938DA-CC03-4A4B-93D7-E8D8B629D960}"/>
+              </a:ext>
+            </a:extLst>
+          </p:cNvPr>
+          <p:cNvSpPr/>
+          <p:nvPr/>
+        </p:nvSpPr>
+        <p:spPr>
+          <a:xfrm>
+            <a:off x="10561323" y="1114541"/>
+            <a:ext cx="559513" cy="309633"/>
+          </a:xfrm>
+          <a:prstGeom prst="rightArrow">
+            <a:avLst/>
+          </a:prstGeom>
+          <a:solidFill>
+            <a:srgbClr val="FFFF00"/>
+          </a:solidFill>
+        </p:spPr>
+        <p:style>
+          <a:lnRef idx="2">
+            <a:schemeClr val="accent1">
+              <a:shade val="50000"/>
+            </a:schemeClr>
+          </a:lnRef>
+          <a:fillRef idx="1">
+            <a:schemeClr val="accent1"/>
+          </a:fillRef>
+          <a:effectRef idx="0">
+            <a:schemeClr val="accent1"/>
+          </a:effectRef>
+          <a:fontRef idx="minor">
+            <a:schemeClr val="lt1"/>
+          </a:fontRef>
+        </p:style>
+        <p:txBody>
+          <a:bodyPr rtlCol="0" anchor="ctr"/>
+          <a:lstStyle/>
+          <a:p>
+            <a:pPr algn="ctr"/>
+            <a:endParaRPr lang="es-ES" dirty="0"/>
+          </a:p>
+        </p:txBody>
+      </p:sp>
+      <p:pic>
+        <p:nvPicPr>
+          <p:cNvPr id="6" name="Picture 5">
+            <a:extLst>
+              <a:ext uri="{FF2B5EF4-FFF2-40B4-BE49-F238E27FC236}">
+                <a16:creationId xmlns:a16="http://schemas.microsoft.com/office/drawing/2014/main" id="{1ADC9818-62D3-4832-B767-9DFABD4AEB4A}"/>
+              </a:ext>
+            </a:extLst>
+          </p:cNvPr>
+          <p:cNvPicPr>
+            <a:picLocks noChangeAspect="1"/>
+          </p:cNvPicPr>
+          <p:nvPr/>
+        </p:nvPicPr>
+        <p:blipFill>
+          <a:blip r:embed="rId11">
+            <a:extLst>
+              <a:ext uri="{28A0092B-C50C-407E-A947-70E740481C1C}">
+                <a14:useLocalDpi xmlns:a14="http://schemas.microsoft.com/office/drawing/2010/main" val="0"/>
+              </a:ext>
+            </a:extLst>
+          </a:blip>
+          <a:stretch>
+            <a:fillRect/>
+          </a:stretch>
+        </p:blipFill>
+        <p:spPr>
+          <a:xfrm>
+            <a:off x="11100084" y="534794"/>
+            <a:ext cx="1023652" cy="1028772"/>
+          </a:xfrm>
+          <a:prstGeom prst="rect">
+            <a:avLst/>
+          </a:prstGeom>
+        </p:spPr>
+      </p:pic>
+      <p:sp>
+        <p:nvSpPr>
+          <p:cNvPr id="76" name="TextBox 75">
+            <a:extLst>
+              <a:ext uri="{FF2B5EF4-FFF2-40B4-BE49-F238E27FC236}">
+                <a16:creationId xmlns:a16="http://schemas.microsoft.com/office/drawing/2014/main" id="{7D9866A0-4633-4FA3-8A64-CB8C79A5FA59}"/>
+              </a:ext>
+            </a:extLst>
+          </p:cNvPr>
+          <p:cNvSpPr txBox="1"/>
+          <p:nvPr/>
+        </p:nvSpPr>
+        <p:spPr>
+          <a:xfrm>
+            <a:off x="11104154" y="1589129"/>
+            <a:ext cx="926588" cy="276999"/>
+          </a:xfrm>
+          <a:prstGeom prst="rect">
+            <a:avLst/>
+          </a:prstGeom>
+          <a:solidFill>
+            <a:srgbClr val="00B0F0"/>
+          </a:solidFill>
+        </p:spPr>
+        <p:txBody>
+          <a:bodyPr wrap="square">
+            <a:spAutoFit/>
+          </a:bodyPr>
+          <a:lstStyle/>
+          <a:p>
+            <a:r>
+              <a:rPr lang="es-MX" sz="1200" dirty="0">
+                <a:solidFill>
+                  <a:schemeClr val="tx1">
+                    <a:lumMod val="95000"/>
+                    <a:lumOff val="5000"/>
+                  </a:schemeClr>
+                </a:solidFill>
+                <a:latin typeface="Consolas" panose="020B0609020204030204" pitchFamily="49" charset="0"/>
+              </a:rPr>
+              <a:t>CLIENTES</a:t>
+            </a:r>
+            <a:endParaRPr lang="es-ES" sz="1200" dirty="0">
+              <a:solidFill>
+                <a:schemeClr val="tx1">
+                  <a:lumMod val="95000"/>
+                  <a:lumOff val="5000"/>
+                </a:schemeClr>
+              </a:solidFill>
+            </a:endParaRPr>
+          </a:p>
+        </p:txBody>
+      </p:sp>
+      <p:sp>
+        <p:nvSpPr>
+          <p:cNvPr id="78" name="TextBox 77">
+            <a:extLst>
+              <a:ext uri="{FF2B5EF4-FFF2-40B4-BE49-F238E27FC236}">
+                <a16:creationId xmlns:a16="http://schemas.microsoft.com/office/drawing/2014/main" id="{C1061152-0EAD-4ACC-9255-A8F19011F4BE}"/>
+              </a:ext>
+            </a:extLst>
+          </p:cNvPr>
+          <p:cNvSpPr txBox="1"/>
+          <p:nvPr/>
+        </p:nvSpPr>
+        <p:spPr>
+          <a:xfrm>
+            <a:off x="6107661" y="887455"/>
+            <a:ext cx="1977684" cy="523220"/>
+          </a:xfrm>
+          <a:prstGeom prst="rect">
+            <a:avLst/>
+          </a:prstGeom>
+          <a:noFill/>
+        </p:spPr>
+        <p:txBody>
+          <a:bodyPr wrap="square">
+            <a:spAutoFit/>
+          </a:bodyPr>
+          <a:lstStyle/>
+          <a:p>
+            <a:r>
+              <a:rPr lang="es-MX" sz="1400" dirty="0">
+                <a:solidFill>
+                  <a:schemeClr val="accent2"/>
+                </a:solidFill>
+                <a:latin typeface="Consolas" panose="020B0609020204030204" pitchFamily="49" charset="0"/>
+              </a:rPr>
+              <a:t>localhost:9295/actuator/prometheus</a:t>
+            </a:r>
+            <a:endParaRPr lang="es-ES" sz="1400" dirty="0">
+              <a:solidFill>
+                <a:schemeClr val="accent2"/>
+              </a:solidFill>
+            </a:endParaRPr>
+          </a:p>
+        </p:txBody>
+      </p:sp>
+      <p:sp>
+        <p:nvSpPr>
+          <p:cNvPr id="79" name="TextBox 78">
+            <a:extLst>
+              <a:ext uri="{FF2B5EF4-FFF2-40B4-BE49-F238E27FC236}">
+                <a16:creationId xmlns:a16="http://schemas.microsoft.com/office/drawing/2014/main" id="{0AD6C5D7-77C4-4A64-BA06-62B3CB60C8BB}"/>
+              </a:ext>
+            </a:extLst>
+          </p:cNvPr>
+          <p:cNvSpPr txBox="1"/>
+          <p:nvPr/>
+        </p:nvSpPr>
+        <p:spPr>
+          <a:xfrm>
+            <a:off x="9245602" y="391810"/>
+            <a:ext cx="1977684" cy="307777"/>
+          </a:xfrm>
+          <a:prstGeom prst="rect">
+            <a:avLst/>
+          </a:prstGeom>
+          <a:noFill/>
+        </p:spPr>
+        <p:txBody>
+          <a:bodyPr wrap="square">
+            <a:spAutoFit/>
+          </a:bodyPr>
+          <a:lstStyle/>
+          <a:p>
+            <a:r>
+              <a:rPr lang="es-MX" sz="1400" dirty="0">
+                <a:solidFill>
+                  <a:srgbClr val="FFFF00"/>
+                </a:solidFill>
+                <a:latin typeface="Consolas" panose="020B0609020204030204" pitchFamily="49" charset="0"/>
+              </a:rPr>
+              <a:t>localhost:3000/</a:t>
+            </a:r>
+            <a:endParaRPr lang="es-ES" sz="1400" dirty="0">
+              <a:solidFill>
+                <a:srgbClr val="FFFF00"/>
+              </a:solidFill>
+            </a:endParaRPr>
+          </a:p>
+        </p:txBody>
+      </p:sp>
+      <p:sp>
+        <p:nvSpPr>
+          <p:cNvPr id="80" name="Arrow: Right 79">
+            <a:extLst>
+              <a:ext uri="{FF2B5EF4-FFF2-40B4-BE49-F238E27FC236}">
+                <a16:creationId xmlns:a16="http://schemas.microsoft.com/office/drawing/2014/main" id="{D727CA5C-A307-425B-B98D-D43CCAA40F20}"/>
+              </a:ext>
+            </a:extLst>
+          </p:cNvPr>
+          <p:cNvSpPr/>
+          <p:nvPr/>
+        </p:nvSpPr>
+        <p:spPr>
+          <a:xfrm>
+            <a:off x="6686022" y="2951529"/>
+            <a:ext cx="467253" cy="309633"/>
+          </a:xfrm>
+          <a:prstGeom prst="rightArrow">
+            <a:avLst/>
+          </a:prstGeom>
+          <a:solidFill>
+            <a:srgbClr val="7030A0"/>
+          </a:solidFill>
+        </p:spPr>
+        <p:style>
+          <a:lnRef idx="2">
+            <a:schemeClr val="accent1">
+              <a:shade val="50000"/>
+            </a:schemeClr>
+          </a:lnRef>
+          <a:fillRef idx="1">
+            <a:schemeClr val="accent1"/>
+          </a:fillRef>
+          <a:effectRef idx="0">
+            <a:schemeClr val="accent1"/>
+          </a:effectRef>
+          <a:fontRef idx="minor">
+            <a:schemeClr val="lt1"/>
+          </a:fontRef>
+        </p:style>
+        <p:txBody>
+          <a:bodyPr rtlCol="0" anchor="ctr"/>
+          <a:lstStyle/>
+          <a:p>
+            <a:pPr algn="ctr"/>
+            <a:endParaRPr lang="es-ES" dirty="0"/>
+          </a:p>
+        </p:txBody>
+      </p:sp>
     </p:spTree>
     <p:extLst>
       <p:ext uri="{BB962C8B-B14F-4D97-AF65-F5344CB8AC3E}">

--- a/documentacion/Microservices.pptx
+++ b/documentacion/Microservices.pptx
@@ -261,7 +261,7 @@
           <a:p>
             <a:fld id="{E1A8A860-3B45-4499-A28E-2E0FC2646236}" type="datetimeFigureOut">
               <a:rPr lang="es-ES" smtClean="0"/>
-              <a:t>26/04/2022</a:t>
+              <a:t>25/05/2022</a:t>
             </a:fld>
             <a:endParaRPr lang="es-ES" dirty="0"/>
           </a:p>
@@ -461,7 +461,7 @@
           <a:p>
             <a:fld id="{E1A8A860-3B45-4499-A28E-2E0FC2646236}" type="datetimeFigureOut">
               <a:rPr lang="es-ES" smtClean="0"/>
-              <a:t>26/04/2022</a:t>
+              <a:t>25/05/2022</a:t>
             </a:fld>
             <a:endParaRPr lang="es-ES" dirty="0"/>
           </a:p>
@@ -671,7 +671,7 @@
           <a:p>
             <a:fld id="{E1A8A860-3B45-4499-A28E-2E0FC2646236}" type="datetimeFigureOut">
               <a:rPr lang="es-ES" smtClean="0"/>
-              <a:t>26/04/2022</a:t>
+              <a:t>25/05/2022</a:t>
             </a:fld>
             <a:endParaRPr lang="es-ES" dirty="0"/>
           </a:p>
@@ -871,7 +871,7 @@
           <a:p>
             <a:fld id="{E1A8A860-3B45-4499-A28E-2E0FC2646236}" type="datetimeFigureOut">
               <a:rPr lang="es-ES" smtClean="0"/>
-              <a:t>26/04/2022</a:t>
+              <a:t>25/05/2022</a:t>
             </a:fld>
             <a:endParaRPr lang="es-ES" dirty="0"/>
           </a:p>
@@ -1147,7 +1147,7 @@
           <a:p>
             <a:fld id="{E1A8A860-3B45-4499-A28E-2E0FC2646236}" type="datetimeFigureOut">
               <a:rPr lang="es-ES" smtClean="0"/>
-              <a:t>26/04/2022</a:t>
+              <a:t>25/05/2022</a:t>
             </a:fld>
             <a:endParaRPr lang="es-ES" dirty="0"/>
           </a:p>
@@ -1415,7 +1415,7 @@
           <a:p>
             <a:fld id="{E1A8A860-3B45-4499-A28E-2E0FC2646236}" type="datetimeFigureOut">
               <a:rPr lang="es-ES" smtClean="0"/>
-              <a:t>26/04/2022</a:t>
+              <a:t>25/05/2022</a:t>
             </a:fld>
             <a:endParaRPr lang="es-ES" dirty="0"/>
           </a:p>
@@ -1830,7 +1830,7 @@
           <a:p>
             <a:fld id="{E1A8A860-3B45-4499-A28E-2E0FC2646236}" type="datetimeFigureOut">
               <a:rPr lang="es-ES" smtClean="0"/>
-              <a:t>26/04/2022</a:t>
+              <a:t>25/05/2022</a:t>
             </a:fld>
             <a:endParaRPr lang="es-ES" dirty="0"/>
           </a:p>
@@ -1972,7 +1972,7 @@
           <a:p>
             <a:fld id="{E1A8A860-3B45-4499-A28E-2E0FC2646236}" type="datetimeFigureOut">
               <a:rPr lang="es-ES" smtClean="0"/>
-              <a:t>26/04/2022</a:t>
+              <a:t>25/05/2022</a:t>
             </a:fld>
             <a:endParaRPr lang="es-ES" dirty="0"/>
           </a:p>
@@ -2085,7 +2085,7 @@
           <a:p>
             <a:fld id="{E1A8A860-3B45-4499-A28E-2E0FC2646236}" type="datetimeFigureOut">
               <a:rPr lang="es-ES" smtClean="0"/>
-              <a:t>26/04/2022</a:t>
+              <a:t>25/05/2022</a:t>
             </a:fld>
             <a:endParaRPr lang="es-ES" dirty="0"/>
           </a:p>
@@ -2398,7 +2398,7 @@
           <a:p>
             <a:fld id="{E1A8A860-3B45-4499-A28E-2E0FC2646236}" type="datetimeFigureOut">
               <a:rPr lang="es-ES" smtClean="0"/>
-              <a:t>26/04/2022</a:t>
+              <a:t>25/05/2022</a:t>
             </a:fld>
             <a:endParaRPr lang="es-ES" dirty="0"/>
           </a:p>
@@ -2687,7 +2687,7 @@
           <a:p>
             <a:fld id="{E1A8A860-3B45-4499-A28E-2E0FC2646236}" type="datetimeFigureOut">
               <a:rPr lang="es-ES" smtClean="0"/>
-              <a:t>26/04/2022</a:t>
+              <a:t>25/05/2022</a:t>
             </a:fld>
             <a:endParaRPr lang="es-ES" dirty="0"/>
           </a:p>
@@ -2939,7 +2939,7 @@
           <a:p>
             <a:fld id="{E1A8A860-3B45-4499-A28E-2E0FC2646236}" type="datetimeFigureOut">
               <a:rPr lang="es-ES" smtClean="0"/>
-              <a:t>26/04/2022</a:t>
+              <a:t>25/05/2022</a:t>
             </a:fld>
             <a:endParaRPr lang="es-ES" dirty="0"/>
           </a:p>
@@ -3398,8 +3398,8 @@
         </p:blipFill>
         <p:spPr>
           <a:xfrm>
-            <a:off x="94881" y="2260201"/>
-            <a:ext cx="861272" cy="755152"/>
+            <a:off x="142011" y="1259330"/>
+            <a:ext cx="701802" cy="606798"/>
           </a:xfrm>
           <a:prstGeom prst="rect">
             <a:avLst/>
@@ -3434,7 +3434,7 @@
         </p:blipFill>
         <p:spPr>
           <a:xfrm>
-            <a:off x="199628" y="5800824"/>
+            <a:off x="189946" y="5989810"/>
             <a:ext cx="772511" cy="662927"/>
           </a:xfrm>
           <a:prstGeom prst="rect">
@@ -3456,8 +3456,8 @@
         </p:nvSpPr>
         <p:spPr>
           <a:xfrm rot="5400000">
-            <a:off x="61694" y="3463480"/>
-            <a:ext cx="1086918" cy="253368"/>
+            <a:off x="-160357" y="2485131"/>
+            <a:ext cx="1313289" cy="188355"/>
           </a:xfrm>
           <a:prstGeom prst="rightArrow">
             <a:avLst/>
@@ -3507,8 +3507,8 @@
         </p:nvSpPr>
         <p:spPr>
           <a:xfrm>
-            <a:off x="1015607" y="5933163"/>
-            <a:ext cx="2520842" cy="346795"/>
+            <a:off x="1004661" y="6320763"/>
+            <a:ext cx="1292164" cy="201049"/>
           </a:xfrm>
           <a:prstGeom prst="rightArrow">
             <a:avLst/>
@@ -3558,8 +3558,8 @@
         </p:nvSpPr>
         <p:spPr>
           <a:xfrm>
-            <a:off x="935101" y="2183742"/>
-            <a:ext cx="2004460" cy="240488"/>
+            <a:off x="921761" y="1534305"/>
+            <a:ext cx="1386010" cy="201049"/>
           </a:xfrm>
           <a:prstGeom prst="rightArrow">
             <a:avLst/>
@@ -3668,8 +3668,8 @@
         </p:nvSpPr>
         <p:spPr>
           <a:xfrm>
-            <a:off x="-21285" y="1626130"/>
-            <a:ext cx="2596914" cy="523220"/>
+            <a:off x="37153" y="925794"/>
+            <a:ext cx="1795896" cy="276999"/>
           </a:xfrm>
           <a:prstGeom prst="rect">
             <a:avLst/>
@@ -3683,7 +3683,7 @@
           <a:lstStyle/>
           <a:p>
             <a:r>
-              <a:rPr lang="es-MX" sz="1400" dirty="0">
+              <a:rPr lang="es-MX" sz="1200" dirty="0">
                 <a:solidFill>
                   <a:schemeClr val="accent6">
                     <a:lumMod val="60000"/>
@@ -3692,9 +3692,9 @@
                 </a:solidFill>
                 <a:latin typeface="Consolas" panose="020B0609020204030204" pitchFamily="49" charset="0"/>
               </a:rPr>
-              <a:t>localhost:5432/db_inmobiliaria_microservicios</a:t>
-            </a:r>
-            <a:endParaRPr lang="es-ES" sz="1400" dirty="0">
+              <a:t>SGDB PostgreSQL</a:t>
+            </a:r>
+            <a:endParaRPr lang="es-ES" sz="1200" dirty="0">
               <a:solidFill>
                 <a:schemeClr val="accent6">
                   <a:lumMod val="60000"/>
@@ -3719,8 +3719,8 @@
         </p:nvSpPr>
         <p:spPr>
           <a:xfrm>
-            <a:off x="1643" y="5052842"/>
-            <a:ext cx="2596915" cy="738664"/>
+            <a:off x="73780" y="5672985"/>
+            <a:ext cx="1049053" cy="276999"/>
           </a:xfrm>
           <a:prstGeom prst="rect">
             <a:avLst/>
@@ -3734,7 +3734,7 @@
           <a:lstStyle/>
           <a:p>
             <a:r>
-              <a:rPr lang="es-MX" sz="1400" dirty="0">
+              <a:rPr lang="es-MX" sz="1200" dirty="0">
                 <a:solidFill>
                   <a:schemeClr val="accent4">
                     <a:lumMod val="75000"/>
@@ -3742,9 +3742,9 @@
                 </a:solidFill>
                 <a:latin typeface="Consolas" panose="020B0609020204030204" pitchFamily="49" charset="0"/>
               </a:rPr>
-              <a:t>localhost:3306/db_inspecciones_inmuebles_microservicios</a:t>
-            </a:r>
-            <a:endParaRPr lang="es-ES" sz="1400" dirty="0">
+              <a:t>SGDB MySQL</a:t>
+            </a:r>
+            <a:endParaRPr lang="es-ES" sz="1200" dirty="0">
               <a:solidFill>
                 <a:schemeClr val="accent4">
                   <a:lumMod val="75000"/>
@@ -3756,10 +3756,10 @@
       </p:sp>
       <p:sp>
         <p:nvSpPr>
-          <p:cNvPr id="39" name="TextBox 38">
-            <a:extLst>
-              <a:ext uri="{FF2B5EF4-FFF2-40B4-BE49-F238E27FC236}">
-                <a16:creationId xmlns:a16="http://schemas.microsoft.com/office/drawing/2014/main" id="{B917D3A5-AFDD-4C00-AFD9-A13C0EE4340C}"/>
+          <p:cNvPr id="42" name="TextBox 41">
+            <a:extLst>
+              <a:ext uri="{FF2B5EF4-FFF2-40B4-BE49-F238E27FC236}">
+                <a16:creationId xmlns:a16="http://schemas.microsoft.com/office/drawing/2014/main" id="{1176B478-AD31-47D2-8D25-DCAD571194D2}"/>
               </a:ext>
             </a:extLst>
           </p:cNvPr>
@@ -3768,159 +3768,8 @@
         </p:nvSpPr>
         <p:spPr>
           <a:xfrm>
-            <a:off x="2763271" y="5339115"/>
-            <a:ext cx="2874770" cy="523220"/>
-          </a:xfrm>
-          <a:prstGeom prst="rect">
-            <a:avLst/>
-          </a:prstGeom>
-          <a:noFill/>
-        </p:spPr>
-        <p:txBody>
-          <a:bodyPr wrap="square">
-            <a:spAutoFit/>
-          </a:bodyPr>
-          <a:lstStyle/>
-          <a:p>
-            <a:r>
-              <a:rPr lang="es-MX" sz="1400" dirty="0">
-                <a:solidFill>
-                  <a:schemeClr val="accent4">
-                    <a:lumMod val="75000"/>
-                  </a:schemeClr>
-                </a:solidFill>
-                <a:latin typeface="Consolas" panose="020B0609020204030204" pitchFamily="49" charset="0"/>
-              </a:rPr>
-              <a:t>localhost:8095/inspecciones_inmuebles</a:t>
-            </a:r>
-            <a:endParaRPr lang="es-ES" sz="1400" dirty="0">
-              <a:solidFill>
-                <a:schemeClr val="accent4">
-                  <a:lumMod val="75000"/>
-                </a:schemeClr>
-              </a:solidFill>
-            </a:endParaRPr>
-          </a:p>
-        </p:txBody>
-      </p:sp>
-      <p:sp>
-        <p:nvSpPr>
-          <p:cNvPr id="40" name="TextBox 39">
-            <a:extLst>
-              <a:ext uri="{FF2B5EF4-FFF2-40B4-BE49-F238E27FC236}">
-                <a16:creationId xmlns:a16="http://schemas.microsoft.com/office/drawing/2014/main" id="{90359742-D034-41EC-86CB-F0DE296F95A2}"/>
-              </a:ext>
-            </a:extLst>
-          </p:cNvPr>
-          <p:cNvSpPr txBox="1"/>
-          <p:nvPr/>
-        </p:nvSpPr>
-        <p:spPr>
-          <a:xfrm>
-            <a:off x="1376557" y="3046705"/>
-            <a:ext cx="2214467" cy="523220"/>
-          </a:xfrm>
-          <a:prstGeom prst="rect">
-            <a:avLst/>
-          </a:prstGeom>
-          <a:noFill/>
-        </p:spPr>
-        <p:txBody>
-          <a:bodyPr wrap="square">
-            <a:spAutoFit/>
-          </a:bodyPr>
-          <a:lstStyle/>
-          <a:p>
-            <a:r>
-              <a:rPr lang="es-MX" sz="1400" dirty="0">
-                <a:solidFill>
-                  <a:schemeClr val="accent1">
-                    <a:lumMod val="60000"/>
-                    <a:lumOff val="40000"/>
-                  </a:schemeClr>
-                </a:solidFill>
-                <a:latin typeface="Consolas" panose="020B0609020204030204" pitchFamily="49" charset="0"/>
-              </a:rPr>
-              <a:t>localhost:8093/propietarios_inmuebles</a:t>
-            </a:r>
-            <a:endParaRPr lang="es-ES" sz="1400" dirty="0">
-              <a:solidFill>
-                <a:schemeClr val="accent1">
-                  <a:lumMod val="60000"/>
-                  <a:lumOff val="40000"/>
-                </a:schemeClr>
-              </a:solidFill>
-            </a:endParaRPr>
-          </a:p>
-        </p:txBody>
-      </p:sp>
-      <p:sp>
-        <p:nvSpPr>
-          <p:cNvPr id="41" name="TextBox 40">
-            <a:extLst>
-              <a:ext uri="{FF2B5EF4-FFF2-40B4-BE49-F238E27FC236}">
-                <a16:creationId xmlns:a16="http://schemas.microsoft.com/office/drawing/2014/main" id="{3C2689AD-7013-453B-8D86-E7B5665254B1}"/>
-              </a:ext>
-            </a:extLst>
-          </p:cNvPr>
-          <p:cNvSpPr txBox="1"/>
-          <p:nvPr/>
-        </p:nvSpPr>
-        <p:spPr>
-          <a:xfrm>
-            <a:off x="2498584" y="1365763"/>
-            <a:ext cx="2596915" cy="307777"/>
-          </a:xfrm>
-          <a:prstGeom prst="rect">
-            <a:avLst/>
-          </a:prstGeom>
-          <a:noFill/>
-        </p:spPr>
-        <p:txBody>
-          <a:bodyPr wrap="square">
-            <a:spAutoFit/>
-          </a:bodyPr>
-          <a:lstStyle/>
-          <a:p>
-            <a:r>
-              <a:rPr lang="es-MX" sz="1400" dirty="0">
-                <a:solidFill>
-                  <a:schemeClr val="accent6">
-                    <a:lumMod val="60000"/>
-                    <a:lumOff val="40000"/>
-                  </a:schemeClr>
-                </a:solidFill>
-                <a:latin typeface="Consolas" panose="020B0609020204030204" pitchFamily="49" charset="0"/>
-              </a:rPr>
-              <a:t>localhost:8092/inmuebles</a:t>
-            </a:r>
-            <a:endParaRPr lang="es-ES" sz="1400" dirty="0">
-              <a:solidFill>
-                <a:schemeClr val="accent6">
-                  <a:lumMod val="60000"/>
-                  <a:lumOff val="40000"/>
-                </a:schemeClr>
-              </a:solidFill>
-            </a:endParaRPr>
-          </a:p>
-        </p:txBody>
-      </p:sp>
-      <p:sp>
-        <p:nvSpPr>
-          <p:cNvPr id="42" name="TextBox 41">
-            <a:extLst>
-              <a:ext uri="{FF2B5EF4-FFF2-40B4-BE49-F238E27FC236}">
-                <a16:creationId xmlns:a16="http://schemas.microsoft.com/office/drawing/2014/main" id="{1176B478-AD31-47D2-8D25-DCAD571194D2}"/>
-              </a:ext>
-            </a:extLst>
-          </p:cNvPr>
-          <p:cNvSpPr txBox="1"/>
-          <p:nvPr/>
-        </p:nvSpPr>
-        <p:spPr>
-          <a:xfrm>
-            <a:off x="6827209" y="6274444"/>
-            <a:ext cx="2533474" cy="276999"/>
+            <a:off x="1725440" y="5703763"/>
+            <a:ext cx="2141366" cy="246221"/>
           </a:xfrm>
           <a:prstGeom prst="rect">
             <a:avLst/>
@@ -3938,7 +3787,7 @@
           <a:lstStyle/>
           <a:p>
             <a:r>
-              <a:rPr lang="es-MX" sz="1200" dirty="0">
+              <a:rPr lang="es-MX" sz="1000" dirty="0">
                 <a:solidFill>
                   <a:schemeClr val="tx1">
                     <a:lumMod val="95000"/>
@@ -3949,7 +3798,7 @@
               </a:rPr>
               <a:t>INSPECCION_INMUEBLE_SERVICE</a:t>
             </a:r>
-            <a:endParaRPr lang="es-ES" sz="1200" dirty="0">
+            <a:endParaRPr lang="es-ES" sz="1000" dirty="0">
               <a:solidFill>
                 <a:schemeClr val="tx1">
                   <a:lumMod val="95000"/>
@@ -3974,8 +3823,8 @@
         </p:nvSpPr>
         <p:spPr>
           <a:xfrm>
-            <a:off x="2653313" y="4325715"/>
-            <a:ext cx="2596915" cy="276999"/>
+            <a:off x="1571212" y="2395895"/>
+            <a:ext cx="2141366" cy="246221"/>
           </a:xfrm>
           <a:prstGeom prst="rect">
             <a:avLst/>
@@ -3993,7 +3842,7 @@
           <a:lstStyle/>
           <a:p>
             <a:r>
-              <a:rPr lang="es-MX" sz="1200" dirty="0">
+              <a:rPr lang="es-MX" sz="1000" dirty="0">
                 <a:solidFill>
                   <a:schemeClr val="accent5">
                     <a:lumMod val="60000"/>
@@ -4004,7 +3853,7 @@
               </a:rPr>
               <a:t>PROPIETARIO_INMUEBLE_SERVICE</a:t>
             </a:r>
-            <a:endParaRPr lang="es-ES" sz="1200" dirty="0">
+            <a:endParaRPr lang="es-ES" sz="1000" dirty="0">
               <a:solidFill>
                 <a:schemeClr val="accent5">
                   <a:lumMod val="60000"/>
@@ -4029,8 +3878,8 @@
         </p:nvSpPr>
         <p:spPr>
           <a:xfrm>
-            <a:off x="4094422" y="1857705"/>
-            <a:ext cx="1554778" cy="276999"/>
+            <a:off x="2106286" y="873610"/>
+            <a:ext cx="1313970" cy="244109"/>
           </a:xfrm>
           <a:prstGeom prst="rect">
             <a:avLst/>
@@ -4048,7 +3897,7 @@
           <a:lstStyle/>
           <a:p>
             <a:r>
-              <a:rPr lang="es-MX" sz="1200" dirty="0">
+              <a:rPr lang="es-MX" sz="1000" dirty="0">
                 <a:solidFill>
                   <a:schemeClr val="tx1">
                     <a:lumMod val="95000"/>
@@ -4059,7 +3908,7 @@
               </a:rPr>
               <a:t>INMUEBLE_SERVICE</a:t>
             </a:r>
-            <a:endParaRPr lang="es-ES" sz="1200" dirty="0">
+            <a:endParaRPr lang="es-ES" sz="1000" dirty="0">
               <a:solidFill>
                 <a:schemeClr val="tx1">
                   <a:lumMod val="95000"/>
@@ -4098,86 +3947,14 @@
         </p:blipFill>
         <p:spPr>
           <a:xfrm>
-            <a:off x="3023223" y="1771180"/>
-            <a:ext cx="971206" cy="895885"/>
+            <a:off x="2325757" y="1202793"/>
+            <a:ext cx="819291" cy="779454"/>
           </a:xfrm>
           <a:prstGeom prst="rect">
             <a:avLst/>
           </a:prstGeom>
         </p:spPr>
       </p:pic>
-      <p:pic>
-        <p:nvPicPr>
-          <p:cNvPr id="47" name="Picture 46">
-            <a:extLst>
-              <a:ext uri="{FF2B5EF4-FFF2-40B4-BE49-F238E27FC236}">
-                <a16:creationId xmlns:a16="http://schemas.microsoft.com/office/drawing/2014/main" id="{A957F6C3-AD90-4085-B261-6ACB4DAE9FBC}"/>
-              </a:ext>
-            </a:extLst>
-          </p:cNvPr>
-          <p:cNvPicPr>
-            <a:picLocks noChangeAspect="1"/>
-          </p:cNvPicPr>
-          <p:nvPr/>
-        </p:nvPicPr>
-        <p:blipFill>
-          <a:blip r:embed="rId5">
-            <a:extLst>
-              <a:ext uri="{28A0092B-C50C-407E-A947-70E740481C1C}">
-                <a14:useLocalDpi xmlns:a14="http://schemas.microsoft.com/office/drawing/2010/main" val="0"/>
-              </a:ext>
-            </a:extLst>
-          </a:blip>
-          <a:stretch>
-            <a:fillRect/>
-          </a:stretch>
-        </p:blipFill>
-        <p:spPr>
-          <a:xfrm>
-            <a:off x="1865324" y="3602530"/>
-            <a:ext cx="971206" cy="895885"/>
-          </a:xfrm>
-          <a:prstGeom prst="rect">
-            <a:avLst/>
-          </a:prstGeom>
-        </p:spPr>
-      </p:pic>
-      <p:pic>
-        <p:nvPicPr>
-          <p:cNvPr id="48" name="Picture 47">
-            <a:extLst>
-              <a:ext uri="{FF2B5EF4-FFF2-40B4-BE49-F238E27FC236}">
-                <a16:creationId xmlns:a16="http://schemas.microsoft.com/office/drawing/2014/main" id="{5010E1DB-B0F9-46B5-975E-0FC98BEF3BF9}"/>
-              </a:ext>
-            </a:extLst>
-          </p:cNvPr>
-          <p:cNvPicPr>
-            <a:picLocks noChangeAspect="1"/>
-          </p:cNvPicPr>
-          <p:nvPr/>
-        </p:nvPicPr>
-        <p:blipFill>
-          <a:blip r:embed="rId5">
-            <a:extLst>
-              <a:ext uri="{28A0092B-C50C-407E-A947-70E740481C1C}">
-                <a14:useLocalDpi xmlns:a14="http://schemas.microsoft.com/office/drawing/2010/main" val="0"/>
-              </a:ext>
-            </a:extLst>
-          </a:blip>
-          <a:stretch>
-            <a:fillRect/>
-          </a:stretch>
-        </p:blipFill>
-        <p:spPr>
-          <a:xfrm>
-            <a:off x="3480299" y="5684344"/>
-            <a:ext cx="971206" cy="895885"/>
-          </a:xfrm>
-          <a:prstGeom prst="rect">
-            <a:avLst/>
-          </a:prstGeom>
-        </p:spPr>
-      </p:pic>
       <p:sp>
         <p:nvSpPr>
           <p:cNvPr id="52" name="Arrow: Right 51">
@@ -4192,8 +3969,8 @@
         </p:nvSpPr>
         <p:spPr>
           <a:xfrm>
-            <a:off x="2883723" y="3808682"/>
-            <a:ext cx="2765479" cy="210035"/>
+            <a:off x="3081220" y="3089604"/>
+            <a:ext cx="1517556" cy="217668"/>
           </a:xfrm>
           <a:prstGeom prst="rightArrow">
             <a:avLst/>
@@ -4243,8 +4020,8 @@
         </p:nvSpPr>
         <p:spPr>
           <a:xfrm>
-            <a:off x="4460799" y="6016766"/>
-            <a:ext cx="7147022" cy="245569"/>
+            <a:off x="3215935" y="6292140"/>
+            <a:ext cx="7088863" cy="259015"/>
           </a:xfrm>
           <a:prstGeom prst="rightArrow">
             <a:avLst/>
@@ -4294,8 +4071,8 @@
         </p:nvSpPr>
         <p:spPr>
           <a:xfrm rot="16200000">
-            <a:off x="11097607" y="5625266"/>
-            <a:ext cx="939683" cy="253921"/>
+            <a:off x="10290541" y="6292625"/>
+            <a:ext cx="337186" cy="279757"/>
           </a:xfrm>
           <a:prstGeom prst="rightArrow">
             <a:avLst/>
@@ -4345,8 +4122,8 @@
         </p:nvSpPr>
         <p:spPr>
           <a:xfrm>
-            <a:off x="3935969" y="2119753"/>
-            <a:ext cx="7671851" cy="210619"/>
+            <a:off x="3158852" y="1413960"/>
+            <a:ext cx="8623845" cy="265029"/>
           </a:xfrm>
           <a:prstGeom prst="rightArrow">
             <a:avLst/>
@@ -4396,7 +4173,7 @@
         </p:nvSpPr>
         <p:spPr>
           <a:xfrm rot="5400000">
-            <a:off x="5497935" y="2342847"/>
+            <a:off x="4822076" y="1706736"/>
             <a:ext cx="557199" cy="254668"/>
           </a:xfrm>
           <a:prstGeom prst="rightArrow">
@@ -4461,7 +4238,7 @@
         </p:blipFill>
         <p:spPr>
           <a:xfrm>
-            <a:off x="10701331" y="3988133"/>
+            <a:off x="9787483" y="5399392"/>
             <a:ext cx="1422405" cy="846430"/>
           </a:xfrm>
           <a:prstGeom prst="rect">
@@ -4471,57 +4248,6 @@
       </p:pic>
       <p:sp>
         <p:nvSpPr>
-          <p:cNvPr id="64" name="TextBox 63">
-            <a:extLst>
-              <a:ext uri="{FF2B5EF4-FFF2-40B4-BE49-F238E27FC236}">
-                <a16:creationId xmlns:a16="http://schemas.microsoft.com/office/drawing/2014/main" id="{FEB72C8A-180F-498D-8D6A-E17384C74F04}"/>
-              </a:ext>
-            </a:extLst>
-          </p:cNvPr>
-          <p:cNvSpPr txBox="1"/>
-          <p:nvPr/>
-        </p:nvSpPr>
-        <p:spPr>
-          <a:xfrm>
-            <a:off x="9832207" y="3654793"/>
-            <a:ext cx="2321743" cy="307777"/>
-          </a:xfrm>
-          <a:prstGeom prst="rect">
-            <a:avLst/>
-          </a:prstGeom>
-          <a:solidFill>
-            <a:srgbClr val="00B050"/>
-          </a:solidFill>
-        </p:spPr>
-        <p:txBody>
-          <a:bodyPr wrap="square">
-            <a:spAutoFit/>
-          </a:bodyPr>
-          <a:lstStyle/>
-          <a:p>
-            <a:r>
-              <a:rPr lang="es-MX" sz="1400" dirty="0">
-                <a:solidFill>
-                  <a:schemeClr val="bg2">
-                    <a:lumMod val="10000"/>
-                  </a:schemeClr>
-                </a:solidFill>
-                <a:latin typeface="Consolas" panose="020B0609020204030204" pitchFamily="49" charset="0"/>
-              </a:rPr>
-              <a:t>localhost:8761/eureka</a:t>
-            </a:r>
-            <a:endParaRPr lang="es-ES" sz="1400" dirty="0">
-              <a:solidFill>
-                <a:schemeClr val="bg2">
-                  <a:lumMod val="10000"/>
-                </a:schemeClr>
-              </a:solidFill>
-            </a:endParaRPr>
-          </a:p>
-        </p:txBody>
-      </p:sp>
-      <p:sp>
-        <p:nvSpPr>
           <p:cNvPr id="66" name="Arrow: Right 65">
             <a:extLst>
               <a:ext uri="{FF2B5EF4-FFF2-40B4-BE49-F238E27FC236}">
@@ -4534,8 +4260,8 @@
         </p:nvSpPr>
         <p:spPr>
           <a:xfrm rot="16200000">
-            <a:off x="5454449" y="5451291"/>
-            <a:ext cx="1267867" cy="251095"/>
+            <a:off x="3416469" y="4851047"/>
+            <a:ext cx="2963482" cy="223109"/>
           </a:xfrm>
           <a:prstGeom prst="rightArrow">
             <a:avLst/>
@@ -4599,8 +4325,8 @@
         </p:blipFill>
         <p:spPr>
           <a:xfrm>
-            <a:off x="5653808" y="3654793"/>
-            <a:ext cx="793032" cy="926734"/>
+            <a:off x="4706074" y="2455809"/>
+            <a:ext cx="819291" cy="926734"/>
           </a:xfrm>
           <a:prstGeom prst="rect">
             <a:avLst/>
@@ -4609,79 +4335,6 @@
       </p:pic>
       <p:sp>
         <p:nvSpPr>
-          <p:cNvPr id="69" name="TextBox 68">
-            <a:extLst>
-              <a:ext uri="{FF2B5EF4-FFF2-40B4-BE49-F238E27FC236}">
-                <a16:creationId xmlns:a16="http://schemas.microsoft.com/office/drawing/2014/main" id="{432F2B30-A5E7-403B-8C00-71A02249D717}"/>
-              </a:ext>
-            </a:extLst>
-          </p:cNvPr>
-          <p:cNvSpPr txBox="1"/>
-          <p:nvPr/>
-        </p:nvSpPr>
-        <p:spPr>
-          <a:xfrm>
-            <a:off x="4061729" y="2800086"/>
-            <a:ext cx="2765480" cy="738664"/>
-          </a:xfrm>
-          <a:prstGeom prst="rect">
-            <a:avLst/>
-          </a:prstGeom>
-          <a:solidFill>
-            <a:srgbClr val="7030A0"/>
-          </a:solidFill>
-        </p:spPr>
-        <p:txBody>
-          <a:bodyPr wrap="square">
-            <a:spAutoFit/>
-          </a:bodyPr>
-          <a:lstStyle/>
-          <a:p>
-            <a:r>
-              <a:rPr lang="es-MX" sz="1400" dirty="0">
-                <a:solidFill>
-                  <a:schemeClr val="accent6">
-                    <a:lumMod val="60000"/>
-                    <a:lumOff val="40000"/>
-                  </a:schemeClr>
-                </a:solidFill>
-                <a:latin typeface="Consolas" panose="020B0609020204030204" pitchFamily="49" charset="0"/>
-              </a:rPr>
-              <a:t>localhost:9191/inmuebles</a:t>
-            </a:r>
-          </a:p>
-          <a:p>
-            <a:r>
-              <a:rPr lang="es-MX" sz="1400" dirty="0">
-                <a:solidFill>
-                  <a:schemeClr val="accent1">
-                    <a:lumMod val="60000"/>
-                    <a:lumOff val="40000"/>
-                  </a:schemeClr>
-                </a:solidFill>
-                <a:latin typeface="Consolas" panose="020B0609020204030204" pitchFamily="49" charset="0"/>
-              </a:rPr>
-              <a:t>localhost:9191/propieta..</a:t>
-            </a:r>
-          </a:p>
-          <a:p>
-            <a:r>
-              <a:rPr lang="es-MX" sz="1400" dirty="0">
-                <a:solidFill>
-                  <a:schemeClr val="accent4">
-                    <a:lumMod val="60000"/>
-                    <a:lumOff val="40000"/>
-                  </a:schemeClr>
-                </a:solidFill>
-                <a:latin typeface="Consolas" panose="020B0609020204030204" pitchFamily="49" charset="0"/>
-              </a:rPr>
-              <a:t>localhost:9191/inspecc..</a:t>
-            </a:r>
-          </a:p>
-        </p:txBody>
-      </p:sp>
-      <p:sp>
-        <p:nvSpPr>
           <p:cNvPr id="71" name="Arrow: Right 70">
             <a:extLst>
               <a:ext uri="{FF2B5EF4-FFF2-40B4-BE49-F238E27FC236}">
@@ -4694,8 +4347,8 @@
         </p:nvSpPr>
         <p:spPr>
           <a:xfrm>
-            <a:off x="5250228" y="5729869"/>
-            <a:ext cx="5760672" cy="235589"/>
+            <a:off x="4034990" y="5876457"/>
+            <a:ext cx="5675542" cy="310208"/>
           </a:xfrm>
           <a:prstGeom prst="rightArrow">
             <a:avLst/>
@@ -4745,8 +4398,8 @@
         </p:nvSpPr>
         <p:spPr>
           <a:xfrm rot="5400000">
-            <a:off x="4291816" y="4763872"/>
-            <a:ext cx="2085586" cy="252995"/>
+            <a:off x="2696361" y="4522526"/>
+            <a:ext cx="2889658" cy="223107"/>
           </a:xfrm>
           <a:prstGeom prst="rightArrow">
             <a:avLst/>
@@ -4796,8 +4449,8 @@
         </p:nvSpPr>
         <p:spPr>
           <a:xfrm rot="5400000">
-            <a:off x="10838583" y="2720525"/>
-            <a:ext cx="1415252" cy="309633"/>
+            <a:off x="9510977" y="3466619"/>
+            <a:ext cx="4358776" cy="309633"/>
           </a:xfrm>
           <a:prstGeom prst="rightArrow">
             <a:avLst/>
@@ -4861,8 +4514,8 @@
         </p:blipFill>
         <p:spPr>
           <a:xfrm>
-            <a:off x="9693416" y="803182"/>
-            <a:ext cx="819291" cy="895886"/>
+            <a:off x="10102756" y="1995484"/>
+            <a:ext cx="910463" cy="824213"/>
           </a:xfrm>
           <a:prstGeom prst="rect">
             <a:avLst/>
@@ -4897,7 +4550,7 @@
         </p:blipFill>
         <p:spPr>
           <a:xfrm>
-            <a:off x="8150152" y="839715"/>
+            <a:off x="8570498" y="1995484"/>
             <a:ext cx="819291" cy="827294"/>
           </a:xfrm>
           <a:prstGeom prst="rect">
@@ -4933,7 +4586,7 @@
         </p:blipFill>
         <p:spPr>
           <a:xfrm>
-            <a:off x="8287754" y="3639721"/>
+            <a:off x="6515864" y="1961081"/>
             <a:ext cx="740942" cy="846430"/>
           </a:xfrm>
           <a:prstGeom prst="rect">
@@ -4955,8 +4608,8 @@
         </p:nvSpPr>
         <p:spPr>
           <a:xfrm>
-            <a:off x="6523321" y="3962570"/>
-            <a:ext cx="1654143" cy="309633"/>
+            <a:off x="5548751" y="2580147"/>
+            <a:ext cx="911641" cy="217444"/>
           </a:xfrm>
           <a:prstGeom prst="rightArrow">
             <a:avLst/>
@@ -5004,8 +4657,8 @@
         </p:nvSpPr>
         <p:spPr>
           <a:xfrm>
-            <a:off x="784622" y="3934043"/>
-            <a:ext cx="1131485" cy="208898"/>
+            <a:off x="436548" y="3060006"/>
+            <a:ext cx="1795896" cy="246221"/>
           </a:xfrm>
           <a:prstGeom prst="rightArrow">
             <a:avLst/>
@@ -5055,8 +4708,8 @@
         </p:nvSpPr>
         <p:spPr>
           <a:xfrm>
-            <a:off x="5499950" y="4614599"/>
-            <a:ext cx="1121859" cy="276999"/>
+            <a:off x="4598776" y="2126476"/>
+            <a:ext cx="1049773" cy="246221"/>
           </a:xfrm>
           <a:prstGeom prst="rect">
             <a:avLst/>
@@ -5072,7 +4725,7 @@
           <a:lstStyle/>
           <a:p>
             <a:r>
-              <a:rPr lang="es-MX" sz="1200" dirty="0">
+              <a:rPr lang="es-MX" sz="1000" dirty="0">
                 <a:solidFill>
                   <a:schemeClr val="bg1"/>
                 </a:solidFill>
@@ -5080,7 +4733,7 @@
               </a:rPr>
               <a:t>API GATEWAY</a:t>
             </a:r>
-            <a:endParaRPr lang="es-ES" sz="1200" dirty="0">
+            <a:endParaRPr lang="es-ES" sz="1000" dirty="0">
               <a:solidFill>
                 <a:schemeClr val="bg1"/>
               </a:solidFill>
@@ -5102,8 +4755,8 @@
         </p:nvSpPr>
         <p:spPr>
           <a:xfrm>
-            <a:off x="10641891" y="4906391"/>
-            <a:ext cx="1422406" cy="276999"/>
+            <a:off x="9883916" y="5085809"/>
+            <a:ext cx="1198302" cy="246221"/>
           </a:xfrm>
           <a:prstGeom prst="rect">
             <a:avLst/>
@@ -5119,7 +4772,7 @@
           <a:lstStyle/>
           <a:p>
             <a:r>
-              <a:rPr lang="es-MX" sz="1200" dirty="0">
+              <a:rPr lang="es-MX" sz="1000" dirty="0">
                 <a:solidFill>
                   <a:schemeClr val="tx1">
                     <a:lumMod val="95000"/>
@@ -5130,7 +4783,7 @@
               </a:rPr>
               <a:t>EUREKA SERVICE</a:t>
             </a:r>
-            <a:endParaRPr lang="es-ES" sz="1200" dirty="0">
+            <a:endParaRPr lang="es-ES" sz="1000" dirty="0">
               <a:solidFill>
                 <a:schemeClr val="tx1">
                   <a:lumMod val="95000"/>
@@ -5155,8 +4808,8 @@
         </p:nvSpPr>
         <p:spPr>
           <a:xfrm>
-            <a:off x="6771631" y="5052842"/>
-            <a:ext cx="3789691" cy="293659"/>
+            <a:off x="5319264" y="5492838"/>
+            <a:ext cx="4391268" cy="302673"/>
           </a:xfrm>
           <a:prstGeom prst="rightArrow">
             <a:avLst/>
@@ -5204,8 +4857,8 @@
         </p:nvSpPr>
         <p:spPr>
           <a:xfrm rot="5400000">
-            <a:off x="6319654" y="4534382"/>
-            <a:ext cx="1158843" cy="254886"/>
+            <a:off x="4258490" y="4462767"/>
+            <a:ext cx="2298260" cy="223108"/>
           </a:xfrm>
           <a:prstGeom prst="rightArrow">
             <a:avLst/>
@@ -5241,10 +4894,10 @@
       </p:sp>
       <p:sp>
         <p:nvSpPr>
-          <p:cNvPr id="53" name="Arrow: Right 52">
-            <a:extLst>
-              <a:ext uri="{FF2B5EF4-FFF2-40B4-BE49-F238E27FC236}">
-                <a16:creationId xmlns:a16="http://schemas.microsoft.com/office/drawing/2014/main" id="{CC96D02B-3EEF-4EFC-B6AA-07DC5E6F11B5}"/>
+          <p:cNvPr id="54" name="Arrow: Right 53">
+            <a:extLst>
+              <a:ext uri="{FF2B5EF4-FFF2-40B4-BE49-F238E27FC236}">
+                <a16:creationId xmlns:a16="http://schemas.microsoft.com/office/drawing/2014/main" id="{23AD7B89-F143-4F4F-A44E-9D3D73192E16}"/>
               </a:ext>
             </a:extLst>
           </p:cNvPr>
@@ -5252,16 +4905,17 @@
           <p:nvPr/>
         </p:nvSpPr>
         <p:spPr>
-          <a:xfrm rot="16200000">
-            <a:off x="10591013" y="5445731"/>
-            <a:ext cx="662555" cy="335859"/>
+          <a:xfrm>
+            <a:off x="7326694" y="2479112"/>
+            <a:ext cx="1178862" cy="309633"/>
           </a:xfrm>
           <a:prstGeom prst="rightArrow">
             <a:avLst/>
           </a:prstGeom>
           <a:solidFill>
-            <a:schemeClr val="accent1">
-              <a:lumMod val="75000"/>
+            <a:schemeClr val="accent2">
+              <a:lumMod val="60000"/>
+              <a:lumOff val="40000"/>
             </a:schemeClr>
           </a:solidFill>
         </p:spPr>
@@ -5292,22 +4946,22 @@
       </p:sp>
       <p:sp>
         <p:nvSpPr>
-          <p:cNvPr id="54" name="Arrow: Right 53">
-            <a:extLst>
-              <a:ext uri="{FF2B5EF4-FFF2-40B4-BE49-F238E27FC236}">
-                <a16:creationId xmlns:a16="http://schemas.microsoft.com/office/drawing/2014/main" id="{23AD7B89-F143-4F4F-A44E-9D3D73192E16}"/>
-              </a:ext>
-            </a:extLst>
-          </p:cNvPr>
-          <p:cNvSpPr/>
+          <p:cNvPr id="55" name="TextBox 54">
+            <a:extLst>
+              <a:ext uri="{FF2B5EF4-FFF2-40B4-BE49-F238E27FC236}">
+                <a16:creationId xmlns:a16="http://schemas.microsoft.com/office/drawing/2014/main" id="{2D845994-D362-4F44-A63D-33B0F7617AA0}"/>
+              </a:ext>
+            </a:extLst>
+          </p:cNvPr>
+          <p:cNvSpPr txBox="1"/>
           <p:nvPr/>
         </p:nvSpPr>
         <p:spPr>
           <a:xfrm>
-            <a:off x="9100415" y="4065172"/>
-            <a:ext cx="1460907" cy="309633"/>
-          </a:xfrm>
-          <a:prstGeom prst="rightArrow">
+            <a:off x="6372019" y="1669159"/>
+            <a:ext cx="1028632" cy="246221"/>
+          </a:xfrm>
+          <a:prstGeom prst="rect">
             <a:avLst/>
           </a:prstGeom>
           <a:solidFill>
@@ -5315,6 +4969,165 @@
               <a:lumMod val="60000"/>
               <a:lumOff val="40000"/>
             </a:schemeClr>
+          </a:solidFill>
+        </p:spPr>
+        <p:txBody>
+          <a:bodyPr wrap="square">
+            <a:spAutoFit/>
+          </a:bodyPr>
+          <a:lstStyle/>
+          <a:p>
+            <a:r>
+              <a:rPr lang="es-MX" sz="1000" dirty="0">
+                <a:solidFill>
+                  <a:schemeClr val="tx1">
+                    <a:lumMod val="95000"/>
+                    <a:lumOff val="5000"/>
+                  </a:schemeClr>
+                </a:solidFill>
+                <a:latin typeface="Consolas" panose="020B0609020204030204" pitchFamily="49" charset="0"/>
+              </a:rPr>
+              <a:t>RESILIENCE4J</a:t>
+            </a:r>
+            <a:endParaRPr lang="es-ES" sz="1000" dirty="0">
+              <a:solidFill>
+                <a:schemeClr val="tx1">
+                  <a:lumMod val="95000"/>
+                  <a:lumOff val="5000"/>
+                </a:schemeClr>
+              </a:solidFill>
+            </a:endParaRPr>
+          </a:p>
+        </p:txBody>
+      </p:sp>
+      <p:sp>
+        <p:nvSpPr>
+          <p:cNvPr id="65" name="TextBox 64">
+            <a:extLst>
+              <a:ext uri="{FF2B5EF4-FFF2-40B4-BE49-F238E27FC236}">
+                <a16:creationId xmlns:a16="http://schemas.microsoft.com/office/drawing/2014/main" id="{FE869590-7275-4863-AD61-3C982C19028E}"/>
+              </a:ext>
+            </a:extLst>
+          </p:cNvPr>
+          <p:cNvSpPr txBox="1"/>
+          <p:nvPr/>
+        </p:nvSpPr>
+        <p:spPr>
+          <a:xfrm>
+            <a:off x="8438277" y="1667425"/>
+            <a:ext cx="1050977" cy="276999"/>
+          </a:xfrm>
+          <a:prstGeom prst="rect">
+            <a:avLst/>
+          </a:prstGeom>
+          <a:solidFill>
+            <a:schemeClr val="accent2"/>
+          </a:solidFill>
+        </p:spPr>
+        <p:txBody>
+          <a:bodyPr wrap="square">
+            <a:spAutoFit/>
+          </a:bodyPr>
+          <a:lstStyle/>
+          <a:p>
+            <a:r>
+              <a:rPr lang="es-MX" sz="1200" dirty="0">
+                <a:solidFill>
+                  <a:schemeClr val="tx1">
+                    <a:lumMod val="95000"/>
+                    <a:lumOff val="5000"/>
+                  </a:schemeClr>
+                </a:solidFill>
+                <a:latin typeface="Consolas" panose="020B0609020204030204" pitchFamily="49" charset="0"/>
+              </a:rPr>
+              <a:t>PROMETHEUS</a:t>
+            </a:r>
+            <a:endParaRPr lang="es-ES" sz="1200" dirty="0">
+              <a:solidFill>
+                <a:schemeClr val="tx1">
+                  <a:lumMod val="95000"/>
+                  <a:lumOff val="5000"/>
+                </a:schemeClr>
+              </a:solidFill>
+            </a:endParaRPr>
+          </a:p>
+        </p:txBody>
+      </p:sp>
+      <p:sp>
+        <p:nvSpPr>
+          <p:cNvPr id="67" name="TextBox 66">
+            <a:extLst>
+              <a:ext uri="{FF2B5EF4-FFF2-40B4-BE49-F238E27FC236}">
+                <a16:creationId xmlns:a16="http://schemas.microsoft.com/office/drawing/2014/main" id="{6AA6460F-83CF-43D7-B4CE-71FBD2A259BF}"/>
+              </a:ext>
+            </a:extLst>
+          </p:cNvPr>
+          <p:cNvSpPr txBox="1"/>
+          <p:nvPr/>
+        </p:nvSpPr>
+        <p:spPr>
+          <a:xfrm>
+            <a:off x="10150480" y="1678989"/>
+            <a:ext cx="819291" cy="276999"/>
+          </a:xfrm>
+          <a:prstGeom prst="rect">
+            <a:avLst/>
+          </a:prstGeom>
+          <a:solidFill>
+            <a:srgbClr val="FFFF00"/>
+          </a:solidFill>
+        </p:spPr>
+        <p:txBody>
+          <a:bodyPr wrap="square">
+            <a:spAutoFit/>
+          </a:bodyPr>
+          <a:lstStyle/>
+          <a:p>
+            <a:r>
+              <a:rPr lang="es-MX" sz="1200" dirty="0">
+                <a:solidFill>
+                  <a:schemeClr val="tx1">
+                    <a:lumMod val="95000"/>
+                    <a:lumOff val="5000"/>
+                  </a:schemeClr>
+                </a:solidFill>
+                <a:latin typeface="Consolas" panose="020B0609020204030204" pitchFamily="49" charset="0"/>
+              </a:rPr>
+              <a:t>GRAFANA</a:t>
+            </a:r>
+            <a:endParaRPr lang="es-ES" sz="1200" dirty="0">
+              <a:solidFill>
+                <a:schemeClr val="tx1">
+                  <a:lumMod val="95000"/>
+                  <a:lumOff val="5000"/>
+                </a:schemeClr>
+              </a:solidFill>
+            </a:endParaRPr>
+          </a:p>
+        </p:txBody>
+      </p:sp>
+      <p:sp>
+        <p:nvSpPr>
+          <p:cNvPr id="70" name="Arrow: Right 69">
+            <a:extLst>
+              <a:ext uri="{FF2B5EF4-FFF2-40B4-BE49-F238E27FC236}">
+                <a16:creationId xmlns:a16="http://schemas.microsoft.com/office/drawing/2014/main" id="{E1EC6B2C-37F4-41B0-9105-186DCBFA41DD}"/>
+              </a:ext>
+            </a:extLst>
+          </p:cNvPr>
+          <p:cNvSpPr/>
+          <p:nvPr/>
+        </p:nvSpPr>
+        <p:spPr>
+          <a:xfrm>
+            <a:off x="9448275" y="2489506"/>
+            <a:ext cx="589591" cy="309633"/>
+          </a:xfrm>
+          <a:prstGeom prst="rightArrow">
+            <a:avLst/>
+          </a:prstGeom>
+          <a:solidFill>
+            <a:schemeClr val="accent2"/>
           </a:solidFill>
         </p:spPr>
         <p:style>
@@ -5344,139 +5157,10 @@
       </p:sp>
       <p:sp>
         <p:nvSpPr>
-          <p:cNvPr id="55" name="TextBox 54">
-            <a:extLst>
-              <a:ext uri="{FF2B5EF4-FFF2-40B4-BE49-F238E27FC236}">
-                <a16:creationId xmlns:a16="http://schemas.microsoft.com/office/drawing/2014/main" id="{2D845994-D362-4F44-A63D-33B0F7617AA0}"/>
-              </a:ext>
-            </a:extLst>
-          </p:cNvPr>
-          <p:cNvSpPr txBox="1"/>
-          <p:nvPr/>
-        </p:nvSpPr>
-        <p:spPr>
-          <a:xfrm>
-            <a:off x="8019063" y="4539744"/>
-            <a:ext cx="1282664" cy="276999"/>
-          </a:xfrm>
-          <a:prstGeom prst="rect">
-            <a:avLst/>
-          </a:prstGeom>
-          <a:solidFill>
-            <a:schemeClr val="accent2">
-              <a:lumMod val="60000"/>
-              <a:lumOff val="40000"/>
-            </a:schemeClr>
-          </a:solidFill>
-        </p:spPr>
-        <p:txBody>
-          <a:bodyPr wrap="square">
-            <a:spAutoFit/>
-          </a:bodyPr>
-          <a:lstStyle/>
-          <a:p>
-            <a:r>
-              <a:rPr lang="es-MX" sz="1200" dirty="0">
-                <a:solidFill>
-                  <a:schemeClr val="tx1">
-                    <a:lumMod val="95000"/>
-                    <a:lumOff val="5000"/>
-                  </a:schemeClr>
-                </a:solidFill>
-                <a:latin typeface="Consolas" panose="020B0609020204030204" pitchFamily="49" charset="0"/>
-              </a:rPr>
-              <a:t>RESILIENCE4J</a:t>
-            </a:r>
-            <a:endParaRPr lang="es-ES" sz="1200" dirty="0">
-              <a:solidFill>
-                <a:schemeClr val="tx1">
-                  <a:lumMod val="95000"/>
-                  <a:lumOff val="5000"/>
-                </a:schemeClr>
-              </a:solidFill>
-            </a:endParaRPr>
-          </a:p>
-        </p:txBody>
-      </p:sp>
-      <p:sp>
-        <p:nvSpPr>
-          <p:cNvPr id="56" name="TextBox 55">
-            <a:extLst>
-              <a:ext uri="{FF2B5EF4-FFF2-40B4-BE49-F238E27FC236}">
-                <a16:creationId xmlns:a16="http://schemas.microsoft.com/office/drawing/2014/main" id="{C61E1C16-D673-4462-80B3-BD93BFA4122F}"/>
-              </a:ext>
-            </a:extLst>
-          </p:cNvPr>
-          <p:cNvSpPr txBox="1"/>
-          <p:nvPr/>
-        </p:nvSpPr>
-        <p:spPr>
-          <a:xfrm>
-            <a:off x="7244814" y="2782228"/>
-            <a:ext cx="2765480" cy="738664"/>
-          </a:xfrm>
-          <a:prstGeom prst="rect">
-            <a:avLst/>
-          </a:prstGeom>
-          <a:solidFill>
-            <a:schemeClr val="accent2">
-              <a:lumMod val="60000"/>
-              <a:lumOff val="40000"/>
-            </a:schemeClr>
-          </a:solidFill>
-        </p:spPr>
-        <p:txBody>
-          <a:bodyPr wrap="square">
-            <a:spAutoFit/>
-          </a:bodyPr>
-          <a:lstStyle/>
-          <a:p>
-            <a:r>
-              <a:rPr lang="es-MX" sz="1400" dirty="0">
-                <a:solidFill>
-                  <a:schemeClr val="accent6">
-                    <a:lumMod val="75000"/>
-                  </a:schemeClr>
-                </a:solidFill>
-                <a:latin typeface="Consolas" panose="020B0609020204030204" pitchFamily="49" charset="0"/>
-              </a:rPr>
-              <a:t>localhost:9295/inmuebles</a:t>
-            </a:r>
-          </a:p>
-          <a:p>
-            <a:r>
-              <a:rPr lang="es-MX" sz="1400" dirty="0">
-                <a:solidFill>
-                  <a:schemeClr val="accent5">
-                    <a:lumMod val="50000"/>
-                  </a:schemeClr>
-                </a:solidFill>
-                <a:latin typeface="Consolas" panose="020B0609020204030204" pitchFamily="49" charset="0"/>
-              </a:rPr>
-              <a:t>localhost:9295/propieta..</a:t>
-            </a:r>
-          </a:p>
-          <a:p>
-            <a:r>
-              <a:rPr lang="es-MX" sz="1400" dirty="0">
-                <a:solidFill>
-                  <a:schemeClr val="accent4">
-                    <a:lumMod val="50000"/>
-                  </a:schemeClr>
-                </a:solidFill>
-                <a:latin typeface="Consolas" panose="020B0609020204030204" pitchFamily="49" charset="0"/>
-              </a:rPr>
-              <a:t>localhost:9295/inspecc..</a:t>
-            </a:r>
-          </a:p>
-        </p:txBody>
-      </p:sp>
-      <p:sp>
-        <p:nvSpPr>
-          <p:cNvPr id="62" name="Arrow: Right 61">
-            <a:extLst>
-              <a:ext uri="{FF2B5EF4-FFF2-40B4-BE49-F238E27FC236}">
-                <a16:creationId xmlns:a16="http://schemas.microsoft.com/office/drawing/2014/main" id="{8855E9AE-D354-41C2-B326-6F08C741AEFD}"/>
+          <p:cNvPr id="74" name="Arrow: Right 73">
+            <a:extLst>
+              <a:ext uri="{FF2B5EF4-FFF2-40B4-BE49-F238E27FC236}">
+                <a16:creationId xmlns:a16="http://schemas.microsoft.com/office/drawing/2014/main" id="{8C6938DA-CC03-4A4B-93D7-E8D8B629D960}"/>
               </a:ext>
             </a:extLst>
           </p:cNvPr>
@@ -5485,17 +5169,14 @@
         </p:nvSpPr>
         <p:spPr>
           <a:xfrm rot="16200000">
-            <a:off x="8163327" y="2218602"/>
-            <a:ext cx="738665" cy="309633"/>
+            <a:off x="9778569" y="3522385"/>
+            <a:ext cx="1516050" cy="309633"/>
           </a:xfrm>
           <a:prstGeom prst="rightArrow">
             <a:avLst/>
           </a:prstGeom>
           <a:solidFill>
-            <a:schemeClr val="accent2">
-              <a:lumMod val="60000"/>
-              <a:lumOff val="40000"/>
-            </a:schemeClr>
+            <a:srgbClr val="FF0000"/>
           </a:solidFill>
         </p:spPr>
         <p:style>
@@ -5523,12 +5204,48 @@
           </a:p>
         </p:txBody>
       </p:sp>
-      <p:sp>
-        <p:nvSpPr>
-          <p:cNvPr id="65" name="TextBox 64">
-            <a:extLst>
-              <a:ext uri="{FF2B5EF4-FFF2-40B4-BE49-F238E27FC236}">
-                <a16:creationId xmlns:a16="http://schemas.microsoft.com/office/drawing/2014/main" id="{FE869590-7275-4863-AD61-3C982C19028E}"/>
+      <p:pic>
+        <p:nvPicPr>
+          <p:cNvPr id="6" name="Picture 5">
+            <a:extLst>
+              <a:ext uri="{FF2B5EF4-FFF2-40B4-BE49-F238E27FC236}">
+                <a16:creationId xmlns:a16="http://schemas.microsoft.com/office/drawing/2014/main" id="{1ADC9818-62D3-4832-B767-9DFABD4AEB4A}"/>
+              </a:ext>
+            </a:extLst>
+          </p:cNvPr>
+          <p:cNvPicPr>
+            <a:picLocks noChangeAspect="1"/>
+          </p:cNvPicPr>
+          <p:nvPr/>
+        </p:nvPicPr>
+        <p:blipFill>
+          <a:blip r:embed="rId11">
+            <a:extLst>
+              <a:ext uri="{28A0092B-C50C-407E-A947-70E740481C1C}">
+                <a14:useLocalDpi xmlns:a14="http://schemas.microsoft.com/office/drawing/2010/main" val="0"/>
+              </a:ext>
+            </a:extLst>
+          </a:blip>
+          <a:stretch>
+            <a:fillRect/>
+          </a:stretch>
+        </p:blipFill>
+        <p:spPr>
+          <a:xfrm>
+            <a:off x="6723505" y="4219534"/>
+            <a:ext cx="1023652" cy="1028772"/>
+          </a:xfrm>
+          <a:prstGeom prst="rect">
+            <a:avLst/>
+          </a:prstGeom>
+        </p:spPr>
+      </p:pic>
+      <p:sp>
+        <p:nvSpPr>
+          <p:cNvPr id="76" name="TextBox 75">
+            <a:extLst>
+              <a:ext uri="{FF2B5EF4-FFF2-40B4-BE49-F238E27FC236}">
+                <a16:creationId xmlns:a16="http://schemas.microsoft.com/office/drawing/2014/main" id="{7D9866A0-4633-4FA3-8A64-CB8C79A5FA59}"/>
               </a:ext>
             </a:extLst>
           </p:cNvPr>
@@ -5537,14 +5254,14 @@
         </p:nvSpPr>
         <p:spPr>
           <a:xfrm>
-            <a:off x="8034310" y="1693345"/>
-            <a:ext cx="1050977" cy="276999"/>
+            <a:off x="6919342" y="3911587"/>
+            <a:ext cx="786795" cy="246221"/>
           </a:xfrm>
           <a:prstGeom prst="rect">
             <a:avLst/>
           </a:prstGeom>
           <a:solidFill>
-            <a:schemeClr val="accent2"/>
+            <a:srgbClr val="C00000"/>
           </a:solidFill>
         </p:spPr>
         <p:txBody>
@@ -5554,87 +5271,106 @@
           <a:lstStyle/>
           <a:p>
             <a:r>
-              <a:rPr lang="es-MX" sz="1200" dirty="0">
+              <a:rPr lang="es-MX" sz="1000" dirty="0">
                 <a:solidFill>
-                  <a:schemeClr val="tx1">
-                    <a:lumMod val="95000"/>
-                    <a:lumOff val="5000"/>
+                  <a:schemeClr val="tx2">
+                    <a:lumMod val="20000"/>
+                    <a:lumOff val="80000"/>
                   </a:schemeClr>
                 </a:solidFill>
                 <a:latin typeface="Consolas" panose="020B0609020204030204" pitchFamily="49" charset="0"/>
               </a:rPr>
-              <a:t>PROMETHEUS</a:t>
-            </a:r>
-            <a:endParaRPr lang="es-ES" sz="1200" dirty="0">
+              <a:t>CLIENTES</a:t>
+            </a:r>
+            <a:endParaRPr lang="es-ES" sz="1000" dirty="0">
               <a:solidFill>
-                <a:schemeClr val="tx1">
-                  <a:lumMod val="95000"/>
-                  <a:lumOff val="5000"/>
+                <a:schemeClr val="tx2">
+                  <a:lumMod val="20000"/>
+                  <a:lumOff val="80000"/>
                 </a:schemeClr>
               </a:solidFill>
             </a:endParaRPr>
           </a:p>
         </p:txBody>
       </p:sp>
-      <p:sp>
-        <p:nvSpPr>
-          <p:cNvPr id="67" name="TextBox 66">
-            <a:extLst>
-              <a:ext uri="{FF2B5EF4-FFF2-40B4-BE49-F238E27FC236}">
-                <a16:creationId xmlns:a16="http://schemas.microsoft.com/office/drawing/2014/main" id="{6AA6460F-83CF-43D7-B4CE-71FBD2A259BF}"/>
-              </a:ext>
-            </a:extLst>
-          </p:cNvPr>
-          <p:cNvSpPr txBox="1"/>
+      <p:pic>
+        <p:nvPicPr>
+          <p:cNvPr id="57" name="Picture 56">
+            <a:extLst>
+              <a:ext uri="{FF2B5EF4-FFF2-40B4-BE49-F238E27FC236}">
+                <a16:creationId xmlns:a16="http://schemas.microsoft.com/office/drawing/2014/main" id="{0953536E-3149-583A-B6B3-9A5EE868186F}"/>
+              </a:ext>
+            </a:extLst>
+          </p:cNvPr>
+          <p:cNvPicPr>
+            <a:picLocks noChangeAspect="1"/>
+          </p:cNvPicPr>
           <p:nvPr/>
-        </p:nvSpPr>
+        </p:nvPicPr>
+        <p:blipFill>
+          <a:blip r:embed="rId5">
+            <a:extLst>
+              <a:ext uri="{28A0092B-C50C-407E-A947-70E740481C1C}">
+                <a14:useLocalDpi xmlns:a14="http://schemas.microsoft.com/office/drawing/2010/main" val="0"/>
+              </a:ext>
+            </a:extLst>
+          </a:blip>
+          <a:stretch>
+            <a:fillRect/>
+          </a:stretch>
+        </p:blipFill>
         <p:spPr>
           <a:xfrm>
-            <a:off x="9708999" y="1759969"/>
-            <a:ext cx="819291" cy="276999"/>
+            <a:off x="2252339" y="2789977"/>
+            <a:ext cx="819291" cy="779454"/>
           </a:xfrm>
           <a:prstGeom prst="rect">
             <a:avLst/>
           </a:prstGeom>
-          <a:solidFill>
-            <a:srgbClr val="FFFF00"/>
-          </a:solidFill>
-        </p:spPr>
-        <p:txBody>
-          <a:bodyPr wrap="square">
-            <a:spAutoFit/>
-          </a:bodyPr>
-          <a:lstStyle/>
-          <a:p>
-            <a:r>
-              <a:rPr lang="es-MX" sz="1200" dirty="0">
-                <a:solidFill>
-                  <a:schemeClr val="tx1">
-                    <a:lumMod val="95000"/>
-                    <a:lumOff val="5000"/>
-                  </a:schemeClr>
-                </a:solidFill>
-                <a:latin typeface="Consolas" panose="020B0609020204030204" pitchFamily="49" charset="0"/>
-              </a:rPr>
-              <a:t>GRAFANA</a:t>
-            </a:r>
-            <a:endParaRPr lang="es-ES" sz="1200" dirty="0">
-              <a:solidFill>
-                <a:schemeClr val="tx1">
-                  <a:lumMod val="95000"/>
-                  <a:lumOff val="5000"/>
-                </a:schemeClr>
-              </a:solidFill>
-            </a:endParaRPr>
-          </a:p>
-        </p:txBody>
-      </p:sp>
-      <p:sp>
-        <p:nvSpPr>
-          <p:cNvPr id="70" name="Arrow: Right 69">
-            <a:extLst>
-              <a:ext uri="{FF2B5EF4-FFF2-40B4-BE49-F238E27FC236}">
-                <a16:creationId xmlns:a16="http://schemas.microsoft.com/office/drawing/2014/main" id="{E1EC6B2C-37F4-41B0-9105-186DCBFA41DD}"/>
+        </p:spPr>
+      </p:pic>
+      <p:pic>
+        <p:nvPicPr>
+          <p:cNvPr id="82" name="Picture 81">
+            <a:extLst>
+              <a:ext uri="{FF2B5EF4-FFF2-40B4-BE49-F238E27FC236}">
+                <a16:creationId xmlns:a16="http://schemas.microsoft.com/office/drawing/2014/main" id="{2A8A6B62-871E-E54F-714A-64EB67A275EF}"/>
+              </a:ext>
+            </a:extLst>
+          </p:cNvPr>
+          <p:cNvPicPr>
+            <a:picLocks noChangeAspect="1"/>
+          </p:cNvPicPr>
+          <p:nvPr/>
+        </p:nvPicPr>
+        <p:blipFill>
+          <a:blip r:embed="rId5">
+            <a:extLst>
+              <a:ext uri="{28A0092B-C50C-407E-A947-70E740481C1C}">
+                <a14:useLocalDpi xmlns:a14="http://schemas.microsoft.com/office/drawing/2010/main" val="0"/>
+              </a:ext>
+            </a:extLst>
+          </a:blip>
+          <a:stretch>
+            <a:fillRect/>
+          </a:stretch>
+        </p:blipFill>
+        <p:spPr>
+          <a:xfrm>
+            <a:off x="2346735" y="6031561"/>
+            <a:ext cx="819291" cy="779454"/>
+          </a:xfrm>
+          <a:prstGeom prst="rect">
+            <a:avLst/>
+          </a:prstGeom>
+        </p:spPr>
+      </p:pic>
+      <p:sp>
+        <p:nvSpPr>
+          <p:cNvPr id="87" name="Arrow: Right 86">
+            <a:extLst>
+              <a:ext uri="{FF2B5EF4-FFF2-40B4-BE49-F238E27FC236}">
+                <a16:creationId xmlns:a16="http://schemas.microsoft.com/office/drawing/2014/main" id="{E93459AA-2244-2A59-426C-1AB4F3208581}"/>
               </a:ext>
             </a:extLst>
           </p:cNvPr>
@@ -5642,15 +5378,17 @@
           <p:nvPr/>
         </p:nvSpPr>
         <p:spPr>
-          <a:xfrm>
-            <a:off x="9011609" y="1158737"/>
-            <a:ext cx="589591" cy="309633"/>
+          <a:xfrm rot="10800000">
+            <a:off x="11223285" y="5568800"/>
+            <a:ext cx="559412" cy="309633"/>
           </a:xfrm>
           <a:prstGeom prst="rightArrow">
             <a:avLst/>
           </a:prstGeom>
           <a:solidFill>
-            <a:schemeClr val="accent2"/>
+            <a:schemeClr val="accent6">
+              <a:lumMod val="75000"/>
+            </a:schemeClr>
           </a:solidFill>
         </p:spPr>
         <p:style>
@@ -5680,10 +5418,65 @@
       </p:sp>
       <p:sp>
         <p:nvSpPr>
-          <p:cNvPr id="74" name="Arrow: Right 73">
-            <a:extLst>
-              <a:ext uri="{FF2B5EF4-FFF2-40B4-BE49-F238E27FC236}">
-                <a16:creationId xmlns:a16="http://schemas.microsoft.com/office/drawing/2014/main" id="{8C6938DA-CC03-4A4B-93D7-E8D8B629D960}"/>
+          <p:cNvPr id="89" name="TextBox 88">
+            <a:extLst>
+              <a:ext uri="{FF2B5EF4-FFF2-40B4-BE49-F238E27FC236}">
+                <a16:creationId xmlns:a16="http://schemas.microsoft.com/office/drawing/2014/main" id="{879A8FEA-8AB5-88D6-492F-AE2C111BEE63}"/>
+              </a:ext>
+            </a:extLst>
+          </p:cNvPr>
+          <p:cNvSpPr txBox="1"/>
+          <p:nvPr/>
+        </p:nvSpPr>
+        <p:spPr>
+          <a:xfrm>
+            <a:off x="8594882" y="3287846"/>
+            <a:ext cx="1356061" cy="400110"/>
+          </a:xfrm>
+          <a:prstGeom prst="rect">
+            <a:avLst/>
+          </a:prstGeom>
+          <a:solidFill>
+            <a:srgbClr val="FF0000"/>
+          </a:solidFill>
+        </p:spPr>
+        <p:txBody>
+          <a:bodyPr wrap="square">
+            <a:spAutoFit/>
+          </a:bodyPr>
+          <a:lstStyle/>
+          <a:p>
+            <a:r>
+              <a:rPr lang="es-MX" sz="1000" dirty="0">
+                <a:solidFill>
+                  <a:schemeClr val="tx2">
+                    <a:lumMod val="20000"/>
+                    <a:lumOff val="80000"/>
+                  </a:schemeClr>
+                </a:solidFill>
+                <a:latin typeface="Consolas" panose="020B0609020204030204" pitchFamily="49" charset="0"/>
+              </a:rPr>
+              <a:t>ADMINISTRADORES</a:t>
+            </a:r>
+          </a:p>
+          <a:p>
+            <a:endParaRPr lang="es-ES" sz="1000" dirty="0">
+              <a:solidFill>
+                <a:schemeClr val="tx2">
+                  <a:lumMod val="20000"/>
+                  <a:lumOff val="80000"/>
+                </a:schemeClr>
+              </a:solidFill>
+            </a:endParaRPr>
+          </a:p>
+        </p:txBody>
+      </p:sp>
+      <p:sp>
+        <p:nvSpPr>
+          <p:cNvPr id="90" name="Arrow: Right 89">
+            <a:extLst>
+              <a:ext uri="{FF2B5EF4-FFF2-40B4-BE49-F238E27FC236}">
+                <a16:creationId xmlns:a16="http://schemas.microsoft.com/office/drawing/2014/main" id="{7595411F-E123-8AA0-C690-E7E36BDEC8C3}"/>
               </a:ext>
             </a:extLst>
           </p:cNvPr>
@@ -5692,14 +5485,14 @@
         </p:nvSpPr>
         <p:spPr>
           <a:xfrm>
-            <a:off x="10561323" y="1114541"/>
-            <a:ext cx="559513" cy="309633"/>
+            <a:off x="9833496" y="4187181"/>
+            <a:ext cx="824213" cy="309633"/>
           </a:xfrm>
           <a:prstGeom prst="rightArrow">
             <a:avLst/>
           </a:prstGeom>
           <a:solidFill>
-            <a:srgbClr val="FFFF00"/>
+            <a:srgbClr val="FF0000"/>
           </a:solidFill>
         </p:spPr>
         <p:style>
@@ -5727,191 +5520,12 @@
           </a:p>
         </p:txBody>
       </p:sp>
-      <p:pic>
-        <p:nvPicPr>
-          <p:cNvPr id="6" name="Picture 5">
-            <a:extLst>
-              <a:ext uri="{FF2B5EF4-FFF2-40B4-BE49-F238E27FC236}">
-                <a16:creationId xmlns:a16="http://schemas.microsoft.com/office/drawing/2014/main" id="{1ADC9818-62D3-4832-B767-9DFABD4AEB4A}"/>
-              </a:ext>
-            </a:extLst>
-          </p:cNvPr>
-          <p:cNvPicPr>
-            <a:picLocks noChangeAspect="1"/>
-          </p:cNvPicPr>
-          <p:nvPr/>
-        </p:nvPicPr>
-        <p:blipFill>
-          <a:blip r:embed="rId11">
-            <a:extLst>
-              <a:ext uri="{28A0092B-C50C-407E-A947-70E740481C1C}">
-                <a14:useLocalDpi xmlns:a14="http://schemas.microsoft.com/office/drawing/2010/main" val="0"/>
-              </a:ext>
-            </a:extLst>
-          </a:blip>
-          <a:stretch>
-            <a:fillRect/>
-          </a:stretch>
-        </p:blipFill>
-        <p:spPr>
-          <a:xfrm>
-            <a:off x="11100084" y="534794"/>
-            <a:ext cx="1023652" cy="1028772"/>
-          </a:xfrm>
-          <a:prstGeom prst="rect">
-            <a:avLst/>
-          </a:prstGeom>
-        </p:spPr>
-      </p:pic>
-      <p:sp>
-        <p:nvSpPr>
-          <p:cNvPr id="76" name="TextBox 75">
-            <a:extLst>
-              <a:ext uri="{FF2B5EF4-FFF2-40B4-BE49-F238E27FC236}">
-                <a16:creationId xmlns:a16="http://schemas.microsoft.com/office/drawing/2014/main" id="{7D9866A0-4633-4FA3-8A64-CB8C79A5FA59}"/>
-              </a:ext>
-            </a:extLst>
-          </p:cNvPr>
-          <p:cNvSpPr txBox="1"/>
-          <p:nvPr/>
-        </p:nvSpPr>
-        <p:spPr>
-          <a:xfrm>
-            <a:off x="11104154" y="1589129"/>
-            <a:ext cx="926588" cy="276999"/>
-          </a:xfrm>
-          <a:prstGeom prst="rect">
-            <a:avLst/>
-          </a:prstGeom>
-          <a:solidFill>
-            <a:srgbClr val="00B0F0"/>
-          </a:solidFill>
-        </p:spPr>
-        <p:txBody>
-          <a:bodyPr wrap="square">
-            <a:spAutoFit/>
-          </a:bodyPr>
-          <a:lstStyle/>
-          <a:p>
-            <a:r>
-              <a:rPr lang="es-MX" sz="1200" dirty="0">
-                <a:solidFill>
-                  <a:schemeClr val="tx1">
-                    <a:lumMod val="95000"/>
-                    <a:lumOff val="5000"/>
-                  </a:schemeClr>
-                </a:solidFill>
-                <a:latin typeface="Consolas" panose="020B0609020204030204" pitchFamily="49" charset="0"/>
-              </a:rPr>
-              <a:t>CLIENTES</a:t>
-            </a:r>
-            <a:endParaRPr lang="es-ES" sz="1200" dirty="0">
-              <a:solidFill>
-                <a:schemeClr val="tx1">
-                  <a:lumMod val="95000"/>
-                  <a:lumOff val="5000"/>
-                </a:schemeClr>
-              </a:solidFill>
-            </a:endParaRPr>
-          </a:p>
-        </p:txBody>
-      </p:sp>
-      <p:sp>
-        <p:nvSpPr>
-          <p:cNvPr id="78" name="TextBox 77">
-            <a:extLst>
-              <a:ext uri="{FF2B5EF4-FFF2-40B4-BE49-F238E27FC236}">
-                <a16:creationId xmlns:a16="http://schemas.microsoft.com/office/drawing/2014/main" id="{C1061152-0EAD-4ACC-9255-A8F19011F4BE}"/>
-              </a:ext>
-            </a:extLst>
-          </p:cNvPr>
-          <p:cNvSpPr txBox="1"/>
-          <p:nvPr/>
-        </p:nvSpPr>
-        <p:spPr>
-          <a:xfrm>
-            <a:off x="6107661" y="887455"/>
-            <a:ext cx="1977684" cy="523220"/>
-          </a:xfrm>
-          <a:prstGeom prst="rect">
-            <a:avLst/>
-          </a:prstGeom>
-          <a:noFill/>
-        </p:spPr>
-        <p:txBody>
-          <a:bodyPr wrap="square">
-            <a:spAutoFit/>
-          </a:bodyPr>
-          <a:lstStyle/>
-          <a:p>
-            <a:r>
-              <a:rPr lang="es-MX" sz="1400" dirty="0">
-                <a:solidFill>
-                  <a:schemeClr val="accent2"/>
-                </a:solidFill>
-                <a:latin typeface="Consolas" panose="020B0609020204030204" pitchFamily="49" charset="0"/>
-              </a:rPr>
-              <a:t>localhost:9295/actuator/prometheus</a:t>
-            </a:r>
-            <a:endParaRPr lang="es-ES" sz="1400" dirty="0">
-              <a:solidFill>
-                <a:schemeClr val="accent2"/>
-              </a:solidFill>
-            </a:endParaRPr>
-          </a:p>
-        </p:txBody>
-      </p:sp>
-      <p:sp>
-        <p:nvSpPr>
-          <p:cNvPr id="79" name="TextBox 78">
-            <a:extLst>
-              <a:ext uri="{FF2B5EF4-FFF2-40B4-BE49-F238E27FC236}">
-                <a16:creationId xmlns:a16="http://schemas.microsoft.com/office/drawing/2014/main" id="{0AD6C5D7-77C4-4A64-BA06-62B3CB60C8BB}"/>
-              </a:ext>
-            </a:extLst>
-          </p:cNvPr>
-          <p:cNvSpPr txBox="1"/>
-          <p:nvPr/>
-        </p:nvSpPr>
-        <p:spPr>
-          <a:xfrm>
-            <a:off x="9245602" y="391810"/>
-            <a:ext cx="1977684" cy="307777"/>
-          </a:xfrm>
-          <a:prstGeom prst="rect">
-            <a:avLst/>
-          </a:prstGeom>
-          <a:noFill/>
-        </p:spPr>
-        <p:txBody>
-          <a:bodyPr wrap="square">
-            <a:spAutoFit/>
-          </a:bodyPr>
-          <a:lstStyle/>
-          <a:p>
-            <a:r>
-              <a:rPr lang="es-MX" sz="1400" dirty="0">
-                <a:solidFill>
-                  <a:srgbClr val="FFFF00"/>
-                </a:solidFill>
-                <a:latin typeface="Consolas" panose="020B0609020204030204" pitchFamily="49" charset="0"/>
-              </a:rPr>
-              <a:t>localhost:3000/</a:t>
-            </a:r>
-            <a:endParaRPr lang="es-ES" sz="1400" dirty="0">
-              <a:solidFill>
-                <a:srgbClr val="FFFF00"/>
-              </a:solidFill>
-            </a:endParaRPr>
-          </a:p>
-        </p:txBody>
-      </p:sp>
-      <p:sp>
-        <p:nvSpPr>
-          <p:cNvPr id="80" name="Arrow: Right 79">
-            <a:extLst>
-              <a:ext uri="{FF2B5EF4-FFF2-40B4-BE49-F238E27FC236}">
-                <a16:creationId xmlns:a16="http://schemas.microsoft.com/office/drawing/2014/main" id="{D727CA5C-A307-425B-B98D-D43CCAA40F20}"/>
+      <p:sp>
+        <p:nvSpPr>
+          <p:cNvPr id="91" name="Arrow: Right 90">
+            <a:extLst>
+              <a:ext uri="{FF2B5EF4-FFF2-40B4-BE49-F238E27FC236}">
+                <a16:creationId xmlns:a16="http://schemas.microsoft.com/office/drawing/2014/main" id="{C11A1B92-E78B-A7DD-499C-556063E5E07C}"/>
               </a:ext>
             </a:extLst>
           </p:cNvPr>
@@ -5919,15 +5533,15 @@
           <p:nvPr/>
         </p:nvSpPr>
         <p:spPr>
-          <a:xfrm>
-            <a:off x="6686022" y="2951529"/>
-            <a:ext cx="467253" cy="309633"/>
+          <a:xfrm rot="5400000">
+            <a:off x="10134355" y="4479062"/>
+            <a:ext cx="824213" cy="309633"/>
           </a:xfrm>
           <a:prstGeom prst="rightArrow">
             <a:avLst/>
           </a:prstGeom>
           <a:solidFill>
-            <a:srgbClr val="7030A0"/>
+            <a:srgbClr val="FF0000"/>
           </a:solidFill>
         </p:spPr>
         <p:style>
@@ -5955,6 +5569,247 @@
           </a:p>
         </p:txBody>
       </p:sp>
+      <p:sp>
+        <p:nvSpPr>
+          <p:cNvPr id="92" name="Arrow: Right 91">
+            <a:extLst>
+              <a:ext uri="{FF2B5EF4-FFF2-40B4-BE49-F238E27FC236}">
+                <a16:creationId xmlns:a16="http://schemas.microsoft.com/office/drawing/2014/main" id="{3DB93D8A-6D33-F3FB-176A-CCE95CB479A5}"/>
+              </a:ext>
+            </a:extLst>
+          </p:cNvPr>
+          <p:cNvSpPr/>
+          <p:nvPr/>
+        </p:nvSpPr>
+        <p:spPr>
+          <a:xfrm rot="10800000">
+            <a:off x="5556921" y="3072909"/>
+            <a:ext cx="1187614" cy="309633"/>
+          </a:xfrm>
+          <a:prstGeom prst="rightArrow">
+            <a:avLst>
+              <a:gd name="adj1" fmla="val 50000"/>
+              <a:gd name="adj2" fmla="val 50000"/>
+            </a:avLst>
+          </a:prstGeom>
+          <a:solidFill>
+            <a:srgbClr val="C00000"/>
+          </a:solidFill>
+        </p:spPr>
+        <p:style>
+          <a:lnRef idx="2">
+            <a:schemeClr val="accent1">
+              <a:shade val="50000"/>
+            </a:schemeClr>
+          </a:lnRef>
+          <a:fillRef idx="1">
+            <a:schemeClr val="accent1"/>
+          </a:fillRef>
+          <a:effectRef idx="0">
+            <a:schemeClr val="accent1"/>
+          </a:effectRef>
+          <a:fontRef idx="minor">
+            <a:schemeClr val="lt1"/>
+          </a:fontRef>
+        </p:style>
+        <p:txBody>
+          <a:bodyPr rtlCol="0" anchor="ctr"/>
+          <a:lstStyle/>
+          <a:p>
+            <a:pPr algn="ctr"/>
+            <a:endParaRPr lang="es-ES" dirty="0"/>
+          </a:p>
+        </p:txBody>
+      </p:sp>
+      <p:sp>
+        <p:nvSpPr>
+          <p:cNvPr id="93" name="Arrow: Right 92">
+            <a:extLst>
+              <a:ext uri="{FF2B5EF4-FFF2-40B4-BE49-F238E27FC236}">
+                <a16:creationId xmlns:a16="http://schemas.microsoft.com/office/drawing/2014/main" id="{5E7E1FA2-186A-14AC-342B-4C2FAB14E9B0}"/>
+              </a:ext>
+            </a:extLst>
+          </p:cNvPr>
+          <p:cNvSpPr/>
+          <p:nvPr/>
+        </p:nvSpPr>
+        <p:spPr>
+          <a:xfrm rot="16200000">
+            <a:off x="5718266" y="3673200"/>
+            <a:ext cx="2010478" cy="309633"/>
+          </a:xfrm>
+          <a:prstGeom prst="rightArrow">
+            <a:avLst/>
+          </a:prstGeom>
+          <a:solidFill>
+            <a:srgbClr val="C00000"/>
+          </a:solidFill>
+        </p:spPr>
+        <p:style>
+          <a:lnRef idx="2">
+            <a:schemeClr val="accent1">
+              <a:shade val="50000"/>
+            </a:schemeClr>
+          </a:lnRef>
+          <a:fillRef idx="1">
+            <a:schemeClr val="accent1"/>
+          </a:fillRef>
+          <a:effectRef idx="0">
+            <a:schemeClr val="accent1"/>
+          </a:effectRef>
+          <a:fontRef idx="minor">
+            <a:schemeClr val="lt1"/>
+          </a:fontRef>
+        </p:style>
+        <p:txBody>
+          <a:bodyPr rtlCol="0" anchor="ctr"/>
+          <a:lstStyle/>
+          <a:p>
+            <a:pPr algn="ctr"/>
+            <a:endParaRPr lang="es-ES" dirty="0"/>
+          </a:p>
+        </p:txBody>
+      </p:sp>
+      <p:sp>
+        <p:nvSpPr>
+          <p:cNvPr id="94" name="Arrow: Right 93">
+            <a:extLst>
+              <a:ext uri="{FF2B5EF4-FFF2-40B4-BE49-F238E27FC236}">
+                <a16:creationId xmlns:a16="http://schemas.microsoft.com/office/drawing/2014/main" id="{7AC44B59-6DF3-1F04-2E20-494A81F346C0}"/>
+              </a:ext>
+            </a:extLst>
+          </p:cNvPr>
+          <p:cNvSpPr/>
+          <p:nvPr/>
+        </p:nvSpPr>
+        <p:spPr>
+          <a:xfrm rot="5400000">
+            <a:off x="6699469" y="3865512"/>
+            <a:ext cx="2758130" cy="309633"/>
+          </a:xfrm>
+          <a:prstGeom prst="rightArrow">
+            <a:avLst/>
+          </a:prstGeom>
+          <a:solidFill>
+            <a:schemeClr val="accent2">
+              <a:lumMod val="60000"/>
+              <a:lumOff val="40000"/>
+            </a:schemeClr>
+          </a:solidFill>
+        </p:spPr>
+        <p:style>
+          <a:lnRef idx="2">
+            <a:schemeClr val="accent1">
+              <a:shade val="50000"/>
+            </a:schemeClr>
+          </a:lnRef>
+          <a:fillRef idx="1">
+            <a:schemeClr val="accent1"/>
+          </a:fillRef>
+          <a:effectRef idx="0">
+            <a:schemeClr val="accent1"/>
+          </a:effectRef>
+          <a:fontRef idx="minor">
+            <a:schemeClr val="lt1"/>
+          </a:fontRef>
+        </p:style>
+        <p:txBody>
+          <a:bodyPr rtlCol="0" anchor="ctr"/>
+          <a:lstStyle/>
+          <a:p>
+            <a:pPr algn="ctr"/>
+            <a:endParaRPr lang="es-ES" dirty="0"/>
+          </a:p>
+        </p:txBody>
+      </p:sp>
+      <p:sp>
+        <p:nvSpPr>
+          <p:cNvPr id="95" name="Arrow: Right 94">
+            <a:extLst>
+              <a:ext uri="{FF2B5EF4-FFF2-40B4-BE49-F238E27FC236}">
+                <a16:creationId xmlns:a16="http://schemas.microsoft.com/office/drawing/2014/main" id="{91950429-666C-4586-E918-24D67DEFC1E4}"/>
+              </a:ext>
+            </a:extLst>
+          </p:cNvPr>
+          <p:cNvSpPr/>
+          <p:nvPr/>
+        </p:nvSpPr>
+        <p:spPr>
+          <a:xfrm>
+            <a:off x="7959492" y="5160046"/>
+            <a:ext cx="1751040" cy="309633"/>
+          </a:xfrm>
+          <a:prstGeom prst="rightArrow">
+            <a:avLst/>
+          </a:prstGeom>
+          <a:solidFill>
+            <a:schemeClr val="accent2">
+              <a:lumMod val="60000"/>
+              <a:lumOff val="40000"/>
+            </a:schemeClr>
+          </a:solidFill>
+        </p:spPr>
+        <p:style>
+          <a:lnRef idx="2">
+            <a:schemeClr val="accent1">
+              <a:shade val="50000"/>
+            </a:schemeClr>
+          </a:lnRef>
+          <a:fillRef idx="1">
+            <a:schemeClr val="accent1"/>
+          </a:fillRef>
+          <a:effectRef idx="0">
+            <a:schemeClr val="accent1"/>
+          </a:effectRef>
+          <a:fontRef idx="minor">
+            <a:schemeClr val="lt1"/>
+          </a:fontRef>
+        </p:style>
+        <p:txBody>
+          <a:bodyPr rtlCol="0" anchor="ctr"/>
+          <a:lstStyle/>
+          <a:p>
+            <a:pPr algn="ctr"/>
+            <a:endParaRPr lang="es-ES" dirty="0"/>
+          </a:p>
+        </p:txBody>
+      </p:sp>
+      <p:pic>
+        <p:nvPicPr>
+          <p:cNvPr id="10" name="Picture 9">
+            <a:extLst>
+              <a:ext uri="{FF2B5EF4-FFF2-40B4-BE49-F238E27FC236}">
+                <a16:creationId xmlns:a16="http://schemas.microsoft.com/office/drawing/2014/main" id="{DF7FBEF9-8402-EE63-0D00-C8393E4EC1F7}"/>
+              </a:ext>
+            </a:extLst>
+          </p:cNvPr>
+          <p:cNvPicPr>
+            <a:picLocks noChangeAspect="1"/>
+          </p:cNvPicPr>
+          <p:nvPr/>
+        </p:nvPicPr>
+        <p:blipFill>
+          <a:blip r:embed="rId12">
+            <a:extLst>
+              <a:ext uri="{28A0092B-C50C-407E-A947-70E740481C1C}">
+                <a14:useLocalDpi xmlns:a14="http://schemas.microsoft.com/office/drawing/2010/main" val="0"/>
+              </a:ext>
+            </a:extLst>
+          </a:blip>
+          <a:stretch>
+            <a:fillRect/>
+          </a:stretch>
+        </p:blipFill>
+        <p:spPr>
+          <a:xfrm>
+            <a:off x="8557908" y="3487278"/>
+            <a:ext cx="1393035" cy="1552213"/>
+          </a:xfrm>
+          <a:prstGeom prst="rect">
+            <a:avLst/>
+          </a:prstGeom>
+        </p:spPr>
+      </p:pic>
     </p:spTree>
     <p:extLst>
       <p:ext uri="{BB962C8B-B14F-4D97-AF65-F5344CB8AC3E}">

--- a/documentacion/Microservices.pptx
+++ b/documentacion/Microservices.pptx
@@ -134,7 +134,7 @@
           <p:cNvPr id="2" name="Title 1">
             <a:extLst>
               <a:ext uri="{FF2B5EF4-FFF2-40B4-BE49-F238E27FC236}">
-                <a16:creationId xmlns:a16="http://schemas.microsoft.com/office/drawing/2014/main" id="{66172C69-02C7-4F82-B816-80710DE96FDB}"/>
+                <a16:creationId xmlns:a16="http://schemas.microsoft.com/office/drawing/2014/main" id="{BDD18EA1-BB92-2E15-B927-89BC522CE2E3}"/>
               </a:ext>
             </a:extLst>
           </p:cNvPr>
@@ -172,7 +172,7 @@
           <p:cNvPr id="3" name="Subtitle 2">
             <a:extLst>
               <a:ext uri="{FF2B5EF4-FFF2-40B4-BE49-F238E27FC236}">
-                <a16:creationId xmlns:a16="http://schemas.microsoft.com/office/drawing/2014/main" id="{2B93737A-D8DB-411D-B2E4-58E4909A3152}"/>
+                <a16:creationId xmlns:a16="http://schemas.microsoft.com/office/drawing/2014/main" id="{664828A9-ECEA-86F7-524A-8184AD509A9A}"/>
               </a:ext>
             </a:extLst>
           </p:cNvPr>
@@ -243,7 +243,7 @@
           <p:cNvPr id="4" name="Date Placeholder 3">
             <a:extLst>
               <a:ext uri="{FF2B5EF4-FFF2-40B4-BE49-F238E27FC236}">
-                <a16:creationId xmlns:a16="http://schemas.microsoft.com/office/drawing/2014/main" id="{2E1154FF-881B-4B5F-87B7-12CABD707F50}"/>
+                <a16:creationId xmlns:a16="http://schemas.microsoft.com/office/drawing/2014/main" id="{C8762A0A-2E88-BF11-9652-E7ECED35EAF6}"/>
               </a:ext>
             </a:extLst>
           </p:cNvPr>
@@ -259,9 +259,9 @@
           <a:bodyPr/>
           <a:lstStyle/>
           <a:p>
-            <a:fld id="{E1A8A860-3B45-4499-A28E-2E0FC2646236}" type="datetimeFigureOut">
+            <a:fld id="{D642B200-5A40-4202-A3E3-BD8E607336F8}" type="datetimeFigureOut">
               <a:rPr lang="es-ES" smtClean="0"/>
-              <a:t>25/05/2022</a:t>
+              <a:t>26/05/2022</a:t>
             </a:fld>
             <a:endParaRPr lang="es-ES" dirty="0"/>
           </a:p>
@@ -272,7 +272,7 @@
           <p:cNvPr id="5" name="Footer Placeholder 4">
             <a:extLst>
               <a:ext uri="{FF2B5EF4-FFF2-40B4-BE49-F238E27FC236}">
-                <a16:creationId xmlns:a16="http://schemas.microsoft.com/office/drawing/2014/main" id="{8B29CA00-294E-4E2E-90E7-041ADF76004E}"/>
+                <a16:creationId xmlns:a16="http://schemas.microsoft.com/office/drawing/2014/main" id="{B8982C98-DAD3-6FE0-4233-9928B38032C1}"/>
               </a:ext>
             </a:extLst>
           </p:cNvPr>
@@ -297,7 +297,7 @@
           <p:cNvPr id="6" name="Slide Number Placeholder 5">
             <a:extLst>
               <a:ext uri="{FF2B5EF4-FFF2-40B4-BE49-F238E27FC236}">
-                <a16:creationId xmlns:a16="http://schemas.microsoft.com/office/drawing/2014/main" id="{0AF0C2A4-57C4-42F2-8352-163887058996}"/>
+                <a16:creationId xmlns:a16="http://schemas.microsoft.com/office/drawing/2014/main" id="{0AE594BF-D96B-A249-72AF-F4102DB06DDF}"/>
               </a:ext>
             </a:extLst>
           </p:cNvPr>
@@ -313,7 +313,7 @@
           <a:bodyPr/>
           <a:lstStyle/>
           <a:p>
-            <a:fld id="{918D9AEB-8CCB-4CA9-8F09-46270C7A768C}" type="slidenum">
+            <a:fld id="{4A2D612A-452D-44F8-AB4E-F92B8654910A}" type="slidenum">
               <a:rPr lang="es-ES" smtClean="0"/>
               <a:t>‹#›</a:t>
             </a:fld>
@@ -324,7 +324,7 @@
     </p:spTree>
     <p:extLst>
       <p:ext uri="{BB962C8B-B14F-4D97-AF65-F5344CB8AC3E}">
-        <p14:creationId xmlns:p14="http://schemas.microsoft.com/office/powerpoint/2010/main" val="2113414071"/>
+        <p14:creationId xmlns:p14="http://schemas.microsoft.com/office/powerpoint/2010/main" val="3239394746"/>
       </p:ext>
     </p:extLst>
   </p:cSld>
@@ -356,7 +356,7 @@
           <p:cNvPr id="2" name="Title 1">
             <a:extLst>
               <a:ext uri="{FF2B5EF4-FFF2-40B4-BE49-F238E27FC236}">
-                <a16:creationId xmlns:a16="http://schemas.microsoft.com/office/drawing/2014/main" id="{4968FF93-EE65-41AD-95BC-7241C5A72AEA}"/>
+                <a16:creationId xmlns:a16="http://schemas.microsoft.com/office/drawing/2014/main" id="{12667035-720E-B89C-27B3-FC009B6CA57F}"/>
               </a:ext>
             </a:extLst>
           </p:cNvPr>
@@ -385,7 +385,7 @@
           <p:cNvPr id="3" name="Vertical Text Placeholder 2">
             <a:extLst>
               <a:ext uri="{FF2B5EF4-FFF2-40B4-BE49-F238E27FC236}">
-                <a16:creationId xmlns:a16="http://schemas.microsoft.com/office/drawing/2014/main" id="{ACAC03BD-F3F2-4017-911F-82BF166C6697}"/>
+                <a16:creationId xmlns:a16="http://schemas.microsoft.com/office/drawing/2014/main" id="{E85F83A9-5FAD-DFE9-9123-BB58D3EA997B}"/>
               </a:ext>
             </a:extLst>
           </p:cNvPr>
@@ -443,7 +443,7 @@
           <p:cNvPr id="4" name="Date Placeholder 3">
             <a:extLst>
               <a:ext uri="{FF2B5EF4-FFF2-40B4-BE49-F238E27FC236}">
-                <a16:creationId xmlns:a16="http://schemas.microsoft.com/office/drawing/2014/main" id="{18BC9136-ADD8-4A4B-ACBA-AD777C7E1A05}"/>
+                <a16:creationId xmlns:a16="http://schemas.microsoft.com/office/drawing/2014/main" id="{D0B9FBEF-F619-F169-A754-45520925CEF8}"/>
               </a:ext>
             </a:extLst>
           </p:cNvPr>
@@ -459,9 +459,9 @@
           <a:bodyPr/>
           <a:lstStyle/>
           <a:p>
-            <a:fld id="{E1A8A860-3B45-4499-A28E-2E0FC2646236}" type="datetimeFigureOut">
+            <a:fld id="{D642B200-5A40-4202-A3E3-BD8E607336F8}" type="datetimeFigureOut">
               <a:rPr lang="es-ES" smtClean="0"/>
-              <a:t>25/05/2022</a:t>
+              <a:t>26/05/2022</a:t>
             </a:fld>
             <a:endParaRPr lang="es-ES" dirty="0"/>
           </a:p>
@@ -472,7 +472,7 @@
           <p:cNvPr id="5" name="Footer Placeholder 4">
             <a:extLst>
               <a:ext uri="{FF2B5EF4-FFF2-40B4-BE49-F238E27FC236}">
-                <a16:creationId xmlns:a16="http://schemas.microsoft.com/office/drawing/2014/main" id="{856DD698-9F92-4458-BA07-E5304F41109F}"/>
+                <a16:creationId xmlns:a16="http://schemas.microsoft.com/office/drawing/2014/main" id="{01B26685-C0C9-7A15-78E1-80CE9C08AC8D}"/>
               </a:ext>
             </a:extLst>
           </p:cNvPr>
@@ -497,7 +497,7 @@
           <p:cNvPr id="6" name="Slide Number Placeholder 5">
             <a:extLst>
               <a:ext uri="{FF2B5EF4-FFF2-40B4-BE49-F238E27FC236}">
-                <a16:creationId xmlns:a16="http://schemas.microsoft.com/office/drawing/2014/main" id="{4F88C0F4-D327-4F23-BF8B-AFF9BA245AB6}"/>
+                <a16:creationId xmlns:a16="http://schemas.microsoft.com/office/drawing/2014/main" id="{BCB4DD11-D644-9DDA-8D37-6626D47093D1}"/>
               </a:ext>
             </a:extLst>
           </p:cNvPr>
@@ -513,7 +513,7 @@
           <a:bodyPr/>
           <a:lstStyle/>
           <a:p>
-            <a:fld id="{918D9AEB-8CCB-4CA9-8F09-46270C7A768C}" type="slidenum">
+            <a:fld id="{4A2D612A-452D-44F8-AB4E-F92B8654910A}" type="slidenum">
               <a:rPr lang="es-ES" smtClean="0"/>
               <a:t>‹#›</a:t>
             </a:fld>
@@ -524,7 +524,7 @@
     </p:spTree>
     <p:extLst>
       <p:ext uri="{BB962C8B-B14F-4D97-AF65-F5344CB8AC3E}">
-        <p14:creationId xmlns:p14="http://schemas.microsoft.com/office/powerpoint/2010/main" val="1602459485"/>
+        <p14:creationId xmlns:p14="http://schemas.microsoft.com/office/powerpoint/2010/main" val="3454728789"/>
       </p:ext>
     </p:extLst>
   </p:cSld>
@@ -556,7 +556,7 @@
           <p:cNvPr id="2" name="Vertical Title 1">
             <a:extLst>
               <a:ext uri="{FF2B5EF4-FFF2-40B4-BE49-F238E27FC236}">
-                <a16:creationId xmlns:a16="http://schemas.microsoft.com/office/drawing/2014/main" id="{49A841F8-46DA-4E4B-B4DF-44E8111A2528}"/>
+                <a16:creationId xmlns:a16="http://schemas.microsoft.com/office/drawing/2014/main" id="{85B8E103-5558-9A9D-E3FF-1DBF93BAAD89}"/>
               </a:ext>
             </a:extLst>
           </p:cNvPr>
@@ -590,7 +590,7 @@
           <p:cNvPr id="3" name="Vertical Text Placeholder 2">
             <a:extLst>
               <a:ext uri="{FF2B5EF4-FFF2-40B4-BE49-F238E27FC236}">
-                <a16:creationId xmlns:a16="http://schemas.microsoft.com/office/drawing/2014/main" id="{AFC30011-5262-4917-A38B-648DE7A20816}"/>
+                <a16:creationId xmlns:a16="http://schemas.microsoft.com/office/drawing/2014/main" id="{BE056B15-E1DA-07F4-6D0F-723578ABF566}"/>
               </a:ext>
             </a:extLst>
           </p:cNvPr>
@@ -653,7 +653,7 @@
           <p:cNvPr id="4" name="Date Placeholder 3">
             <a:extLst>
               <a:ext uri="{FF2B5EF4-FFF2-40B4-BE49-F238E27FC236}">
-                <a16:creationId xmlns:a16="http://schemas.microsoft.com/office/drawing/2014/main" id="{5578F21C-BEB8-4B68-8375-1F0C0BEF2D8A}"/>
+                <a16:creationId xmlns:a16="http://schemas.microsoft.com/office/drawing/2014/main" id="{560C67A2-0EEE-5DF6-9204-CB67ED830E19}"/>
               </a:ext>
             </a:extLst>
           </p:cNvPr>
@@ -669,9 +669,9 @@
           <a:bodyPr/>
           <a:lstStyle/>
           <a:p>
-            <a:fld id="{E1A8A860-3B45-4499-A28E-2E0FC2646236}" type="datetimeFigureOut">
+            <a:fld id="{D642B200-5A40-4202-A3E3-BD8E607336F8}" type="datetimeFigureOut">
               <a:rPr lang="es-ES" smtClean="0"/>
-              <a:t>25/05/2022</a:t>
+              <a:t>26/05/2022</a:t>
             </a:fld>
             <a:endParaRPr lang="es-ES" dirty="0"/>
           </a:p>
@@ -682,7 +682,7 @@
           <p:cNvPr id="5" name="Footer Placeholder 4">
             <a:extLst>
               <a:ext uri="{FF2B5EF4-FFF2-40B4-BE49-F238E27FC236}">
-                <a16:creationId xmlns:a16="http://schemas.microsoft.com/office/drawing/2014/main" id="{7E0DE109-0ACD-40A2-8512-F7500E000C52}"/>
+                <a16:creationId xmlns:a16="http://schemas.microsoft.com/office/drawing/2014/main" id="{D0D64563-1917-24BA-F14E-9C485B17B954}"/>
               </a:ext>
             </a:extLst>
           </p:cNvPr>
@@ -707,7 +707,7 @@
           <p:cNvPr id="6" name="Slide Number Placeholder 5">
             <a:extLst>
               <a:ext uri="{FF2B5EF4-FFF2-40B4-BE49-F238E27FC236}">
-                <a16:creationId xmlns:a16="http://schemas.microsoft.com/office/drawing/2014/main" id="{D6634103-EF0C-49FF-9F63-E26209DA3954}"/>
+                <a16:creationId xmlns:a16="http://schemas.microsoft.com/office/drawing/2014/main" id="{FB97A4B8-EFC1-3607-870E-BBE5B5E6DDEB}"/>
               </a:ext>
             </a:extLst>
           </p:cNvPr>
@@ -723,7 +723,7 @@
           <a:bodyPr/>
           <a:lstStyle/>
           <a:p>
-            <a:fld id="{918D9AEB-8CCB-4CA9-8F09-46270C7A768C}" type="slidenum">
+            <a:fld id="{4A2D612A-452D-44F8-AB4E-F92B8654910A}" type="slidenum">
               <a:rPr lang="es-ES" smtClean="0"/>
               <a:t>‹#›</a:t>
             </a:fld>
@@ -734,7 +734,7 @@
     </p:spTree>
     <p:extLst>
       <p:ext uri="{BB962C8B-B14F-4D97-AF65-F5344CB8AC3E}">
-        <p14:creationId xmlns:p14="http://schemas.microsoft.com/office/powerpoint/2010/main" val="1524284354"/>
+        <p14:creationId xmlns:p14="http://schemas.microsoft.com/office/powerpoint/2010/main" val="3269045910"/>
       </p:ext>
     </p:extLst>
   </p:cSld>
@@ -766,7 +766,7 @@
           <p:cNvPr id="2" name="Title 1">
             <a:extLst>
               <a:ext uri="{FF2B5EF4-FFF2-40B4-BE49-F238E27FC236}">
-                <a16:creationId xmlns:a16="http://schemas.microsoft.com/office/drawing/2014/main" id="{E13B08E1-6A70-40B2-B5C5-2128A693941C}"/>
+                <a16:creationId xmlns:a16="http://schemas.microsoft.com/office/drawing/2014/main" id="{67485B55-72F2-965A-BAEC-E80BDE67B969}"/>
               </a:ext>
             </a:extLst>
           </p:cNvPr>
@@ -795,7 +795,7 @@
           <p:cNvPr id="3" name="Content Placeholder 2">
             <a:extLst>
               <a:ext uri="{FF2B5EF4-FFF2-40B4-BE49-F238E27FC236}">
-                <a16:creationId xmlns:a16="http://schemas.microsoft.com/office/drawing/2014/main" id="{6953DBAF-E43B-45C7-8E56-DB9D88914A63}"/>
+                <a16:creationId xmlns:a16="http://schemas.microsoft.com/office/drawing/2014/main" id="{32DB34C3-C83F-B8C5-CE6D-30C0BF08F7E2}"/>
               </a:ext>
             </a:extLst>
           </p:cNvPr>
@@ -853,7 +853,7 @@
           <p:cNvPr id="4" name="Date Placeholder 3">
             <a:extLst>
               <a:ext uri="{FF2B5EF4-FFF2-40B4-BE49-F238E27FC236}">
-                <a16:creationId xmlns:a16="http://schemas.microsoft.com/office/drawing/2014/main" id="{720913CC-003B-46FD-921C-2A195ED1CA76}"/>
+                <a16:creationId xmlns:a16="http://schemas.microsoft.com/office/drawing/2014/main" id="{1B5AD8CE-E41C-3D4A-E6E5-3EC6F6A83B36}"/>
               </a:ext>
             </a:extLst>
           </p:cNvPr>
@@ -869,9 +869,9 @@
           <a:bodyPr/>
           <a:lstStyle/>
           <a:p>
-            <a:fld id="{E1A8A860-3B45-4499-A28E-2E0FC2646236}" type="datetimeFigureOut">
+            <a:fld id="{D642B200-5A40-4202-A3E3-BD8E607336F8}" type="datetimeFigureOut">
               <a:rPr lang="es-ES" smtClean="0"/>
-              <a:t>25/05/2022</a:t>
+              <a:t>26/05/2022</a:t>
             </a:fld>
             <a:endParaRPr lang="es-ES" dirty="0"/>
           </a:p>
@@ -882,7 +882,7 @@
           <p:cNvPr id="5" name="Footer Placeholder 4">
             <a:extLst>
               <a:ext uri="{FF2B5EF4-FFF2-40B4-BE49-F238E27FC236}">
-                <a16:creationId xmlns:a16="http://schemas.microsoft.com/office/drawing/2014/main" id="{5520D79E-9276-49EF-80F4-D3E6CB78E535}"/>
+                <a16:creationId xmlns:a16="http://schemas.microsoft.com/office/drawing/2014/main" id="{6EDC3801-87B1-FC48-1440-4152689B5557}"/>
               </a:ext>
             </a:extLst>
           </p:cNvPr>
@@ -907,7 +907,7 @@
           <p:cNvPr id="6" name="Slide Number Placeholder 5">
             <a:extLst>
               <a:ext uri="{FF2B5EF4-FFF2-40B4-BE49-F238E27FC236}">
-                <a16:creationId xmlns:a16="http://schemas.microsoft.com/office/drawing/2014/main" id="{B379939B-41DB-4C66-976C-439356E17072}"/>
+                <a16:creationId xmlns:a16="http://schemas.microsoft.com/office/drawing/2014/main" id="{E8F3BBCA-8964-D135-9BC3-A7FB11042D57}"/>
               </a:ext>
             </a:extLst>
           </p:cNvPr>
@@ -923,7 +923,7 @@
           <a:bodyPr/>
           <a:lstStyle/>
           <a:p>
-            <a:fld id="{918D9AEB-8CCB-4CA9-8F09-46270C7A768C}" type="slidenum">
+            <a:fld id="{4A2D612A-452D-44F8-AB4E-F92B8654910A}" type="slidenum">
               <a:rPr lang="es-ES" smtClean="0"/>
               <a:t>‹#›</a:t>
             </a:fld>
@@ -934,7 +934,7 @@
     </p:spTree>
     <p:extLst>
       <p:ext uri="{BB962C8B-B14F-4D97-AF65-F5344CB8AC3E}">
-        <p14:creationId xmlns:p14="http://schemas.microsoft.com/office/powerpoint/2010/main" val="3326366056"/>
+        <p14:creationId xmlns:p14="http://schemas.microsoft.com/office/powerpoint/2010/main" val="2713078020"/>
       </p:ext>
     </p:extLst>
   </p:cSld>
@@ -966,7 +966,7 @@
           <p:cNvPr id="2" name="Title 1">
             <a:extLst>
               <a:ext uri="{FF2B5EF4-FFF2-40B4-BE49-F238E27FC236}">
-                <a16:creationId xmlns:a16="http://schemas.microsoft.com/office/drawing/2014/main" id="{C50DBD9B-1ACD-4DF2-95E3-0B25909D78C6}"/>
+                <a16:creationId xmlns:a16="http://schemas.microsoft.com/office/drawing/2014/main" id="{3919719B-DFB4-56EC-ABA6-383D7652A7BF}"/>
               </a:ext>
             </a:extLst>
           </p:cNvPr>
@@ -1004,7 +1004,7 @@
           <p:cNvPr id="3" name="Text Placeholder 2">
             <a:extLst>
               <a:ext uri="{FF2B5EF4-FFF2-40B4-BE49-F238E27FC236}">
-                <a16:creationId xmlns:a16="http://schemas.microsoft.com/office/drawing/2014/main" id="{1F00988F-8151-4274-BF34-6437A0E72702}"/>
+                <a16:creationId xmlns:a16="http://schemas.microsoft.com/office/drawing/2014/main" id="{0CF2B160-93DD-BC2E-C8E0-9647E228E93B}"/>
               </a:ext>
             </a:extLst>
           </p:cNvPr>
@@ -1129,7 +1129,7 @@
           <p:cNvPr id="4" name="Date Placeholder 3">
             <a:extLst>
               <a:ext uri="{FF2B5EF4-FFF2-40B4-BE49-F238E27FC236}">
-                <a16:creationId xmlns:a16="http://schemas.microsoft.com/office/drawing/2014/main" id="{CF83BBDF-D169-47EF-8A5E-275BF808907E}"/>
+                <a16:creationId xmlns:a16="http://schemas.microsoft.com/office/drawing/2014/main" id="{37001071-5F08-6621-296D-1819B7E0219B}"/>
               </a:ext>
             </a:extLst>
           </p:cNvPr>
@@ -1145,9 +1145,9 @@
           <a:bodyPr/>
           <a:lstStyle/>
           <a:p>
-            <a:fld id="{E1A8A860-3B45-4499-A28E-2E0FC2646236}" type="datetimeFigureOut">
+            <a:fld id="{D642B200-5A40-4202-A3E3-BD8E607336F8}" type="datetimeFigureOut">
               <a:rPr lang="es-ES" smtClean="0"/>
-              <a:t>25/05/2022</a:t>
+              <a:t>26/05/2022</a:t>
             </a:fld>
             <a:endParaRPr lang="es-ES" dirty="0"/>
           </a:p>
@@ -1158,7 +1158,7 @@
           <p:cNvPr id="5" name="Footer Placeholder 4">
             <a:extLst>
               <a:ext uri="{FF2B5EF4-FFF2-40B4-BE49-F238E27FC236}">
-                <a16:creationId xmlns:a16="http://schemas.microsoft.com/office/drawing/2014/main" id="{649C7ABF-A4BD-40A7-BFC1-0ED9309FF5A4}"/>
+                <a16:creationId xmlns:a16="http://schemas.microsoft.com/office/drawing/2014/main" id="{DE9E422B-4079-2565-9B06-EFEA48DE854E}"/>
               </a:ext>
             </a:extLst>
           </p:cNvPr>
@@ -1183,7 +1183,7 @@
           <p:cNvPr id="6" name="Slide Number Placeholder 5">
             <a:extLst>
               <a:ext uri="{FF2B5EF4-FFF2-40B4-BE49-F238E27FC236}">
-                <a16:creationId xmlns:a16="http://schemas.microsoft.com/office/drawing/2014/main" id="{8957A921-C0A0-4DF3-A0E6-2244B1B54C89}"/>
+                <a16:creationId xmlns:a16="http://schemas.microsoft.com/office/drawing/2014/main" id="{8C280232-96C8-99B5-4EBE-A6541CDCAECB}"/>
               </a:ext>
             </a:extLst>
           </p:cNvPr>
@@ -1199,7 +1199,7 @@
           <a:bodyPr/>
           <a:lstStyle/>
           <a:p>
-            <a:fld id="{918D9AEB-8CCB-4CA9-8F09-46270C7A768C}" type="slidenum">
+            <a:fld id="{4A2D612A-452D-44F8-AB4E-F92B8654910A}" type="slidenum">
               <a:rPr lang="es-ES" smtClean="0"/>
               <a:t>‹#›</a:t>
             </a:fld>
@@ -1210,7 +1210,7 @@
     </p:spTree>
     <p:extLst>
       <p:ext uri="{BB962C8B-B14F-4D97-AF65-F5344CB8AC3E}">
-        <p14:creationId xmlns:p14="http://schemas.microsoft.com/office/powerpoint/2010/main" val="3179434189"/>
+        <p14:creationId xmlns:p14="http://schemas.microsoft.com/office/powerpoint/2010/main" val="3989908113"/>
       </p:ext>
     </p:extLst>
   </p:cSld>
@@ -1242,7 +1242,7 @@
           <p:cNvPr id="2" name="Title 1">
             <a:extLst>
               <a:ext uri="{FF2B5EF4-FFF2-40B4-BE49-F238E27FC236}">
-                <a16:creationId xmlns:a16="http://schemas.microsoft.com/office/drawing/2014/main" id="{130EA86B-E54A-4173-87ED-73317C11B3C8}"/>
+                <a16:creationId xmlns:a16="http://schemas.microsoft.com/office/drawing/2014/main" id="{D4FFCE94-6657-3558-DA00-6A6CF9A47260}"/>
               </a:ext>
             </a:extLst>
           </p:cNvPr>
@@ -1271,7 +1271,7 @@
           <p:cNvPr id="3" name="Content Placeholder 2">
             <a:extLst>
               <a:ext uri="{FF2B5EF4-FFF2-40B4-BE49-F238E27FC236}">
-                <a16:creationId xmlns:a16="http://schemas.microsoft.com/office/drawing/2014/main" id="{84A003CB-28E7-4342-84E5-FD8C1C691FF1}"/>
+                <a16:creationId xmlns:a16="http://schemas.microsoft.com/office/drawing/2014/main" id="{C5C91444-AEED-A69A-B643-629ABB013AD8}"/>
               </a:ext>
             </a:extLst>
           </p:cNvPr>
@@ -1334,7 +1334,7 @@
           <p:cNvPr id="4" name="Content Placeholder 3">
             <a:extLst>
               <a:ext uri="{FF2B5EF4-FFF2-40B4-BE49-F238E27FC236}">
-                <a16:creationId xmlns:a16="http://schemas.microsoft.com/office/drawing/2014/main" id="{C8A5D8E6-86D3-4CE2-B31F-4A88505EC806}"/>
+                <a16:creationId xmlns:a16="http://schemas.microsoft.com/office/drawing/2014/main" id="{B94038AB-81B3-4778-4149-3D9009EC4351}"/>
               </a:ext>
             </a:extLst>
           </p:cNvPr>
@@ -1397,7 +1397,7 @@
           <p:cNvPr id="5" name="Date Placeholder 4">
             <a:extLst>
               <a:ext uri="{FF2B5EF4-FFF2-40B4-BE49-F238E27FC236}">
-                <a16:creationId xmlns:a16="http://schemas.microsoft.com/office/drawing/2014/main" id="{CB4811EA-918D-4436-BDB7-3D0C71CF305B}"/>
+                <a16:creationId xmlns:a16="http://schemas.microsoft.com/office/drawing/2014/main" id="{2858DDE3-98A5-4425-B067-66519FBB247A}"/>
               </a:ext>
             </a:extLst>
           </p:cNvPr>
@@ -1413,9 +1413,9 @@
           <a:bodyPr/>
           <a:lstStyle/>
           <a:p>
-            <a:fld id="{E1A8A860-3B45-4499-A28E-2E0FC2646236}" type="datetimeFigureOut">
+            <a:fld id="{D642B200-5A40-4202-A3E3-BD8E607336F8}" type="datetimeFigureOut">
               <a:rPr lang="es-ES" smtClean="0"/>
-              <a:t>25/05/2022</a:t>
+              <a:t>26/05/2022</a:t>
             </a:fld>
             <a:endParaRPr lang="es-ES" dirty="0"/>
           </a:p>
@@ -1426,7 +1426,7 @@
           <p:cNvPr id="6" name="Footer Placeholder 5">
             <a:extLst>
               <a:ext uri="{FF2B5EF4-FFF2-40B4-BE49-F238E27FC236}">
-                <a16:creationId xmlns:a16="http://schemas.microsoft.com/office/drawing/2014/main" id="{E25D01A8-908A-4708-85EE-82B0B2634059}"/>
+                <a16:creationId xmlns:a16="http://schemas.microsoft.com/office/drawing/2014/main" id="{A8EC4BE5-6693-EA6D-E6E0-8DAEC1785076}"/>
               </a:ext>
             </a:extLst>
           </p:cNvPr>
@@ -1451,7 +1451,7 @@
           <p:cNvPr id="7" name="Slide Number Placeholder 6">
             <a:extLst>
               <a:ext uri="{FF2B5EF4-FFF2-40B4-BE49-F238E27FC236}">
-                <a16:creationId xmlns:a16="http://schemas.microsoft.com/office/drawing/2014/main" id="{280E4599-6314-436F-BE4D-CE1EF6939CC5}"/>
+                <a16:creationId xmlns:a16="http://schemas.microsoft.com/office/drawing/2014/main" id="{197F566D-410A-5279-7499-B36882B374ED}"/>
               </a:ext>
             </a:extLst>
           </p:cNvPr>
@@ -1467,7 +1467,7 @@
           <a:bodyPr/>
           <a:lstStyle/>
           <a:p>
-            <a:fld id="{918D9AEB-8CCB-4CA9-8F09-46270C7A768C}" type="slidenum">
+            <a:fld id="{4A2D612A-452D-44F8-AB4E-F92B8654910A}" type="slidenum">
               <a:rPr lang="es-ES" smtClean="0"/>
               <a:t>‹#›</a:t>
             </a:fld>
@@ -1478,7 +1478,7 @@
     </p:spTree>
     <p:extLst>
       <p:ext uri="{BB962C8B-B14F-4D97-AF65-F5344CB8AC3E}">
-        <p14:creationId xmlns:p14="http://schemas.microsoft.com/office/powerpoint/2010/main" val="3924308190"/>
+        <p14:creationId xmlns:p14="http://schemas.microsoft.com/office/powerpoint/2010/main" val="13909590"/>
       </p:ext>
     </p:extLst>
   </p:cSld>
@@ -1510,7 +1510,7 @@
           <p:cNvPr id="2" name="Title 1">
             <a:extLst>
               <a:ext uri="{FF2B5EF4-FFF2-40B4-BE49-F238E27FC236}">
-                <a16:creationId xmlns:a16="http://schemas.microsoft.com/office/drawing/2014/main" id="{0EB6DC60-E655-404B-A5E5-AE596A824F82}"/>
+                <a16:creationId xmlns:a16="http://schemas.microsoft.com/office/drawing/2014/main" id="{64A72372-D850-FC6C-0E3A-BE53FE0C481C}"/>
               </a:ext>
             </a:extLst>
           </p:cNvPr>
@@ -1544,7 +1544,7 @@
           <p:cNvPr id="3" name="Text Placeholder 2">
             <a:extLst>
               <a:ext uri="{FF2B5EF4-FFF2-40B4-BE49-F238E27FC236}">
-                <a16:creationId xmlns:a16="http://schemas.microsoft.com/office/drawing/2014/main" id="{59CC1553-4325-4DAE-A882-8E41DD345B2E}"/>
+                <a16:creationId xmlns:a16="http://schemas.microsoft.com/office/drawing/2014/main" id="{6D899B5E-DD63-FA55-BE30-03940955AE00}"/>
               </a:ext>
             </a:extLst>
           </p:cNvPr>
@@ -1615,7 +1615,7 @@
           <p:cNvPr id="4" name="Content Placeholder 3">
             <a:extLst>
               <a:ext uri="{FF2B5EF4-FFF2-40B4-BE49-F238E27FC236}">
-                <a16:creationId xmlns:a16="http://schemas.microsoft.com/office/drawing/2014/main" id="{90744069-5094-4583-A145-45788972DA6C}"/>
+                <a16:creationId xmlns:a16="http://schemas.microsoft.com/office/drawing/2014/main" id="{6E273769-EA11-E311-4065-432CCB3A5002}"/>
               </a:ext>
             </a:extLst>
           </p:cNvPr>
@@ -1678,7 +1678,7 @@
           <p:cNvPr id="5" name="Text Placeholder 4">
             <a:extLst>
               <a:ext uri="{FF2B5EF4-FFF2-40B4-BE49-F238E27FC236}">
-                <a16:creationId xmlns:a16="http://schemas.microsoft.com/office/drawing/2014/main" id="{0794F0FF-F874-453F-BD2E-3417B000BE59}"/>
+                <a16:creationId xmlns:a16="http://schemas.microsoft.com/office/drawing/2014/main" id="{790B5A2F-82E6-64D8-E71E-865B798957E3}"/>
               </a:ext>
             </a:extLst>
           </p:cNvPr>
@@ -1749,7 +1749,7 @@
           <p:cNvPr id="6" name="Content Placeholder 5">
             <a:extLst>
               <a:ext uri="{FF2B5EF4-FFF2-40B4-BE49-F238E27FC236}">
-                <a16:creationId xmlns:a16="http://schemas.microsoft.com/office/drawing/2014/main" id="{EA79BF31-B726-4BEE-8520-A93F9E0EA68C}"/>
+                <a16:creationId xmlns:a16="http://schemas.microsoft.com/office/drawing/2014/main" id="{EBAC4EAC-5342-979D-B2D6-33A0F9DFC7BE}"/>
               </a:ext>
             </a:extLst>
           </p:cNvPr>
@@ -1812,7 +1812,7 @@
           <p:cNvPr id="7" name="Date Placeholder 6">
             <a:extLst>
               <a:ext uri="{FF2B5EF4-FFF2-40B4-BE49-F238E27FC236}">
-                <a16:creationId xmlns:a16="http://schemas.microsoft.com/office/drawing/2014/main" id="{A833374A-9979-43D1-B53E-43422F19C7CE}"/>
+                <a16:creationId xmlns:a16="http://schemas.microsoft.com/office/drawing/2014/main" id="{EC099A02-C974-6578-96C2-99B084CE1C63}"/>
               </a:ext>
             </a:extLst>
           </p:cNvPr>
@@ -1828,9 +1828,9 @@
           <a:bodyPr/>
           <a:lstStyle/>
           <a:p>
-            <a:fld id="{E1A8A860-3B45-4499-A28E-2E0FC2646236}" type="datetimeFigureOut">
+            <a:fld id="{D642B200-5A40-4202-A3E3-BD8E607336F8}" type="datetimeFigureOut">
               <a:rPr lang="es-ES" smtClean="0"/>
-              <a:t>25/05/2022</a:t>
+              <a:t>26/05/2022</a:t>
             </a:fld>
             <a:endParaRPr lang="es-ES" dirty="0"/>
           </a:p>
@@ -1841,7 +1841,7 @@
           <p:cNvPr id="8" name="Footer Placeholder 7">
             <a:extLst>
               <a:ext uri="{FF2B5EF4-FFF2-40B4-BE49-F238E27FC236}">
-                <a16:creationId xmlns:a16="http://schemas.microsoft.com/office/drawing/2014/main" id="{6C4DA5B9-1B6F-493F-AE5A-7940672E3792}"/>
+                <a16:creationId xmlns:a16="http://schemas.microsoft.com/office/drawing/2014/main" id="{B02A175A-C6FE-C098-C4FB-22F480E29AD8}"/>
               </a:ext>
             </a:extLst>
           </p:cNvPr>
@@ -1866,7 +1866,7 @@
           <p:cNvPr id="9" name="Slide Number Placeholder 8">
             <a:extLst>
               <a:ext uri="{FF2B5EF4-FFF2-40B4-BE49-F238E27FC236}">
-                <a16:creationId xmlns:a16="http://schemas.microsoft.com/office/drawing/2014/main" id="{7193F8FD-7EA3-4BD3-B430-44EFF0858484}"/>
+                <a16:creationId xmlns:a16="http://schemas.microsoft.com/office/drawing/2014/main" id="{92C18650-9743-A90A-045E-B876E4D4942C}"/>
               </a:ext>
             </a:extLst>
           </p:cNvPr>
@@ -1882,7 +1882,7 @@
           <a:bodyPr/>
           <a:lstStyle/>
           <a:p>
-            <a:fld id="{918D9AEB-8CCB-4CA9-8F09-46270C7A768C}" type="slidenum">
+            <a:fld id="{4A2D612A-452D-44F8-AB4E-F92B8654910A}" type="slidenum">
               <a:rPr lang="es-ES" smtClean="0"/>
               <a:t>‹#›</a:t>
             </a:fld>
@@ -1893,7 +1893,7 @@
     </p:spTree>
     <p:extLst>
       <p:ext uri="{BB962C8B-B14F-4D97-AF65-F5344CB8AC3E}">
-        <p14:creationId xmlns:p14="http://schemas.microsoft.com/office/powerpoint/2010/main" val="1883248676"/>
+        <p14:creationId xmlns:p14="http://schemas.microsoft.com/office/powerpoint/2010/main" val="547870872"/>
       </p:ext>
     </p:extLst>
   </p:cSld>
@@ -1925,7 +1925,7 @@
           <p:cNvPr id="2" name="Title 1">
             <a:extLst>
               <a:ext uri="{FF2B5EF4-FFF2-40B4-BE49-F238E27FC236}">
-                <a16:creationId xmlns:a16="http://schemas.microsoft.com/office/drawing/2014/main" id="{6854F879-87B6-49F2-B4A3-7E78FC1B2B74}"/>
+                <a16:creationId xmlns:a16="http://schemas.microsoft.com/office/drawing/2014/main" id="{B11F26FD-72AC-B2C4-0F04-2B1D4A2CF004}"/>
               </a:ext>
             </a:extLst>
           </p:cNvPr>
@@ -1954,7 +1954,7 @@
           <p:cNvPr id="3" name="Date Placeholder 2">
             <a:extLst>
               <a:ext uri="{FF2B5EF4-FFF2-40B4-BE49-F238E27FC236}">
-                <a16:creationId xmlns:a16="http://schemas.microsoft.com/office/drawing/2014/main" id="{3124C77B-5141-46DE-A6FB-18317465BC33}"/>
+                <a16:creationId xmlns:a16="http://schemas.microsoft.com/office/drawing/2014/main" id="{414BC2EC-DA1B-110D-C5CF-AEEA0D148083}"/>
               </a:ext>
             </a:extLst>
           </p:cNvPr>
@@ -1970,9 +1970,9 @@
           <a:bodyPr/>
           <a:lstStyle/>
           <a:p>
-            <a:fld id="{E1A8A860-3B45-4499-A28E-2E0FC2646236}" type="datetimeFigureOut">
+            <a:fld id="{D642B200-5A40-4202-A3E3-BD8E607336F8}" type="datetimeFigureOut">
               <a:rPr lang="es-ES" smtClean="0"/>
-              <a:t>25/05/2022</a:t>
+              <a:t>26/05/2022</a:t>
             </a:fld>
             <a:endParaRPr lang="es-ES" dirty="0"/>
           </a:p>
@@ -1983,7 +1983,7 @@
           <p:cNvPr id="4" name="Footer Placeholder 3">
             <a:extLst>
               <a:ext uri="{FF2B5EF4-FFF2-40B4-BE49-F238E27FC236}">
-                <a16:creationId xmlns:a16="http://schemas.microsoft.com/office/drawing/2014/main" id="{15E9BE0D-D1FC-40AF-B0D9-4EE2F5D4E5EF}"/>
+                <a16:creationId xmlns:a16="http://schemas.microsoft.com/office/drawing/2014/main" id="{073895D6-481E-7E42-EFDA-9E96856CE3BA}"/>
               </a:ext>
             </a:extLst>
           </p:cNvPr>
@@ -2008,7 +2008,7 @@
           <p:cNvPr id="5" name="Slide Number Placeholder 4">
             <a:extLst>
               <a:ext uri="{FF2B5EF4-FFF2-40B4-BE49-F238E27FC236}">
-                <a16:creationId xmlns:a16="http://schemas.microsoft.com/office/drawing/2014/main" id="{9E0DF1F9-83D2-4E69-ADFE-1E0C440EF88B}"/>
+                <a16:creationId xmlns:a16="http://schemas.microsoft.com/office/drawing/2014/main" id="{4140594B-062B-10EE-56B2-0B76284E5285}"/>
               </a:ext>
             </a:extLst>
           </p:cNvPr>
@@ -2024,7 +2024,7 @@
           <a:bodyPr/>
           <a:lstStyle/>
           <a:p>
-            <a:fld id="{918D9AEB-8CCB-4CA9-8F09-46270C7A768C}" type="slidenum">
+            <a:fld id="{4A2D612A-452D-44F8-AB4E-F92B8654910A}" type="slidenum">
               <a:rPr lang="es-ES" smtClean="0"/>
               <a:t>‹#›</a:t>
             </a:fld>
@@ -2035,7 +2035,7 @@
     </p:spTree>
     <p:extLst>
       <p:ext uri="{BB962C8B-B14F-4D97-AF65-F5344CB8AC3E}">
-        <p14:creationId xmlns:p14="http://schemas.microsoft.com/office/powerpoint/2010/main" val="2194055901"/>
+        <p14:creationId xmlns:p14="http://schemas.microsoft.com/office/powerpoint/2010/main" val="3324292348"/>
       </p:ext>
     </p:extLst>
   </p:cSld>
@@ -2067,7 +2067,7 @@
           <p:cNvPr id="2" name="Date Placeholder 1">
             <a:extLst>
               <a:ext uri="{FF2B5EF4-FFF2-40B4-BE49-F238E27FC236}">
-                <a16:creationId xmlns:a16="http://schemas.microsoft.com/office/drawing/2014/main" id="{A21F9150-D891-4D8D-A135-E81F2E7D528B}"/>
+                <a16:creationId xmlns:a16="http://schemas.microsoft.com/office/drawing/2014/main" id="{9DD55BCF-5986-E6C1-DF63-448CB73CB944}"/>
               </a:ext>
             </a:extLst>
           </p:cNvPr>
@@ -2083,9 +2083,9 @@
           <a:bodyPr/>
           <a:lstStyle/>
           <a:p>
-            <a:fld id="{E1A8A860-3B45-4499-A28E-2E0FC2646236}" type="datetimeFigureOut">
+            <a:fld id="{D642B200-5A40-4202-A3E3-BD8E607336F8}" type="datetimeFigureOut">
               <a:rPr lang="es-ES" smtClean="0"/>
-              <a:t>25/05/2022</a:t>
+              <a:t>26/05/2022</a:t>
             </a:fld>
             <a:endParaRPr lang="es-ES" dirty="0"/>
           </a:p>
@@ -2096,7 +2096,7 @@
           <p:cNvPr id="3" name="Footer Placeholder 2">
             <a:extLst>
               <a:ext uri="{FF2B5EF4-FFF2-40B4-BE49-F238E27FC236}">
-                <a16:creationId xmlns:a16="http://schemas.microsoft.com/office/drawing/2014/main" id="{B4784DA9-2B2D-41AC-9422-44D49F906008}"/>
+                <a16:creationId xmlns:a16="http://schemas.microsoft.com/office/drawing/2014/main" id="{920ED035-FBDF-6895-B2D3-B952BBC0F240}"/>
               </a:ext>
             </a:extLst>
           </p:cNvPr>
@@ -2121,7 +2121,7 @@
           <p:cNvPr id="4" name="Slide Number Placeholder 3">
             <a:extLst>
               <a:ext uri="{FF2B5EF4-FFF2-40B4-BE49-F238E27FC236}">
-                <a16:creationId xmlns:a16="http://schemas.microsoft.com/office/drawing/2014/main" id="{2E33BD0C-E910-4AF3-9109-480680C6258B}"/>
+                <a16:creationId xmlns:a16="http://schemas.microsoft.com/office/drawing/2014/main" id="{6A4D88D1-6634-897F-9AEC-E5E71EB7B293}"/>
               </a:ext>
             </a:extLst>
           </p:cNvPr>
@@ -2137,7 +2137,7 @@
           <a:bodyPr/>
           <a:lstStyle/>
           <a:p>
-            <a:fld id="{918D9AEB-8CCB-4CA9-8F09-46270C7A768C}" type="slidenum">
+            <a:fld id="{4A2D612A-452D-44F8-AB4E-F92B8654910A}" type="slidenum">
               <a:rPr lang="es-ES" smtClean="0"/>
               <a:t>‹#›</a:t>
             </a:fld>
@@ -2148,7 +2148,7 @@
     </p:spTree>
     <p:extLst>
       <p:ext uri="{BB962C8B-B14F-4D97-AF65-F5344CB8AC3E}">
-        <p14:creationId xmlns:p14="http://schemas.microsoft.com/office/powerpoint/2010/main" val="3917035636"/>
+        <p14:creationId xmlns:p14="http://schemas.microsoft.com/office/powerpoint/2010/main" val="1910786250"/>
       </p:ext>
     </p:extLst>
   </p:cSld>
@@ -2180,7 +2180,7 @@
           <p:cNvPr id="2" name="Title 1">
             <a:extLst>
               <a:ext uri="{FF2B5EF4-FFF2-40B4-BE49-F238E27FC236}">
-                <a16:creationId xmlns:a16="http://schemas.microsoft.com/office/drawing/2014/main" id="{D305971D-4985-4C51-952B-E97ACD8D3DD8}"/>
+                <a16:creationId xmlns:a16="http://schemas.microsoft.com/office/drawing/2014/main" id="{AA7C90E0-8FB8-0771-A19E-D59DEBD9E320}"/>
               </a:ext>
             </a:extLst>
           </p:cNvPr>
@@ -2218,7 +2218,7 @@
           <p:cNvPr id="3" name="Content Placeholder 2">
             <a:extLst>
               <a:ext uri="{FF2B5EF4-FFF2-40B4-BE49-F238E27FC236}">
-                <a16:creationId xmlns:a16="http://schemas.microsoft.com/office/drawing/2014/main" id="{2FCE9A79-032E-4A92-8CFF-50EC0AC66638}"/>
+                <a16:creationId xmlns:a16="http://schemas.microsoft.com/office/drawing/2014/main" id="{DF91CD94-3668-8593-ECA2-261668BF7E6A}"/>
               </a:ext>
             </a:extLst>
           </p:cNvPr>
@@ -2309,7 +2309,7 @@
           <p:cNvPr id="4" name="Text Placeholder 3">
             <a:extLst>
               <a:ext uri="{FF2B5EF4-FFF2-40B4-BE49-F238E27FC236}">
-                <a16:creationId xmlns:a16="http://schemas.microsoft.com/office/drawing/2014/main" id="{86DB6B0A-1E6E-4D24-88AA-60CC28EF98ED}"/>
+                <a16:creationId xmlns:a16="http://schemas.microsoft.com/office/drawing/2014/main" id="{3C5C9AF8-639A-99DE-7B7C-405E8A33D612}"/>
               </a:ext>
             </a:extLst>
           </p:cNvPr>
@@ -2380,7 +2380,7 @@
           <p:cNvPr id="5" name="Date Placeholder 4">
             <a:extLst>
               <a:ext uri="{FF2B5EF4-FFF2-40B4-BE49-F238E27FC236}">
-                <a16:creationId xmlns:a16="http://schemas.microsoft.com/office/drawing/2014/main" id="{CF086C8B-FE67-4C28-8E4B-B46D98877A8A}"/>
+                <a16:creationId xmlns:a16="http://schemas.microsoft.com/office/drawing/2014/main" id="{BA3FFC75-5F2C-D184-D6EB-FA8BAA2F4A70}"/>
               </a:ext>
             </a:extLst>
           </p:cNvPr>
@@ -2396,9 +2396,9 @@
           <a:bodyPr/>
           <a:lstStyle/>
           <a:p>
-            <a:fld id="{E1A8A860-3B45-4499-A28E-2E0FC2646236}" type="datetimeFigureOut">
+            <a:fld id="{D642B200-5A40-4202-A3E3-BD8E607336F8}" type="datetimeFigureOut">
               <a:rPr lang="es-ES" smtClean="0"/>
-              <a:t>25/05/2022</a:t>
+              <a:t>26/05/2022</a:t>
             </a:fld>
             <a:endParaRPr lang="es-ES" dirty="0"/>
           </a:p>
@@ -2409,7 +2409,7 @@
           <p:cNvPr id="6" name="Footer Placeholder 5">
             <a:extLst>
               <a:ext uri="{FF2B5EF4-FFF2-40B4-BE49-F238E27FC236}">
-                <a16:creationId xmlns:a16="http://schemas.microsoft.com/office/drawing/2014/main" id="{7F0E6D78-2D1A-4D71-8AA5-17F5E6EBD4C4}"/>
+                <a16:creationId xmlns:a16="http://schemas.microsoft.com/office/drawing/2014/main" id="{6DD72338-A961-6861-6797-377BE5DFB52F}"/>
               </a:ext>
             </a:extLst>
           </p:cNvPr>
@@ -2434,7 +2434,7 @@
           <p:cNvPr id="7" name="Slide Number Placeholder 6">
             <a:extLst>
               <a:ext uri="{FF2B5EF4-FFF2-40B4-BE49-F238E27FC236}">
-                <a16:creationId xmlns:a16="http://schemas.microsoft.com/office/drawing/2014/main" id="{3D395564-C1E1-45A5-BEC1-499E8898830A}"/>
+                <a16:creationId xmlns:a16="http://schemas.microsoft.com/office/drawing/2014/main" id="{3CA6B2F5-DDD4-8B94-26B1-4DBCCE7CB9B0}"/>
               </a:ext>
             </a:extLst>
           </p:cNvPr>
@@ -2450,7 +2450,7 @@
           <a:bodyPr/>
           <a:lstStyle/>
           <a:p>
-            <a:fld id="{918D9AEB-8CCB-4CA9-8F09-46270C7A768C}" type="slidenum">
+            <a:fld id="{4A2D612A-452D-44F8-AB4E-F92B8654910A}" type="slidenum">
               <a:rPr lang="es-ES" smtClean="0"/>
               <a:t>‹#›</a:t>
             </a:fld>
@@ -2461,7 +2461,7 @@
     </p:spTree>
     <p:extLst>
       <p:ext uri="{BB962C8B-B14F-4D97-AF65-F5344CB8AC3E}">
-        <p14:creationId xmlns:p14="http://schemas.microsoft.com/office/powerpoint/2010/main" val="2995651680"/>
+        <p14:creationId xmlns:p14="http://schemas.microsoft.com/office/powerpoint/2010/main" val="297208665"/>
       </p:ext>
     </p:extLst>
   </p:cSld>
@@ -2493,7 +2493,7 @@
           <p:cNvPr id="2" name="Title 1">
             <a:extLst>
               <a:ext uri="{FF2B5EF4-FFF2-40B4-BE49-F238E27FC236}">
-                <a16:creationId xmlns:a16="http://schemas.microsoft.com/office/drawing/2014/main" id="{6812E40D-03D3-4939-924F-C5CCA90427F7}"/>
+                <a16:creationId xmlns:a16="http://schemas.microsoft.com/office/drawing/2014/main" id="{F4826061-6FB4-2B89-FEBE-66C03AC7D49B}"/>
               </a:ext>
             </a:extLst>
           </p:cNvPr>
@@ -2531,7 +2531,7 @@
           <p:cNvPr id="3" name="Picture Placeholder 2">
             <a:extLst>
               <a:ext uri="{FF2B5EF4-FFF2-40B4-BE49-F238E27FC236}">
-                <a16:creationId xmlns:a16="http://schemas.microsoft.com/office/drawing/2014/main" id="{C67E2B75-9F31-4B86-A2BF-E63B35A1B366}"/>
+                <a16:creationId xmlns:a16="http://schemas.microsoft.com/office/drawing/2014/main" id="{A6178B1E-0A75-AF00-F649-A19D6C7835A4}"/>
               </a:ext>
             </a:extLst>
           </p:cNvPr>
@@ -2598,7 +2598,7 @@
           <p:cNvPr id="4" name="Text Placeholder 3">
             <a:extLst>
               <a:ext uri="{FF2B5EF4-FFF2-40B4-BE49-F238E27FC236}">
-                <a16:creationId xmlns:a16="http://schemas.microsoft.com/office/drawing/2014/main" id="{E421003A-0DBE-495F-B2C0-4F7186E2CAD3}"/>
+                <a16:creationId xmlns:a16="http://schemas.microsoft.com/office/drawing/2014/main" id="{2DCC90A3-1DB4-562C-B062-26F34DC5A4D9}"/>
               </a:ext>
             </a:extLst>
           </p:cNvPr>
@@ -2669,7 +2669,7 @@
           <p:cNvPr id="5" name="Date Placeholder 4">
             <a:extLst>
               <a:ext uri="{FF2B5EF4-FFF2-40B4-BE49-F238E27FC236}">
-                <a16:creationId xmlns:a16="http://schemas.microsoft.com/office/drawing/2014/main" id="{1C136F24-9C61-4739-ADEC-AB18CE37558F}"/>
+                <a16:creationId xmlns:a16="http://schemas.microsoft.com/office/drawing/2014/main" id="{B37C0B5E-825E-24D2-C0EF-BD703911F399}"/>
               </a:ext>
             </a:extLst>
           </p:cNvPr>
@@ -2685,9 +2685,9 @@
           <a:bodyPr/>
           <a:lstStyle/>
           <a:p>
-            <a:fld id="{E1A8A860-3B45-4499-A28E-2E0FC2646236}" type="datetimeFigureOut">
+            <a:fld id="{D642B200-5A40-4202-A3E3-BD8E607336F8}" type="datetimeFigureOut">
               <a:rPr lang="es-ES" smtClean="0"/>
-              <a:t>25/05/2022</a:t>
+              <a:t>26/05/2022</a:t>
             </a:fld>
             <a:endParaRPr lang="es-ES" dirty="0"/>
           </a:p>
@@ -2698,7 +2698,7 @@
           <p:cNvPr id="6" name="Footer Placeholder 5">
             <a:extLst>
               <a:ext uri="{FF2B5EF4-FFF2-40B4-BE49-F238E27FC236}">
-                <a16:creationId xmlns:a16="http://schemas.microsoft.com/office/drawing/2014/main" id="{1AB329CE-94F0-4937-A85F-51ED2BFD391E}"/>
+                <a16:creationId xmlns:a16="http://schemas.microsoft.com/office/drawing/2014/main" id="{96CF2888-63CA-6B69-8682-5E68F9107EAA}"/>
               </a:ext>
             </a:extLst>
           </p:cNvPr>
@@ -2723,7 +2723,7 @@
           <p:cNvPr id="7" name="Slide Number Placeholder 6">
             <a:extLst>
               <a:ext uri="{FF2B5EF4-FFF2-40B4-BE49-F238E27FC236}">
-                <a16:creationId xmlns:a16="http://schemas.microsoft.com/office/drawing/2014/main" id="{D966E316-25B9-401F-8900-774B832814FC}"/>
+                <a16:creationId xmlns:a16="http://schemas.microsoft.com/office/drawing/2014/main" id="{BB0DF318-65DF-FFDA-62C0-636C45365EA2}"/>
               </a:ext>
             </a:extLst>
           </p:cNvPr>
@@ -2739,7 +2739,7 @@
           <a:bodyPr/>
           <a:lstStyle/>
           <a:p>
-            <a:fld id="{918D9AEB-8CCB-4CA9-8F09-46270C7A768C}" type="slidenum">
+            <a:fld id="{4A2D612A-452D-44F8-AB4E-F92B8654910A}" type="slidenum">
               <a:rPr lang="es-ES" smtClean="0"/>
               <a:t>‹#›</a:t>
             </a:fld>
@@ -2750,7 +2750,7 @@
     </p:spTree>
     <p:extLst>
       <p:ext uri="{BB962C8B-B14F-4D97-AF65-F5344CB8AC3E}">
-        <p14:creationId xmlns:p14="http://schemas.microsoft.com/office/powerpoint/2010/main" val="1310529246"/>
+        <p14:creationId xmlns:p14="http://schemas.microsoft.com/office/powerpoint/2010/main" val="3200256512"/>
       </p:ext>
     </p:extLst>
   </p:cSld>
@@ -2764,18 +2764,9 @@
 <p:sldMaster xmlns:a="http://schemas.openxmlformats.org/drawingml/2006/main" xmlns:r="http://schemas.openxmlformats.org/officeDocument/2006/relationships" xmlns:p="http://schemas.openxmlformats.org/presentationml/2006/main">
   <p:cSld>
     <p:bg>
-      <p:bgPr>
-        <a:blipFill dpi="0" rotWithShape="1">
-          <a:blip r:embed="rId13">
-            <a:lum/>
-          </a:blip>
-          <a:srcRect/>
-          <a:stretch>
-            <a:fillRect/>
-          </a:stretch>
-        </a:blipFill>
-        <a:effectLst/>
-      </p:bgPr>
+      <p:bgRef idx="1001">
+        <a:schemeClr val="bg1"/>
+      </p:bgRef>
     </p:bg>
     <p:spTree>
       <p:nvGrpSpPr>
@@ -2796,7 +2787,7 @@
           <p:cNvPr id="2" name="Title Placeholder 1">
             <a:extLst>
               <a:ext uri="{FF2B5EF4-FFF2-40B4-BE49-F238E27FC236}">
-                <a16:creationId xmlns:a16="http://schemas.microsoft.com/office/drawing/2014/main" id="{BB4BC528-53F2-4A1D-97A0-7288B3FA07FC}"/>
+                <a16:creationId xmlns:a16="http://schemas.microsoft.com/office/drawing/2014/main" id="{85A22275-1723-6C4C-B8BA-7246F6C55AC0}"/>
               </a:ext>
             </a:extLst>
           </p:cNvPr>
@@ -2835,7 +2826,7 @@
           <p:cNvPr id="3" name="Text Placeholder 2">
             <a:extLst>
               <a:ext uri="{FF2B5EF4-FFF2-40B4-BE49-F238E27FC236}">
-                <a16:creationId xmlns:a16="http://schemas.microsoft.com/office/drawing/2014/main" id="{49781E6F-6AA2-41CF-8E7F-119F466D82A1}"/>
+                <a16:creationId xmlns:a16="http://schemas.microsoft.com/office/drawing/2014/main" id="{DF443727-35C5-18FD-79E7-A9B2AC68B75C}"/>
               </a:ext>
             </a:extLst>
           </p:cNvPr>
@@ -2903,7 +2894,7 @@
           <p:cNvPr id="4" name="Date Placeholder 3">
             <a:extLst>
               <a:ext uri="{FF2B5EF4-FFF2-40B4-BE49-F238E27FC236}">
-                <a16:creationId xmlns:a16="http://schemas.microsoft.com/office/drawing/2014/main" id="{532618BA-8E32-4935-97A5-FF7F5007324C}"/>
+                <a16:creationId xmlns:a16="http://schemas.microsoft.com/office/drawing/2014/main" id="{E2D95E39-EF1C-14ED-64AF-5A7B9BE3D18B}"/>
               </a:ext>
             </a:extLst>
           </p:cNvPr>
@@ -2937,9 +2928,9 @@
             </a:lvl1pPr>
           </a:lstStyle>
           <a:p>
-            <a:fld id="{E1A8A860-3B45-4499-A28E-2E0FC2646236}" type="datetimeFigureOut">
+            <a:fld id="{D642B200-5A40-4202-A3E3-BD8E607336F8}" type="datetimeFigureOut">
               <a:rPr lang="es-ES" smtClean="0"/>
-              <a:t>25/05/2022</a:t>
+              <a:t>26/05/2022</a:t>
             </a:fld>
             <a:endParaRPr lang="es-ES" dirty="0"/>
           </a:p>
@@ -2950,7 +2941,7 @@
           <p:cNvPr id="5" name="Footer Placeholder 4">
             <a:extLst>
               <a:ext uri="{FF2B5EF4-FFF2-40B4-BE49-F238E27FC236}">
-                <a16:creationId xmlns:a16="http://schemas.microsoft.com/office/drawing/2014/main" id="{169BE703-FBF5-49E7-AE47-AE17A63895DC}"/>
+                <a16:creationId xmlns:a16="http://schemas.microsoft.com/office/drawing/2014/main" id="{E7458800-C430-75FC-6D70-8827EBA1ED4D}"/>
               </a:ext>
             </a:extLst>
           </p:cNvPr>
@@ -2993,7 +2984,7 @@
           <p:cNvPr id="6" name="Slide Number Placeholder 5">
             <a:extLst>
               <a:ext uri="{FF2B5EF4-FFF2-40B4-BE49-F238E27FC236}">
-                <a16:creationId xmlns:a16="http://schemas.microsoft.com/office/drawing/2014/main" id="{1B4B131B-33EA-4E71-A58B-42504A9BBB80}"/>
+                <a16:creationId xmlns:a16="http://schemas.microsoft.com/office/drawing/2014/main" id="{B86EE54C-A79D-BBBB-5DEB-E5D2CBBC7647}"/>
               </a:ext>
             </a:extLst>
           </p:cNvPr>
@@ -3027,7 +3018,7 @@
             </a:lvl1pPr>
           </a:lstStyle>
           <a:p>
-            <a:fld id="{918D9AEB-8CCB-4CA9-8F09-46270C7A768C}" type="slidenum">
+            <a:fld id="{4A2D612A-452D-44F8-AB4E-F92B8654910A}" type="slidenum">
               <a:rPr lang="es-ES" smtClean="0"/>
               <a:t>‹#›</a:t>
             </a:fld>
@@ -3038,7 +3029,7 @@
     </p:spTree>
     <p:extLst>
       <p:ext uri="{BB962C8B-B14F-4D97-AF65-F5344CB8AC3E}">
-        <p14:creationId xmlns:p14="http://schemas.microsoft.com/office/powerpoint/2010/main" val="2940424919"/>
+        <p14:creationId xmlns:p14="http://schemas.microsoft.com/office/powerpoint/2010/main" val="98904128"/>
       </p:ext>
     </p:extLst>
   </p:cSld>
@@ -3344,15 +3335,9 @@
   <p:cSld>
     <p:bg>
       <p:bgPr>
-        <a:blipFill dpi="0" rotWithShape="1">
-          <a:blip r:embed="rId2">
-            <a:lum/>
-          </a:blip>
-          <a:srcRect/>
-          <a:stretch>
-            <a:fillRect/>
-          </a:stretch>
-        </a:blipFill>
+        <a:solidFill>
+          <a:schemeClr val="bg1"/>
+        </a:solidFill>
         <a:effectLst/>
       </p:bgPr>
     </p:bg>
@@ -3372,10 +3357,10 @@
       </p:grpSpPr>
       <p:pic>
         <p:nvPicPr>
-          <p:cNvPr id="5" name="Picture 4">
-            <a:extLst>
-              <a:ext uri="{FF2B5EF4-FFF2-40B4-BE49-F238E27FC236}">
-                <a16:creationId xmlns:a16="http://schemas.microsoft.com/office/drawing/2014/main" id="{EFEF0019-28D2-4ABF-BC84-CCAB98178A14}"/>
+          <p:cNvPr id="5" name="Graphic 4" descr="Database">
+            <a:extLst>
+              <a:ext uri="{FF2B5EF4-FFF2-40B4-BE49-F238E27FC236}">
+                <a16:creationId xmlns:a16="http://schemas.microsoft.com/office/drawing/2014/main" id="{921A35F7-D842-4E33-426F-91D57DA81964}"/>
               </a:ext>
             </a:extLst>
           </p:cNvPr>
@@ -3385,10 +3370,13 @@
           <p:nvPr/>
         </p:nvPicPr>
         <p:blipFill>
-          <a:blip r:embed="rId3">
+          <a:blip r:embed="rId2">
             <a:extLst>
               <a:ext uri="{28A0092B-C50C-407E-A947-70E740481C1C}">
                 <a14:useLocalDpi xmlns:a14="http://schemas.microsoft.com/office/drawing/2010/main" val="0"/>
+              </a:ext>
+              <a:ext uri="{96DAC541-7B7A-43D3-8B79-37D633B846F1}">
+                <asvg:svgBlip xmlns:asvg="http://schemas.microsoft.com/office/drawing/2016/SVG/main" r:embed="rId3"/>
               </a:ext>
             </a:extLst>
           </a:blip>
@@ -3398,20 +3386,72 @@
         </p:blipFill>
         <p:spPr>
           <a:xfrm>
-            <a:off x="142011" y="1259330"/>
-            <a:ext cx="701802" cy="606798"/>
-          </a:xfrm>
-          <a:prstGeom prst="rect">
+            <a:off x="200297" y="1891401"/>
+            <a:ext cx="685799" cy="773970"/>
+          </a:xfrm>
+          <a:prstGeom prst="roundRect">
             <a:avLst/>
           </a:prstGeom>
         </p:spPr>
       </p:pic>
+      <p:sp>
+        <p:nvSpPr>
+          <p:cNvPr id="6" name="Rectangle: Rounded Corners 5" descr="s">
+            <a:extLst>
+              <a:ext uri="{FF2B5EF4-FFF2-40B4-BE49-F238E27FC236}">
+                <a16:creationId xmlns:a16="http://schemas.microsoft.com/office/drawing/2014/main" id="{45263F61-AFD8-A438-DC6F-79C330961CD6}"/>
+              </a:ext>
+            </a:extLst>
+          </p:cNvPr>
+          <p:cNvSpPr/>
+          <p:nvPr/>
+        </p:nvSpPr>
+        <p:spPr>
+          <a:xfrm>
+            <a:off x="1901674" y="1170094"/>
+            <a:ext cx="1845918" cy="1075615"/>
+          </a:xfrm>
+          <a:prstGeom prst="roundRect">
+            <a:avLst/>
+          </a:prstGeom>
+          <a:solidFill>
+            <a:schemeClr val="accent5">
+              <a:alpha val="50000"/>
+            </a:schemeClr>
+          </a:solidFill>
+          <a:ln>
+            <a:noFill/>
+          </a:ln>
+        </p:spPr>
+        <p:style>
+          <a:lnRef idx="0">
+            <a:scrgbClr r="0" g="0" b="0"/>
+          </a:lnRef>
+          <a:fillRef idx="0">
+            <a:scrgbClr r="0" g="0" b="0"/>
+          </a:fillRef>
+          <a:effectRef idx="0">
+            <a:scrgbClr r="0" g="0" b="0"/>
+          </a:effectRef>
+          <a:fontRef idx="minor">
+            <a:schemeClr val="lt1"/>
+          </a:fontRef>
+        </p:style>
+        <p:txBody>
+          <a:bodyPr rtlCol="0" anchor="ctr"/>
+          <a:lstStyle/>
+          <a:p>
+            <a:pPr algn="ctr"/>
+            <a:endParaRPr lang="es-ES" dirty="0"/>
+          </a:p>
+        </p:txBody>
+      </p:sp>
       <p:pic>
         <p:nvPicPr>
-          <p:cNvPr id="7" name="Picture 6">
-            <a:extLst>
-              <a:ext uri="{FF2B5EF4-FFF2-40B4-BE49-F238E27FC236}">
-                <a16:creationId xmlns:a16="http://schemas.microsoft.com/office/drawing/2014/main" id="{B24F6C08-89E7-4310-AC43-7E442E05174C}"/>
+          <p:cNvPr id="10" name="Graphic 9" descr="Single gear">
+            <a:extLst>
+              <a:ext uri="{FF2B5EF4-FFF2-40B4-BE49-F238E27FC236}">
+                <a16:creationId xmlns:a16="http://schemas.microsoft.com/office/drawing/2014/main" id="{595D0932-D80D-7B61-B592-9853F4199252}"/>
               </a:ext>
             </a:extLst>
           </p:cNvPr>
@@ -3425,6 +3465,9 @@
             <a:extLst>
               <a:ext uri="{28A0092B-C50C-407E-A947-70E740481C1C}">
                 <a14:useLocalDpi xmlns:a14="http://schemas.microsoft.com/office/drawing/2010/main" val="0"/>
+              </a:ext>
+              <a:ext uri="{96DAC541-7B7A-43D3-8B79-37D633B846F1}">
+                <asvg:svgBlip xmlns:asvg="http://schemas.microsoft.com/office/drawing/2016/SVG/main" r:embed="rId5"/>
               </a:ext>
             </a:extLst>
           </a:blip>
@@ -3434,8 +3477,8 @@
         </p:blipFill>
         <p:spPr>
           <a:xfrm>
-            <a:off x="189946" y="5989810"/>
-            <a:ext cx="772511" cy="662927"/>
+            <a:off x="2449966" y="1459416"/>
+            <a:ext cx="801189" cy="773970"/>
           </a:xfrm>
           <a:prstGeom prst="rect">
             <a:avLst/>
@@ -3444,10 +3487,106 @@
       </p:pic>
       <p:sp>
         <p:nvSpPr>
-          <p:cNvPr id="11" name="Arrow: Right 10">
-            <a:extLst>
-              <a:ext uri="{FF2B5EF4-FFF2-40B4-BE49-F238E27FC236}">
-                <a16:creationId xmlns:a16="http://schemas.microsoft.com/office/drawing/2014/main" id="{37A426CD-8DAE-43F4-9A30-9356C2A3CE33}"/>
+          <p:cNvPr id="19" name="TextBox 18">
+            <a:extLst>
+              <a:ext uri="{FF2B5EF4-FFF2-40B4-BE49-F238E27FC236}">
+                <a16:creationId xmlns:a16="http://schemas.microsoft.com/office/drawing/2014/main" id="{A1B46912-A6BB-6841-2C78-77D7903023FC}"/>
+              </a:ext>
+            </a:extLst>
+          </p:cNvPr>
+          <p:cNvSpPr txBox="1"/>
+          <p:nvPr/>
+        </p:nvSpPr>
+        <p:spPr>
+          <a:xfrm>
+            <a:off x="150496" y="1696268"/>
+            <a:ext cx="892745" cy="276999"/>
+          </a:xfrm>
+          <a:prstGeom prst="rect">
+            <a:avLst/>
+          </a:prstGeom>
+          <a:noFill/>
+        </p:spPr>
+        <p:txBody>
+          <a:bodyPr wrap="none" rtlCol="0">
+            <a:spAutoFit/>
+          </a:bodyPr>
+          <a:lstStyle/>
+          <a:p>
+            <a:r>
+              <a:rPr lang="es-AR" sz="1200" dirty="0">
+                <a:solidFill>
+                  <a:schemeClr val="accent1">
+                    <a:lumMod val="75000"/>
+                  </a:schemeClr>
+                </a:solidFill>
+              </a:rPr>
+              <a:t>PostgreSQL</a:t>
+            </a:r>
+            <a:endParaRPr lang="es-ES" sz="1200" dirty="0">
+              <a:solidFill>
+                <a:schemeClr val="accent1">
+                  <a:lumMod val="75000"/>
+                </a:schemeClr>
+              </a:solidFill>
+            </a:endParaRPr>
+          </a:p>
+        </p:txBody>
+      </p:sp>
+      <p:sp>
+        <p:nvSpPr>
+          <p:cNvPr id="20" name="TextBox 19">
+            <a:extLst>
+              <a:ext uri="{FF2B5EF4-FFF2-40B4-BE49-F238E27FC236}">
+                <a16:creationId xmlns:a16="http://schemas.microsoft.com/office/drawing/2014/main" id="{00D66061-826C-BDE7-1FD7-2004D2B235E8}"/>
+              </a:ext>
+            </a:extLst>
+          </p:cNvPr>
+          <p:cNvSpPr txBox="1"/>
+          <p:nvPr/>
+        </p:nvSpPr>
+        <p:spPr>
+          <a:xfrm>
+            <a:off x="2243035" y="1272589"/>
+            <a:ext cx="1247265" cy="276999"/>
+          </a:xfrm>
+          <a:prstGeom prst="rect">
+            <a:avLst/>
+          </a:prstGeom>
+          <a:noFill/>
+        </p:spPr>
+        <p:txBody>
+          <a:bodyPr wrap="none" rtlCol="0">
+            <a:spAutoFit/>
+          </a:bodyPr>
+          <a:lstStyle/>
+          <a:p>
+            <a:r>
+              <a:rPr lang="es-AR" sz="1200" dirty="0">
+                <a:solidFill>
+                  <a:schemeClr val="accent1">
+                    <a:lumMod val="75000"/>
+                  </a:schemeClr>
+                </a:solidFill>
+              </a:rPr>
+              <a:t>inmueble service</a:t>
+            </a:r>
+            <a:endParaRPr lang="es-ES" sz="1200" dirty="0">
+              <a:solidFill>
+                <a:schemeClr val="accent1">
+                  <a:lumMod val="75000"/>
+                </a:schemeClr>
+              </a:solidFill>
+            </a:endParaRPr>
+          </a:p>
+        </p:txBody>
+      </p:sp>
+      <p:sp>
+        <p:nvSpPr>
+          <p:cNvPr id="40" name="Rectangle: Rounded Corners 39">
+            <a:extLst>
+              <a:ext uri="{FF2B5EF4-FFF2-40B4-BE49-F238E27FC236}">
+                <a16:creationId xmlns:a16="http://schemas.microsoft.com/office/drawing/2014/main" id="{B4486CE8-DEDE-62B3-A89A-DBB7A52D89F0}"/>
               </a:ext>
             </a:extLst>
           </p:cNvPr>
@@ -3455,152 +3594,417 @@
           <p:nvPr/>
         </p:nvSpPr>
         <p:spPr>
-          <a:xfrm rot="5400000">
-            <a:off x="-160357" y="2485131"/>
-            <a:ext cx="1313289" cy="188355"/>
-          </a:xfrm>
-          <a:prstGeom prst="rightArrow">
+          <a:xfrm>
+            <a:off x="4990909" y="2458261"/>
+            <a:ext cx="1367245" cy="1935613"/>
+          </a:xfrm>
+          <a:prstGeom prst="roundRect">
             <a:avLst/>
           </a:prstGeom>
           <a:solidFill>
-            <a:schemeClr val="accent1">
-              <a:lumMod val="75000"/>
+            <a:schemeClr val="accent5">
+              <a:alpha val="50000"/>
             </a:schemeClr>
           </a:solidFill>
+          <a:ln>
+            <a:noFill/>
+          </a:ln>
         </p:spPr>
         <p:style>
-          <a:lnRef idx="2">
-            <a:schemeClr val="accent1">
-              <a:shade val="50000"/>
+          <a:lnRef idx="0">
+            <a:scrgbClr r="0" g="0" b="0"/>
+          </a:lnRef>
+          <a:fillRef idx="0">
+            <a:scrgbClr r="0" g="0" b="0"/>
+          </a:fillRef>
+          <a:effectRef idx="0">
+            <a:scrgbClr r="0" g="0" b="0"/>
+          </a:effectRef>
+          <a:fontRef idx="minor">
+            <a:schemeClr val="lt1"/>
+          </a:fontRef>
+        </p:style>
+        <p:txBody>
+          <a:bodyPr rtlCol="0" anchor="ctr"/>
+          <a:lstStyle/>
+          <a:p>
+            <a:pPr algn="ctr"/>
+            <a:endParaRPr lang="es-ES" dirty="0"/>
+          </a:p>
+        </p:txBody>
+      </p:sp>
+      <p:pic>
+        <p:nvPicPr>
+          <p:cNvPr id="42" name="Graphic 41" descr="Server">
+            <a:extLst>
+              <a:ext uri="{FF2B5EF4-FFF2-40B4-BE49-F238E27FC236}">
+                <a16:creationId xmlns:a16="http://schemas.microsoft.com/office/drawing/2014/main" id="{EBD641B2-136F-061F-7F80-56EF3C47CF51}"/>
+              </a:ext>
+            </a:extLst>
+          </p:cNvPr>
+          <p:cNvPicPr>
+            <a:picLocks noChangeAspect="1"/>
+          </p:cNvPicPr>
+          <p:nvPr/>
+        </p:nvPicPr>
+        <p:blipFill>
+          <a:blip r:embed="rId6">
+            <a:extLst>
+              <a:ext uri="{28A0092B-C50C-407E-A947-70E740481C1C}">
+                <a14:useLocalDpi xmlns:a14="http://schemas.microsoft.com/office/drawing/2010/main" val="0"/>
+              </a:ext>
+              <a:ext uri="{96DAC541-7B7A-43D3-8B79-37D633B846F1}">
+                <asvg:svgBlip xmlns:asvg="http://schemas.microsoft.com/office/drawing/2016/SVG/main" r:embed="rId7"/>
+              </a:ext>
+            </a:extLst>
+          </a:blip>
+          <a:stretch>
+            <a:fillRect/>
+          </a:stretch>
+        </p:blipFill>
+        <p:spPr>
+          <a:xfrm>
+            <a:off x="5225390" y="3153829"/>
+            <a:ext cx="914400" cy="914400"/>
+          </a:xfrm>
+          <a:prstGeom prst="rect">
+            <a:avLst/>
+          </a:prstGeom>
+        </p:spPr>
+      </p:pic>
+      <p:pic>
+        <p:nvPicPr>
+          <p:cNvPr id="49" name="Graphic 48" descr="Database">
+            <a:extLst>
+              <a:ext uri="{FF2B5EF4-FFF2-40B4-BE49-F238E27FC236}">
+                <a16:creationId xmlns:a16="http://schemas.microsoft.com/office/drawing/2014/main" id="{B5D6F990-5FDD-10D6-4C9B-70A0447737F6}"/>
+              </a:ext>
+            </a:extLst>
+          </p:cNvPr>
+          <p:cNvPicPr>
+            <a:picLocks noChangeAspect="1"/>
+          </p:cNvPicPr>
+          <p:nvPr/>
+        </p:nvPicPr>
+        <p:blipFill>
+          <a:blip r:embed="rId2">
+            <a:extLst>
+              <a:ext uri="{28A0092B-C50C-407E-A947-70E740481C1C}">
+                <a14:useLocalDpi xmlns:a14="http://schemas.microsoft.com/office/drawing/2010/main" val="0"/>
+              </a:ext>
+              <a:ext uri="{96DAC541-7B7A-43D3-8B79-37D633B846F1}">
+                <asvg:svgBlip xmlns:asvg="http://schemas.microsoft.com/office/drawing/2016/SVG/main" r:embed="rId3"/>
+              </a:ext>
+            </a:extLst>
+          </a:blip>
+          <a:stretch>
+            <a:fillRect/>
+          </a:stretch>
+        </p:blipFill>
+        <p:spPr>
+          <a:xfrm>
+            <a:off x="235336" y="5306292"/>
+            <a:ext cx="685799" cy="773970"/>
+          </a:xfrm>
+          <a:prstGeom prst="roundRect">
+            <a:avLst/>
+          </a:prstGeom>
+        </p:spPr>
+      </p:pic>
+      <p:sp>
+        <p:nvSpPr>
+          <p:cNvPr id="50" name="Rectangle: Rounded Corners 49" descr="s">
+            <a:extLst>
+              <a:ext uri="{FF2B5EF4-FFF2-40B4-BE49-F238E27FC236}">
+                <a16:creationId xmlns:a16="http://schemas.microsoft.com/office/drawing/2014/main" id="{F333B271-9058-E95D-8B27-3936F83B8916}"/>
+              </a:ext>
+            </a:extLst>
+          </p:cNvPr>
+          <p:cNvSpPr/>
+          <p:nvPr/>
+        </p:nvSpPr>
+        <p:spPr>
+          <a:xfrm>
+            <a:off x="103107" y="4950557"/>
+            <a:ext cx="915025" cy="1243407"/>
+          </a:xfrm>
+          <a:prstGeom prst="roundRect">
+            <a:avLst/>
+          </a:prstGeom>
+          <a:solidFill>
+            <a:schemeClr val="accent5">
+              <a:alpha val="50000"/>
             </a:schemeClr>
+          </a:solidFill>
+          <a:ln>
+            <a:noFill/>
+          </a:ln>
+        </p:spPr>
+        <p:style>
+          <a:lnRef idx="0">
+            <a:scrgbClr r="0" g="0" b="0"/>
           </a:lnRef>
-          <a:fillRef idx="1">
+          <a:fillRef idx="0">
+            <a:scrgbClr r="0" g="0" b="0"/>
+          </a:fillRef>
+          <a:effectRef idx="0">
+            <a:scrgbClr r="0" g="0" b="0"/>
+          </a:effectRef>
+          <a:fontRef idx="minor">
+            <a:schemeClr val="lt1"/>
+          </a:fontRef>
+        </p:style>
+        <p:txBody>
+          <a:bodyPr rtlCol="0" anchor="ctr"/>
+          <a:lstStyle/>
+          <a:p>
+            <a:pPr algn="ctr"/>
+            <a:endParaRPr lang="es-ES" dirty="0"/>
+          </a:p>
+        </p:txBody>
+      </p:sp>
+      <p:sp>
+        <p:nvSpPr>
+          <p:cNvPr id="55" name="TextBox 54">
+            <a:extLst>
+              <a:ext uri="{FF2B5EF4-FFF2-40B4-BE49-F238E27FC236}">
+                <a16:creationId xmlns:a16="http://schemas.microsoft.com/office/drawing/2014/main" id="{DB64AE6F-0734-AFC7-D01A-AD8BD473930C}"/>
+              </a:ext>
+            </a:extLst>
+          </p:cNvPr>
+          <p:cNvSpPr txBox="1"/>
+          <p:nvPr/>
+        </p:nvSpPr>
+        <p:spPr>
+          <a:xfrm>
+            <a:off x="278675" y="5044560"/>
+            <a:ext cx="659155" cy="276999"/>
+          </a:xfrm>
+          <a:prstGeom prst="rect">
+            <a:avLst/>
+          </a:prstGeom>
+          <a:noFill/>
+        </p:spPr>
+        <p:txBody>
+          <a:bodyPr wrap="none" rtlCol="0">
+            <a:spAutoFit/>
+          </a:bodyPr>
+          <a:lstStyle/>
+          <a:p>
+            <a:r>
+              <a:rPr lang="es-AR" sz="1200" dirty="0">
+                <a:solidFill>
+                  <a:schemeClr val="accent1">
+                    <a:lumMod val="75000"/>
+                  </a:schemeClr>
+                </a:solidFill>
+              </a:rPr>
+              <a:t> MySQL</a:t>
+            </a:r>
+            <a:endParaRPr lang="es-ES" sz="1200" dirty="0">
+              <a:solidFill>
+                <a:schemeClr val="accent1">
+                  <a:lumMod val="75000"/>
+                </a:schemeClr>
+              </a:solidFill>
+            </a:endParaRPr>
+          </a:p>
+        </p:txBody>
+      </p:sp>
+      <p:cxnSp>
+        <p:nvCxnSpPr>
+          <p:cNvPr id="61" name="Straight Arrow Connector 60">
+            <a:extLst>
+              <a:ext uri="{FF2B5EF4-FFF2-40B4-BE49-F238E27FC236}">
+                <a16:creationId xmlns:a16="http://schemas.microsoft.com/office/drawing/2014/main" id="{77C28AD6-06E5-BFA2-D8B5-659729FC8210}"/>
+              </a:ext>
+            </a:extLst>
+          </p:cNvPr>
+          <p:cNvCxnSpPr>
+            <a:cxnSpLocks/>
+            <a:stCxn id="50" idx="3"/>
+            <a:endCxn id="151" idx="1"/>
+          </p:cNvCxnSpPr>
+          <p:nvPr/>
+        </p:nvCxnSpPr>
+        <p:spPr>
+          <a:xfrm flipV="1">
+            <a:off x="1018132" y="5565974"/>
+            <a:ext cx="893344" cy="6287"/>
+          </a:xfrm>
+          <a:prstGeom prst="straightConnector1">
+            <a:avLst/>
+          </a:prstGeom>
+          <a:ln>
+            <a:solidFill>
+              <a:schemeClr val="accent6">
+                <a:lumMod val="50000"/>
+              </a:schemeClr>
+            </a:solidFill>
+            <a:tailEnd type="triangle"/>
+          </a:ln>
+        </p:spPr>
+        <p:style>
+          <a:lnRef idx="1">
+            <a:schemeClr val="accent1"/>
+          </a:lnRef>
+          <a:fillRef idx="0">
             <a:schemeClr val="accent1"/>
           </a:fillRef>
           <a:effectRef idx="0">
             <a:schemeClr val="accent1"/>
           </a:effectRef>
           <a:fontRef idx="minor">
-            <a:schemeClr val="lt1"/>
+            <a:schemeClr val="tx1"/>
           </a:fontRef>
         </p:style>
-        <p:txBody>
-          <a:bodyPr rtlCol="0" anchor="ctr"/>
-          <a:lstStyle/>
-          <a:p>
-            <a:pPr algn="ctr"/>
-            <a:endParaRPr lang="es-ES" dirty="0"/>
-          </a:p>
-        </p:txBody>
-      </p:sp>
-      <p:sp>
-        <p:nvSpPr>
-          <p:cNvPr id="12" name="Arrow: Right 11">
-            <a:extLst>
-              <a:ext uri="{FF2B5EF4-FFF2-40B4-BE49-F238E27FC236}">
-                <a16:creationId xmlns:a16="http://schemas.microsoft.com/office/drawing/2014/main" id="{E6A4D6F4-DF25-4063-983D-A20EF074649B}"/>
-              </a:ext>
-            </a:extLst>
-          </p:cNvPr>
-          <p:cNvSpPr/>
-          <p:nvPr/>
-        </p:nvSpPr>
-        <p:spPr>
-          <a:xfrm>
-            <a:off x="1004661" y="6320763"/>
-            <a:ext cx="1292164" cy="201049"/>
-          </a:xfrm>
-          <a:prstGeom prst="rightArrow">
-            <a:avLst/>
-          </a:prstGeom>
-          <a:solidFill>
-            <a:schemeClr val="accent4">
-              <a:lumMod val="75000"/>
-            </a:schemeClr>
-          </a:solidFill>
+      </p:cxnSp>
+      <p:sp>
+        <p:nvSpPr>
+          <p:cNvPr id="81" name="TextBox 80">
+            <a:extLst>
+              <a:ext uri="{FF2B5EF4-FFF2-40B4-BE49-F238E27FC236}">
+                <a16:creationId xmlns:a16="http://schemas.microsoft.com/office/drawing/2014/main" id="{E5C13172-506D-F00A-7241-9A5DAB40494B}"/>
+              </a:ext>
+            </a:extLst>
+          </p:cNvPr>
+          <p:cNvSpPr txBox="1"/>
+          <p:nvPr/>
+        </p:nvSpPr>
+        <p:spPr>
+          <a:xfrm>
+            <a:off x="5209044" y="2873964"/>
+            <a:ext cx="972895" cy="276999"/>
+          </a:xfrm>
+          <a:prstGeom prst="rect">
+            <a:avLst/>
+          </a:prstGeom>
+          <a:noFill/>
+        </p:spPr>
+        <p:txBody>
+          <a:bodyPr wrap="none" rtlCol="0">
+            <a:spAutoFit/>
+          </a:bodyPr>
+          <a:lstStyle/>
+          <a:p>
+            <a:r>
+              <a:rPr lang="es-AR" sz="1200" dirty="0">
+                <a:solidFill>
+                  <a:schemeClr val="accent1">
+                    <a:lumMod val="75000"/>
+                  </a:schemeClr>
+                </a:solidFill>
+              </a:rPr>
+              <a:t>API Gateway</a:t>
+            </a:r>
+            <a:endParaRPr lang="es-ES" sz="1200" dirty="0">
+              <a:solidFill>
+                <a:schemeClr val="accent1">
+                  <a:lumMod val="75000"/>
+                </a:schemeClr>
+              </a:solidFill>
+            </a:endParaRPr>
+          </a:p>
+        </p:txBody>
+      </p:sp>
+      <p:cxnSp>
+        <p:nvCxnSpPr>
+          <p:cNvPr id="83" name="Connector: Elbow 82">
+            <a:extLst>
+              <a:ext uri="{FF2B5EF4-FFF2-40B4-BE49-F238E27FC236}">
+                <a16:creationId xmlns:a16="http://schemas.microsoft.com/office/drawing/2014/main" id="{256A1D84-945B-FC6F-66F3-30DEE3FC892F}"/>
+              </a:ext>
+            </a:extLst>
+          </p:cNvPr>
+          <p:cNvCxnSpPr>
+            <a:cxnSpLocks/>
+            <a:stCxn id="6" idx="3"/>
+          </p:cNvCxnSpPr>
+          <p:nvPr/>
+        </p:nvCxnSpPr>
+        <p:spPr>
+          <a:xfrm>
+            <a:off x="3747592" y="1707902"/>
+            <a:ext cx="1243316" cy="981009"/>
+          </a:xfrm>
+          <a:prstGeom prst="bentConnector3">
+            <a:avLst>
+              <a:gd name="adj1" fmla="val 50000"/>
+            </a:avLst>
+          </a:prstGeom>
+          <a:ln>
+            <a:tailEnd type="triangle"/>
+          </a:ln>
         </p:spPr>
         <p:style>
-          <a:lnRef idx="2">
-            <a:schemeClr val="accent1">
-              <a:shade val="50000"/>
-            </a:schemeClr>
+          <a:lnRef idx="1">
+            <a:schemeClr val="accent1"/>
           </a:lnRef>
-          <a:fillRef idx="1">
+          <a:fillRef idx="0">
             <a:schemeClr val="accent1"/>
           </a:fillRef>
           <a:effectRef idx="0">
             <a:schemeClr val="accent1"/>
           </a:effectRef>
           <a:fontRef idx="minor">
-            <a:schemeClr val="lt1"/>
+            <a:schemeClr val="tx1"/>
           </a:fontRef>
         </p:style>
-        <p:txBody>
-          <a:bodyPr rtlCol="0" anchor="ctr"/>
-          <a:lstStyle/>
-          <a:p>
-            <a:pPr algn="ctr"/>
-            <a:endParaRPr lang="es-ES" dirty="0"/>
-          </a:p>
-        </p:txBody>
-      </p:sp>
-      <p:sp>
-        <p:nvSpPr>
-          <p:cNvPr id="15" name="Arrow: Right 14">
-            <a:extLst>
-              <a:ext uri="{FF2B5EF4-FFF2-40B4-BE49-F238E27FC236}">
-                <a16:creationId xmlns:a16="http://schemas.microsoft.com/office/drawing/2014/main" id="{3E51D0F0-F1AA-4FB5-9589-9EC6BEF163D1}"/>
-              </a:ext>
-            </a:extLst>
-          </p:cNvPr>
-          <p:cNvSpPr/>
-          <p:nvPr/>
-        </p:nvSpPr>
-        <p:spPr>
-          <a:xfrm>
-            <a:off x="921761" y="1534305"/>
-            <a:ext cx="1386010" cy="201049"/>
-          </a:xfrm>
-          <a:prstGeom prst="rightArrow">
-            <a:avLst/>
-          </a:prstGeom>
-          <a:solidFill>
-            <a:schemeClr val="accent6">
-              <a:lumMod val="75000"/>
-            </a:schemeClr>
-          </a:solidFill>
+      </p:cxnSp>
+      <p:cxnSp>
+        <p:nvCxnSpPr>
+          <p:cNvPr id="85" name="Connector: Elbow 84">
+            <a:extLst>
+              <a:ext uri="{FF2B5EF4-FFF2-40B4-BE49-F238E27FC236}">
+                <a16:creationId xmlns:a16="http://schemas.microsoft.com/office/drawing/2014/main" id="{A9C2A154-5E2E-A221-9CF7-3B11CAF4187F}"/>
+              </a:ext>
+            </a:extLst>
+          </p:cNvPr>
+          <p:cNvCxnSpPr>
+            <a:cxnSpLocks/>
+            <a:stCxn id="169" idx="3"/>
+            <a:endCxn id="40" idx="1"/>
+          </p:cNvCxnSpPr>
+          <p:nvPr/>
+        </p:nvCxnSpPr>
+        <p:spPr>
+          <a:xfrm flipV="1">
+            <a:off x="3834033" y="3426068"/>
+            <a:ext cx="1156876" cy="234184"/>
+          </a:xfrm>
+          <a:prstGeom prst="bentConnector3">
+            <a:avLst/>
+          </a:prstGeom>
+          <a:ln>
+            <a:solidFill>
+              <a:schemeClr val="accent4">
+                <a:lumMod val="75000"/>
+              </a:schemeClr>
+            </a:solidFill>
+            <a:tailEnd type="triangle"/>
+          </a:ln>
         </p:spPr>
         <p:style>
-          <a:lnRef idx="2">
-            <a:schemeClr val="accent1">
-              <a:shade val="50000"/>
-            </a:schemeClr>
+          <a:lnRef idx="1">
+            <a:schemeClr val="accent1"/>
           </a:lnRef>
-          <a:fillRef idx="1">
+          <a:fillRef idx="0">
             <a:schemeClr val="accent1"/>
           </a:fillRef>
           <a:effectRef idx="0">
             <a:schemeClr val="accent1"/>
           </a:effectRef>
           <a:fontRef idx="minor">
-            <a:schemeClr val="lt1"/>
+            <a:schemeClr val="tx1"/>
           </a:fontRef>
         </p:style>
-        <p:txBody>
-          <a:bodyPr rtlCol="0" anchor="ctr"/>
-          <a:lstStyle/>
-          <a:p>
-            <a:pPr algn="ctr"/>
-            <a:endParaRPr lang="es-ES" dirty="0"/>
-          </a:p>
-        </p:txBody>
-      </p:sp>
-      <p:sp>
-        <p:nvSpPr>
-          <p:cNvPr id="22" name="TextBox 21">
-            <a:extLst>
-              <a:ext uri="{FF2B5EF4-FFF2-40B4-BE49-F238E27FC236}">
-                <a16:creationId xmlns:a16="http://schemas.microsoft.com/office/drawing/2014/main" id="{49246D46-C5D1-4FFC-8E63-3E46E98B76A3}"/>
+      </p:cxnSp>
+      <p:sp>
+        <p:nvSpPr>
+          <p:cNvPr id="90" name="TextBox 89">
+            <a:extLst>
+              <a:ext uri="{FF2B5EF4-FFF2-40B4-BE49-F238E27FC236}">
+                <a16:creationId xmlns:a16="http://schemas.microsoft.com/office/drawing/2014/main" id="{CAC8F019-7281-5C14-13A7-F12C1C95700E}"/>
               </a:ext>
             </a:extLst>
           </p:cNvPr>
@@ -3609,8 +4013,8 @@
         </p:nvSpPr>
         <p:spPr>
           <a:xfrm>
-            <a:off x="3536450" y="19434"/>
-            <a:ext cx="5121776" cy="523220"/>
+            <a:off x="4301791" y="17661"/>
+            <a:ext cx="4096365" cy="400110"/>
           </a:xfrm>
           <a:prstGeom prst="rect">
             <a:avLst/>
@@ -3620,6 +4024,13 @@
               <a:lumMod val="50000"/>
             </a:schemeClr>
           </a:solidFill>
+          <a:ln>
+            <a:solidFill>
+              <a:schemeClr val="accent1">
+                <a:lumMod val="75000"/>
+              </a:schemeClr>
+            </a:solidFill>
+          </a:ln>
         </p:spPr>
         <p:txBody>
           <a:bodyPr wrap="square" rtlCol="0">
@@ -3627,304 +4038,88 @@
           </a:bodyPr>
           <a:lstStyle/>
           <a:p>
-            <a:pPr algn="ctr"/>
-            <a:r>
-              <a:rPr lang="es-AR" sz="2800" u="sng" dirty="0">
+            <a:r>
+              <a:rPr lang="es-AR" sz="2000" b="1" spc="300" dirty="0">
                 <a:solidFill>
-                  <a:schemeClr val="accent5">
+                  <a:schemeClr val="accent1">
                     <a:lumMod val="20000"/>
                     <a:lumOff val="80000"/>
                   </a:schemeClr>
                 </a:solidFill>
-                <a:latin typeface="Microsoft YaHei UI" panose="020B0503020204020204" pitchFamily="34" charset="-122"/>
-                <a:ea typeface="Microsoft YaHei UI" panose="020B0503020204020204" pitchFamily="34" charset="-122"/>
+                <a:latin typeface="Bell MT" panose="02020503060305020303" pitchFamily="18" charset="0"/>
               </a:rPr>
               <a:t>Arquitectura Desarrollada</a:t>
             </a:r>
-            <a:endParaRPr lang="es-ES" sz="2800" u="sng" dirty="0">
+            <a:endParaRPr lang="es-ES" sz="2000" b="1" spc="300" dirty="0">
               <a:solidFill>
-                <a:schemeClr val="accent5">
+                <a:schemeClr val="accent1">
                   <a:lumMod val="20000"/>
                   <a:lumOff val="80000"/>
                 </a:schemeClr>
               </a:solidFill>
-              <a:latin typeface="Microsoft YaHei UI" panose="020B0503020204020204" pitchFamily="34" charset="-122"/>
-              <a:ea typeface="Microsoft YaHei UI" panose="020B0503020204020204" pitchFamily="34" charset="-122"/>
+              <a:latin typeface="Bell MT" panose="02020503060305020303" pitchFamily="18" charset="0"/>
             </a:endParaRPr>
           </a:p>
         </p:txBody>
       </p:sp>
       <p:sp>
         <p:nvSpPr>
-          <p:cNvPr id="35" name="TextBox 34">
-            <a:extLst>
-              <a:ext uri="{FF2B5EF4-FFF2-40B4-BE49-F238E27FC236}">
-                <a16:creationId xmlns:a16="http://schemas.microsoft.com/office/drawing/2014/main" id="{80221285-A7EC-4C54-A2B9-FCB7EBB9E22B}"/>
-              </a:ext>
-            </a:extLst>
-          </p:cNvPr>
-          <p:cNvSpPr txBox="1"/>
-          <p:nvPr/>
-        </p:nvSpPr>
-        <p:spPr>
-          <a:xfrm>
-            <a:off x="37153" y="925794"/>
-            <a:ext cx="1795896" cy="276999"/>
-          </a:xfrm>
-          <a:prstGeom prst="rect">
-            <a:avLst/>
-          </a:prstGeom>
-          <a:noFill/>
-        </p:spPr>
-        <p:txBody>
-          <a:bodyPr wrap="square">
-            <a:spAutoFit/>
-          </a:bodyPr>
-          <a:lstStyle/>
-          <a:p>
-            <a:r>
-              <a:rPr lang="es-MX" sz="1200" dirty="0">
-                <a:solidFill>
-                  <a:schemeClr val="accent6">
-                    <a:lumMod val="60000"/>
-                    <a:lumOff val="40000"/>
-                  </a:schemeClr>
-                </a:solidFill>
-                <a:latin typeface="Consolas" panose="020B0609020204030204" pitchFamily="49" charset="0"/>
-              </a:rPr>
-              <a:t>SGDB PostgreSQL</a:t>
-            </a:r>
-            <a:endParaRPr lang="es-ES" sz="1200" dirty="0">
-              <a:solidFill>
-                <a:schemeClr val="accent6">
-                  <a:lumMod val="60000"/>
-                  <a:lumOff val="40000"/>
-                </a:schemeClr>
-              </a:solidFill>
-            </a:endParaRPr>
-          </a:p>
-        </p:txBody>
-      </p:sp>
-      <p:sp>
-        <p:nvSpPr>
-          <p:cNvPr id="38" name="TextBox 37">
-            <a:extLst>
-              <a:ext uri="{FF2B5EF4-FFF2-40B4-BE49-F238E27FC236}">
-                <a16:creationId xmlns:a16="http://schemas.microsoft.com/office/drawing/2014/main" id="{BBF8AFF5-C836-4B73-B8B4-2EFA614EE37F}"/>
-              </a:ext>
-            </a:extLst>
-          </p:cNvPr>
-          <p:cNvSpPr txBox="1"/>
-          <p:nvPr/>
-        </p:nvSpPr>
-        <p:spPr>
-          <a:xfrm>
-            <a:off x="73780" y="5672985"/>
-            <a:ext cx="1049053" cy="276999"/>
-          </a:xfrm>
-          <a:prstGeom prst="rect">
-            <a:avLst/>
-          </a:prstGeom>
-          <a:noFill/>
-        </p:spPr>
-        <p:txBody>
-          <a:bodyPr wrap="square">
-            <a:spAutoFit/>
-          </a:bodyPr>
-          <a:lstStyle/>
-          <a:p>
-            <a:r>
-              <a:rPr lang="es-MX" sz="1200" dirty="0">
-                <a:solidFill>
-                  <a:schemeClr val="accent4">
-                    <a:lumMod val="75000"/>
-                  </a:schemeClr>
-                </a:solidFill>
-                <a:latin typeface="Consolas" panose="020B0609020204030204" pitchFamily="49" charset="0"/>
-              </a:rPr>
-              <a:t>SGDB MySQL</a:t>
-            </a:r>
-            <a:endParaRPr lang="es-ES" sz="1200" dirty="0">
-              <a:solidFill>
-                <a:schemeClr val="accent4">
-                  <a:lumMod val="75000"/>
-                </a:schemeClr>
-              </a:solidFill>
-            </a:endParaRPr>
-          </a:p>
-        </p:txBody>
-      </p:sp>
-      <p:sp>
-        <p:nvSpPr>
-          <p:cNvPr id="42" name="TextBox 41">
-            <a:extLst>
-              <a:ext uri="{FF2B5EF4-FFF2-40B4-BE49-F238E27FC236}">
-                <a16:creationId xmlns:a16="http://schemas.microsoft.com/office/drawing/2014/main" id="{1176B478-AD31-47D2-8D25-DCAD571194D2}"/>
-              </a:ext>
-            </a:extLst>
-          </p:cNvPr>
-          <p:cNvSpPr txBox="1"/>
-          <p:nvPr/>
-        </p:nvSpPr>
-        <p:spPr>
-          <a:xfrm>
-            <a:off x="1725440" y="5703763"/>
-            <a:ext cx="2141366" cy="246221"/>
-          </a:xfrm>
-          <a:prstGeom prst="rect">
+          <p:cNvPr id="92" name="Rectangle: Rounded Corners 91" descr="s">
+            <a:extLst>
+              <a:ext uri="{FF2B5EF4-FFF2-40B4-BE49-F238E27FC236}">
+                <a16:creationId xmlns:a16="http://schemas.microsoft.com/office/drawing/2014/main" id="{C15B81B6-4F15-669F-4181-F44F63304A8D}"/>
+              </a:ext>
+            </a:extLst>
+          </p:cNvPr>
+          <p:cNvSpPr/>
+          <p:nvPr/>
+        </p:nvSpPr>
+        <p:spPr>
+          <a:xfrm>
+            <a:off x="6546540" y="1605930"/>
+            <a:ext cx="1511841" cy="1159468"/>
+          </a:xfrm>
+          <a:prstGeom prst="roundRect">
             <a:avLst/>
           </a:prstGeom>
           <a:solidFill>
-            <a:schemeClr val="accent4">
-              <a:lumMod val="75000"/>
+            <a:schemeClr val="accent5">
+              <a:alpha val="50000"/>
             </a:schemeClr>
           </a:solidFill>
-        </p:spPr>
-        <p:txBody>
-          <a:bodyPr wrap="square">
-            <a:spAutoFit/>
-          </a:bodyPr>
-          <a:lstStyle/>
-          <a:p>
-            <a:r>
-              <a:rPr lang="es-MX" sz="1000" dirty="0">
-                <a:solidFill>
-                  <a:schemeClr val="tx1">
-                    <a:lumMod val="95000"/>
-                    <a:lumOff val="5000"/>
-                  </a:schemeClr>
-                </a:solidFill>
-                <a:latin typeface="Consolas" panose="020B0609020204030204" pitchFamily="49" charset="0"/>
-              </a:rPr>
-              <a:t>INSPECCION_INMUEBLE_SERVICE</a:t>
-            </a:r>
-            <a:endParaRPr lang="es-ES" sz="1000" dirty="0">
-              <a:solidFill>
-                <a:schemeClr val="tx1">
-                  <a:lumMod val="95000"/>
-                  <a:lumOff val="5000"/>
-                </a:schemeClr>
-              </a:solidFill>
-            </a:endParaRPr>
-          </a:p>
-        </p:txBody>
-      </p:sp>
-      <p:sp>
-        <p:nvSpPr>
-          <p:cNvPr id="43" name="TextBox 42">
-            <a:extLst>
-              <a:ext uri="{FF2B5EF4-FFF2-40B4-BE49-F238E27FC236}">
-                <a16:creationId xmlns:a16="http://schemas.microsoft.com/office/drawing/2014/main" id="{E0482BCE-36CB-4803-B303-95268AC52569}"/>
-              </a:ext>
-            </a:extLst>
-          </p:cNvPr>
-          <p:cNvSpPr txBox="1"/>
-          <p:nvPr/>
-        </p:nvSpPr>
-        <p:spPr>
-          <a:xfrm>
-            <a:off x="1571212" y="2395895"/>
-            <a:ext cx="2141366" cy="246221"/>
-          </a:xfrm>
-          <a:prstGeom prst="rect">
-            <a:avLst/>
-          </a:prstGeom>
-          <a:solidFill>
-            <a:schemeClr val="accent5">
-              <a:lumMod val="50000"/>
-            </a:schemeClr>
-          </a:solidFill>
-        </p:spPr>
-        <p:txBody>
-          <a:bodyPr wrap="square">
-            <a:spAutoFit/>
-          </a:bodyPr>
-          <a:lstStyle/>
-          <a:p>
-            <a:r>
-              <a:rPr lang="es-MX" sz="1000" dirty="0">
-                <a:solidFill>
-                  <a:schemeClr val="accent5">
-                    <a:lumMod val="60000"/>
-                    <a:lumOff val="40000"/>
-                  </a:schemeClr>
-                </a:solidFill>
-                <a:latin typeface="Consolas" panose="020B0609020204030204" pitchFamily="49" charset="0"/>
-              </a:rPr>
-              <a:t>PROPIETARIO_INMUEBLE_SERVICE</a:t>
-            </a:r>
-            <a:endParaRPr lang="es-ES" sz="1000" dirty="0">
-              <a:solidFill>
-                <a:schemeClr val="accent5">
-                  <a:lumMod val="60000"/>
-                  <a:lumOff val="40000"/>
-                </a:schemeClr>
-              </a:solidFill>
-            </a:endParaRPr>
-          </a:p>
-        </p:txBody>
-      </p:sp>
-      <p:sp>
-        <p:nvSpPr>
-          <p:cNvPr id="44" name="TextBox 43">
-            <a:extLst>
-              <a:ext uri="{FF2B5EF4-FFF2-40B4-BE49-F238E27FC236}">
-                <a16:creationId xmlns:a16="http://schemas.microsoft.com/office/drawing/2014/main" id="{17B28C7F-F870-4D11-9766-3C9B45CA927F}"/>
-              </a:ext>
-            </a:extLst>
-          </p:cNvPr>
-          <p:cNvSpPr txBox="1"/>
-          <p:nvPr/>
-        </p:nvSpPr>
-        <p:spPr>
-          <a:xfrm>
-            <a:off x="2106286" y="873610"/>
-            <a:ext cx="1313970" cy="244109"/>
-          </a:xfrm>
-          <a:prstGeom prst="rect">
-            <a:avLst/>
-          </a:prstGeom>
-          <a:solidFill>
-            <a:schemeClr val="accent6">
-              <a:lumMod val="75000"/>
-            </a:schemeClr>
-          </a:solidFill>
-        </p:spPr>
-        <p:txBody>
-          <a:bodyPr wrap="square">
-            <a:spAutoFit/>
-          </a:bodyPr>
-          <a:lstStyle/>
-          <a:p>
-            <a:r>
-              <a:rPr lang="es-MX" sz="1000" dirty="0">
-                <a:solidFill>
-                  <a:schemeClr val="tx1">
-                    <a:lumMod val="95000"/>
-                    <a:lumOff val="5000"/>
-                  </a:schemeClr>
-                </a:solidFill>
-                <a:latin typeface="Consolas" panose="020B0609020204030204" pitchFamily="49" charset="0"/>
-              </a:rPr>
-              <a:t>INMUEBLE_SERVICE</a:t>
-            </a:r>
-            <a:endParaRPr lang="es-ES" sz="1000" dirty="0">
-              <a:solidFill>
-                <a:schemeClr val="tx1">
-                  <a:lumMod val="95000"/>
-                  <a:lumOff val="5000"/>
-                </a:schemeClr>
-              </a:solidFill>
-            </a:endParaRPr>
+          <a:ln>
+            <a:noFill/>
+          </a:ln>
+        </p:spPr>
+        <p:style>
+          <a:lnRef idx="0">
+            <a:scrgbClr r="0" g="0" b="0"/>
+          </a:lnRef>
+          <a:fillRef idx="0">
+            <a:scrgbClr r="0" g="0" b="0"/>
+          </a:fillRef>
+          <a:effectRef idx="0">
+            <a:scrgbClr r="0" g="0" b="0"/>
+          </a:effectRef>
+          <a:fontRef idx="minor">
+            <a:schemeClr val="lt1"/>
+          </a:fontRef>
+        </p:style>
+        <p:txBody>
+          <a:bodyPr rtlCol="0" anchor="ctr"/>
+          <a:lstStyle/>
+          <a:p>
+            <a:pPr algn="ctr"/>
+            <a:endParaRPr lang="es-ES" dirty="0"/>
           </a:p>
         </p:txBody>
       </p:sp>
       <p:pic>
         <p:nvPicPr>
-          <p:cNvPr id="46" name="Picture 45">
-            <a:extLst>
-              <a:ext uri="{FF2B5EF4-FFF2-40B4-BE49-F238E27FC236}">
-                <a16:creationId xmlns:a16="http://schemas.microsoft.com/office/drawing/2014/main" id="{55BF3751-EE05-40D5-AF8F-E3CD6513C221}"/>
+          <p:cNvPr id="94" name="Graphic 93" descr="Circular flowchart">
+            <a:extLst>
+              <a:ext uri="{FF2B5EF4-FFF2-40B4-BE49-F238E27FC236}">
+                <a16:creationId xmlns:a16="http://schemas.microsoft.com/office/drawing/2014/main" id="{39C918EB-361C-1377-3B5D-0D561BC6876F}"/>
               </a:ext>
             </a:extLst>
           </p:cNvPr>
@@ -3934,10 +4129,13 @@
           <p:nvPr/>
         </p:nvPicPr>
         <p:blipFill>
-          <a:blip r:embed="rId5">
+          <a:blip r:embed="rId8">
             <a:extLst>
               <a:ext uri="{28A0092B-C50C-407E-A947-70E740481C1C}">
                 <a14:useLocalDpi xmlns:a14="http://schemas.microsoft.com/office/drawing/2010/main" val="0"/>
+              </a:ext>
+              <a:ext uri="{96DAC541-7B7A-43D3-8B79-37D633B846F1}">
+                <asvg:svgBlip xmlns:asvg="http://schemas.microsoft.com/office/drawing/2016/SVG/main" r:embed="rId9"/>
               </a:ext>
             </a:extLst>
           </a:blip>
@@ -3947,8 +4145,8 @@
         </p:blipFill>
         <p:spPr>
           <a:xfrm>
-            <a:off x="2325757" y="1202793"/>
-            <a:ext cx="819291" cy="779454"/>
+            <a:off x="6839550" y="1867305"/>
+            <a:ext cx="925820" cy="802234"/>
           </a:xfrm>
           <a:prstGeom prst="rect">
             <a:avLst/>
@@ -3957,10 +4155,58 @@
       </p:pic>
       <p:sp>
         <p:nvSpPr>
-          <p:cNvPr id="52" name="Arrow: Right 51">
-            <a:extLst>
-              <a:ext uri="{FF2B5EF4-FFF2-40B4-BE49-F238E27FC236}">
-                <a16:creationId xmlns:a16="http://schemas.microsoft.com/office/drawing/2014/main" id="{C81BD3A1-3CD8-4A93-B37A-EAB4DC0CBAAA}"/>
+          <p:cNvPr id="95" name="TextBox 94">
+            <a:extLst>
+              <a:ext uri="{FF2B5EF4-FFF2-40B4-BE49-F238E27FC236}">
+                <a16:creationId xmlns:a16="http://schemas.microsoft.com/office/drawing/2014/main" id="{AB51B897-2FE1-3396-2817-F68742D8C4D8}"/>
+              </a:ext>
+            </a:extLst>
+          </p:cNvPr>
+          <p:cNvSpPr txBox="1"/>
+          <p:nvPr/>
+        </p:nvSpPr>
+        <p:spPr>
+          <a:xfrm>
+            <a:off x="6839550" y="1669705"/>
+            <a:ext cx="972254" cy="276999"/>
+          </a:xfrm>
+          <a:prstGeom prst="rect">
+            <a:avLst/>
+          </a:prstGeom>
+          <a:noFill/>
+        </p:spPr>
+        <p:txBody>
+          <a:bodyPr wrap="none" rtlCol="0">
+            <a:spAutoFit/>
+          </a:bodyPr>
+          <a:lstStyle/>
+          <a:p>
+            <a:r>
+              <a:rPr lang="es-AR" sz="1200" dirty="0">
+                <a:solidFill>
+                  <a:schemeClr val="accent1">
+                    <a:lumMod val="75000"/>
+                  </a:schemeClr>
+                </a:solidFill>
+              </a:rPr>
+              <a:t>Resilience4J</a:t>
+            </a:r>
+            <a:endParaRPr lang="es-ES" sz="1200" dirty="0">
+              <a:solidFill>
+                <a:schemeClr val="accent1">
+                  <a:lumMod val="75000"/>
+                </a:schemeClr>
+              </a:solidFill>
+            </a:endParaRPr>
+          </a:p>
+        </p:txBody>
+      </p:sp>
+      <p:sp>
+        <p:nvSpPr>
+          <p:cNvPr id="98" name="Rectangle: Rounded Corners 97" descr="s">
+            <a:extLst>
+              <a:ext uri="{FF2B5EF4-FFF2-40B4-BE49-F238E27FC236}">
+                <a16:creationId xmlns:a16="http://schemas.microsoft.com/office/drawing/2014/main" id="{2B5698D9-868A-4E5C-7DD4-E2C3153BE3BD}"/>
               </a:ext>
             </a:extLst>
           </p:cNvPr>
@@ -3969,31 +4215,636 @@
         </p:nvSpPr>
         <p:spPr>
           <a:xfrm>
-            <a:off x="3081220" y="3089604"/>
-            <a:ext cx="1517556" cy="217668"/>
-          </a:xfrm>
-          <a:prstGeom prst="rightArrow">
+            <a:off x="8736168" y="1549635"/>
+            <a:ext cx="1495786" cy="1159468"/>
+          </a:xfrm>
+          <a:prstGeom prst="roundRect">
             <a:avLst/>
           </a:prstGeom>
           <a:solidFill>
-            <a:schemeClr val="accent1">
-              <a:lumMod val="75000"/>
+            <a:schemeClr val="accent5">
+              <a:alpha val="50000"/>
             </a:schemeClr>
           </a:solidFill>
+          <a:ln>
+            <a:noFill/>
+          </a:ln>
         </p:spPr>
         <p:style>
-          <a:lnRef idx="2">
-            <a:schemeClr val="accent1">
-              <a:shade val="50000"/>
+          <a:lnRef idx="0">
+            <a:scrgbClr r="0" g="0" b="0"/>
+          </a:lnRef>
+          <a:fillRef idx="0">
+            <a:scrgbClr r="0" g="0" b="0"/>
+          </a:fillRef>
+          <a:effectRef idx="0">
+            <a:scrgbClr r="0" g="0" b="0"/>
+          </a:effectRef>
+          <a:fontRef idx="minor">
+            <a:schemeClr val="lt1"/>
+          </a:fontRef>
+        </p:style>
+        <p:txBody>
+          <a:bodyPr rtlCol="0" anchor="ctr"/>
+          <a:lstStyle/>
+          <a:p>
+            <a:pPr algn="ctr"/>
+            <a:endParaRPr lang="es-ES" dirty="0"/>
+          </a:p>
+        </p:txBody>
+      </p:sp>
+      <p:sp>
+        <p:nvSpPr>
+          <p:cNvPr id="100" name="TextBox 99">
+            <a:extLst>
+              <a:ext uri="{FF2B5EF4-FFF2-40B4-BE49-F238E27FC236}">
+                <a16:creationId xmlns:a16="http://schemas.microsoft.com/office/drawing/2014/main" id="{6619B7C1-9C46-1728-88F6-EA8FFCFEA5D2}"/>
+              </a:ext>
+            </a:extLst>
+          </p:cNvPr>
+          <p:cNvSpPr txBox="1"/>
+          <p:nvPr/>
+        </p:nvSpPr>
+        <p:spPr>
+          <a:xfrm>
+            <a:off x="9029177" y="1573845"/>
+            <a:ext cx="961929" cy="276999"/>
+          </a:xfrm>
+          <a:prstGeom prst="rect">
+            <a:avLst/>
+          </a:prstGeom>
+          <a:noFill/>
+        </p:spPr>
+        <p:txBody>
+          <a:bodyPr wrap="square" rtlCol="0">
+            <a:spAutoFit/>
+          </a:bodyPr>
+          <a:lstStyle/>
+          <a:p>
+            <a:r>
+              <a:rPr lang="es-AR" sz="1200" dirty="0">
+                <a:solidFill>
+                  <a:schemeClr val="accent1">
+                    <a:lumMod val="75000"/>
+                  </a:schemeClr>
+                </a:solidFill>
+              </a:rPr>
+              <a:t>Prometheus</a:t>
+            </a:r>
+            <a:endParaRPr lang="es-ES" sz="1200" dirty="0">
+              <a:solidFill>
+                <a:schemeClr val="accent1">
+                  <a:lumMod val="75000"/>
+                </a:schemeClr>
+              </a:solidFill>
+            </a:endParaRPr>
+          </a:p>
+        </p:txBody>
+      </p:sp>
+      <p:pic>
+        <p:nvPicPr>
+          <p:cNvPr id="109" name="Graphic 108" descr="Gears">
+            <a:extLst>
+              <a:ext uri="{FF2B5EF4-FFF2-40B4-BE49-F238E27FC236}">
+                <a16:creationId xmlns:a16="http://schemas.microsoft.com/office/drawing/2014/main" id="{9DB98E9D-1E33-6928-879D-ABEC5B88113C}"/>
+              </a:ext>
+            </a:extLst>
+          </p:cNvPr>
+          <p:cNvPicPr>
+            <a:picLocks noChangeAspect="1"/>
+          </p:cNvPicPr>
+          <p:nvPr/>
+        </p:nvPicPr>
+        <p:blipFill>
+          <a:blip r:embed="rId10">
+            <a:extLst>
+              <a:ext uri="{28A0092B-C50C-407E-A947-70E740481C1C}">
+                <a14:useLocalDpi xmlns:a14="http://schemas.microsoft.com/office/drawing/2010/main" val="0"/>
+              </a:ext>
+              <a:ext uri="{96DAC541-7B7A-43D3-8B79-37D633B846F1}">
+                <asvg:svgBlip xmlns:asvg="http://schemas.microsoft.com/office/drawing/2016/SVG/main" r:embed="rId11"/>
+              </a:ext>
+            </a:extLst>
+          </a:blip>
+          <a:stretch>
+            <a:fillRect/>
+          </a:stretch>
+        </p:blipFill>
+        <p:spPr>
+          <a:xfrm>
+            <a:off x="8999899" y="1816761"/>
+            <a:ext cx="914400" cy="914400"/>
+          </a:xfrm>
+          <a:prstGeom prst="rect">
+            <a:avLst/>
+          </a:prstGeom>
+        </p:spPr>
+      </p:pic>
+      <p:sp>
+        <p:nvSpPr>
+          <p:cNvPr id="112" name="Rectangle: Rounded Corners 111" descr="s">
+            <a:extLst>
+              <a:ext uri="{FF2B5EF4-FFF2-40B4-BE49-F238E27FC236}">
+                <a16:creationId xmlns:a16="http://schemas.microsoft.com/office/drawing/2014/main" id="{C3AC2985-E4CC-5E41-5EF8-A1EE6FC04582}"/>
+              </a:ext>
+            </a:extLst>
+          </p:cNvPr>
+          <p:cNvSpPr/>
+          <p:nvPr/>
+        </p:nvSpPr>
+        <p:spPr>
+          <a:xfrm>
+            <a:off x="10596291" y="2189037"/>
+            <a:ext cx="1495786" cy="1159468"/>
+          </a:xfrm>
+          <a:prstGeom prst="roundRect">
+            <a:avLst/>
+          </a:prstGeom>
+          <a:solidFill>
+            <a:schemeClr val="accent5">
+              <a:alpha val="50000"/>
             </a:schemeClr>
+          </a:solidFill>
+          <a:ln>
+            <a:noFill/>
+          </a:ln>
+        </p:spPr>
+        <p:style>
+          <a:lnRef idx="0">
+            <a:scrgbClr r="0" g="0" b="0"/>
           </a:lnRef>
-          <a:fillRef idx="1">
+          <a:fillRef idx="0">
+            <a:scrgbClr r="0" g="0" b="0"/>
+          </a:fillRef>
+          <a:effectRef idx="0">
+            <a:scrgbClr r="0" g="0" b="0"/>
+          </a:effectRef>
+          <a:fontRef idx="minor">
+            <a:schemeClr val="lt1"/>
+          </a:fontRef>
+        </p:style>
+        <p:txBody>
+          <a:bodyPr rtlCol="0" anchor="ctr"/>
+          <a:lstStyle/>
+          <a:p>
+            <a:pPr algn="ctr"/>
+            <a:endParaRPr lang="es-ES" dirty="0"/>
+          </a:p>
+        </p:txBody>
+      </p:sp>
+      <p:sp>
+        <p:nvSpPr>
+          <p:cNvPr id="113" name="TextBox 112">
+            <a:extLst>
+              <a:ext uri="{FF2B5EF4-FFF2-40B4-BE49-F238E27FC236}">
+                <a16:creationId xmlns:a16="http://schemas.microsoft.com/office/drawing/2014/main" id="{1053EA88-ACDB-1768-8189-AADB6CFAB5BF}"/>
+              </a:ext>
+            </a:extLst>
+          </p:cNvPr>
+          <p:cNvSpPr txBox="1"/>
+          <p:nvPr/>
+        </p:nvSpPr>
+        <p:spPr>
+          <a:xfrm>
+            <a:off x="10998811" y="2202354"/>
+            <a:ext cx="781229" cy="276999"/>
+          </a:xfrm>
+          <a:prstGeom prst="rect">
+            <a:avLst/>
+          </a:prstGeom>
+          <a:noFill/>
+        </p:spPr>
+        <p:txBody>
+          <a:bodyPr wrap="square" rtlCol="0">
+            <a:spAutoFit/>
+          </a:bodyPr>
+          <a:lstStyle/>
+          <a:p>
+            <a:r>
+              <a:rPr lang="es-AR" sz="1200" dirty="0">
+                <a:solidFill>
+                  <a:schemeClr val="accent1">
+                    <a:lumMod val="75000"/>
+                  </a:schemeClr>
+                </a:solidFill>
+              </a:rPr>
+              <a:t>Grafana</a:t>
+            </a:r>
+            <a:endParaRPr lang="es-ES" sz="1200" dirty="0">
+              <a:solidFill>
+                <a:schemeClr val="accent1">
+                  <a:lumMod val="75000"/>
+                </a:schemeClr>
+              </a:solidFill>
+            </a:endParaRPr>
+          </a:p>
+        </p:txBody>
+      </p:sp>
+      <p:pic>
+        <p:nvPicPr>
+          <p:cNvPr id="116" name="Graphic 115" descr="Bar graph with upward trend">
+            <a:extLst>
+              <a:ext uri="{FF2B5EF4-FFF2-40B4-BE49-F238E27FC236}">
+                <a16:creationId xmlns:a16="http://schemas.microsoft.com/office/drawing/2014/main" id="{DACE563F-AA58-6376-76EB-8AF68E20A61C}"/>
+              </a:ext>
+            </a:extLst>
+          </p:cNvPr>
+          <p:cNvPicPr>
+            <a:picLocks noChangeAspect="1"/>
+          </p:cNvPicPr>
+          <p:nvPr/>
+        </p:nvPicPr>
+        <p:blipFill>
+          <a:blip r:embed="rId12">
+            <a:extLst>
+              <a:ext uri="{28A0092B-C50C-407E-A947-70E740481C1C}">
+                <a14:useLocalDpi xmlns:a14="http://schemas.microsoft.com/office/drawing/2010/main" val="0"/>
+              </a:ext>
+              <a:ext uri="{96DAC541-7B7A-43D3-8B79-37D633B846F1}">
+                <asvg:svgBlip xmlns:asvg="http://schemas.microsoft.com/office/drawing/2016/SVG/main" r:embed="rId13"/>
+              </a:ext>
+            </a:extLst>
+          </a:blip>
+          <a:stretch>
+            <a:fillRect/>
+          </a:stretch>
+        </p:blipFill>
+        <p:spPr>
+          <a:xfrm>
+            <a:off x="10888205" y="2562055"/>
+            <a:ext cx="813657" cy="679020"/>
+          </a:xfrm>
+          <a:prstGeom prst="rect">
+            <a:avLst/>
+          </a:prstGeom>
+        </p:spPr>
+      </p:pic>
+      <p:sp>
+        <p:nvSpPr>
+          <p:cNvPr id="121" name="Rectangle: Rounded Corners 120" descr="s">
+            <a:extLst>
+              <a:ext uri="{FF2B5EF4-FFF2-40B4-BE49-F238E27FC236}">
+                <a16:creationId xmlns:a16="http://schemas.microsoft.com/office/drawing/2014/main" id="{47F6C906-1BC9-21FC-ABB5-2B751E54E2D9}"/>
+              </a:ext>
+            </a:extLst>
+          </p:cNvPr>
+          <p:cNvSpPr/>
+          <p:nvPr/>
+        </p:nvSpPr>
+        <p:spPr>
+          <a:xfrm>
+            <a:off x="8831924" y="5621662"/>
+            <a:ext cx="1495786" cy="1159468"/>
+          </a:xfrm>
+          <a:prstGeom prst="roundRect">
+            <a:avLst/>
+          </a:prstGeom>
+          <a:solidFill>
+            <a:schemeClr val="accent5">
+              <a:alpha val="50000"/>
+            </a:schemeClr>
+          </a:solidFill>
+          <a:ln>
+            <a:noFill/>
+          </a:ln>
+        </p:spPr>
+        <p:style>
+          <a:lnRef idx="0">
+            <a:scrgbClr r="0" g="0" b="0"/>
+          </a:lnRef>
+          <a:fillRef idx="0">
+            <a:scrgbClr r="0" g="0" b="0"/>
+          </a:fillRef>
+          <a:effectRef idx="0">
+            <a:scrgbClr r="0" g="0" b="0"/>
+          </a:effectRef>
+          <a:fontRef idx="minor">
+            <a:schemeClr val="lt1"/>
+          </a:fontRef>
+        </p:style>
+        <p:txBody>
+          <a:bodyPr rtlCol="0" anchor="ctr"/>
+          <a:lstStyle/>
+          <a:p>
+            <a:pPr algn="ctr"/>
+            <a:endParaRPr lang="es-ES" dirty="0"/>
+          </a:p>
+        </p:txBody>
+      </p:sp>
+      <p:sp>
+        <p:nvSpPr>
+          <p:cNvPr id="122" name="TextBox 121">
+            <a:extLst>
+              <a:ext uri="{FF2B5EF4-FFF2-40B4-BE49-F238E27FC236}">
+                <a16:creationId xmlns:a16="http://schemas.microsoft.com/office/drawing/2014/main" id="{E47771C1-1B73-D891-3732-870EF1633E70}"/>
+              </a:ext>
+            </a:extLst>
+          </p:cNvPr>
+          <p:cNvSpPr txBox="1"/>
+          <p:nvPr/>
+        </p:nvSpPr>
+        <p:spPr>
+          <a:xfrm>
+            <a:off x="9077885" y="5651051"/>
+            <a:ext cx="1080511" cy="276999"/>
+          </a:xfrm>
+          <a:prstGeom prst="rect">
+            <a:avLst/>
+          </a:prstGeom>
+          <a:noFill/>
+        </p:spPr>
+        <p:txBody>
+          <a:bodyPr wrap="square" rtlCol="0">
+            <a:spAutoFit/>
+          </a:bodyPr>
+          <a:lstStyle/>
+          <a:p>
+            <a:r>
+              <a:rPr lang="es-AR" sz="1200" dirty="0">
+                <a:solidFill>
+                  <a:schemeClr val="accent1">
+                    <a:lumMod val="75000"/>
+                  </a:schemeClr>
+                </a:solidFill>
+              </a:rPr>
+              <a:t>Eureka Server</a:t>
+            </a:r>
+            <a:endParaRPr lang="es-ES" sz="1200" dirty="0">
+              <a:solidFill>
+                <a:schemeClr val="accent1">
+                  <a:lumMod val="75000"/>
+                </a:schemeClr>
+              </a:solidFill>
+            </a:endParaRPr>
+          </a:p>
+        </p:txBody>
+      </p:sp>
+      <p:pic>
+        <p:nvPicPr>
+          <p:cNvPr id="125" name="Graphic 124" descr="Cloud Computing">
+            <a:extLst>
+              <a:ext uri="{FF2B5EF4-FFF2-40B4-BE49-F238E27FC236}">
+                <a16:creationId xmlns:a16="http://schemas.microsoft.com/office/drawing/2014/main" id="{427CA040-4EED-CE60-103B-2351C670F53C}"/>
+              </a:ext>
+            </a:extLst>
+          </p:cNvPr>
+          <p:cNvPicPr>
+            <a:picLocks noChangeAspect="1"/>
+          </p:cNvPicPr>
+          <p:nvPr/>
+        </p:nvPicPr>
+        <p:blipFill>
+          <a:blip r:embed="rId14">
+            <a:extLst>
+              <a:ext uri="{28A0092B-C50C-407E-A947-70E740481C1C}">
+                <a14:useLocalDpi xmlns:a14="http://schemas.microsoft.com/office/drawing/2010/main" val="0"/>
+              </a:ext>
+              <a:ext uri="{96DAC541-7B7A-43D3-8B79-37D633B846F1}">
+                <asvg:svgBlip xmlns:asvg="http://schemas.microsoft.com/office/drawing/2016/SVG/main" r:embed="rId15"/>
+              </a:ext>
+            </a:extLst>
+          </a:blip>
+          <a:stretch>
+            <a:fillRect/>
+          </a:stretch>
+        </p:blipFill>
+        <p:spPr>
+          <a:xfrm>
+            <a:off x="9298611" y="5941763"/>
+            <a:ext cx="639060" cy="652648"/>
+          </a:xfrm>
+          <a:prstGeom prst="rect">
+            <a:avLst/>
+          </a:prstGeom>
+        </p:spPr>
+      </p:pic>
+      <p:cxnSp>
+        <p:nvCxnSpPr>
+          <p:cNvPr id="130" name="Connector: Elbow 129">
+            <a:extLst>
+              <a:ext uri="{FF2B5EF4-FFF2-40B4-BE49-F238E27FC236}">
+                <a16:creationId xmlns:a16="http://schemas.microsoft.com/office/drawing/2014/main" id="{0EDFA836-EA4C-2BEB-B511-FE79C2D02145}"/>
+              </a:ext>
+            </a:extLst>
+          </p:cNvPr>
+          <p:cNvCxnSpPr>
+            <a:cxnSpLocks/>
+            <a:stCxn id="143" idx="3"/>
+            <a:endCxn id="6" idx="1"/>
+          </p:cNvCxnSpPr>
+          <p:nvPr/>
+        </p:nvCxnSpPr>
+        <p:spPr>
+          <a:xfrm flipV="1">
+            <a:off x="1011211" y="1707902"/>
+            <a:ext cx="890463" cy="544359"/>
+          </a:xfrm>
+          <a:prstGeom prst="bentConnector3">
+            <a:avLst/>
+          </a:prstGeom>
+          <a:ln>
+            <a:tailEnd type="triangle"/>
+          </a:ln>
+        </p:spPr>
+        <p:style>
+          <a:lnRef idx="1">
+            <a:schemeClr val="accent1"/>
+          </a:lnRef>
+          <a:fillRef idx="0">
             <a:schemeClr val="accent1"/>
           </a:fillRef>
           <a:effectRef idx="0">
             <a:schemeClr val="accent1"/>
           </a:effectRef>
           <a:fontRef idx="minor">
+            <a:schemeClr val="tx1"/>
+          </a:fontRef>
+        </p:style>
+      </p:cxnSp>
+      <p:sp>
+        <p:nvSpPr>
+          <p:cNvPr id="132" name="TextBox 131">
+            <a:extLst>
+              <a:ext uri="{FF2B5EF4-FFF2-40B4-BE49-F238E27FC236}">
+                <a16:creationId xmlns:a16="http://schemas.microsoft.com/office/drawing/2014/main" id="{91FE0051-7D6B-DE2D-41EA-BD2CAE28C7CD}"/>
+              </a:ext>
+            </a:extLst>
+          </p:cNvPr>
+          <p:cNvSpPr txBox="1"/>
+          <p:nvPr/>
+        </p:nvSpPr>
+        <p:spPr>
+          <a:xfrm>
+            <a:off x="1886771" y="6153589"/>
+            <a:ext cx="2160976" cy="276999"/>
+          </a:xfrm>
+          <a:prstGeom prst="rect">
+            <a:avLst/>
+          </a:prstGeom>
+          <a:noFill/>
+        </p:spPr>
+        <p:txBody>
+          <a:bodyPr wrap="none" rtlCol="0">
+            <a:spAutoFit/>
+          </a:bodyPr>
+          <a:lstStyle/>
+          <a:p>
+            <a:r>
+              <a:rPr lang="es-AR" sz="1200" dirty="0">
+                <a:solidFill>
+                  <a:schemeClr val="accent1">
+                    <a:lumMod val="75000"/>
+                  </a:schemeClr>
+                </a:solidFill>
+              </a:rPr>
+              <a:t>http://localhost:8095/v1/insp...</a:t>
+            </a:r>
+            <a:endParaRPr lang="es-ES" sz="1200" dirty="0">
+              <a:solidFill>
+                <a:schemeClr val="accent1">
+                  <a:lumMod val="75000"/>
+                </a:schemeClr>
+              </a:solidFill>
+            </a:endParaRPr>
+          </a:p>
+        </p:txBody>
+      </p:sp>
+      <p:sp>
+        <p:nvSpPr>
+          <p:cNvPr id="133" name="TextBox 132">
+            <a:extLst>
+              <a:ext uri="{FF2B5EF4-FFF2-40B4-BE49-F238E27FC236}">
+                <a16:creationId xmlns:a16="http://schemas.microsoft.com/office/drawing/2014/main" id="{F9EF6F7F-279F-31CA-1234-BB00B86EE672}"/>
+              </a:ext>
+            </a:extLst>
+          </p:cNvPr>
+          <p:cNvSpPr txBox="1"/>
+          <p:nvPr/>
+        </p:nvSpPr>
+        <p:spPr>
+          <a:xfrm>
+            <a:off x="1830522" y="4131878"/>
+            <a:ext cx="2196948" cy="276999"/>
+          </a:xfrm>
+          <a:prstGeom prst="rect">
+            <a:avLst/>
+          </a:prstGeom>
+          <a:noFill/>
+        </p:spPr>
+        <p:txBody>
+          <a:bodyPr wrap="none" rtlCol="0">
+            <a:spAutoFit/>
+          </a:bodyPr>
+          <a:lstStyle/>
+          <a:p>
+            <a:r>
+              <a:rPr lang="es-AR" sz="1200" dirty="0">
+                <a:solidFill>
+                  <a:schemeClr val="accent1">
+                    <a:lumMod val="75000"/>
+                  </a:schemeClr>
+                </a:solidFill>
+              </a:rPr>
+              <a:t>http://localhost:8093/v1/prop...</a:t>
+            </a:r>
+            <a:endParaRPr lang="es-ES" sz="1200" dirty="0">
+              <a:solidFill>
+                <a:schemeClr val="accent1">
+                  <a:lumMod val="75000"/>
+                </a:schemeClr>
+              </a:solidFill>
+            </a:endParaRPr>
+          </a:p>
+        </p:txBody>
+      </p:sp>
+      <p:sp>
+        <p:nvSpPr>
+          <p:cNvPr id="134" name="TextBox 133">
+            <a:extLst>
+              <a:ext uri="{FF2B5EF4-FFF2-40B4-BE49-F238E27FC236}">
+                <a16:creationId xmlns:a16="http://schemas.microsoft.com/office/drawing/2014/main" id="{DF2257B9-A6C9-71DF-FA8A-0D5E72767569}"/>
+              </a:ext>
+            </a:extLst>
+          </p:cNvPr>
+          <p:cNvSpPr txBox="1"/>
+          <p:nvPr/>
+        </p:nvSpPr>
+        <p:spPr>
+          <a:xfrm>
+            <a:off x="1857324" y="2178774"/>
+            <a:ext cx="2143344" cy="276999"/>
+          </a:xfrm>
+          <a:prstGeom prst="rect">
+            <a:avLst/>
+          </a:prstGeom>
+          <a:noFill/>
+        </p:spPr>
+        <p:txBody>
+          <a:bodyPr wrap="none" rtlCol="0">
+            <a:spAutoFit/>
+          </a:bodyPr>
+          <a:lstStyle/>
+          <a:p>
+            <a:r>
+              <a:rPr lang="es-AR" sz="1200" dirty="0">
+                <a:solidFill>
+                  <a:schemeClr val="accent1">
+                    <a:lumMod val="75000"/>
+                  </a:schemeClr>
+                </a:solidFill>
+              </a:rPr>
+              <a:t>http://localhost:8092/v1/inm...</a:t>
+            </a:r>
+            <a:endParaRPr lang="es-ES" sz="1200" dirty="0">
+              <a:solidFill>
+                <a:schemeClr val="accent1">
+                  <a:lumMod val="75000"/>
+                </a:schemeClr>
+              </a:solidFill>
+            </a:endParaRPr>
+          </a:p>
+        </p:txBody>
+      </p:sp>
+      <p:sp>
+        <p:nvSpPr>
+          <p:cNvPr id="143" name="Rectangle: Rounded Corners 142" descr="s">
+            <a:extLst>
+              <a:ext uri="{FF2B5EF4-FFF2-40B4-BE49-F238E27FC236}">
+                <a16:creationId xmlns:a16="http://schemas.microsoft.com/office/drawing/2014/main" id="{E0118432-E80A-A88A-AA34-0E82B019007C}"/>
+              </a:ext>
+            </a:extLst>
+          </p:cNvPr>
+          <p:cNvSpPr/>
+          <p:nvPr/>
+        </p:nvSpPr>
+        <p:spPr>
+          <a:xfrm>
+            <a:off x="96186" y="1630557"/>
+            <a:ext cx="915025" cy="1243407"/>
+          </a:xfrm>
+          <a:prstGeom prst="roundRect">
+            <a:avLst/>
+          </a:prstGeom>
+          <a:solidFill>
+            <a:schemeClr val="accent5">
+              <a:alpha val="50000"/>
+            </a:schemeClr>
+          </a:solidFill>
+          <a:ln>
+            <a:noFill/>
+          </a:ln>
+        </p:spPr>
+        <p:style>
+          <a:lnRef idx="0">
+            <a:scrgbClr r="0" g="0" b="0"/>
+          </a:lnRef>
+          <a:fillRef idx="0">
+            <a:scrgbClr r="0" g="0" b="0"/>
+          </a:fillRef>
+          <a:effectRef idx="0">
+            <a:scrgbClr r="0" g="0" b="0"/>
+          </a:effectRef>
+          <a:fontRef idx="minor">
             <a:schemeClr val="lt1"/>
           </a:fontRef>
         </p:style>
@@ -4008,10 +4859,154 @@
       </p:sp>
       <p:sp>
         <p:nvSpPr>
-          <p:cNvPr id="58" name="Arrow: Right 57">
-            <a:extLst>
-              <a:ext uri="{FF2B5EF4-FFF2-40B4-BE49-F238E27FC236}">
-                <a16:creationId xmlns:a16="http://schemas.microsoft.com/office/drawing/2014/main" id="{82B448B4-CCCC-4B9C-9C4D-766A5353702C}"/>
+          <p:cNvPr id="147" name="TextBox 146">
+            <a:extLst>
+              <a:ext uri="{FF2B5EF4-FFF2-40B4-BE49-F238E27FC236}">
+                <a16:creationId xmlns:a16="http://schemas.microsoft.com/office/drawing/2014/main" id="{826131E7-3DB8-180A-E5E0-AEEBA3E770C5}"/>
+              </a:ext>
+            </a:extLst>
+          </p:cNvPr>
+          <p:cNvSpPr txBox="1"/>
+          <p:nvPr/>
+        </p:nvSpPr>
+        <p:spPr>
+          <a:xfrm>
+            <a:off x="240347" y="1292002"/>
+            <a:ext cx="647934" cy="338554"/>
+          </a:xfrm>
+          <a:prstGeom prst="rect">
+            <a:avLst/>
+          </a:prstGeom>
+          <a:noFill/>
+        </p:spPr>
+        <p:txBody>
+          <a:bodyPr wrap="none" rtlCol="0">
+            <a:spAutoFit/>
+          </a:bodyPr>
+          <a:lstStyle/>
+          <a:p>
+            <a:r>
+              <a:rPr lang="es-AR" sz="1600" dirty="0">
+                <a:solidFill>
+                  <a:schemeClr val="accent1">
+                    <a:lumMod val="75000"/>
+                  </a:schemeClr>
+                </a:solidFill>
+              </a:rPr>
+              <a:t>SGDB</a:t>
+            </a:r>
+            <a:endParaRPr lang="es-ES" sz="1600" dirty="0">
+              <a:solidFill>
+                <a:schemeClr val="accent1">
+                  <a:lumMod val="75000"/>
+                </a:schemeClr>
+              </a:solidFill>
+            </a:endParaRPr>
+          </a:p>
+        </p:txBody>
+      </p:sp>
+      <p:sp>
+        <p:nvSpPr>
+          <p:cNvPr id="148" name="TextBox 147">
+            <a:extLst>
+              <a:ext uri="{FF2B5EF4-FFF2-40B4-BE49-F238E27FC236}">
+                <a16:creationId xmlns:a16="http://schemas.microsoft.com/office/drawing/2014/main" id="{638261E4-109D-E1C5-0BC5-7FC1B4B1713A}"/>
+              </a:ext>
+            </a:extLst>
+          </p:cNvPr>
+          <p:cNvSpPr txBox="1"/>
+          <p:nvPr/>
+        </p:nvSpPr>
+        <p:spPr>
+          <a:xfrm>
+            <a:off x="2639179" y="862393"/>
+            <a:ext cx="460382" cy="338554"/>
+          </a:xfrm>
+          <a:prstGeom prst="rect">
+            <a:avLst/>
+          </a:prstGeom>
+          <a:noFill/>
+        </p:spPr>
+        <p:txBody>
+          <a:bodyPr wrap="none" rtlCol="0">
+            <a:spAutoFit/>
+          </a:bodyPr>
+          <a:lstStyle/>
+          <a:p>
+            <a:r>
+              <a:rPr lang="es-AR" sz="1600" dirty="0">
+                <a:solidFill>
+                  <a:schemeClr val="accent1">
+                    <a:lumMod val="75000"/>
+                  </a:schemeClr>
+                </a:solidFill>
+              </a:rPr>
+              <a:t>API</a:t>
+            </a:r>
+            <a:endParaRPr lang="es-ES" sz="1600" dirty="0">
+              <a:solidFill>
+                <a:schemeClr val="accent1">
+                  <a:lumMod val="75000"/>
+                </a:schemeClr>
+              </a:solidFill>
+            </a:endParaRPr>
+          </a:p>
+        </p:txBody>
+      </p:sp>
+      <p:sp>
+        <p:nvSpPr>
+          <p:cNvPr id="149" name="TextBox 148">
+            <a:extLst>
+              <a:ext uri="{FF2B5EF4-FFF2-40B4-BE49-F238E27FC236}">
+                <a16:creationId xmlns:a16="http://schemas.microsoft.com/office/drawing/2014/main" id="{07449672-A7F5-7DA2-8877-92F5B22095BD}"/>
+              </a:ext>
+            </a:extLst>
+          </p:cNvPr>
+          <p:cNvSpPr txBox="1"/>
+          <p:nvPr/>
+        </p:nvSpPr>
+        <p:spPr>
+          <a:xfrm>
+            <a:off x="238162" y="4628372"/>
+            <a:ext cx="647934" cy="338554"/>
+          </a:xfrm>
+          <a:prstGeom prst="rect">
+            <a:avLst/>
+          </a:prstGeom>
+          <a:noFill/>
+        </p:spPr>
+        <p:txBody>
+          <a:bodyPr wrap="none" rtlCol="0">
+            <a:spAutoFit/>
+          </a:bodyPr>
+          <a:lstStyle/>
+          <a:p>
+            <a:r>
+              <a:rPr lang="es-AR" sz="1600" dirty="0">
+                <a:solidFill>
+                  <a:schemeClr val="accent1">
+                    <a:lumMod val="75000"/>
+                  </a:schemeClr>
+                </a:solidFill>
+              </a:rPr>
+              <a:t>SGDB</a:t>
+            </a:r>
+            <a:endParaRPr lang="es-ES" sz="1600" dirty="0">
+              <a:solidFill>
+                <a:schemeClr val="accent1">
+                  <a:lumMod val="75000"/>
+                </a:schemeClr>
+              </a:solidFill>
+            </a:endParaRPr>
+          </a:p>
+        </p:txBody>
+      </p:sp>
+      <p:sp>
+        <p:nvSpPr>
+          <p:cNvPr id="151" name="Rectangle: Rounded Corners 150" descr="s">
+            <a:extLst>
+              <a:ext uri="{FF2B5EF4-FFF2-40B4-BE49-F238E27FC236}">
+                <a16:creationId xmlns:a16="http://schemas.microsoft.com/office/drawing/2014/main" id="{6F392F98-725E-A604-E28B-38DD931D0724}"/>
               </a:ext>
             </a:extLst>
           </p:cNvPr>
@@ -4020,31 +5015,556 @@
         </p:nvSpPr>
         <p:spPr>
           <a:xfrm>
-            <a:off x="3215935" y="6292140"/>
-            <a:ext cx="7088863" cy="259015"/>
-          </a:xfrm>
-          <a:prstGeom prst="rightArrow">
+            <a:off x="1911476" y="4960992"/>
+            <a:ext cx="1865913" cy="1209963"/>
+          </a:xfrm>
+          <a:prstGeom prst="roundRect">
             <a:avLst/>
           </a:prstGeom>
           <a:solidFill>
-            <a:schemeClr val="accent4">
-              <a:lumMod val="75000"/>
+            <a:schemeClr val="accent5">
+              <a:alpha val="50000"/>
             </a:schemeClr>
           </a:solidFill>
+          <a:ln>
+            <a:noFill/>
+          </a:ln>
         </p:spPr>
         <p:style>
-          <a:lnRef idx="2">
-            <a:schemeClr val="accent1">
-              <a:shade val="50000"/>
+          <a:lnRef idx="0">
+            <a:scrgbClr r="0" g="0" b="0"/>
+          </a:lnRef>
+          <a:fillRef idx="0">
+            <a:scrgbClr r="0" g="0" b="0"/>
+          </a:fillRef>
+          <a:effectRef idx="0">
+            <a:scrgbClr r="0" g="0" b="0"/>
+          </a:effectRef>
+          <a:fontRef idx="minor">
+            <a:schemeClr val="lt1"/>
+          </a:fontRef>
+        </p:style>
+        <p:txBody>
+          <a:bodyPr rtlCol="0" anchor="ctr"/>
+          <a:lstStyle/>
+          <a:p>
+            <a:pPr algn="ctr"/>
+            <a:endParaRPr lang="es-ES" dirty="0"/>
+          </a:p>
+        </p:txBody>
+      </p:sp>
+      <p:pic>
+        <p:nvPicPr>
+          <p:cNvPr id="152" name="Graphic 151" descr="Single gear">
+            <a:extLst>
+              <a:ext uri="{FF2B5EF4-FFF2-40B4-BE49-F238E27FC236}">
+                <a16:creationId xmlns:a16="http://schemas.microsoft.com/office/drawing/2014/main" id="{8428C63A-2F38-4134-918D-2D6B6EC71C3D}"/>
+              </a:ext>
+            </a:extLst>
+          </p:cNvPr>
+          <p:cNvPicPr>
+            <a:picLocks noChangeAspect="1"/>
+          </p:cNvPicPr>
+          <p:nvPr/>
+        </p:nvPicPr>
+        <p:blipFill>
+          <a:blip r:embed="rId4">
+            <a:extLst>
+              <a:ext uri="{28A0092B-C50C-407E-A947-70E740481C1C}">
+                <a14:useLocalDpi xmlns:a14="http://schemas.microsoft.com/office/drawing/2010/main" val="0"/>
+              </a:ext>
+              <a:ext uri="{96DAC541-7B7A-43D3-8B79-37D633B846F1}">
+                <asvg:svgBlip xmlns:asvg="http://schemas.microsoft.com/office/drawing/2016/SVG/main" r:embed="rId5"/>
+              </a:ext>
+            </a:extLst>
+          </a:blip>
+          <a:stretch>
+            <a:fillRect/>
+          </a:stretch>
+        </p:blipFill>
+        <p:spPr>
+          <a:xfrm>
+            <a:off x="2422091" y="5300004"/>
+            <a:ext cx="801189" cy="773970"/>
+          </a:xfrm>
+          <a:prstGeom prst="rect">
+            <a:avLst/>
+          </a:prstGeom>
+        </p:spPr>
+      </p:pic>
+      <p:sp>
+        <p:nvSpPr>
+          <p:cNvPr id="155" name="TextBox 154">
+            <a:extLst>
+              <a:ext uri="{FF2B5EF4-FFF2-40B4-BE49-F238E27FC236}">
+                <a16:creationId xmlns:a16="http://schemas.microsoft.com/office/drawing/2014/main" id="{DE6CB8F4-46B2-4744-899F-BA740E05DD84}"/>
+              </a:ext>
+            </a:extLst>
+          </p:cNvPr>
+          <p:cNvSpPr txBox="1"/>
+          <p:nvPr/>
+        </p:nvSpPr>
+        <p:spPr>
+          <a:xfrm>
+            <a:off x="1883034" y="5026182"/>
+            <a:ext cx="1984646" cy="276999"/>
+          </a:xfrm>
+          <a:prstGeom prst="rect">
+            <a:avLst/>
+          </a:prstGeom>
+          <a:noFill/>
+        </p:spPr>
+        <p:txBody>
+          <a:bodyPr wrap="none" rtlCol="0">
+            <a:spAutoFit/>
+          </a:bodyPr>
+          <a:lstStyle/>
+          <a:p>
+            <a:r>
+              <a:rPr lang="es-AR" sz="1200" dirty="0">
+                <a:solidFill>
+                  <a:schemeClr val="accent1">
+                    <a:lumMod val="75000"/>
+                  </a:schemeClr>
+                </a:solidFill>
+              </a:rPr>
+              <a:t>inspección inmueble service</a:t>
+            </a:r>
+            <a:endParaRPr lang="es-ES" sz="1200" dirty="0">
+              <a:solidFill>
+                <a:schemeClr val="accent1">
+                  <a:lumMod val="75000"/>
+                </a:schemeClr>
+              </a:solidFill>
+            </a:endParaRPr>
+          </a:p>
+        </p:txBody>
+      </p:sp>
+      <p:sp>
+        <p:nvSpPr>
+          <p:cNvPr id="169" name="Rectangle: Rounded Corners 168" descr="s">
+            <a:extLst>
+              <a:ext uri="{FF2B5EF4-FFF2-40B4-BE49-F238E27FC236}">
+                <a16:creationId xmlns:a16="http://schemas.microsoft.com/office/drawing/2014/main" id="{AA08B612-B726-42B0-DF3D-5415D7D9D354}"/>
+              </a:ext>
+            </a:extLst>
+          </p:cNvPr>
+          <p:cNvSpPr/>
+          <p:nvPr/>
+        </p:nvSpPr>
+        <p:spPr>
+          <a:xfrm>
+            <a:off x="1926908" y="3122444"/>
+            <a:ext cx="1907125" cy="1075615"/>
+          </a:xfrm>
+          <a:prstGeom prst="roundRect">
+            <a:avLst/>
+          </a:prstGeom>
+          <a:solidFill>
+            <a:schemeClr val="accent5">
+              <a:alpha val="50000"/>
             </a:schemeClr>
+          </a:solidFill>
+          <a:ln>
+            <a:noFill/>
+          </a:ln>
+        </p:spPr>
+        <p:style>
+          <a:lnRef idx="0">
+            <a:scrgbClr r="0" g="0" b="0"/>
           </a:lnRef>
-          <a:fillRef idx="1">
+          <a:fillRef idx="0">
+            <a:scrgbClr r="0" g="0" b="0"/>
+          </a:fillRef>
+          <a:effectRef idx="0">
+            <a:scrgbClr r="0" g="0" b="0"/>
+          </a:effectRef>
+          <a:fontRef idx="minor">
+            <a:schemeClr val="lt1"/>
+          </a:fontRef>
+        </p:style>
+        <p:txBody>
+          <a:bodyPr rtlCol="0" anchor="ctr"/>
+          <a:lstStyle/>
+          <a:p>
+            <a:pPr algn="ctr"/>
+            <a:endParaRPr lang="es-ES" dirty="0"/>
+          </a:p>
+        </p:txBody>
+      </p:sp>
+      <p:pic>
+        <p:nvPicPr>
+          <p:cNvPr id="170" name="Graphic 169" descr="Single gear">
+            <a:extLst>
+              <a:ext uri="{FF2B5EF4-FFF2-40B4-BE49-F238E27FC236}">
+                <a16:creationId xmlns:a16="http://schemas.microsoft.com/office/drawing/2014/main" id="{E979AEAF-E937-DEC1-55BA-095126F069E0}"/>
+              </a:ext>
+            </a:extLst>
+          </p:cNvPr>
+          <p:cNvPicPr>
+            <a:picLocks noChangeAspect="1"/>
+          </p:cNvPicPr>
+          <p:nvPr/>
+        </p:nvPicPr>
+        <p:blipFill>
+          <a:blip r:embed="rId4">
+            <a:extLst>
+              <a:ext uri="{28A0092B-C50C-407E-A947-70E740481C1C}">
+                <a14:useLocalDpi xmlns:a14="http://schemas.microsoft.com/office/drawing/2010/main" val="0"/>
+              </a:ext>
+              <a:ext uri="{96DAC541-7B7A-43D3-8B79-37D633B846F1}">
+                <asvg:svgBlip xmlns:asvg="http://schemas.microsoft.com/office/drawing/2016/SVG/main" r:embed="rId5"/>
+              </a:ext>
+            </a:extLst>
+          </a:blip>
+          <a:stretch>
+            <a:fillRect/>
+          </a:stretch>
+        </p:blipFill>
+        <p:spPr>
+          <a:xfrm>
+            <a:off x="2479875" y="3386439"/>
+            <a:ext cx="801189" cy="773970"/>
+          </a:xfrm>
+          <a:prstGeom prst="rect">
+            <a:avLst/>
+          </a:prstGeom>
+        </p:spPr>
+      </p:pic>
+      <p:sp>
+        <p:nvSpPr>
+          <p:cNvPr id="171" name="TextBox 170">
+            <a:extLst>
+              <a:ext uri="{FF2B5EF4-FFF2-40B4-BE49-F238E27FC236}">
+                <a16:creationId xmlns:a16="http://schemas.microsoft.com/office/drawing/2014/main" id="{915D0256-EE82-49CF-C641-459D2EB20752}"/>
+              </a:ext>
+            </a:extLst>
+          </p:cNvPr>
+          <p:cNvSpPr txBox="1"/>
+          <p:nvPr/>
+        </p:nvSpPr>
+        <p:spPr>
+          <a:xfrm>
+            <a:off x="1920107" y="3219077"/>
+            <a:ext cx="2019527" cy="276999"/>
+          </a:xfrm>
+          <a:prstGeom prst="rect">
+            <a:avLst/>
+          </a:prstGeom>
+          <a:noFill/>
+        </p:spPr>
+        <p:txBody>
+          <a:bodyPr wrap="none" rtlCol="0">
+            <a:spAutoFit/>
+          </a:bodyPr>
+          <a:lstStyle/>
+          <a:p>
+            <a:r>
+              <a:rPr lang="es-AR" sz="1200" dirty="0">
+                <a:solidFill>
+                  <a:schemeClr val="accent1">
+                    <a:lumMod val="75000"/>
+                  </a:schemeClr>
+                </a:solidFill>
+              </a:rPr>
+              <a:t>propietario inmueble service</a:t>
+            </a:r>
+            <a:endParaRPr lang="es-ES" sz="1200" dirty="0">
+              <a:solidFill>
+                <a:schemeClr val="accent1">
+                  <a:lumMod val="75000"/>
+                </a:schemeClr>
+              </a:solidFill>
+            </a:endParaRPr>
+          </a:p>
+        </p:txBody>
+      </p:sp>
+      <p:sp>
+        <p:nvSpPr>
+          <p:cNvPr id="172" name="TextBox 171">
+            <a:extLst>
+              <a:ext uri="{FF2B5EF4-FFF2-40B4-BE49-F238E27FC236}">
+                <a16:creationId xmlns:a16="http://schemas.microsoft.com/office/drawing/2014/main" id="{7581BDC1-42A0-2769-18C4-62300A381C34}"/>
+              </a:ext>
+            </a:extLst>
+          </p:cNvPr>
+          <p:cNvSpPr txBox="1"/>
+          <p:nvPr/>
+        </p:nvSpPr>
+        <p:spPr>
+          <a:xfrm>
+            <a:off x="2557156" y="2847928"/>
+            <a:ext cx="460382" cy="338554"/>
+          </a:xfrm>
+          <a:prstGeom prst="rect">
+            <a:avLst/>
+          </a:prstGeom>
+          <a:noFill/>
+        </p:spPr>
+        <p:txBody>
+          <a:bodyPr wrap="none" rtlCol="0">
+            <a:spAutoFit/>
+          </a:bodyPr>
+          <a:lstStyle/>
+          <a:p>
+            <a:r>
+              <a:rPr lang="es-AR" sz="1600" dirty="0">
+                <a:solidFill>
+                  <a:schemeClr val="accent1">
+                    <a:lumMod val="75000"/>
+                  </a:schemeClr>
+                </a:solidFill>
+              </a:rPr>
+              <a:t>API</a:t>
+            </a:r>
+            <a:endParaRPr lang="es-ES" sz="1600" dirty="0">
+              <a:solidFill>
+                <a:schemeClr val="accent1">
+                  <a:lumMod val="75000"/>
+                </a:schemeClr>
+              </a:solidFill>
+            </a:endParaRPr>
+          </a:p>
+        </p:txBody>
+      </p:sp>
+      <p:cxnSp>
+        <p:nvCxnSpPr>
+          <p:cNvPr id="215" name="Connector: Elbow 214">
+            <a:extLst>
+              <a:ext uri="{FF2B5EF4-FFF2-40B4-BE49-F238E27FC236}">
+                <a16:creationId xmlns:a16="http://schemas.microsoft.com/office/drawing/2014/main" id="{FA0D3730-0EBF-AE8A-794F-AAC58F63999A}"/>
+              </a:ext>
+            </a:extLst>
+          </p:cNvPr>
+          <p:cNvCxnSpPr>
+            <a:cxnSpLocks/>
+          </p:cNvCxnSpPr>
+          <p:nvPr/>
+        </p:nvCxnSpPr>
+        <p:spPr>
+          <a:xfrm>
+            <a:off x="6374137" y="4221986"/>
+            <a:ext cx="2457787" cy="1586632"/>
+          </a:xfrm>
+          <a:prstGeom prst="bentConnector3">
+            <a:avLst>
+              <a:gd name="adj1" fmla="val 69377"/>
+            </a:avLst>
+          </a:prstGeom>
+          <a:ln>
+            <a:solidFill>
+              <a:schemeClr val="accent2">
+                <a:lumMod val="75000"/>
+              </a:schemeClr>
+            </a:solidFill>
+            <a:tailEnd type="triangle"/>
+          </a:ln>
+        </p:spPr>
+        <p:style>
+          <a:lnRef idx="1">
+            <a:schemeClr val="accent1"/>
+          </a:lnRef>
+          <a:fillRef idx="0">
             <a:schemeClr val="accent1"/>
           </a:fillRef>
           <a:effectRef idx="0">
             <a:schemeClr val="accent1"/>
           </a:effectRef>
           <a:fontRef idx="minor">
+            <a:schemeClr val="tx1"/>
+          </a:fontRef>
+        </p:style>
+      </p:cxnSp>
+      <p:sp>
+        <p:nvSpPr>
+          <p:cNvPr id="216" name="TextBox 215">
+            <a:extLst>
+              <a:ext uri="{FF2B5EF4-FFF2-40B4-BE49-F238E27FC236}">
+                <a16:creationId xmlns:a16="http://schemas.microsoft.com/office/drawing/2014/main" id="{78F02A4A-B456-7D85-DA80-3158769F0984}"/>
+              </a:ext>
+            </a:extLst>
+          </p:cNvPr>
+          <p:cNvSpPr txBox="1"/>
+          <p:nvPr/>
+        </p:nvSpPr>
+        <p:spPr>
+          <a:xfrm>
+            <a:off x="4669941" y="4746391"/>
+            <a:ext cx="2438296" cy="276999"/>
+          </a:xfrm>
+          <a:prstGeom prst="rect">
+            <a:avLst/>
+          </a:prstGeom>
+          <a:noFill/>
+        </p:spPr>
+        <p:txBody>
+          <a:bodyPr wrap="none" rtlCol="0">
+            <a:spAutoFit/>
+          </a:bodyPr>
+          <a:lstStyle/>
+          <a:p>
+            <a:r>
+              <a:rPr lang="es-AR" sz="1200" dirty="0">
+                <a:solidFill>
+                  <a:schemeClr val="accent1">
+                    <a:lumMod val="75000"/>
+                  </a:schemeClr>
+                </a:solidFill>
+              </a:rPr>
+              <a:t>http://localhost:9191/v1/inmuebles</a:t>
+            </a:r>
+            <a:endParaRPr lang="es-ES" sz="1200" dirty="0">
+              <a:solidFill>
+                <a:schemeClr val="accent1">
+                  <a:lumMod val="75000"/>
+                </a:schemeClr>
+              </a:solidFill>
+            </a:endParaRPr>
+          </a:p>
+        </p:txBody>
+      </p:sp>
+      <p:sp>
+        <p:nvSpPr>
+          <p:cNvPr id="222" name="TextBox 221">
+            <a:extLst>
+              <a:ext uri="{FF2B5EF4-FFF2-40B4-BE49-F238E27FC236}">
+                <a16:creationId xmlns:a16="http://schemas.microsoft.com/office/drawing/2014/main" id="{757C23DE-A61A-3AA8-8F30-D798E6324D7C}"/>
+              </a:ext>
+            </a:extLst>
+          </p:cNvPr>
+          <p:cNvSpPr txBox="1"/>
+          <p:nvPr/>
+        </p:nvSpPr>
+        <p:spPr>
+          <a:xfrm>
+            <a:off x="4686158" y="4997563"/>
+            <a:ext cx="3242619" cy="276999"/>
+          </a:xfrm>
+          <a:prstGeom prst="rect">
+            <a:avLst/>
+          </a:prstGeom>
+          <a:noFill/>
+        </p:spPr>
+        <p:txBody>
+          <a:bodyPr wrap="none" rtlCol="0">
+            <a:spAutoFit/>
+          </a:bodyPr>
+          <a:lstStyle/>
+          <a:p>
+            <a:r>
+              <a:rPr lang="es-AR" sz="1200" dirty="0">
+                <a:solidFill>
+                  <a:schemeClr val="accent1">
+                    <a:lumMod val="75000"/>
+                  </a:schemeClr>
+                </a:solidFill>
+              </a:rPr>
+              <a:t>http://localhost:9191/v1/propietarios-inmuebles</a:t>
+            </a:r>
+            <a:endParaRPr lang="es-ES" sz="1200" dirty="0">
+              <a:solidFill>
+                <a:schemeClr val="accent1">
+                  <a:lumMod val="75000"/>
+                </a:schemeClr>
+              </a:solidFill>
+            </a:endParaRPr>
+          </a:p>
+        </p:txBody>
+      </p:sp>
+      <p:sp>
+        <p:nvSpPr>
+          <p:cNvPr id="223" name="TextBox 222">
+            <a:extLst>
+              <a:ext uri="{FF2B5EF4-FFF2-40B4-BE49-F238E27FC236}">
+                <a16:creationId xmlns:a16="http://schemas.microsoft.com/office/drawing/2014/main" id="{CFF18B88-4A71-4EE3-7107-BA04ED12874B}"/>
+              </a:ext>
+            </a:extLst>
+          </p:cNvPr>
+          <p:cNvSpPr txBox="1"/>
+          <p:nvPr/>
+        </p:nvSpPr>
+        <p:spPr>
+          <a:xfrm>
+            <a:off x="4703379" y="5198597"/>
+            <a:ext cx="3284682" cy="276999"/>
+          </a:xfrm>
+          <a:prstGeom prst="rect">
+            <a:avLst/>
+          </a:prstGeom>
+          <a:noFill/>
+        </p:spPr>
+        <p:txBody>
+          <a:bodyPr wrap="none" rtlCol="0">
+            <a:spAutoFit/>
+          </a:bodyPr>
+          <a:lstStyle/>
+          <a:p>
+            <a:r>
+              <a:rPr lang="es-AR" sz="1200" dirty="0">
+                <a:solidFill>
+                  <a:schemeClr val="accent1">
+                    <a:lumMod val="75000"/>
+                  </a:schemeClr>
+                </a:solidFill>
+              </a:rPr>
+              <a:t>http://localhost:9191/v1/inspecciones-inmuebles</a:t>
+            </a:r>
+            <a:endParaRPr lang="es-ES" sz="1200" dirty="0">
+              <a:solidFill>
+                <a:schemeClr val="accent1">
+                  <a:lumMod val="75000"/>
+                </a:schemeClr>
+              </a:solidFill>
+            </a:endParaRPr>
+          </a:p>
+        </p:txBody>
+      </p:sp>
+      <p:sp>
+        <p:nvSpPr>
+          <p:cNvPr id="229" name="Rectangle: Rounded Corners 228" descr="s">
+            <a:extLst>
+              <a:ext uri="{FF2B5EF4-FFF2-40B4-BE49-F238E27FC236}">
+                <a16:creationId xmlns:a16="http://schemas.microsoft.com/office/drawing/2014/main" id="{4ABB6AB2-3EDF-CC12-6E5E-B568E51E5D64}"/>
+              </a:ext>
+            </a:extLst>
+          </p:cNvPr>
+          <p:cNvSpPr/>
+          <p:nvPr/>
+        </p:nvSpPr>
+        <p:spPr>
+          <a:xfrm>
+            <a:off x="8443643" y="3167318"/>
+            <a:ext cx="1495786" cy="1159468"/>
+          </a:xfrm>
+          <a:prstGeom prst="roundRect">
+            <a:avLst/>
+          </a:prstGeom>
+          <a:solidFill>
+            <a:schemeClr val="accent1">
+              <a:lumMod val="40000"/>
+              <a:lumOff val="60000"/>
+              <a:alpha val="50000"/>
+            </a:schemeClr>
+          </a:solidFill>
+          <a:ln>
+            <a:solidFill>
+              <a:schemeClr val="accent1">
+                <a:lumMod val="50000"/>
+              </a:schemeClr>
+            </a:solidFill>
+          </a:ln>
+        </p:spPr>
+        <p:style>
+          <a:lnRef idx="0">
+            <a:scrgbClr r="0" g="0" b="0"/>
+          </a:lnRef>
+          <a:fillRef idx="0">
+            <a:scrgbClr r="0" g="0" b="0"/>
+          </a:fillRef>
+          <a:effectRef idx="0">
+            <a:scrgbClr r="0" g="0" b="0"/>
+          </a:effectRef>
+          <a:fontRef idx="minor">
             <a:schemeClr val="lt1"/>
           </a:fontRef>
         </p:style>
@@ -4059,10 +5579,136 @@
       </p:sp>
       <p:sp>
         <p:nvSpPr>
-          <p:cNvPr id="59" name="Arrow: Right 58">
-            <a:extLst>
-              <a:ext uri="{FF2B5EF4-FFF2-40B4-BE49-F238E27FC236}">
-                <a16:creationId xmlns:a16="http://schemas.microsoft.com/office/drawing/2014/main" id="{488923E5-76EF-46AE-A4E1-7443C1A01FDB}"/>
+          <p:cNvPr id="230" name="TextBox 229">
+            <a:extLst>
+              <a:ext uri="{FF2B5EF4-FFF2-40B4-BE49-F238E27FC236}">
+                <a16:creationId xmlns:a16="http://schemas.microsoft.com/office/drawing/2014/main" id="{10E00497-CF76-D913-2DED-9886F152F027}"/>
+              </a:ext>
+            </a:extLst>
+          </p:cNvPr>
+          <p:cNvSpPr txBox="1"/>
+          <p:nvPr/>
+        </p:nvSpPr>
+        <p:spPr>
+          <a:xfrm>
+            <a:off x="8847907" y="3219077"/>
+            <a:ext cx="1080511" cy="276999"/>
+          </a:xfrm>
+          <a:prstGeom prst="rect">
+            <a:avLst/>
+          </a:prstGeom>
+          <a:noFill/>
+        </p:spPr>
+        <p:txBody>
+          <a:bodyPr wrap="square" rtlCol="0">
+            <a:spAutoFit/>
+          </a:bodyPr>
+          <a:lstStyle/>
+          <a:p>
+            <a:r>
+              <a:rPr lang="es-AR" sz="1200" dirty="0">
+                <a:solidFill>
+                  <a:schemeClr val="accent1">
+                    <a:lumMod val="75000"/>
+                  </a:schemeClr>
+                </a:solidFill>
+              </a:rPr>
+              <a:t>Clientes</a:t>
+            </a:r>
+            <a:endParaRPr lang="es-ES" sz="1200" dirty="0">
+              <a:solidFill>
+                <a:schemeClr val="accent1">
+                  <a:lumMod val="75000"/>
+                </a:schemeClr>
+              </a:solidFill>
+            </a:endParaRPr>
+          </a:p>
+        </p:txBody>
+      </p:sp>
+      <p:pic>
+        <p:nvPicPr>
+          <p:cNvPr id="233" name="Graphic 232" descr="Programmer">
+            <a:extLst>
+              <a:ext uri="{FF2B5EF4-FFF2-40B4-BE49-F238E27FC236}">
+                <a16:creationId xmlns:a16="http://schemas.microsoft.com/office/drawing/2014/main" id="{8CDAE1BA-1671-EEBA-F30E-98115EC3823B}"/>
+              </a:ext>
+            </a:extLst>
+          </p:cNvPr>
+          <p:cNvPicPr>
+            <a:picLocks noChangeAspect="1"/>
+          </p:cNvPicPr>
+          <p:nvPr/>
+        </p:nvPicPr>
+        <p:blipFill>
+          <a:blip r:embed="rId16">
+            <a:extLst>
+              <a:ext uri="{28A0092B-C50C-407E-A947-70E740481C1C}">
+                <a14:useLocalDpi xmlns:a14="http://schemas.microsoft.com/office/drawing/2010/main" val="0"/>
+              </a:ext>
+              <a:ext uri="{96DAC541-7B7A-43D3-8B79-37D633B846F1}">
+                <asvg:svgBlip xmlns:asvg="http://schemas.microsoft.com/office/drawing/2016/SVG/main" r:embed="rId17"/>
+              </a:ext>
+            </a:extLst>
+          </a:blip>
+          <a:stretch>
+            <a:fillRect/>
+          </a:stretch>
+        </p:blipFill>
+        <p:spPr>
+          <a:xfrm>
+            <a:off x="10489361" y="4288899"/>
+            <a:ext cx="681816" cy="691356"/>
+          </a:xfrm>
+          <a:prstGeom prst="rect">
+            <a:avLst/>
+          </a:prstGeom>
+        </p:spPr>
+      </p:pic>
+      <p:pic>
+        <p:nvPicPr>
+          <p:cNvPr id="235" name="Graphic 234" descr="Gender">
+            <a:extLst>
+              <a:ext uri="{FF2B5EF4-FFF2-40B4-BE49-F238E27FC236}">
+                <a16:creationId xmlns:a16="http://schemas.microsoft.com/office/drawing/2014/main" id="{FC01EDAC-29E1-F4EC-A14F-0ED3E39EB2EE}"/>
+              </a:ext>
+            </a:extLst>
+          </p:cNvPr>
+          <p:cNvPicPr>
+            <a:picLocks noChangeAspect="1"/>
+          </p:cNvPicPr>
+          <p:nvPr/>
+        </p:nvPicPr>
+        <p:blipFill>
+          <a:blip r:embed="rId18">
+            <a:extLst>
+              <a:ext uri="{28A0092B-C50C-407E-A947-70E740481C1C}">
+                <a14:useLocalDpi xmlns:a14="http://schemas.microsoft.com/office/drawing/2010/main" val="0"/>
+              </a:ext>
+              <a:ext uri="{96DAC541-7B7A-43D3-8B79-37D633B846F1}">
+                <asvg:svgBlip xmlns:asvg="http://schemas.microsoft.com/office/drawing/2016/SVG/main" r:embed="rId19"/>
+              </a:ext>
+            </a:extLst>
+          </a:blip>
+          <a:stretch>
+            <a:fillRect/>
+          </a:stretch>
+        </p:blipFill>
+        <p:spPr>
+          <a:xfrm>
+            <a:off x="8797145" y="3510458"/>
+            <a:ext cx="788781" cy="683328"/>
+          </a:xfrm>
+          <a:prstGeom prst="rect">
+            <a:avLst/>
+          </a:prstGeom>
+        </p:spPr>
+      </p:pic>
+      <p:sp>
+        <p:nvSpPr>
+          <p:cNvPr id="243" name="Rectangle: Rounded Corners 242" descr="s">
+            <a:extLst>
+              <a:ext uri="{FF2B5EF4-FFF2-40B4-BE49-F238E27FC236}">
+                <a16:creationId xmlns:a16="http://schemas.microsoft.com/office/drawing/2014/main" id="{F248FC43-710F-B7D6-8BB5-F7D9B665EA8C}"/>
               </a:ext>
             </a:extLst>
           </p:cNvPr>
@@ -4070,221 +5716,464 @@
           <p:nvPr/>
         </p:nvSpPr>
         <p:spPr>
-          <a:xfrm rot="16200000">
-            <a:off x="10290541" y="6292625"/>
-            <a:ext cx="337186" cy="279757"/>
-          </a:xfrm>
-          <a:prstGeom prst="rightArrow">
+          <a:xfrm>
+            <a:off x="10082376" y="3942990"/>
+            <a:ext cx="1495786" cy="1159468"/>
+          </a:xfrm>
+          <a:prstGeom prst="roundRect">
             <a:avLst/>
           </a:prstGeom>
           <a:solidFill>
-            <a:schemeClr val="accent4">
-              <a:lumMod val="75000"/>
+            <a:schemeClr val="accent1">
+              <a:lumMod val="40000"/>
+              <a:lumOff val="60000"/>
+              <a:alpha val="50000"/>
             </a:schemeClr>
           </a:solidFill>
+          <a:ln>
+            <a:solidFill>
+              <a:schemeClr val="accent1">
+                <a:lumMod val="50000"/>
+              </a:schemeClr>
+            </a:solidFill>
+          </a:ln>
         </p:spPr>
         <p:style>
-          <a:lnRef idx="2">
-            <a:schemeClr val="accent1">
-              <a:shade val="50000"/>
-            </a:schemeClr>
+          <a:lnRef idx="0">
+            <a:scrgbClr r="0" g="0" b="0"/>
           </a:lnRef>
-          <a:fillRef idx="1">
+          <a:fillRef idx="0">
+            <a:scrgbClr r="0" g="0" b="0"/>
+          </a:fillRef>
+          <a:effectRef idx="0">
+            <a:scrgbClr r="0" g="0" b="0"/>
+          </a:effectRef>
+          <a:fontRef idx="minor">
+            <a:schemeClr val="lt1"/>
+          </a:fontRef>
+        </p:style>
+        <p:txBody>
+          <a:bodyPr rtlCol="0" anchor="ctr"/>
+          <a:lstStyle/>
+          <a:p>
+            <a:pPr algn="ctr"/>
+            <a:endParaRPr lang="es-ES" dirty="0"/>
+          </a:p>
+        </p:txBody>
+      </p:sp>
+      <p:sp>
+        <p:nvSpPr>
+          <p:cNvPr id="244" name="TextBox 243">
+            <a:extLst>
+              <a:ext uri="{FF2B5EF4-FFF2-40B4-BE49-F238E27FC236}">
+                <a16:creationId xmlns:a16="http://schemas.microsoft.com/office/drawing/2014/main" id="{CEF84D41-9139-1790-34DA-AE3690BE8940}"/>
+              </a:ext>
+            </a:extLst>
+          </p:cNvPr>
+          <p:cNvSpPr txBox="1"/>
+          <p:nvPr/>
+        </p:nvSpPr>
+        <p:spPr>
+          <a:xfrm>
+            <a:off x="10242074" y="4112576"/>
+            <a:ext cx="1339391" cy="276999"/>
+          </a:xfrm>
+          <a:prstGeom prst="rect">
+            <a:avLst/>
+          </a:prstGeom>
+          <a:noFill/>
+        </p:spPr>
+        <p:txBody>
+          <a:bodyPr wrap="square" rtlCol="0">
+            <a:spAutoFit/>
+          </a:bodyPr>
+          <a:lstStyle/>
+          <a:p>
+            <a:r>
+              <a:rPr lang="es-AR" sz="1200" dirty="0">
+                <a:solidFill>
+                  <a:schemeClr val="accent1">
+                    <a:lumMod val="75000"/>
+                  </a:schemeClr>
+                </a:solidFill>
+              </a:rPr>
+              <a:t>Administradores</a:t>
+            </a:r>
+            <a:endParaRPr lang="es-ES" sz="1200" dirty="0">
+              <a:solidFill>
+                <a:schemeClr val="accent1">
+                  <a:lumMod val="75000"/>
+                </a:schemeClr>
+              </a:solidFill>
+            </a:endParaRPr>
+          </a:p>
+        </p:txBody>
+      </p:sp>
+      <p:cxnSp>
+        <p:nvCxnSpPr>
+          <p:cNvPr id="259" name="Connector: Elbow 258">
+            <a:extLst>
+              <a:ext uri="{FF2B5EF4-FFF2-40B4-BE49-F238E27FC236}">
+                <a16:creationId xmlns:a16="http://schemas.microsoft.com/office/drawing/2014/main" id="{C7379EE0-3D99-777A-5450-2F17D5E0103A}"/>
+              </a:ext>
+            </a:extLst>
+          </p:cNvPr>
+          <p:cNvCxnSpPr>
+            <a:cxnSpLocks/>
+            <a:stCxn id="92" idx="3"/>
+            <a:endCxn id="98" idx="1"/>
+          </p:cNvCxnSpPr>
+          <p:nvPr/>
+        </p:nvCxnSpPr>
+        <p:spPr>
+          <a:xfrm flipV="1">
+            <a:off x="8058381" y="2129369"/>
+            <a:ext cx="677787" cy="56295"/>
+          </a:xfrm>
+          <a:prstGeom prst="bentConnector3">
+            <a:avLst/>
+          </a:prstGeom>
+          <a:ln>
+            <a:tailEnd type="triangle"/>
+          </a:ln>
+        </p:spPr>
+        <p:style>
+          <a:lnRef idx="1">
+            <a:schemeClr val="accent1"/>
+          </a:lnRef>
+          <a:fillRef idx="0">
             <a:schemeClr val="accent1"/>
           </a:fillRef>
           <a:effectRef idx="0">
             <a:schemeClr val="accent1"/>
           </a:effectRef>
           <a:fontRef idx="minor">
-            <a:schemeClr val="lt1"/>
+            <a:schemeClr val="tx1"/>
           </a:fontRef>
         </p:style>
-        <p:txBody>
-          <a:bodyPr rtlCol="0" anchor="ctr"/>
-          <a:lstStyle/>
-          <a:p>
-            <a:pPr algn="ctr"/>
-            <a:endParaRPr lang="es-ES" dirty="0"/>
-          </a:p>
-        </p:txBody>
-      </p:sp>
-      <p:sp>
-        <p:nvSpPr>
-          <p:cNvPr id="60" name="Arrow: Right 59">
-            <a:extLst>
-              <a:ext uri="{FF2B5EF4-FFF2-40B4-BE49-F238E27FC236}">
-                <a16:creationId xmlns:a16="http://schemas.microsoft.com/office/drawing/2014/main" id="{13C1B146-6093-45BA-9E45-2DF5E180D60D}"/>
-              </a:ext>
-            </a:extLst>
-          </p:cNvPr>
-          <p:cNvSpPr/>
-          <p:nvPr/>
-        </p:nvSpPr>
-        <p:spPr>
-          <a:xfrm>
-            <a:off x="3158852" y="1413960"/>
-            <a:ext cx="8623845" cy="265029"/>
-          </a:xfrm>
-          <a:prstGeom prst="rightArrow">
-            <a:avLst/>
-          </a:prstGeom>
-          <a:solidFill>
-            <a:schemeClr val="accent6">
-              <a:lumMod val="75000"/>
-            </a:schemeClr>
-          </a:solidFill>
+      </p:cxnSp>
+      <p:cxnSp>
+        <p:nvCxnSpPr>
+          <p:cNvPr id="262" name="Connector: Elbow 261">
+            <a:extLst>
+              <a:ext uri="{FF2B5EF4-FFF2-40B4-BE49-F238E27FC236}">
+                <a16:creationId xmlns:a16="http://schemas.microsoft.com/office/drawing/2014/main" id="{B99ADE89-BB5B-A3C7-D489-E05358275437}"/>
+              </a:ext>
+            </a:extLst>
+          </p:cNvPr>
+          <p:cNvCxnSpPr>
+            <a:cxnSpLocks/>
+            <a:stCxn id="40" idx="0"/>
+            <a:endCxn id="92" idx="1"/>
+          </p:cNvCxnSpPr>
+          <p:nvPr/>
+        </p:nvCxnSpPr>
+        <p:spPr>
+          <a:xfrm rot="5400000" flipH="1" flipV="1">
+            <a:off x="5974238" y="1885959"/>
+            <a:ext cx="272597" cy="872008"/>
+          </a:xfrm>
+          <a:prstGeom prst="bentConnector2">
+            <a:avLst/>
+          </a:prstGeom>
+          <a:ln>
+            <a:solidFill>
+              <a:schemeClr val="accent2">
+                <a:lumMod val="75000"/>
+              </a:schemeClr>
+            </a:solidFill>
+            <a:tailEnd type="triangle"/>
+          </a:ln>
         </p:spPr>
         <p:style>
-          <a:lnRef idx="2">
-            <a:schemeClr val="accent1">
-              <a:shade val="50000"/>
-            </a:schemeClr>
+          <a:lnRef idx="1">
+            <a:schemeClr val="accent1"/>
           </a:lnRef>
-          <a:fillRef idx="1">
+          <a:fillRef idx="0">
             <a:schemeClr val="accent1"/>
           </a:fillRef>
           <a:effectRef idx="0">
             <a:schemeClr val="accent1"/>
           </a:effectRef>
           <a:fontRef idx="minor">
-            <a:schemeClr val="lt1"/>
+            <a:schemeClr val="tx1"/>
           </a:fontRef>
         </p:style>
-        <p:txBody>
-          <a:bodyPr rtlCol="0" anchor="ctr"/>
-          <a:lstStyle/>
-          <a:p>
-            <a:pPr algn="ctr"/>
-            <a:endParaRPr lang="es-ES" dirty="0"/>
-          </a:p>
-        </p:txBody>
-      </p:sp>
-      <p:sp>
-        <p:nvSpPr>
-          <p:cNvPr id="61" name="Arrow: Right 60">
-            <a:extLst>
-              <a:ext uri="{FF2B5EF4-FFF2-40B4-BE49-F238E27FC236}">
-                <a16:creationId xmlns:a16="http://schemas.microsoft.com/office/drawing/2014/main" id="{40CE3713-8C6D-477B-8FE8-428566380A28}"/>
-              </a:ext>
-            </a:extLst>
-          </p:cNvPr>
-          <p:cNvSpPr/>
-          <p:nvPr/>
-        </p:nvSpPr>
-        <p:spPr>
-          <a:xfrm rot="5400000">
-            <a:off x="4822076" y="1706736"/>
-            <a:ext cx="557199" cy="254668"/>
-          </a:xfrm>
-          <a:prstGeom prst="rightArrow">
-            <a:avLst/>
-          </a:prstGeom>
-          <a:solidFill>
-            <a:schemeClr val="accent6">
-              <a:lumMod val="75000"/>
-            </a:schemeClr>
-          </a:solidFill>
+      </p:cxnSp>
+      <p:cxnSp>
+        <p:nvCxnSpPr>
+          <p:cNvPr id="266" name="Connector: Elbow 265">
+            <a:extLst>
+              <a:ext uri="{FF2B5EF4-FFF2-40B4-BE49-F238E27FC236}">
+                <a16:creationId xmlns:a16="http://schemas.microsoft.com/office/drawing/2014/main" id="{62C5E2A4-49DF-4A34-6290-1FE2BE10A768}"/>
+              </a:ext>
+            </a:extLst>
+          </p:cNvPr>
+          <p:cNvCxnSpPr>
+            <a:cxnSpLocks/>
+            <a:endCxn id="92" idx="2"/>
+          </p:cNvCxnSpPr>
+          <p:nvPr/>
+        </p:nvCxnSpPr>
+        <p:spPr>
+          <a:xfrm rot="10800000">
+            <a:off x="7302461" y="2765399"/>
+            <a:ext cx="1147658" cy="775577"/>
+          </a:xfrm>
+          <a:prstGeom prst="bentConnector2">
+            <a:avLst/>
+          </a:prstGeom>
+          <a:ln>
+            <a:solidFill>
+              <a:srgbClr val="7030A0"/>
+            </a:solidFill>
+            <a:tailEnd type="triangle"/>
+          </a:ln>
         </p:spPr>
         <p:style>
-          <a:lnRef idx="2">
-            <a:schemeClr val="accent1">
-              <a:shade val="50000"/>
-            </a:schemeClr>
+          <a:lnRef idx="1">
+            <a:schemeClr val="accent1"/>
           </a:lnRef>
-          <a:fillRef idx="1">
+          <a:fillRef idx="0">
             <a:schemeClr val="accent1"/>
           </a:fillRef>
           <a:effectRef idx="0">
             <a:schemeClr val="accent1"/>
           </a:effectRef>
           <a:fontRef idx="minor">
-            <a:schemeClr val="lt1"/>
+            <a:schemeClr val="tx1"/>
           </a:fontRef>
         </p:style>
-        <p:txBody>
-          <a:bodyPr rtlCol="0" anchor="ctr"/>
-          <a:lstStyle/>
-          <a:p>
-            <a:pPr algn="ctr"/>
-            <a:endParaRPr lang="es-ES" dirty="0"/>
-          </a:p>
-        </p:txBody>
-      </p:sp>
-      <p:pic>
-        <p:nvPicPr>
-          <p:cNvPr id="63" name="Picture 62">
-            <a:extLst>
-              <a:ext uri="{FF2B5EF4-FFF2-40B4-BE49-F238E27FC236}">
-                <a16:creationId xmlns:a16="http://schemas.microsoft.com/office/drawing/2014/main" id="{1E300BC3-02B3-474E-A517-9F99F0C8B571}"/>
-              </a:ext>
-            </a:extLst>
-          </p:cNvPr>
-          <p:cNvPicPr>
-            <a:picLocks noChangeAspect="1"/>
-          </p:cNvPicPr>
-          <p:nvPr/>
-        </p:nvPicPr>
-        <p:blipFill>
-          <a:blip r:embed="rId6">
-            <a:extLst>
-              <a:ext uri="{28A0092B-C50C-407E-A947-70E740481C1C}">
-                <a14:useLocalDpi xmlns:a14="http://schemas.microsoft.com/office/drawing/2010/main" val="0"/>
-              </a:ext>
-            </a:extLst>
-          </a:blip>
-          <a:stretch>
-            <a:fillRect/>
-          </a:stretch>
-        </p:blipFill>
-        <p:spPr>
-          <a:xfrm>
-            <a:off x="9787483" y="5399392"/>
-            <a:ext cx="1422405" cy="846430"/>
+      </p:cxnSp>
+      <p:sp>
+        <p:nvSpPr>
+          <p:cNvPr id="275" name="TextBox 274">
+            <a:extLst>
+              <a:ext uri="{FF2B5EF4-FFF2-40B4-BE49-F238E27FC236}">
+                <a16:creationId xmlns:a16="http://schemas.microsoft.com/office/drawing/2014/main" id="{EEF26AF4-2E52-414A-7645-15C2DADB3A9A}"/>
+              </a:ext>
+            </a:extLst>
+          </p:cNvPr>
+          <p:cNvSpPr txBox="1"/>
+          <p:nvPr/>
+        </p:nvSpPr>
+        <p:spPr>
+          <a:xfrm>
+            <a:off x="5828732" y="537076"/>
+            <a:ext cx="2902974" cy="276999"/>
           </a:xfrm>
           <a:prstGeom prst="rect">
             <a:avLst/>
           </a:prstGeom>
-        </p:spPr>
-      </p:pic>
-      <p:sp>
-        <p:nvSpPr>
-          <p:cNvPr id="66" name="Arrow: Right 65">
-            <a:extLst>
-              <a:ext uri="{FF2B5EF4-FFF2-40B4-BE49-F238E27FC236}">
-                <a16:creationId xmlns:a16="http://schemas.microsoft.com/office/drawing/2014/main" id="{C447CC01-A58C-4B14-8D54-E513C20AE6F4}"/>
-              </a:ext>
-            </a:extLst>
-          </p:cNvPr>
-          <p:cNvSpPr/>
-          <p:nvPr/>
-        </p:nvSpPr>
-        <p:spPr>
-          <a:xfrm rot="16200000">
-            <a:off x="3416469" y="4851047"/>
-            <a:ext cx="2963482" cy="223109"/>
-          </a:xfrm>
-          <a:prstGeom prst="rightArrow">
-            <a:avLst/>
-          </a:prstGeom>
-          <a:solidFill>
-            <a:schemeClr val="accent4">
-              <a:lumMod val="75000"/>
-            </a:schemeClr>
-          </a:solidFill>
+          <a:noFill/>
+        </p:spPr>
+        <p:txBody>
+          <a:bodyPr wrap="none" rtlCol="0">
+            <a:spAutoFit/>
+          </a:bodyPr>
+          <a:lstStyle/>
+          <a:p>
+            <a:r>
+              <a:rPr lang="es-AR" sz="1200" dirty="0">
+                <a:solidFill>
+                  <a:schemeClr val="accent1">
+                    <a:lumMod val="75000"/>
+                  </a:schemeClr>
+                </a:solidFill>
+              </a:rPr>
+              <a:t>http://localhost:9295/v1/inmueble-service</a:t>
+            </a:r>
+            <a:endParaRPr lang="es-ES" sz="1200" dirty="0">
+              <a:solidFill>
+                <a:schemeClr val="accent1">
+                  <a:lumMod val="75000"/>
+                </a:schemeClr>
+              </a:solidFill>
+            </a:endParaRPr>
+          </a:p>
+        </p:txBody>
+      </p:sp>
+      <p:sp>
+        <p:nvSpPr>
+          <p:cNvPr id="282" name="TextBox 281">
+            <a:extLst>
+              <a:ext uri="{FF2B5EF4-FFF2-40B4-BE49-F238E27FC236}">
+                <a16:creationId xmlns:a16="http://schemas.microsoft.com/office/drawing/2014/main" id="{B867C117-E732-CA2D-9E25-74C05E5CE07C}"/>
+              </a:ext>
+            </a:extLst>
+          </p:cNvPr>
+          <p:cNvSpPr txBox="1"/>
+          <p:nvPr/>
+        </p:nvSpPr>
+        <p:spPr>
+          <a:xfrm>
+            <a:off x="5828732" y="733297"/>
+            <a:ext cx="3646383" cy="276999"/>
+          </a:xfrm>
+          <a:prstGeom prst="rect">
+            <a:avLst/>
+          </a:prstGeom>
+          <a:noFill/>
+        </p:spPr>
+        <p:txBody>
+          <a:bodyPr wrap="none" rtlCol="0">
+            <a:spAutoFit/>
+          </a:bodyPr>
+          <a:lstStyle/>
+          <a:p>
+            <a:r>
+              <a:rPr lang="es-AR" sz="1200" dirty="0">
+                <a:solidFill>
+                  <a:schemeClr val="accent1">
+                    <a:lumMod val="75000"/>
+                  </a:schemeClr>
+                </a:solidFill>
+              </a:rPr>
+              <a:t>http://localhost:9295/v1/propietario-inmueble-service</a:t>
+            </a:r>
+            <a:endParaRPr lang="es-ES" sz="1200" dirty="0">
+              <a:solidFill>
+                <a:schemeClr val="accent1">
+                  <a:lumMod val="75000"/>
+                </a:schemeClr>
+              </a:solidFill>
+            </a:endParaRPr>
+          </a:p>
+        </p:txBody>
+      </p:sp>
+      <p:sp>
+        <p:nvSpPr>
+          <p:cNvPr id="283" name="TextBox 282">
+            <a:extLst>
+              <a:ext uri="{FF2B5EF4-FFF2-40B4-BE49-F238E27FC236}">
+                <a16:creationId xmlns:a16="http://schemas.microsoft.com/office/drawing/2014/main" id="{954E3031-7B98-8C25-78C2-37D8396F2C71}"/>
+              </a:ext>
+            </a:extLst>
+          </p:cNvPr>
+          <p:cNvSpPr txBox="1"/>
+          <p:nvPr/>
+        </p:nvSpPr>
+        <p:spPr>
+          <a:xfrm>
+            <a:off x="5832054" y="933814"/>
+            <a:ext cx="3611501" cy="276999"/>
+          </a:xfrm>
+          <a:prstGeom prst="rect">
+            <a:avLst/>
+          </a:prstGeom>
+          <a:noFill/>
+        </p:spPr>
+        <p:txBody>
+          <a:bodyPr wrap="none" rtlCol="0">
+            <a:spAutoFit/>
+          </a:bodyPr>
+          <a:lstStyle/>
+          <a:p>
+            <a:r>
+              <a:rPr lang="es-AR" sz="1200" dirty="0">
+                <a:solidFill>
+                  <a:schemeClr val="accent1">
+                    <a:lumMod val="75000"/>
+                  </a:schemeClr>
+                </a:solidFill>
+              </a:rPr>
+              <a:t>http://localhost:9295/v1/inspección-inmueble-service</a:t>
+            </a:r>
+            <a:endParaRPr lang="es-ES" sz="1200" dirty="0">
+              <a:solidFill>
+                <a:schemeClr val="accent1">
+                  <a:lumMod val="75000"/>
+                </a:schemeClr>
+              </a:solidFill>
+            </a:endParaRPr>
+          </a:p>
+        </p:txBody>
+      </p:sp>
+      <p:cxnSp>
+        <p:nvCxnSpPr>
+          <p:cNvPr id="287" name="Connector: Elbow 286">
+            <a:extLst>
+              <a:ext uri="{FF2B5EF4-FFF2-40B4-BE49-F238E27FC236}">
+                <a16:creationId xmlns:a16="http://schemas.microsoft.com/office/drawing/2014/main" id="{A2E5BE34-A884-EA77-87CE-F2C28498E219}"/>
+              </a:ext>
+            </a:extLst>
+          </p:cNvPr>
+          <p:cNvCxnSpPr>
+            <a:stCxn id="243" idx="2"/>
+            <a:endCxn id="121" idx="3"/>
+          </p:cNvCxnSpPr>
+          <p:nvPr/>
+        </p:nvCxnSpPr>
+        <p:spPr>
+          <a:xfrm rot="5400000">
+            <a:off x="10029521" y="5400648"/>
+            <a:ext cx="1098938" cy="502559"/>
+          </a:xfrm>
+          <a:prstGeom prst="bentConnector2">
+            <a:avLst/>
+          </a:prstGeom>
+          <a:ln>
+            <a:solidFill>
+              <a:schemeClr val="accent2"/>
+            </a:solidFill>
+            <a:tailEnd type="triangle"/>
+          </a:ln>
         </p:spPr>
         <p:style>
-          <a:lnRef idx="2">
-            <a:schemeClr val="accent1">
-              <a:shade val="50000"/>
-            </a:schemeClr>
+          <a:lnRef idx="1">
+            <a:schemeClr val="accent1"/>
           </a:lnRef>
-          <a:fillRef idx="1">
+          <a:fillRef idx="0">
             <a:schemeClr val="accent1"/>
           </a:fillRef>
           <a:effectRef idx="0">
             <a:schemeClr val="accent1"/>
           </a:effectRef>
           <a:fontRef idx="minor">
+            <a:schemeClr val="tx1"/>
+          </a:fontRef>
+        </p:style>
+      </p:cxnSp>
+      <p:sp>
+        <p:nvSpPr>
+          <p:cNvPr id="304" name="Callout: Down Arrow 303">
+            <a:extLst>
+              <a:ext uri="{FF2B5EF4-FFF2-40B4-BE49-F238E27FC236}">
+                <a16:creationId xmlns:a16="http://schemas.microsoft.com/office/drawing/2014/main" id="{B616304B-A8B9-41D1-3E6A-FB4F050BC344}"/>
+              </a:ext>
+            </a:extLst>
+          </p:cNvPr>
+          <p:cNvSpPr/>
+          <p:nvPr/>
+        </p:nvSpPr>
+        <p:spPr>
+          <a:xfrm>
+            <a:off x="5858110" y="543172"/>
+            <a:ext cx="3540996" cy="1172154"/>
+          </a:xfrm>
+          <a:prstGeom prst="downArrowCallout">
+            <a:avLst/>
+          </a:prstGeom>
+          <a:solidFill>
+            <a:schemeClr val="accent5">
+              <a:alpha val="50000"/>
+            </a:schemeClr>
+          </a:solidFill>
+          <a:ln>
+            <a:noFill/>
+          </a:ln>
+        </p:spPr>
+        <p:style>
+          <a:lnRef idx="0">
+            <a:scrgbClr r="0" g="0" b="0"/>
+          </a:lnRef>
+          <a:fillRef idx="0">
+            <a:scrgbClr r="0" g="0" b="0"/>
+          </a:fillRef>
+          <a:effectRef idx="0">
+            <a:scrgbClr r="0" g="0" b="0"/>
+          </a:effectRef>
+          <a:fontRef idx="minor">
             <a:schemeClr val="lt1"/>
           </a:fontRef>
         </p:style>
@@ -4297,48 +6186,12 @@
           </a:p>
         </p:txBody>
       </p:sp>
-      <p:pic>
-        <p:nvPicPr>
-          <p:cNvPr id="68" name="Picture 67">
-            <a:extLst>
-              <a:ext uri="{FF2B5EF4-FFF2-40B4-BE49-F238E27FC236}">
-                <a16:creationId xmlns:a16="http://schemas.microsoft.com/office/drawing/2014/main" id="{F58CDB05-2CF9-4CD0-99E2-2491F0E15908}"/>
-              </a:ext>
-            </a:extLst>
-          </p:cNvPr>
-          <p:cNvPicPr>
-            <a:picLocks noChangeAspect="1"/>
-          </p:cNvPicPr>
-          <p:nvPr/>
-        </p:nvPicPr>
-        <p:blipFill>
-          <a:blip r:embed="rId7">
-            <a:extLst>
-              <a:ext uri="{28A0092B-C50C-407E-A947-70E740481C1C}">
-                <a14:useLocalDpi xmlns:a14="http://schemas.microsoft.com/office/drawing/2010/main" val="0"/>
-              </a:ext>
-            </a:extLst>
-          </a:blip>
-          <a:stretch>
-            <a:fillRect/>
-          </a:stretch>
-        </p:blipFill>
-        <p:spPr>
-          <a:xfrm>
-            <a:off x="4706074" y="2455809"/>
-            <a:ext cx="819291" cy="926734"/>
-          </a:xfrm>
-          <a:prstGeom prst="rect">
-            <a:avLst/>
-          </a:prstGeom>
-        </p:spPr>
-      </p:pic>
-      <p:sp>
-        <p:nvSpPr>
-          <p:cNvPr id="71" name="Arrow: Right 70">
-            <a:extLst>
-              <a:ext uri="{FF2B5EF4-FFF2-40B4-BE49-F238E27FC236}">
-                <a16:creationId xmlns:a16="http://schemas.microsoft.com/office/drawing/2014/main" id="{31FE0BE5-5268-4630-ABDF-D610CC58877D}"/>
+      <p:sp>
+        <p:nvSpPr>
+          <p:cNvPr id="309" name="Callout: Down Arrow 308">
+            <a:extLst>
+              <a:ext uri="{FF2B5EF4-FFF2-40B4-BE49-F238E27FC236}">
+                <a16:creationId xmlns:a16="http://schemas.microsoft.com/office/drawing/2014/main" id="{42A3C0A6-3944-3416-A5AF-6DFDDD551BCD}"/>
               </a:ext>
             </a:extLst>
           </p:cNvPr>
@@ -4346,360 +6199,333 @@
           <p:nvPr/>
         </p:nvSpPr>
         <p:spPr>
-          <a:xfrm>
-            <a:off x="4034990" y="5876457"/>
-            <a:ext cx="5675542" cy="310208"/>
-          </a:xfrm>
-          <a:prstGeom prst="rightArrow">
+          <a:xfrm rot="10800000">
+            <a:off x="4652697" y="4329778"/>
+            <a:ext cx="3242619" cy="1172154"/>
+          </a:xfrm>
+          <a:prstGeom prst="downArrowCallout">
             <a:avLst/>
           </a:prstGeom>
           <a:solidFill>
-            <a:schemeClr val="accent1">
-              <a:lumMod val="75000"/>
+            <a:schemeClr val="accent5">
+              <a:alpha val="50000"/>
             </a:schemeClr>
           </a:solidFill>
+          <a:ln>
+            <a:noFill/>
+          </a:ln>
         </p:spPr>
         <p:style>
-          <a:lnRef idx="2">
-            <a:schemeClr val="accent1">
-              <a:shade val="50000"/>
-            </a:schemeClr>
+          <a:lnRef idx="0">
+            <a:scrgbClr r="0" g="0" b="0"/>
           </a:lnRef>
-          <a:fillRef idx="1">
+          <a:fillRef idx="0">
+            <a:scrgbClr r="0" g="0" b="0"/>
+          </a:fillRef>
+          <a:effectRef idx="0">
+            <a:scrgbClr r="0" g="0" b="0"/>
+          </a:effectRef>
+          <a:fontRef idx="minor">
+            <a:schemeClr val="lt1"/>
+          </a:fontRef>
+        </p:style>
+        <p:txBody>
+          <a:bodyPr rtlCol="0" anchor="ctr"/>
+          <a:lstStyle/>
+          <a:p>
+            <a:pPr algn="ctr"/>
+            <a:endParaRPr lang="es-ES" dirty="0"/>
+          </a:p>
+        </p:txBody>
+      </p:sp>
+      <p:sp>
+        <p:nvSpPr>
+          <p:cNvPr id="312" name="TextBox 311">
+            <a:extLst>
+              <a:ext uri="{FF2B5EF4-FFF2-40B4-BE49-F238E27FC236}">
+                <a16:creationId xmlns:a16="http://schemas.microsoft.com/office/drawing/2014/main" id="{DC044D95-A92F-E403-09FE-B5BFD1CCE53F}"/>
+              </a:ext>
+            </a:extLst>
+          </p:cNvPr>
+          <p:cNvSpPr txBox="1"/>
+          <p:nvPr/>
+        </p:nvSpPr>
+        <p:spPr>
+          <a:xfrm>
+            <a:off x="2557156" y="4680962"/>
+            <a:ext cx="460382" cy="338554"/>
+          </a:xfrm>
+          <a:prstGeom prst="rect">
+            <a:avLst/>
+          </a:prstGeom>
+          <a:noFill/>
+        </p:spPr>
+        <p:txBody>
+          <a:bodyPr wrap="none" rtlCol="0">
+            <a:spAutoFit/>
+          </a:bodyPr>
+          <a:lstStyle/>
+          <a:p>
+            <a:r>
+              <a:rPr lang="es-AR" sz="1600" dirty="0">
+                <a:solidFill>
+                  <a:schemeClr val="accent1">
+                    <a:lumMod val="75000"/>
+                  </a:schemeClr>
+                </a:solidFill>
+              </a:rPr>
+              <a:t>API</a:t>
+            </a:r>
+            <a:endParaRPr lang="es-ES" sz="1600" dirty="0">
+              <a:solidFill>
+                <a:schemeClr val="accent1">
+                  <a:lumMod val="75000"/>
+                </a:schemeClr>
+              </a:solidFill>
+            </a:endParaRPr>
+          </a:p>
+        </p:txBody>
+      </p:sp>
+      <p:cxnSp>
+        <p:nvCxnSpPr>
+          <p:cNvPr id="317" name="Connector: Elbow 316">
+            <a:extLst>
+              <a:ext uri="{FF2B5EF4-FFF2-40B4-BE49-F238E27FC236}">
+                <a16:creationId xmlns:a16="http://schemas.microsoft.com/office/drawing/2014/main" id="{F7E619F7-0A83-88AD-63F0-5527EA26CC92}"/>
+              </a:ext>
+            </a:extLst>
+          </p:cNvPr>
+          <p:cNvCxnSpPr>
+            <a:cxnSpLocks/>
+          </p:cNvCxnSpPr>
+          <p:nvPr/>
+        </p:nvCxnSpPr>
+        <p:spPr>
+          <a:xfrm>
+            <a:off x="3827605" y="3824174"/>
+            <a:ext cx="4991187" cy="2623779"/>
+          </a:xfrm>
+          <a:prstGeom prst="bentConnector3">
+            <a:avLst>
+              <a:gd name="adj1" fmla="val 2367"/>
+            </a:avLst>
+          </a:prstGeom>
+          <a:ln>
+            <a:solidFill>
+              <a:schemeClr val="accent4">
+                <a:lumMod val="75000"/>
+              </a:schemeClr>
+            </a:solidFill>
+            <a:tailEnd type="triangle"/>
+          </a:ln>
+        </p:spPr>
+        <p:style>
+          <a:lnRef idx="1">
+            <a:schemeClr val="accent1"/>
+          </a:lnRef>
+          <a:fillRef idx="0">
             <a:schemeClr val="accent1"/>
           </a:fillRef>
           <a:effectRef idx="0">
             <a:schemeClr val="accent1"/>
           </a:effectRef>
           <a:fontRef idx="minor">
-            <a:schemeClr val="lt1"/>
+            <a:schemeClr val="tx1"/>
           </a:fontRef>
         </p:style>
-        <p:txBody>
-          <a:bodyPr rtlCol="0" anchor="ctr"/>
-          <a:lstStyle/>
-          <a:p>
-            <a:pPr algn="ctr"/>
-            <a:endParaRPr lang="es-ES" dirty="0"/>
-          </a:p>
-        </p:txBody>
-      </p:sp>
-      <p:sp>
-        <p:nvSpPr>
-          <p:cNvPr id="72" name="Arrow: Right 71">
-            <a:extLst>
-              <a:ext uri="{FF2B5EF4-FFF2-40B4-BE49-F238E27FC236}">
-                <a16:creationId xmlns:a16="http://schemas.microsoft.com/office/drawing/2014/main" id="{D098D699-EBD2-4713-8190-7F8CD07A0F7B}"/>
-              </a:ext>
-            </a:extLst>
-          </p:cNvPr>
-          <p:cNvSpPr/>
-          <p:nvPr/>
-        </p:nvSpPr>
-        <p:spPr>
-          <a:xfrm rot="5400000">
-            <a:off x="2696361" y="4522526"/>
-            <a:ext cx="2889658" cy="223107"/>
-          </a:xfrm>
-          <a:prstGeom prst="rightArrow">
-            <a:avLst/>
-          </a:prstGeom>
-          <a:solidFill>
-            <a:schemeClr val="accent1">
-              <a:lumMod val="75000"/>
-            </a:schemeClr>
-          </a:solidFill>
+      </p:cxnSp>
+      <p:cxnSp>
+        <p:nvCxnSpPr>
+          <p:cNvPr id="333" name="Connector: Elbow 332">
+            <a:extLst>
+              <a:ext uri="{FF2B5EF4-FFF2-40B4-BE49-F238E27FC236}">
+                <a16:creationId xmlns:a16="http://schemas.microsoft.com/office/drawing/2014/main" id="{C1114E2B-EB70-7CE8-F5F4-DCC458D6894A}"/>
+              </a:ext>
+            </a:extLst>
+          </p:cNvPr>
+          <p:cNvCxnSpPr>
+            <a:cxnSpLocks/>
+            <a:endCxn id="121" idx="1"/>
+          </p:cNvCxnSpPr>
+          <p:nvPr/>
+        </p:nvCxnSpPr>
+        <p:spPr>
+          <a:xfrm>
+            <a:off x="3740457" y="1867304"/>
+            <a:ext cx="5091467" cy="4334092"/>
+          </a:xfrm>
+          <a:prstGeom prst="bentConnector3">
+            <a:avLst>
+              <a:gd name="adj1" fmla="val 6897"/>
+            </a:avLst>
+          </a:prstGeom>
+          <a:ln>
+            <a:tailEnd type="triangle"/>
+          </a:ln>
         </p:spPr>
         <p:style>
-          <a:lnRef idx="2">
-            <a:schemeClr val="accent1">
-              <a:shade val="50000"/>
-            </a:schemeClr>
+          <a:lnRef idx="1">
+            <a:schemeClr val="accent1"/>
           </a:lnRef>
-          <a:fillRef idx="1">
+          <a:fillRef idx="0">
             <a:schemeClr val="accent1"/>
           </a:fillRef>
           <a:effectRef idx="0">
             <a:schemeClr val="accent1"/>
           </a:effectRef>
           <a:fontRef idx="minor">
-            <a:schemeClr val="lt1"/>
+            <a:schemeClr val="tx1"/>
           </a:fontRef>
         </p:style>
-        <p:txBody>
-          <a:bodyPr rtlCol="0" anchor="ctr"/>
-          <a:lstStyle/>
-          <a:p>
-            <a:pPr algn="ctr"/>
-            <a:endParaRPr lang="es-ES" dirty="0"/>
-          </a:p>
-        </p:txBody>
-      </p:sp>
-      <p:sp>
-        <p:nvSpPr>
-          <p:cNvPr id="73" name="Arrow: Right 72">
-            <a:extLst>
-              <a:ext uri="{FF2B5EF4-FFF2-40B4-BE49-F238E27FC236}">
-                <a16:creationId xmlns:a16="http://schemas.microsoft.com/office/drawing/2014/main" id="{0179E20C-466F-4ED4-87DD-0B655C1C8EE4}"/>
-              </a:ext>
-            </a:extLst>
-          </p:cNvPr>
-          <p:cNvSpPr/>
-          <p:nvPr/>
-        </p:nvSpPr>
-        <p:spPr>
-          <a:xfrm rot="5400000">
-            <a:off x="9510977" y="3466619"/>
-            <a:ext cx="4358776" cy="309633"/>
-          </a:xfrm>
-          <a:prstGeom prst="rightArrow">
-            <a:avLst/>
-          </a:prstGeom>
-          <a:solidFill>
-            <a:schemeClr val="accent6">
-              <a:lumMod val="75000"/>
-            </a:schemeClr>
-          </a:solidFill>
+      </p:cxnSp>
+      <p:cxnSp>
+        <p:nvCxnSpPr>
+          <p:cNvPr id="342" name="Connector: Elbow 341">
+            <a:extLst>
+              <a:ext uri="{FF2B5EF4-FFF2-40B4-BE49-F238E27FC236}">
+                <a16:creationId xmlns:a16="http://schemas.microsoft.com/office/drawing/2014/main" id="{A7414DF9-380C-F0B8-4809-17CC24C54C1E}"/>
+              </a:ext>
+            </a:extLst>
+          </p:cNvPr>
+          <p:cNvCxnSpPr>
+            <a:cxnSpLocks/>
+            <a:stCxn id="243" idx="0"/>
+            <a:endCxn id="112" idx="2"/>
+          </p:cNvCxnSpPr>
+          <p:nvPr/>
+        </p:nvCxnSpPr>
+        <p:spPr>
+          <a:xfrm rot="5400000" flipH="1" flipV="1">
+            <a:off x="10789984" y="3388791"/>
+            <a:ext cx="594485" cy="513915"/>
+          </a:xfrm>
+          <a:prstGeom prst="bentConnector3">
+            <a:avLst/>
+          </a:prstGeom>
+          <a:ln>
+            <a:solidFill>
+              <a:schemeClr val="accent2"/>
+            </a:solidFill>
+            <a:tailEnd type="triangle"/>
+          </a:ln>
         </p:spPr>
         <p:style>
-          <a:lnRef idx="2">
-            <a:schemeClr val="accent1">
-              <a:shade val="50000"/>
-            </a:schemeClr>
+          <a:lnRef idx="1">
+            <a:schemeClr val="accent1"/>
           </a:lnRef>
-          <a:fillRef idx="1">
+          <a:fillRef idx="0">
             <a:schemeClr val="accent1"/>
           </a:fillRef>
           <a:effectRef idx="0">
             <a:schemeClr val="accent1"/>
           </a:effectRef>
           <a:fontRef idx="minor">
-            <a:schemeClr val="lt1"/>
+            <a:schemeClr val="tx1"/>
           </a:fontRef>
         </p:style>
-        <p:txBody>
-          <a:bodyPr rtlCol="0" anchor="ctr"/>
-          <a:lstStyle/>
-          <a:p>
-            <a:pPr algn="ctr"/>
-            <a:endParaRPr lang="es-ES" dirty="0"/>
-          </a:p>
-        </p:txBody>
-      </p:sp>
-      <p:pic>
-        <p:nvPicPr>
-          <p:cNvPr id="75" name="Picture 74">
-            <a:extLst>
-              <a:ext uri="{FF2B5EF4-FFF2-40B4-BE49-F238E27FC236}">
-                <a16:creationId xmlns:a16="http://schemas.microsoft.com/office/drawing/2014/main" id="{A9098F92-3B32-45A1-804F-593A5875DD19}"/>
-              </a:ext>
-            </a:extLst>
-          </p:cNvPr>
-          <p:cNvPicPr>
-            <a:picLocks noChangeAspect="1"/>
-          </p:cNvPicPr>
-          <p:nvPr/>
-        </p:nvPicPr>
-        <p:blipFill>
-          <a:blip r:embed="rId8">
-            <a:extLst>
-              <a:ext uri="{28A0092B-C50C-407E-A947-70E740481C1C}">
-                <a14:useLocalDpi xmlns:a14="http://schemas.microsoft.com/office/drawing/2010/main" val="0"/>
-              </a:ext>
-            </a:extLst>
-          </a:blip>
-          <a:stretch>
-            <a:fillRect/>
-          </a:stretch>
-        </p:blipFill>
-        <p:spPr>
-          <a:xfrm>
-            <a:off x="10102756" y="1995484"/>
-            <a:ext cx="910463" cy="824213"/>
-          </a:xfrm>
-          <a:prstGeom prst="rect">
-            <a:avLst/>
-          </a:prstGeom>
-        </p:spPr>
-      </p:pic>
-      <p:pic>
-        <p:nvPicPr>
-          <p:cNvPr id="77" name="Picture 76">
-            <a:extLst>
-              <a:ext uri="{FF2B5EF4-FFF2-40B4-BE49-F238E27FC236}">
-                <a16:creationId xmlns:a16="http://schemas.microsoft.com/office/drawing/2014/main" id="{863388B7-DEEC-4DDB-848E-65F5C1408887}"/>
-              </a:ext>
-            </a:extLst>
-          </p:cNvPr>
-          <p:cNvPicPr>
-            <a:picLocks noChangeAspect="1"/>
-          </p:cNvPicPr>
-          <p:nvPr/>
-        </p:nvPicPr>
-        <p:blipFill>
-          <a:blip r:embed="rId9">
-            <a:extLst>
-              <a:ext uri="{28A0092B-C50C-407E-A947-70E740481C1C}">
-                <a14:useLocalDpi xmlns:a14="http://schemas.microsoft.com/office/drawing/2010/main" val="0"/>
-              </a:ext>
-            </a:extLst>
-          </a:blip>
-          <a:stretch>
-            <a:fillRect/>
-          </a:stretch>
-        </p:blipFill>
-        <p:spPr>
-          <a:xfrm>
-            <a:off x="8570498" y="1995484"/>
-            <a:ext cx="819291" cy="827294"/>
-          </a:xfrm>
-          <a:prstGeom prst="rect">
-            <a:avLst/>
-          </a:prstGeom>
-        </p:spPr>
-      </p:pic>
-      <p:pic>
-        <p:nvPicPr>
-          <p:cNvPr id="81" name="Picture 80">
-            <a:extLst>
-              <a:ext uri="{FF2B5EF4-FFF2-40B4-BE49-F238E27FC236}">
-                <a16:creationId xmlns:a16="http://schemas.microsoft.com/office/drawing/2014/main" id="{B9B65A39-3490-4A65-9AA2-67FF8E82BB44}"/>
-              </a:ext>
-            </a:extLst>
-          </p:cNvPr>
-          <p:cNvPicPr>
-            <a:picLocks noChangeAspect="1"/>
-          </p:cNvPicPr>
-          <p:nvPr/>
-        </p:nvPicPr>
-        <p:blipFill>
-          <a:blip r:embed="rId10">
-            <a:extLst>
-              <a:ext uri="{28A0092B-C50C-407E-A947-70E740481C1C}">
-                <a14:useLocalDpi xmlns:a14="http://schemas.microsoft.com/office/drawing/2010/main" val="0"/>
-              </a:ext>
-            </a:extLst>
-          </a:blip>
-          <a:stretch>
-            <a:fillRect/>
-          </a:stretch>
-        </p:blipFill>
-        <p:spPr>
-          <a:xfrm>
-            <a:off x="6515864" y="1961081"/>
-            <a:ext cx="740942" cy="846430"/>
-          </a:xfrm>
-          <a:prstGeom prst="rect">
-            <a:avLst/>
-          </a:prstGeom>
-        </p:spPr>
-      </p:pic>
-      <p:sp>
-        <p:nvSpPr>
-          <p:cNvPr id="36" name="Arrow: Right 35">
-            <a:extLst>
-              <a:ext uri="{FF2B5EF4-FFF2-40B4-BE49-F238E27FC236}">
-                <a16:creationId xmlns:a16="http://schemas.microsoft.com/office/drawing/2014/main" id="{DED42986-03B6-4DE2-9B4A-0DF174A1F711}"/>
-              </a:ext>
-            </a:extLst>
-          </p:cNvPr>
-          <p:cNvSpPr/>
-          <p:nvPr/>
-        </p:nvSpPr>
-        <p:spPr>
-          <a:xfrm>
-            <a:off x="5548751" y="2580147"/>
-            <a:ext cx="911641" cy="217444"/>
-          </a:xfrm>
-          <a:prstGeom prst="rightArrow">
-            <a:avLst/>
-          </a:prstGeom>
-          <a:solidFill>
-            <a:srgbClr val="7030A0"/>
-          </a:solidFill>
+      </p:cxnSp>
+      <p:cxnSp>
+        <p:nvCxnSpPr>
+          <p:cNvPr id="349" name="Connector: Elbow 348">
+            <a:extLst>
+              <a:ext uri="{FF2B5EF4-FFF2-40B4-BE49-F238E27FC236}">
+                <a16:creationId xmlns:a16="http://schemas.microsoft.com/office/drawing/2014/main" id="{9A8992FD-76F8-538F-48F1-95ACA70B435E}"/>
+              </a:ext>
+            </a:extLst>
+          </p:cNvPr>
+          <p:cNvCxnSpPr>
+            <a:cxnSpLocks/>
+            <a:stCxn id="229" idx="1"/>
+            <a:endCxn id="40" idx="3"/>
+          </p:cNvCxnSpPr>
+          <p:nvPr/>
+        </p:nvCxnSpPr>
+        <p:spPr>
+          <a:xfrm rot="10800000">
+            <a:off x="6358155" y="3426068"/>
+            <a:ext cx="2085489" cy="320984"/>
+          </a:xfrm>
+          <a:prstGeom prst="bentConnector3">
+            <a:avLst>
+              <a:gd name="adj1" fmla="val 75472"/>
+            </a:avLst>
+          </a:prstGeom>
+          <a:ln>
+            <a:solidFill>
+              <a:srgbClr val="7030A0"/>
+            </a:solidFill>
+            <a:tailEnd type="triangle"/>
+          </a:ln>
         </p:spPr>
         <p:style>
-          <a:lnRef idx="2">
-            <a:schemeClr val="accent1">
-              <a:shade val="50000"/>
-            </a:schemeClr>
+          <a:lnRef idx="1">
+            <a:schemeClr val="accent1"/>
           </a:lnRef>
-          <a:fillRef idx="1">
+          <a:fillRef idx="0">
             <a:schemeClr val="accent1"/>
           </a:fillRef>
           <a:effectRef idx="0">
             <a:schemeClr val="accent1"/>
           </a:effectRef>
           <a:fontRef idx="minor">
-            <a:schemeClr val="lt1"/>
+            <a:schemeClr val="tx1"/>
           </a:fontRef>
         </p:style>
-        <p:txBody>
-          <a:bodyPr rtlCol="0" anchor="ctr"/>
-          <a:lstStyle/>
-          <a:p>
-            <a:pPr algn="ctr"/>
-            <a:endParaRPr lang="es-ES" dirty="0"/>
-          </a:p>
-        </p:txBody>
-      </p:sp>
-      <p:sp>
-        <p:nvSpPr>
-          <p:cNvPr id="37" name="Arrow: Right 36">
-            <a:extLst>
-              <a:ext uri="{FF2B5EF4-FFF2-40B4-BE49-F238E27FC236}">
-                <a16:creationId xmlns:a16="http://schemas.microsoft.com/office/drawing/2014/main" id="{6C247B2B-7D0A-4E26-857C-5469D6D88467}"/>
-              </a:ext>
-            </a:extLst>
-          </p:cNvPr>
-          <p:cNvSpPr/>
-          <p:nvPr/>
-        </p:nvSpPr>
-        <p:spPr>
-          <a:xfrm>
-            <a:off x="436548" y="3060006"/>
-            <a:ext cx="1795896" cy="246221"/>
-          </a:xfrm>
-          <a:prstGeom prst="rightArrow">
-            <a:avLst/>
-          </a:prstGeom>
-          <a:solidFill>
-            <a:schemeClr val="accent1">
-              <a:lumMod val="75000"/>
-            </a:schemeClr>
-          </a:solidFill>
+      </p:cxnSp>
+      <p:cxnSp>
+        <p:nvCxnSpPr>
+          <p:cNvPr id="358" name="Connector: Elbow 357">
+            <a:extLst>
+              <a:ext uri="{FF2B5EF4-FFF2-40B4-BE49-F238E27FC236}">
+                <a16:creationId xmlns:a16="http://schemas.microsoft.com/office/drawing/2014/main" id="{0D239956-F40C-B593-090C-C0A7E2483A52}"/>
+              </a:ext>
+            </a:extLst>
+          </p:cNvPr>
+          <p:cNvCxnSpPr>
+            <a:cxnSpLocks/>
+          </p:cNvCxnSpPr>
+          <p:nvPr/>
+        </p:nvCxnSpPr>
+        <p:spPr>
+          <a:xfrm flipV="1">
+            <a:off x="3747592" y="4012769"/>
+            <a:ext cx="1251287" cy="1185828"/>
+          </a:xfrm>
+          <a:prstGeom prst="bentConnector3">
+            <a:avLst>
+              <a:gd name="adj1" fmla="val 50000"/>
+            </a:avLst>
+          </a:prstGeom>
+          <a:ln>
+            <a:solidFill>
+              <a:schemeClr val="accent6">
+                <a:lumMod val="50000"/>
+              </a:schemeClr>
+            </a:solidFill>
+            <a:tailEnd type="triangle"/>
+          </a:ln>
         </p:spPr>
         <p:style>
-          <a:lnRef idx="2">
-            <a:schemeClr val="accent1">
-              <a:shade val="50000"/>
-            </a:schemeClr>
+          <a:lnRef idx="1">
+            <a:schemeClr val="accent1"/>
           </a:lnRef>
-          <a:fillRef idx="1">
+          <a:fillRef idx="0">
             <a:schemeClr val="accent1"/>
           </a:fillRef>
           <a:effectRef idx="0">
             <a:schemeClr val="accent1"/>
           </a:effectRef>
           <a:fontRef idx="minor">
-            <a:schemeClr val="lt1"/>
+            <a:schemeClr val="tx1"/>
           </a:fontRef>
         </p:style>
-        <p:txBody>
-          <a:bodyPr rtlCol="0" anchor="ctr"/>
-          <a:lstStyle/>
-          <a:p>
-            <a:pPr algn="ctr"/>
-            <a:endParaRPr lang="es-ES" dirty="0"/>
-          </a:p>
-        </p:txBody>
-      </p:sp>
-      <p:sp>
-        <p:nvSpPr>
-          <p:cNvPr id="45" name="TextBox 44">
-            <a:extLst>
-              <a:ext uri="{FF2B5EF4-FFF2-40B4-BE49-F238E27FC236}">
-                <a16:creationId xmlns:a16="http://schemas.microsoft.com/office/drawing/2014/main" id="{A3B736B1-E729-451F-A694-699C4F63DEA8}"/>
+      </p:cxnSp>
+      <p:sp>
+        <p:nvSpPr>
+          <p:cNvPr id="363" name="TextBox 362">
+            <a:extLst>
+              <a:ext uri="{FF2B5EF4-FFF2-40B4-BE49-F238E27FC236}">
+                <a16:creationId xmlns:a16="http://schemas.microsoft.com/office/drawing/2014/main" id="{A8AF5591-F56C-9174-9CA2-69AA642591F8}"/>
               </a:ext>
             </a:extLst>
           </p:cNvPr>
@@ -4708,86 +6534,34 @@
         </p:nvSpPr>
         <p:spPr>
           <a:xfrm>
-            <a:off x="4598776" y="2126476"/>
-            <a:ext cx="1049773" cy="246221"/>
+            <a:off x="8558947" y="5344662"/>
+            <a:ext cx="2006062" cy="276999"/>
           </a:xfrm>
           <a:prstGeom prst="rect">
             <a:avLst/>
           </a:prstGeom>
-          <a:solidFill>
-            <a:srgbClr val="7030A0"/>
-          </a:solidFill>
-        </p:spPr>
-        <p:txBody>
-          <a:bodyPr wrap="square">
+          <a:noFill/>
+        </p:spPr>
+        <p:txBody>
+          <a:bodyPr wrap="none" rtlCol="0">
             <a:spAutoFit/>
           </a:bodyPr>
           <a:lstStyle/>
           <a:p>
             <a:r>
-              <a:rPr lang="es-MX" sz="1000" dirty="0">
+              <a:rPr lang="es-AR" sz="1200" dirty="0">
                 <a:solidFill>
-                  <a:schemeClr val="bg1"/>
-                </a:solidFill>
-                <a:latin typeface="Consolas" panose="020B0609020204030204" pitchFamily="49" charset="0"/>
-              </a:rPr>
-              <a:t>API GATEWAY</a:t>
-            </a:r>
-            <a:endParaRPr lang="es-ES" sz="1000" dirty="0">
-              <a:solidFill>
-                <a:schemeClr val="bg1"/>
-              </a:solidFill>
-            </a:endParaRPr>
-          </a:p>
-        </p:txBody>
-      </p:sp>
-      <p:sp>
-        <p:nvSpPr>
-          <p:cNvPr id="49" name="TextBox 48">
-            <a:extLst>
-              <a:ext uri="{FF2B5EF4-FFF2-40B4-BE49-F238E27FC236}">
-                <a16:creationId xmlns:a16="http://schemas.microsoft.com/office/drawing/2014/main" id="{650140CA-2375-4E7A-B1E7-625277946B0F}"/>
-              </a:ext>
-            </a:extLst>
-          </p:cNvPr>
-          <p:cNvSpPr txBox="1"/>
-          <p:nvPr/>
-        </p:nvSpPr>
-        <p:spPr>
-          <a:xfrm>
-            <a:off x="9883916" y="5085809"/>
-            <a:ext cx="1198302" cy="246221"/>
-          </a:xfrm>
-          <a:prstGeom prst="rect">
-            <a:avLst/>
-          </a:prstGeom>
-          <a:solidFill>
-            <a:srgbClr val="00B050"/>
-          </a:solidFill>
-        </p:spPr>
-        <p:txBody>
-          <a:bodyPr wrap="square">
-            <a:spAutoFit/>
-          </a:bodyPr>
-          <a:lstStyle/>
-          <a:p>
-            <a:r>
-              <a:rPr lang="es-MX" sz="1000" dirty="0">
-                <a:solidFill>
-                  <a:schemeClr val="tx1">
-                    <a:lumMod val="95000"/>
-                    <a:lumOff val="5000"/>
+                  <a:schemeClr val="accent1">
+                    <a:lumMod val="75000"/>
                   </a:schemeClr>
                 </a:solidFill>
-                <a:latin typeface="Consolas" panose="020B0609020204030204" pitchFamily="49" charset="0"/>
               </a:rPr>
-              <a:t>EUREKA SERVICE</a:t>
-            </a:r>
-            <a:endParaRPr lang="es-ES" sz="1000" dirty="0">
+              <a:t>http://localhost:8761/eureka</a:t>
+            </a:r>
+            <a:endParaRPr lang="es-ES" sz="1200" dirty="0">
               <a:solidFill>
-                <a:schemeClr val="tx1">
-                  <a:lumMod val="95000"/>
-                  <a:lumOff val="5000"/>
+                <a:schemeClr val="accent1">
+                  <a:lumMod val="75000"/>
                 </a:schemeClr>
               </a:solidFill>
             </a:endParaRPr>
@@ -4796,1024 +6570,376 @@
       </p:sp>
       <p:sp>
         <p:nvSpPr>
-          <p:cNvPr id="50" name="Arrow: Right 49">
-            <a:extLst>
-              <a:ext uri="{FF2B5EF4-FFF2-40B4-BE49-F238E27FC236}">
-                <a16:creationId xmlns:a16="http://schemas.microsoft.com/office/drawing/2014/main" id="{BFF6B0A4-0117-4376-BFB4-F67997AD1BE8}"/>
-              </a:ext>
-            </a:extLst>
-          </p:cNvPr>
-          <p:cNvSpPr/>
-          <p:nvPr/>
-        </p:nvSpPr>
-        <p:spPr>
-          <a:xfrm>
-            <a:off x="5319264" y="5492838"/>
-            <a:ext cx="4391268" cy="302673"/>
-          </a:xfrm>
-          <a:prstGeom prst="rightArrow">
-            <a:avLst/>
-          </a:prstGeom>
-          <a:solidFill>
-            <a:srgbClr val="7030A0"/>
-          </a:solidFill>
+          <p:cNvPr id="364" name="TextBox 363">
+            <a:extLst>
+              <a:ext uri="{FF2B5EF4-FFF2-40B4-BE49-F238E27FC236}">
+                <a16:creationId xmlns:a16="http://schemas.microsoft.com/office/drawing/2014/main" id="{F16C891D-00D4-64EE-B370-0D32BED9FC40}"/>
+              </a:ext>
+            </a:extLst>
+          </p:cNvPr>
+          <p:cNvSpPr txBox="1"/>
+          <p:nvPr/>
+        </p:nvSpPr>
+        <p:spPr>
+          <a:xfrm>
+            <a:off x="10596291" y="1925355"/>
+            <a:ext cx="1522981" cy="276999"/>
+          </a:xfrm>
+          <a:prstGeom prst="rect">
+            <a:avLst/>
+          </a:prstGeom>
+          <a:noFill/>
+        </p:spPr>
+        <p:txBody>
+          <a:bodyPr wrap="none" rtlCol="0">
+            <a:spAutoFit/>
+          </a:bodyPr>
+          <a:lstStyle/>
+          <a:p>
+            <a:r>
+              <a:rPr lang="es-AR" sz="1200" dirty="0">
+                <a:solidFill>
+                  <a:schemeClr val="accent1">
+                    <a:lumMod val="75000"/>
+                  </a:schemeClr>
+                </a:solidFill>
+              </a:rPr>
+              <a:t>http://localhost:3000</a:t>
+            </a:r>
+            <a:endParaRPr lang="es-ES" sz="1200" dirty="0">
+              <a:solidFill>
+                <a:schemeClr val="accent1">
+                  <a:lumMod val="75000"/>
+                </a:schemeClr>
+              </a:solidFill>
+            </a:endParaRPr>
+          </a:p>
+        </p:txBody>
+      </p:sp>
+      <p:sp>
+        <p:nvSpPr>
+          <p:cNvPr id="365" name="TextBox 364">
+            <a:extLst>
+              <a:ext uri="{FF2B5EF4-FFF2-40B4-BE49-F238E27FC236}">
+                <a16:creationId xmlns:a16="http://schemas.microsoft.com/office/drawing/2014/main" id="{4BEDC0E0-FA94-C533-C120-0C622CB13770}"/>
+              </a:ext>
+            </a:extLst>
+          </p:cNvPr>
+          <p:cNvSpPr txBox="1"/>
+          <p:nvPr/>
+        </p:nvSpPr>
+        <p:spPr>
+          <a:xfrm>
+            <a:off x="8154213" y="1313030"/>
+            <a:ext cx="2927853" cy="276999"/>
+          </a:xfrm>
+          <a:prstGeom prst="rect">
+            <a:avLst/>
+          </a:prstGeom>
+          <a:noFill/>
+        </p:spPr>
+        <p:txBody>
+          <a:bodyPr wrap="none" rtlCol="0">
+            <a:spAutoFit/>
+          </a:bodyPr>
+          <a:lstStyle/>
+          <a:p>
+            <a:r>
+              <a:rPr lang="es-AR" sz="1200" dirty="0">
+                <a:solidFill>
+                  <a:schemeClr val="accent1">
+                    <a:lumMod val="75000"/>
+                  </a:schemeClr>
+                </a:solidFill>
+              </a:rPr>
+              <a:t>http://localhost:9295/actuator/prometheus</a:t>
+            </a:r>
+            <a:endParaRPr lang="es-ES" sz="1200" dirty="0">
+              <a:solidFill>
+                <a:schemeClr val="accent1">
+                  <a:lumMod val="75000"/>
+                </a:schemeClr>
+              </a:solidFill>
+            </a:endParaRPr>
+          </a:p>
+        </p:txBody>
+      </p:sp>
+      <p:cxnSp>
+        <p:nvCxnSpPr>
+          <p:cNvPr id="373" name="Connector: Elbow 372">
+            <a:extLst>
+              <a:ext uri="{FF2B5EF4-FFF2-40B4-BE49-F238E27FC236}">
+                <a16:creationId xmlns:a16="http://schemas.microsoft.com/office/drawing/2014/main" id="{92E4FB1D-67D9-6818-0AA5-C77B46B35D68}"/>
+              </a:ext>
+            </a:extLst>
+          </p:cNvPr>
+          <p:cNvCxnSpPr>
+            <a:cxnSpLocks/>
+            <a:stCxn id="98" idx="3"/>
+            <a:endCxn id="112" idx="1"/>
+          </p:cNvCxnSpPr>
+          <p:nvPr/>
+        </p:nvCxnSpPr>
+        <p:spPr>
+          <a:xfrm>
+            <a:off x="10231954" y="2129369"/>
+            <a:ext cx="364337" cy="639402"/>
+          </a:xfrm>
+          <a:prstGeom prst="bentConnector3">
+            <a:avLst/>
+          </a:prstGeom>
+          <a:ln>
+            <a:tailEnd type="triangle"/>
+          </a:ln>
         </p:spPr>
         <p:style>
-          <a:lnRef idx="2">
-            <a:schemeClr val="accent1">
-              <a:shade val="50000"/>
-            </a:schemeClr>
+          <a:lnRef idx="1">
+            <a:schemeClr val="accent1"/>
           </a:lnRef>
-          <a:fillRef idx="1">
+          <a:fillRef idx="0">
             <a:schemeClr val="accent1"/>
           </a:fillRef>
           <a:effectRef idx="0">
             <a:schemeClr val="accent1"/>
           </a:effectRef>
           <a:fontRef idx="minor">
-            <a:schemeClr val="lt1"/>
+            <a:schemeClr val="tx1"/>
           </a:fontRef>
         </p:style>
-        <p:txBody>
-          <a:bodyPr rtlCol="0" anchor="ctr"/>
-          <a:lstStyle/>
-          <a:p>
-            <a:pPr algn="ctr"/>
-            <a:endParaRPr lang="es-ES" dirty="0"/>
-          </a:p>
-        </p:txBody>
-      </p:sp>
-      <p:sp>
-        <p:nvSpPr>
-          <p:cNvPr id="51" name="Arrow: Right 50">
-            <a:extLst>
-              <a:ext uri="{FF2B5EF4-FFF2-40B4-BE49-F238E27FC236}">
-                <a16:creationId xmlns:a16="http://schemas.microsoft.com/office/drawing/2014/main" id="{853AFBB0-098D-48FF-ABE8-7D6F8736D170}"/>
-              </a:ext>
-            </a:extLst>
-          </p:cNvPr>
-          <p:cNvSpPr/>
-          <p:nvPr/>
-        </p:nvSpPr>
-        <p:spPr>
-          <a:xfrm rot="5400000">
-            <a:off x="4258490" y="4462767"/>
-            <a:ext cx="2298260" cy="223108"/>
-          </a:xfrm>
-          <a:prstGeom prst="rightArrow">
-            <a:avLst/>
-          </a:prstGeom>
-          <a:solidFill>
-            <a:srgbClr val="7030A0"/>
-          </a:solidFill>
+      </p:cxnSp>
+      <p:cxnSp>
+        <p:nvCxnSpPr>
+          <p:cNvPr id="29" name="Connector: Elbow 28">
+            <a:extLst>
+              <a:ext uri="{FF2B5EF4-FFF2-40B4-BE49-F238E27FC236}">
+                <a16:creationId xmlns:a16="http://schemas.microsoft.com/office/drawing/2014/main" id="{53CBC8DE-C95C-A15B-97CA-217F86AB56DF}"/>
+              </a:ext>
+            </a:extLst>
+          </p:cNvPr>
+          <p:cNvCxnSpPr/>
+          <p:nvPr/>
+        </p:nvCxnSpPr>
+        <p:spPr>
+          <a:xfrm>
+            <a:off x="1018132" y="2562055"/>
+            <a:ext cx="914400" cy="914400"/>
+          </a:xfrm>
+          <a:prstGeom prst="bentConnector3">
+            <a:avLst/>
+          </a:prstGeom>
+          <a:ln>
+            <a:solidFill>
+              <a:schemeClr val="accent4">
+                <a:lumMod val="75000"/>
+              </a:schemeClr>
+            </a:solidFill>
+            <a:tailEnd type="triangle"/>
+          </a:ln>
         </p:spPr>
         <p:style>
-          <a:lnRef idx="2">
-            <a:schemeClr val="accent1">
-              <a:shade val="50000"/>
-            </a:schemeClr>
+          <a:lnRef idx="1">
+            <a:schemeClr val="accent1"/>
           </a:lnRef>
-          <a:fillRef idx="1">
+          <a:fillRef idx="0">
             <a:schemeClr val="accent1"/>
           </a:fillRef>
           <a:effectRef idx="0">
             <a:schemeClr val="accent1"/>
           </a:effectRef>
           <a:fontRef idx="minor">
-            <a:schemeClr val="lt1"/>
+            <a:schemeClr val="tx1"/>
           </a:fontRef>
         </p:style>
-        <p:txBody>
-          <a:bodyPr rtlCol="0" anchor="ctr"/>
-          <a:lstStyle/>
-          <a:p>
-            <a:pPr algn="ctr"/>
-            <a:endParaRPr lang="es-ES" dirty="0"/>
-          </a:p>
-        </p:txBody>
-      </p:sp>
-      <p:sp>
-        <p:nvSpPr>
-          <p:cNvPr id="54" name="Arrow: Right 53">
-            <a:extLst>
-              <a:ext uri="{FF2B5EF4-FFF2-40B4-BE49-F238E27FC236}">
-                <a16:creationId xmlns:a16="http://schemas.microsoft.com/office/drawing/2014/main" id="{23AD7B89-F143-4F4F-A44E-9D3D73192E16}"/>
-              </a:ext>
-            </a:extLst>
-          </p:cNvPr>
-          <p:cNvSpPr/>
-          <p:nvPr/>
-        </p:nvSpPr>
-        <p:spPr>
-          <a:xfrm>
-            <a:off x="7326694" y="2479112"/>
-            <a:ext cx="1178862" cy="309633"/>
-          </a:xfrm>
-          <a:prstGeom prst="rightArrow">
-            <a:avLst/>
-          </a:prstGeom>
-          <a:solidFill>
-            <a:schemeClr val="accent2">
-              <a:lumMod val="60000"/>
-              <a:lumOff val="40000"/>
-            </a:schemeClr>
-          </a:solidFill>
+      </p:cxnSp>
+      <p:cxnSp>
+        <p:nvCxnSpPr>
+          <p:cNvPr id="31" name="Connector: Elbow 30">
+            <a:extLst>
+              <a:ext uri="{FF2B5EF4-FFF2-40B4-BE49-F238E27FC236}">
+                <a16:creationId xmlns:a16="http://schemas.microsoft.com/office/drawing/2014/main" id="{6387A914-BF26-3E99-2415-0C2DFE6EDD96}"/>
+              </a:ext>
+            </a:extLst>
+          </p:cNvPr>
+          <p:cNvCxnSpPr>
+            <a:cxnSpLocks/>
+          </p:cNvCxnSpPr>
+          <p:nvPr/>
+        </p:nvCxnSpPr>
+        <p:spPr>
+          <a:xfrm>
+            <a:off x="3747592" y="5808618"/>
+            <a:ext cx="5084332" cy="201440"/>
+          </a:xfrm>
+          <a:prstGeom prst="bentConnector3">
+            <a:avLst/>
+          </a:prstGeom>
+          <a:ln>
+            <a:solidFill>
+              <a:schemeClr val="accent6">
+                <a:lumMod val="50000"/>
+              </a:schemeClr>
+            </a:solidFill>
+            <a:tailEnd type="triangle"/>
+          </a:ln>
         </p:spPr>
         <p:style>
-          <a:lnRef idx="2">
-            <a:schemeClr val="accent1">
-              <a:shade val="50000"/>
-            </a:schemeClr>
+          <a:lnRef idx="1">
+            <a:schemeClr val="accent1"/>
           </a:lnRef>
-          <a:fillRef idx="1">
+          <a:fillRef idx="0">
             <a:schemeClr val="accent1"/>
           </a:fillRef>
           <a:effectRef idx="0">
             <a:schemeClr val="accent1"/>
           </a:effectRef>
           <a:fontRef idx="minor">
-            <a:schemeClr val="lt1"/>
+            <a:schemeClr val="tx1"/>
           </a:fontRef>
         </p:style>
-        <p:txBody>
-          <a:bodyPr rtlCol="0" anchor="ctr"/>
-          <a:lstStyle/>
-          <a:p>
-            <a:pPr algn="ctr"/>
-            <a:endParaRPr lang="es-ES" dirty="0"/>
-          </a:p>
-        </p:txBody>
-      </p:sp>
-      <p:sp>
-        <p:nvSpPr>
-          <p:cNvPr id="55" name="TextBox 54">
-            <a:extLst>
-              <a:ext uri="{FF2B5EF4-FFF2-40B4-BE49-F238E27FC236}">
-                <a16:creationId xmlns:a16="http://schemas.microsoft.com/office/drawing/2014/main" id="{2D845994-D362-4F44-A63D-33B0F7617AA0}"/>
-              </a:ext>
-            </a:extLst>
-          </p:cNvPr>
-          <p:cNvSpPr txBox="1"/>
-          <p:nvPr/>
-        </p:nvSpPr>
-        <p:spPr>
-          <a:xfrm>
-            <a:off x="6372019" y="1669159"/>
-            <a:ext cx="1028632" cy="246221"/>
-          </a:xfrm>
-          <a:prstGeom prst="rect">
-            <a:avLst/>
-          </a:prstGeom>
-          <a:solidFill>
-            <a:schemeClr val="accent2">
-              <a:lumMod val="60000"/>
-              <a:lumOff val="40000"/>
-            </a:schemeClr>
-          </a:solidFill>
-        </p:spPr>
-        <p:txBody>
-          <a:bodyPr wrap="square">
-            <a:spAutoFit/>
-          </a:bodyPr>
-          <a:lstStyle/>
-          <a:p>
-            <a:r>
-              <a:rPr lang="es-MX" sz="1000" dirty="0">
-                <a:solidFill>
-                  <a:schemeClr val="tx1">
-                    <a:lumMod val="95000"/>
-                    <a:lumOff val="5000"/>
-                  </a:schemeClr>
-                </a:solidFill>
-                <a:latin typeface="Consolas" panose="020B0609020204030204" pitchFamily="49" charset="0"/>
-              </a:rPr>
-              <a:t>RESILIENCE4J</a:t>
-            </a:r>
-            <a:endParaRPr lang="es-ES" sz="1000" dirty="0">
-              <a:solidFill>
-                <a:schemeClr val="tx1">
-                  <a:lumMod val="95000"/>
-                  <a:lumOff val="5000"/>
-                </a:schemeClr>
-              </a:solidFill>
-            </a:endParaRPr>
-          </a:p>
-        </p:txBody>
-      </p:sp>
-      <p:sp>
-        <p:nvSpPr>
-          <p:cNvPr id="65" name="TextBox 64">
-            <a:extLst>
-              <a:ext uri="{FF2B5EF4-FFF2-40B4-BE49-F238E27FC236}">
-                <a16:creationId xmlns:a16="http://schemas.microsoft.com/office/drawing/2014/main" id="{FE869590-7275-4863-AD61-3C982C19028E}"/>
-              </a:ext>
-            </a:extLst>
-          </p:cNvPr>
-          <p:cNvSpPr txBox="1"/>
-          <p:nvPr/>
-        </p:nvSpPr>
-        <p:spPr>
-          <a:xfrm>
-            <a:off x="8438277" y="1667425"/>
-            <a:ext cx="1050977" cy="276999"/>
-          </a:xfrm>
-          <a:prstGeom prst="rect">
-            <a:avLst/>
-          </a:prstGeom>
-          <a:solidFill>
-            <a:schemeClr val="accent2"/>
-          </a:solidFill>
-        </p:spPr>
-        <p:txBody>
-          <a:bodyPr wrap="square">
-            <a:spAutoFit/>
-          </a:bodyPr>
-          <a:lstStyle/>
-          <a:p>
-            <a:r>
-              <a:rPr lang="es-MX" sz="1200" dirty="0">
-                <a:solidFill>
-                  <a:schemeClr val="tx1">
-                    <a:lumMod val="95000"/>
-                    <a:lumOff val="5000"/>
-                  </a:schemeClr>
-                </a:solidFill>
-                <a:latin typeface="Consolas" panose="020B0609020204030204" pitchFamily="49" charset="0"/>
-              </a:rPr>
-              <a:t>PROMETHEUS</a:t>
-            </a:r>
-            <a:endParaRPr lang="es-ES" sz="1200" dirty="0">
-              <a:solidFill>
-                <a:schemeClr val="tx1">
-                  <a:lumMod val="95000"/>
-                  <a:lumOff val="5000"/>
-                </a:schemeClr>
-              </a:solidFill>
-            </a:endParaRPr>
-          </a:p>
-        </p:txBody>
-      </p:sp>
-      <p:sp>
-        <p:nvSpPr>
-          <p:cNvPr id="67" name="TextBox 66">
-            <a:extLst>
-              <a:ext uri="{FF2B5EF4-FFF2-40B4-BE49-F238E27FC236}">
-                <a16:creationId xmlns:a16="http://schemas.microsoft.com/office/drawing/2014/main" id="{6AA6460F-83CF-43D7-B4CE-71FBD2A259BF}"/>
-              </a:ext>
-            </a:extLst>
-          </p:cNvPr>
-          <p:cNvSpPr txBox="1"/>
-          <p:nvPr/>
-        </p:nvSpPr>
-        <p:spPr>
-          <a:xfrm>
-            <a:off x="10150480" y="1678989"/>
-            <a:ext cx="819291" cy="276999"/>
-          </a:xfrm>
-          <a:prstGeom prst="rect">
-            <a:avLst/>
-          </a:prstGeom>
-          <a:solidFill>
-            <a:srgbClr val="FFFF00"/>
-          </a:solidFill>
-        </p:spPr>
-        <p:txBody>
-          <a:bodyPr wrap="square">
-            <a:spAutoFit/>
-          </a:bodyPr>
-          <a:lstStyle/>
-          <a:p>
-            <a:r>
-              <a:rPr lang="es-MX" sz="1200" dirty="0">
-                <a:solidFill>
-                  <a:schemeClr val="tx1">
-                    <a:lumMod val="95000"/>
-                    <a:lumOff val="5000"/>
-                  </a:schemeClr>
-                </a:solidFill>
-                <a:latin typeface="Consolas" panose="020B0609020204030204" pitchFamily="49" charset="0"/>
-              </a:rPr>
-              <a:t>GRAFANA</a:t>
-            </a:r>
-            <a:endParaRPr lang="es-ES" sz="1200" dirty="0">
-              <a:solidFill>
-                <a:schemeClr val="tx1">
-                  <a:lumMod val="95000"/>
-                  <a:lumOff val="5000"/>
-                </a:schemeClr>
-              </a:solidFill>
-            </a:endParaRPr>
-          </a:p>
-        </p:txBody>
-      </p:sp>
-      <p:sp>
-        <p:nvSpPr>
-          <p:cNvPr id="70" name="Arrow: Right 69">
-            <a:extLst>
-              <a:ext uri="{FF2B5EF4-FFF2-40B4-BE49-F238E27FC236}">
-                <a16:creationId xmlns:a16="http://schemas.microsoft.com/office/drawing/2014/main" id="{E1EC6B2C-37F4-41B0-9105-186DCBFA41DD}"/>
-              </a:ext>
-            </a:extLst>
-          </p:cNvPr>
-          <p:cNvSpPr/>
-          <p:nvPr/>
-        </p:nvSpPr>
-        <p:spPr>
-          <a:xfrm>
-            <a:off x="9448275" y="2489506"/>
-            <a:ext cx="589591" cy="309633"/>
-          </a:xfrm>
-          <a:prstGeom prst="rightArrow">
-            <a:avLst/>
-          </a:prstGeom>
-          <a:solidFill>
-            <a:schemeClr val="accent2"/>
-          </a:solidFill>
+      </p:cxnSp>
+      <p:cxnSp>
+        <p:nvCxnSpPr>
+          <p:cNvPr id="47" name="Connector: Elbow 46">
+            <a:extLst>
+              <a:ext uri="{FF2B5EF4-FFF2-40B4-BE49-F238E27FC236}">
+                <a16:creationId xmlns:a16="http://schemas.microsoft.com/office/drawing/2014/main" id="{DB5DF192-E72F-14D6-316B-9B1A873EEAC2}"/>
+              </a:ext>
+            </a:extLst>
+          </p:cNvPr>
+          <p:cNvCxnSpPr>
+            <a:cxnSpLocks/>
+          </p:cNvCxnSpPr>
+          <p:nvPr/>
+        </p:nvCxnSpPr>
+        <p:spPr>
+          <a:xfrm rot="5400000">
+            <a:off x="9479715" y="4231104"/>
+            <a:ext cx="3182924" cy="1417727"/>
+          </a:xfrm>
+          <a:prstGeom prst="bentConnector3">
+            <a:avLst>
+              <a:gd name="adj1" fmla="val 100069"/>
+            </a:avLst>
+          </a:prstGeom>
+          <a:ln>
+            <a:tailEnd type="triangle"/>
+          </a:ln>
         </p:spPr>
         <p:style>
-          <a:lnRef idx="2">
-            <a:schemeClr val="accent1">
-              <a:shade val="50000"/>
-            </a:schemeClr>
+          <a:lnRef idx="1">
+            <a:schemeClr val="accent1"/>
           </a:lnRef>
-          <a:fillRef idx="1">
+          <a:fillRef idx="0">
             <a:schemeClr val="accent1"/>
           </a:fillRef>
           <a:effectRef idx="0">
             <a:schemeClr val="accent1"/>
           </a:effectRef>
           <a:fontRef idx="minor">
-            <a:schemeClr val="lt1"/>
+            <a:schemeClr val="tx1"/>
           </a:fontRef>
         </p:style>
-        <p:txBody>
-          <a:bodyPr rtlCol="0" anchor="ctr"/>
-          <a:lstStyle/>
-          <a:p>
-            <a:pPr algn="ctr"/>
-            <a:endParaRPr lang="es-ES" dirty="0"/>
-          </a:p>
-        </p:txBody>
-      </p:sp>
-      <p:sp>
-        <p:nvSpPr>
-          <p:cNvPr id="74" name="Arrow: Right 73">
-            <a:extLst>
-              <a:ext uri="{FF2B5EF4-FFF2-40B4-BE49-F238E27FC236}">
-                <a16:creationId xmlns:a16="http://schemas.microsoft.com/office/drawing/2014/main" id="{8C6938DA-CC03-4A4B-93D7-E8D8B629D960}"/>
-              </a:ext>
-            </a:extLst>
-          </p:cNvPr>
-          <p:cNvSpPr/>
-          <p:nvPr/>
-        </p:nvSpPr>
-        <p:spPr>
-          <a:xfrm rot="16200000">
-            <a:off x="9778569" y="3522385"/>
-            <a:ext cx="1516050" cy="309633"/>
-          </a:xfrm>
-          <a:prstGeom prst="rightArrow">
-            <a:avLst/>
-          </a:prstGeom>
-          <a:solidFill>
-            <a:srgbClr val="FF0000"/>
-          </a:solidFill>
-        </p:spPr>
-        <p:style>
-          <a:lnRef idx="2">
-            <a:schemeClr val="accent1">
-              <a:shade val="50000"/>
-            </a:schemeClr>
-          </a:lnRef>
-          <a:fillRef idx="1">
-            <a:schemeClr val="accent1"/>
-          </a:fillRef>
-          <a:effectRef idx="0">
-            <a:schemeClr val="accent1"/>
-          </a:effectRef>
-          <a:fontRef idx="minor">
-            <a:schemeClr val="lt1"/>
-          </a:fontRef>
-        </p:style>
-        <p:txBody>
-          <a:bodyPr rtlCol="0" anchor="ctr"/>
-          <a:lstStyle/>
-          <a:p>
-            <a:pPr algn="ctr"/>
-            <a:endParaRPr lang="es-ES" dirty="0"/>
-          </a:p>
-        </p:txBody>
-      </p:sp>
-      <p:pic>
-        <p:nvPicPr>
-          <p:cNvPr id="6" name="Picture 5">
-            <a:extLst>
-              <a:ext uri="{FF2B5EF4-FFF2-40B4-BE49-F238E27FC236}">
-                <a16:creationId xmlns:a16="http://schemas.microsoft.com/office/drawing/2014/main" id="{1ADC9818-62D3-4832-B767-9DFABD4AEB4A}"/>
-              </a:ext>
-            </a:extLst>
-          </p:cNvPr>
-          <p:cNvPicPr>
-            <a:picLocks noChangeAspect="1"/>
-          </p:cNvPicPr>
-          <p:nvPr/>
-        </p:nvPicPr>
-        <p:blipFill>
-          <a:blip r:embed="rId11">
-            <a:extLst>
-              <a:ext uri="{28A0092B-C50C-407E-A947-70E740481C1C}">
-                <a14:useLocalDpi xmlns:a14="http://schemas.microsoft.com/office/drawing/2010/main" val="0"/>
-              </a:ext>
-            </a:extLst>
-          </a:blip>
-          <a:stretch>
-            <a:fillRect/>
-          </a:stretch>
-        </p:blipFill>
-        <p:spPr>
-          <a:xfrm>
-            <a:off x="6723505" y="4219534"/>
-            <a:ext cx="1023652" cy="1028772"/>
+      </p:cxnSp>
+      <p:sp>
+        <p:nvSpPr>
+          <p:cNvPr id="76" name="TextBox 75">
+            <a:extLst>
+              <a:ext uri="{FF2B5EF4-FFF2-40B4-BE49-F238E27FC236}">
+                <a16:creationId xmlns:a16="http://schemas.microsoft.com/office/drawing/2014/main" id="{B4507746-7ADF-E188-0046-DE30C2771540}"/>
+              </a:ext>
+            </a:extLst>
+          </p:cNvPr>
+          <p:cNvSpPr txBox="1"/>
+          <p:nvPr/>
+        </p:nvSpPr>
+        <p:spPr>
+          <a:xfrm>
+            <a:off x="30704" y="2813097"/>
+            <a:ext cx="1688091" cy="276999"/>
           </a:xfrm>
           <a:prstGeom prst="rect">
             <a:avLst/>
           </a:prstGeom>
-        </p:spPr>
-      </p:pic>
-      <p:sp>
-        <p:nvSpPr>
-          <p:cNvPr id="76" name="TextBox 75">
-            <a:extLst>
-              <a:ext uri="{FF2B5EF4-FFF2-40B4-BE49-F238E27FC236}">
-                <a16:creationId xmlns:a16="http://schemas.microsoft.com/office/drawing/2014/main" id="{7D9866A0-4633-4FA3-8A64-CB8C79A5FA59}"/>
-              </a:ext>
-            </a:extLst>
-          </p:cNvPr>
-          <p:cNvSpPr txBox="1"/>
-          <p:nvPr/>
-        </p:nvSpPr>
-        <p:spPr>
-          <a:xfrm>
-            <a:off x="6919342" y="3911587"/>
-            <a:ext cx="786795" cy="246221"/>
-          </a:xfrm>
-          <a:prstGeom prst="rect">
-            <a:avLst/>
-          </a:prstGeom>
-          <a:solidFill>
-            <a:srgbClr val="C00000"/>
-          </a:solidFill>
-        </p:spPr>
-        <p:txBody>
-          <a:bodyPr wrap="square">
+          <a:noFill/>
+        </p:spPr>
+        <p:txBody>
+          <a:bodyPr wrap="none" rtlCol="0">
             <a:spAutoFit/>
           </a:bodyPr>
           <a:lstStyle/>
           <a:p>
             <a:r>
-              <a:rPr lang="es-MX" sz="1000" dirty="0">
+              <a:rPr lang="es-AR" sz="1200" dirty="0">
                 <a:solidFill>
-                  <a:schemeClr val="tx2">
-                    <a:lumMod val="20000"/>
-                    <a:lumOff val="80000"/>
+                  <a:schemeClr val="accent1">
+                    <a:lumMod val="75000"/>
                   </a:schemeClr>
                 </a:solidFill>
-                <a:latin typeface="Consolas" panose="020B0609020204030204" pitchFamily="49" charset="0"/>
               </a:rPr>
-              <a:t>CLIENTES</a:t>
-            </a:r>
-            <a:endParaRPr lang="es-ES" sz="1000" dirty="0">
+              <a:t>http://localhost:5432/…</a:t>
+            </a:r>
+            <a:endParaRPr lang="es-ES" sz="1200" dirty="0">
               <a:solidFill>
-                <a:schemeClr val="tx2">
-                  <a:lumMod val="20000"/>
-                  <a:lumOff val="80000"/>
+                <a:schemeClr val="accent1">
+                  <a:lumMod val="75000"/>
                 </a:schemeClr>
               </a:solidFill>
             </a:endParaRPr>
           </a:p>
         </p:txBody>
       </p:sp>
-      <p:pic>
-        <p:nvPicPr>
-          <p:cNvPr id="57" name="Picture 56">
-            <a:extLst>
-              <a:ext uri="{FF2B5EF4-FFF2-40B4-BE49-F238E27FC236}">
-                <a16:creationId xmlns:a16="http://schemas.microsoft.com/office/drawing/2014/main" id="{0953536E-3149-583A-B6B3-9A5EE868186F}"/>
-              </a:ext>
-            </a:extLst>
-          </p:cNvPr>
-          <p:cNvPicPr>
-            <a:picLocks noChangeAspect="1"/>
-          </p:cNvPicPr>
-          <p:nvPr/>
-        </p:nvPicPr>
-        <p:blipFill>
-          <a:blip r:embed="rId5">
-            <a:extLst>
-              <a:ext uri="{28A0092B-C50C-407E-A947-70E740481C1C}">
-                <a14:useLocalDpi xmlns:a14="http://schemas.microsoft.com/office/drawing/2010/main" val="0"/>
-              </a:ext>
-            </a:extLst>
-          </a:blip>
-          <a:stretch>
-            <a:fillRect/>
-          </a:stretch>
-        </p:blipFill>
-        <p:spPr>
-          <a:xfrm>
-            <a:off x="2252339" y="2789977"/>
-            <a:ext cx="819291" cy="779454"/>
+      <p:sp>
+        <p:nvSpPr>
+          <p:cNvPr id="77" name="TextBox 76">
+            <a:extLst>
+              <a:ext uri="{FF2B5EF4-FFF2-40B4-BE49-F238E27FC236}">
+                <a16:creationId xmlns:a16="http://schemas.microsoft.com/office/drawing/2014/main" id="{AC4778B1-B040-FDFF-83C2-D68C83862437}"/>
+              </a:ext>
+            </a:extLst>
+          </p:cNvPr>
+          <p:cNvSpPr txBox="1"/>
+          <p:nvPr/>
+        </p:nvSpPr>
+        <p:spPr>
+          <a:xfrm>
+            <a:off x="30705" y="6149467"/>
+            <a:ext cx="1688091" cy="276999"/>
           </a:xfrm>
           <a:prstGeom prst="rect">
             <a:avLst/>
           </a:prstGeom>
-        </p:spPr>
-      </p:pic>
-      <p:pic>
-        <p:nvPicPr>
-          <p:cNvPr id="82" name="Picture 81">
-            <a:extLst>
-              <a:ext uri="{FF2B5EF4-FFF2-40B4-BE49-F238E27FC236}">
-                <a16:creationId xmlns:a16="http://schemas.microsoft.com/office/drawing/2014/main" id="{2A8A6B62-871E-E54F-714A-64EB67A275EF}"/>
-              </a:ext>
-            </a:extLst>
-          </p:cNvPr>
-          <p:cNvPicPr>
-            <a:picLocks noChangeAspect="1"/>
-          </p:cNvPicPr>
-          <p:nvPr/>
-        </p:nvPicPr>
-        <p:blipFill>
-          <a:blip r:embed="rId5">
-            <a:extLst>
-              <a:ext uri="{28A0092B-C50C-407E-A947-70E740481C1C}">
-                <a14:useLocalDpi xmlns:a14="http://schemas.microsoft.com/office/drawing/2010/main" val="0"/>
-              </a:ext>
-            </a:extLst>
-          </a:blip>
-          <a:stretch>
-            <a:fillRect/>
-          </a:stretch>
-        </p:blipFill>
-        <p:spPr>
-          <a:xfrm>
-            <a:off x="2346735" y="6031561"/>
-            <a:ext cx="819291" cy="779454"/>
-          </a:xfrm>
-          <a:prstGeom prst="rect">
-            <a:avLst/>
-          </a:prstGeom>
-        </p:spPr>
-      </p:pic>
-      <p:sp>
-        <p:nvSpPr>
-          <p:cNvPr id="87" name="Arrow: Right 86">
-            <a:extLst>
-              <a:ext uri="{FF2B5EF4-FFF2-40B4-BE49-F238E27FC236}">
-                <a16:creationId xmlns:a16="http://schemas.microsoft.com/office/drawing/2014/main" id="{E93459AA-2244-2A59-426C-1AB4F3208581}"/>
-              </a:ext>
-            </a:extLst>
-          </p:cNvPr>
-          <p:cNvSpPr/>
-          <p:nvPr/>
-        </p:nvSpPr>
-        <p:spPr>
-          <a:xfrm rot="10800000">
-            <a:off x="11223285" y="5568800"/>
-            <a:ext cx="559412" cy="309633"/>
-          </a:xfrm>
-          <a:prstGeom prst="rightArrow">
-            <a:avLst/>
-          </a:prstGeom>
-          <a:solidFill>
-            <a:schemeClr val="accent6">
-              <a:lumMod val="75000"/>
-            </a:schemeClr>
-          </a:solidFill>
-        </p:spPr>
-        <p:style>
-          <a:lnRef idx="2">
-            <a:schemeClr val="accent1">
-              <a:shade val="50000"/>
-            </a:schemeClr>
-          </a:lnRef>
-          <a:fillRef idx="1">
-            <a:schemeClr val="accent1"/>
-          </a:fillRef>
-          <a:effectRef idx="0">
-            <a:schemeClr val="accent1"/>
-          </a:effectRef>
-          <a:fontRef idx="minor">
-            <a:schemeClr val="lt1"/>
-          </a:fontRef>
-        </p:style>
-        <p:txBody>
-          <a:bodyPr rtlCol="0" anchor="ctr"/>
-          <a:lstStyle/>
-          <a:p>
-            <a:pPr algn="ctr"/>
-            <a:endParaRPr lang="es-ES" dirty="0"/>
-          </a:p>
-        </p:txBody>
-      </p:sp>
-      <p:sp>
-        <p:nvSpPr>
-          <p:cNvPr id="89" name="TextBox 88">
-            <a:extLst>
-              <a:ext uri="{FF2B5EF4-FFF2-40B4-BE49-F238E27FC236}">
-                <a16:creationId xmlns:a16="http://schemas.microsoft.com/office/drawing/2014/main" id="{879A8FEA-8AB5-88D6-492F-AE2C111BEE63}"/>
-              </a:ext>
-            </a:extLst>
-          </p:cNvPr>
-          <p:cNvSpPr txBox="1"/>
-          <p:nvPr/>
-        </p:nvSpPr>
-        <p:spPr>
-          <a:xfrm>
-            <a:off x="8594882" y="3287846"/>
-            <a:ext cx="1356061" cy="400110"/>
-          </a:xfrm>
-          <a:prstGeom prst="rect">
-            <a:avLst/>
-          </a:prstGeom>
-          <a:solidFill>
-            <a:srgbClr val="FF0000"/>
-          </a:solidFill>
-        </p:spPr>
-        <p:txBody>
-          <a:bodyPr wrap="square">
+          <a:noFill/>
+        </p:spPr>
+        <p:txBody>
+          <a:bodyPr wrap="none" rtlCol="0">
             <a:spAutoFit/>
           </a:bodyPr>
           <a:lstStyle/>
           <a:p>
             <a:r>
-              <a:rPr lang="es-MX" sz="1000" dirty="0">
+              <a:rPr lang="es-AR" sz="1200" dirty="0">
                 <a:solidFill>
-                  <a:schemeClr val="tx2">
-                    <a:lumMod val="20000"/>
-                    <a:lumOff val="80000"/>
+                  <a:schemeClr val="accent1">
+                    <a:lumMod val="75000"/>
                   </a:schemeClr>
                 </a:solidFill>
-                <a:latin typeface="Consolas" panose="020B0609020204030204" pitchFamily="49" charset="0"/>
               </a:rPr>
-              <a:t>ADMINISTRADORES</a:t>
-            </a:r>
-          </a:p>
-          <a:p>
-            <a:endParaRPr lang="es-ES" sz="1000" dirty="0">
+              <a:t>http://localhost:3306/…</a:t>
+            </a:r>
+            <a:endParaRPr lang="es-ES" sz="1200" dirty="0">
               <a:solidFill>
-                <a:schemeClr val="tx2">
-                  <a:lumMod val="20000"/>
-                  <a:lumOff val="80000"/>
+                <a:schemeClr val="accent1">
+                  <a:lumMod val="75000"/>
                 </a:schemeClr>
               </a:solidFill>
             </a:endParaRPr>
           </a:p>
         </p:txBody>
       </p:sp>
-      <p:sp>
-        <p:nvSpPr>
-          <p:cNvPr id="90" name="Arrow: Right 89">
-            <a:extLst>
-              <a:ext uri="{FF2B5EF4-FFF2-40B4-BE49-F238E27FC236}">
-                <a16:creationId xmlns:a16="http://schemas.microsoft.com/office/drawing/2014/main" id="{7595411F-E123-8AA0-C690-E7E36BDEC8C3}"/>
-              </a:ext>
-            </a:extLst>
-          </p:cNvPr>
-          <p:cNvSpPr/>
-          <p:nvPr/>
-        </p:nvSpPr>
-        <p:spPr>
-          <a:xfrm>
-            <a:off x="9833496" y="4187181"/>
-            <a:ext cx="824213" cy="309633"/>
-          </a:xfrm>
-          <a:prstGeom prst="rightArrow">
-            <a:avLst/>
-          </a:prstGeom>
-          <a:solidFill>
-            <a:srgbClr val="FF0000"/>
-          </a:solidFill>
-        </p:spPr>
-        <p:style>
-          <a:lnRef idx="2">
-            <a:schemeClr val="accent1">
-              <a:shade val="50000"/>
-            </a:schemeClr>
-          </a:lnRef>
-          <a:fillRef idx="1">
-            <a:schemeClr val="accent1"/>
-          </a:fillRef>
-          <a:effectRef idx="0">
-            <a:schemeClr val="accent1"/>
-          </a:effectRef>
-          <a:fontRef idx="minor">
-            <a:schemeClr val="lt1"/>
-          </a:fontRef>
-        </p:style>
-        <p:txBody>
-          <a:bodyPr rtlCol="0" anchor="ctr"/>
-          <a:lstStyle/>
-          <a:p>
-            <a:pPr algn="ctr"/>
-            <a:endParaRPr lang="es-ES" dirty="0"/>
-          </a:p>
-        </p:txBody>
-      </p:sp>
-      <p:sp>
-        <p:nvSpPr>
-          <p:cNvPr id="91" name="Arrow: Right 90">
-            <a:extLst>
-              <a:ext uri="{FF2B5EF4-FFF2-40B4-BE49-F238E27FC236}">
-                <a16:creationId xmlns:a16="http://schemas.microsoft.com/office/drawing/2014/main" id="{C11A1B92-E78B-A7DD-499C-556063E5E07C}"/>
-              </a:ext>
-            </a:extLst>
-          </p:cNvPr>
-          <p:cNvSpPr/>
-          <p:nvPr/>
-        </p:nvSpPr>
-        <p:spPr>
-          <a:xfrm rot="5400000">
-            <a:off x="10134355" y="4479062"/>
-            <a:ext cx="824213" cy="309633"/>
-          </a:xfrm>
-          <a:prstGeom prst="rightArrow">
-            <a:avLst/>
-          </a:prstGeom>
-          <a:solidFill>
-            <a:srgbClr val="FF0000"/>
-          </a:solidFill>
-        </p:spPr>
-        <p:style>
-          <a:lnRef idx="2">
-            <a:schemeClr val="accent1">
-              <a:shade val="50000"/>
-            </a:schemeClr>
-          </a:lnRef>
-          <a:fillRef idx="1">
-            <a:schemeClr val="accent1"/>
-          </a:fillRef>
-          <a:effectRef idx="0">
-            <a:schemeClr val="accent1"/>
-          </a:effectRef>
-          <a:fontRef idx="minor">
-            <a:schemeClr val="lt1"/>
-          </a:fontRef>
-        </p:style>
-        <p:txBody>
-          <a:bodyPr rtlCol="0" anchor="ctr"/>
-          <a:lstStyle/>
-          <a:p>
-            <a:pPr algn="ctr"/>
-            <a:endParaRPr lang="es-ES" dirty="0"/>
-          </a:p>
-        </p:txBody>
-      </p:sp>
-      <p:sp>
-        <p:nvSpPr>
-          <p:cNvPr id="92" name="Arrow: Right 91">
-            <a:extLst>
-              <a:ext uri="{FF2B5EF4-FFF2-40B4-BE49-F238E27FC236}">
-                <a16:creationId xmlns:a16="http://schemas.microsoft.com/office/drawing/2014/main" id="{3DB93D8A-6D33-F3FB-176A-CCE95CB479A5}"/>
-              </a:ext>
-            </a:extLst>
-          </p:cNvPr>
-          <p:cNvSpPr/>
-          <p:nvPr/>
-        </p:nvSpPr>
-        <p:spPr>
-          <a:xfrm rot="10800000">
-            <a:off x="5556921" y="3072909"/>
-            <a:ext cx="1187614" cy="309633"/>
-          </a:xfrm>
-          <a:prstGeom prst="rightArrow">
-            <a:avLst>
-              <a:gd name="adj1" fmla="val 50000"/>
-              <a:gd name="adj2" fmla="val 50000"/>
-            </a:avLst>
-          </a:prstGeom>
-          <a:solidFill>
-            <a:srgbClr val="C00000"/>
-          </a:solidFill>
-        </p:spPr>
-        <p:style>
-          <a:lnRef idx="2">
-            <a:schemeClr val="accent1">
-              <a:shade val="50000"/>
-            </a:schemeClr>
-          </a:lnRef>
-          <a:fillRef idx="1">
-            <a:schemeClr val="accent1"/>
-          </a:fillRef>
-          <a:effectRef idx="0">
-            <a:schemeClr val="accent1"/>
-          </a:effectRef>
-          <a:fontRef idx="minor">
-            <a:schemeClr val="lt1"/>
-          </a:fontRef>
-        </p:style>
-        <p:txBody>
-          <a:bodyPr rtlCol="0" anchor="ctr"/>
-          <a:lstStyle/>
-          <a:p>
-            <a:pPr algn="ctr"/>
-            <a:endParaRPr lang="es-ES" dirty="0"/>
-          </a:p>
-        </p:txBody>
-      </p:sp>
-      <p:sp>
-        <p:nvSpPr>
-          <p:cNvPr id="93" name="Arrow: Right 92">
-            <a:extLst>
-              <a:ext uri="{FF2B5EF4-FFF2-40B4-BE49-F238E27FC236}">
-                <a16:creationId xmlns:a16="http://schemas.microsoft.com/office/drawing/2014/main" id="{5E7E1FA2-186A-14AC-342B-4C2FAB14E9B0}"/>
-              </a:ext>
-            </a:extLst>
-          </p:cNvPr>
-          <p:cNvSpPr/>
-          <p:nvPr/>
-        </p:nvSpPr>
-        <p:spPr>
-          <a:xfrm rot="16200000">
-            <a:off x="5718266" y="3673200"/>
-            <a:ext cx="2010478" cy="309633"/>
-          </a:xfrm>
-          <a:prstGeom prst="rightArrow">
-            <a:avLst/>
-          </a:prstGeom>
-          <a:solidFill>
-            <a:srgbClr val="C00000"/>
-          </a:solidFill>
-        </p:spPr>
-        <p:style>
-          <a:lnRef idx="2">
-            <a:schemeClr val="accent1">
-              <a:shade val="50000"/>
-            </a:schemeClr>
-          </a:lnRef>
-          <a:fillRef idx="1">
-            <a:schemeClr val="accent1"/>
-          </a:fillRef>
-          <a:effectRef idx="0">
-            <a:schemeClr val="accent1"/>
-          </a:effectRef>
-          <a:fontRef idx="minor">
-            <a:schemeClr val="lt1"/>
-          </a:fontRef>
-        </p:style>
-        <p:txBody>
-          <a:bodyPr rtlCol="0" anchor="ctr"/>
-          <a:lstStyle/>
-          <a:p>
-            <a:pPr algn="ctr"/>
-            <a:endParaRPr lang="es-ES" dirty="0"/>
-          </a:p>
-        </p:txBody>
-      </p:sp>
-      <p:sp>
-        <p:nvSpPr>
-          <p:cNvPr id="94" name="Arrow: Right 93">
-            <a:extLst>
-              <a:ext uri="{FF2B5EF4-FFF2-40B4-BE49-F238E27FC236}">
-                <a16:creationId xmlns:a16="http://schemas.microsoft.com/office/drawing/2014/main" id="{7AC44B59-6DF3-1F04-2E20-494A81F346C0}"/>
-              </a:ext>
-            </a:extLst>
-          </p:cNvPr>
-          <p:cNvSpPr/>
-          <p:nvPr/>
-        </p:nvSpPr>
-        <p:spPr>
-          <a:xfrm rot="5400000">
-            <a:off x="6699469" y="3865512"/>
-            <a:ext cx="2758130" cy="309633"/>
-          </a:xfrm>
-          <a:prstGeom prst="rightArrow">
-            <a:avLst/>
-          </a:prstGeom>
-          <a:solidFill>
-            <a:schemeClr val="accent2">
-              <a:lumMod val="60000"/>
-              <a:lumOff val="40000"/>
-            </a:schemeClr>
-          </a:solidFill>
-        </p:spPr>
-        <p:style>
-          <a:lnRef idx="2">
-            <a:schemeClr val="accent1">
-              <a:shade val="50000"/>
-            </a:schemeClr>
-          </a:lnRef>
-          <a:fillRef idx="1">
-            <a:schemeClr val="accent1"/>
-          </a:fillRef>
-          <a:effectRef idx="0">
-            <a:schemeClr val="accent1"/>
-          </a:effectRef>
-          <a:fontRef idx="minor">
-            <a:schemeClr val="lt1"/>
-          </a:fontRef>
-        </p:style>
-        <p:txBody>
-          <a:bodyPr rtlCol="0" anchor="ctr"/>
-          <a:lstStyle/>
-          <a:p>
-            <a:pPr algn="ctr"/>
-            <a:endParaRPr lang="es-ES" dirty="0"/>
-          </a:p>
-        </p:txBody>
-      </p:sp>
-      <p:sp>
-        <p:nvSpPr>
-          <p:cNvPr id="95" name="Arrow: Right 94">
-            <a:extLst>
-              <a:ext uri="{FF2B5EF4-FFF2-40B4-BE49-F238E27FC236}">
-                <a16:creationId xmlns:a16="http://schemas.microsoft.com/office/drawing/2014/main" id="{91950429-666C-4586-E918-24D67DEFC1E4}"/>
-              </a:ext>
-            </a:extLst>
-          </p:cNvPr>
-          <p:cNvSpPr/>
-          <p:nvPr/>
-        </p:nvSpPr>
-        <p:spPr>
-          <a:xfrm>
-            <a:off x="7959492" y="5160046"/>
-            <a:ext cx="1751040" cy="309633"/>
-          </a:xfrm>
-          <a:prstGeom prst="rightArrow">
-            <a:avLst/>
-          </a:prstGeom>
-          <a:solidFill>
-            <a:schemeClr val="accent2">
-              <a:lumMod val="60000"/>
-              <a:lumOff val="40000"/>
-            </a:schemeClr>
-          </a:solidFill>
-        </p:spPr>
-        <p:style>
-          <a:lnRef idx="2">
-            <a:schemeClr val="accent1">
-              <a:shade val="50000"/>
-            </a:schemeClr>
-          </a:lnRef>
-          <a:fillRef idx="1">
-            <a:schemeClr val="accent1"/>
-          </a:fillRef>
-          <a:effectRef idx="0">
-            <a:schemeClr val="accent1"/>
-          </a:effectRef>
-          <a:fontRef idx="minor">
-            <a:schemeClr val="lt1"/>
-          </a:fontRef>
-        </p:style>
-        <p:txBody>
-          <a:bodyPr rtlCol="0" anchor="ctr"/>
-          <a:lstStyle/>
-          <a:p>
-            <a:pPr algn="ctr"/>
-            <a:endParaRPr lang="es-ES" dirty="0"/>
-          </a:p>
-        </p:txBody>
-      </p:sp>
-      <p:pic>
-        <p:nvPicPr>
-          <p:cNvPr id="10" name="Picture 9">
-            <a:extLst>
-              <a:ext uri="{FF2B5EF4-FFF2-40B4-BE49-F238E27FC236}">
-                <a16:creationId xmlns:a16="http://schemas.microsoft.com/office/drawing/2014/main" id="{DF7FBEF9-8402-EE63-0D00-C8393E4EC1F7}"/>
-              </a:ext>
-            </a:extLst>
-          </p:cNvPr>
-          <p:cNvPicPr>
-            <a:picLocks noChangeAspect="1"/>
-          </p:cNvPicPr>
-          <p:nvPr/>
-        </p:nvPicPr>
-        <p:blipFill>
-          <a:blip r:embed="rId12">
-            <a:extLst>
-              <a:ext uri="{28A0092B-C50C-407E-A947-70E740481C1C}">
-                <a14:useLocalDpi xmlns:a14="http://schemas.microsoft.com/office/drawing/2010/main" val="0"/>
-              </a:ext>
-            </a:extLst>
-          </a:blip>
-          <a:stretch>
-            <a:fillRect/>
-          </a:stretch>
-        </p:blipFill>
-        <p:spPr>
-          <a:xfrm>
-            <a:off x="8557908" y="3487278"/>
-            <a:ext cx="1393035" cy="1552213"/>
-          </a:xfrm>
-          <a:prstGeom prst="rect">
-            <a:avLst/>
-          </a:prstGeom>
-        </p:spPr>
-      </p:pic>
     </p:spTree>
     <p:extLst>
       <p:ext uri="{BB962C8B-B14F-4D97-AF65-F5344CB8AC3E}">
-        <p14:creationId xmlns:p14="http://schemas.microsoft.com/office/powerpoint/2010/main" val="385979555"/>
+        <p14:creationId xmlns:p14="http://schemas.microsoft.com/office/powerpoint/2010/main" val="3094494441"/>
       </p:ext>
     </p:extLst>
   </p:cSld>
